--- a/React-Tutorial.pptx
+++ b/React-Tutorial.pptx
@@ -13,39 +13,39 @@
     <p:sldId id="261" r:id="rId7"/>
     <p:sldId id="262" r:id="rId8"/>
     <p:sldId id="263" r:id="rId9"/>
-    <p:sldId id="331" r:id="rId10"/>
-    <p:sldId id="333" r:id="rId11"/>
-    <p:sldId id="334" r:id="rId12"/>
-    <p:sldId id="335" r:id="rId13"/>
-    <p:sldId id="336" r:id="rId14"/>
-    <p:sldId id="337" r:id="rId15"/>
-    <p:sldId id="338" r:id="rId16"/>
-    <p:sldId id="339" r:id="rId17"/>
-    <p:sldId id="340" r:id="rId18"/>
-    <p:sldId id="341" r:id="rId19"/>
-    <p:sldId id="342" r:id="rId20"/>
-    <p:sldId id="343" r:id="rId21"/>
-    <p:sldId id="344" r:id="rId22"/>
-    <p:sldId id="345" r:id="rId23"/>
-    <p:sldId id="346" r:id="rId24"/>
-    <p:sldId id="347" r:id="rId25"/>
-    <p:sldId id="348" r:id="rId26"/>
-    <p:sldId id="349" r:id="rId27"/>
-    <p:sldId id="350" r:id="rId28"/>
-    <p:sldId id="351" r:id="rId29"/>
-    <p:sldId id="352" r:id="rId30"/>
-    <p:sldId id="353" r:id="rId31"/>
-    <p:sldId id="354" r:id="rId32"/>
-    <p:sldId id="355" r:id="rId33"/>
-    <p:sldId id="356" r:id="rId34"/>
-    <p:sldId id="357" r:id="rId35"/>
-    <p:sldId id="358" r:id="rId36"/>
-    <p:sldId id="359" r:id="rId37"/>
-    <p:sldId id="360" r:id="rId38"/>
-    <p:sldId id="361" r:id="rId39"/>
-    <p:sldId id="274" r:id="rId40"/>
-    <p:sldId id="275" r:id="rId41"/>
-    <p:sldId id="286" r:id="rId42"/>
+    <p:sldId id="362" r:id="rId10"/>
+    <p:sldId id="331" r:id="rId11"/>
+    <p:sldId id="333" r:id="rId12"/>
+    <p:sldId id="334" r:id="rId13"/>
+    <p:sldId id="335" r:id="rId14"/>
+    <p:sldId id="336" r:id="rId15"/>
+    <p:sldId id="337" r:id="rId16"/>
+    <p:sldId id="338" r:id="rId17"/>
+    <p:sldId id="363" r:id="rId18"/>
+    <p:sldId id="339" r:id="rId19"/>
+    <p:sldId id="340" r:id="rId20"/>
+    <p:sldId id="341" r:id="rId21"/>
+    <p:sldId id="342" r:id="rId22"/>
+    <p:sldId id="343" r:id="rId23"/>
+    <p:sldId id="344" r:id="rId24"/>
+    <p:sldId id="345" r:id="rId25"/>
+    <p:sldId id="346" r:id="rId26"/>
+    <p:sldId id="347" r:id="rId27"/>
+    <p:sldId id="348" r:id="rId28"/>
+    <p:sldId id="364" r:id="rId29"/>
+    <p:sldId id="349" r:id="rId30"/>
+    <p:sldId id="350" r:id="rId31"/>
+    <p:sldId id="351" r:id="rId32"/>
+    <p:sldId id="352" r:id="rId33"/>
+    <p:sldId id="353" r:id="rId34"/>
+    <p:sldId id="354" r:id="rId35"/>
+    <p:sldId id="355" r:id="rId36"/>
+    <p:sldId id="356" r:id="rId37"/>
+    <p:sldId id="357" r:id="rId38"/>
+    <p:sldId id="358" r:id="rId39"/>
+    <p:sldId id="359" r:id="rId40"/>
+    <p:sldId id="360" r:id="rId41"/>
+    <p:sldId id="361" r:id="rId42"/>
     <p:sldId id="298" r:id="rId43"/>
     <p:sldId id="300" r:id="rId44"/>
     <p:sldId id="328" r:id="rId45"/>
@@ -777,7 +777,7 @@
             <a:fld id="{1D8BD707-D9CF-40AE-B4C6-C98DA3205C09}" type="datetimeFigureOut">
               <a:rPr lang="en-US" smtClean="0"/>
               <a:pPr/>
-              <a:t>15/04/2018</a:t>
+              <a:t>19-Apr-18</a:t>
             </a:fld>
             <a:endParaRPr lang="en-US"/>
           </a:p>
@@ -975,7 +975,7 @@
             <a:fld id="{1D8BD707-D9CF-40AE-B4C6-C98DA3205C09}" type="datetimeFigureOut">
               <a:rPr lang="en-US" smtClean="0"/>
               <a:pPr/>
-              <a:t>15/04/2018</a:t>
+              <a:t>19-Apr-18</a:t>
             </a:fld>
             <a:endParaRPr lang="en-US"/>
           </a:p>
@@ -1162,7 +1162,7 @@
             <a:fld id="{1D8BD707-D9CF-40AE-B4C6-C98DA3205C09}" type="datetimeFigureOut">
               <a:rPr lang="en-US" smtClean="0"/>
               <a:pPr/>
-              <a:t>15/04/2018</a:t>
+              <a:t>19-Apr-18</a:t>
             </a:fld>
             <a:endParaRPr lang="en-US"/>
           </a:p>
@@ -1314,7 +1314,7 @@
             <a:fld id="{1D8BD707-D9CF-40AE-B4C6-C98DA3205C09}" type="datetimeFigureOut">
               <a:rPr lang="en-US" smtClean="0"/>
               <a:pPr/>
-              <a:t>15/04/2018</a:t>
+              <a:t>19-Apr-18</a:t>
             </a:fld>
             <a:endParaRPr lang="en-US"/>
           </a:p>
@@ -1571,7 +1571,7 @@
             <a:fld id="{1D8BD707-D9CF-40AE-B4C6-C98DA3205C09}" type="datetimeFigureOut">
               <a:rPr lang="en-US" smtClean="0"/>
               <a:pPr/>
-              <a:t>15/04/2018</a:t>
+              <a:t>19-Apr-18</a:t>
             </a:fld>
             <a:endParaRPr lang="en-US"/>
           </a:p>
@@ -1982,7 +1982,7 @@
             <a:fld id="{1D8BD707-D9CF-40AE-B4C6-C98DA3205C09}" type="datetimeFigureOut">
               <a:rPr lang="en-US" smtClean="0"/>
               <a:pPr/>
-              <a:t>15/04/2018</a:t>
+              <a:t>19-Apr-18</a:t>
             </a:fld>
             <a:endParaRPr lang="en-US"/>
           </a:p>
@@ -2430,7 +2430,7 @@
             <a:fld id="{1D8BD707-D9CF-40AE-B4C6-C98DA3205C09}" type="datetimeFigureOut">
               <a:rPr lang="en-US" smtClean="0"/>
               <a:pPr/>
-              <a:t>15/04/2018</a:t>
+              <a:t>19-Apr-18</a:t>
             </a:fld>
             <a:endParaRPr lang="en-US"/>
           </a:p>
@@ -2533,7 +2533,7 @@
             <a:fld id="{1D8BD707-D9CF-40AE-B4C6-C98DA3205C09}" type="datetimeFigureOut">
               <a:rPr lang="en-US" smtClean="0"/>
               <a:pPr/>
-              <a:t>15/04/2018</a:t>
+              <a:t>19-Apr-18</a:t>
             </a:fld>
             <a:endParaRPr lang="en-US"/>
           </a:p>
@@ -2656,7 +2656,7 @@
             <a:fld id="{1D8BD707-D9CF-40AE-B4C6-C98DA3205C09}" type="datetimeFigureOut">
               <a:rPr lang="en-US" smtClean="0"/>
               <a:pPr/>
-              <a:t>15/04/2018</a:t>
+              <a:t>19-Apr-18</a:t>
             </a:fld>
             <a:endParaRPr lang="en-US"/>
           </a:p>
@@ -2932,7 +2932,7 @@
             <a:fld id="{1D8BD707-D9CF-40AE-B4C6-C98DA3205C09}" type="datetimeFigureOut">
               <a:rPr lang="en-US" smtClean="0"/>
               <a:pPr/>
-              <a:t>15/04/2018</a:t>
+              <a:t>19-Apr-18</a:t>
             </a:fld>
             <a:endParaRPr lang="en-US"/>
           </a:p>
@@ -3139,7 +3139,7 @@
             <a:fld id="{1D8BD707-D9CF-40AE-B4C6-C98DA3205C09}" type="datetimeFigureOut">
               <a:rPr lang="en-US" smtClean="0"/>
               <a:pPr/>
-              <a:t>15/04/2018</a:t>
+              <a:t>19-Apr-18</a:t>
             </a:fld>
             <a:endParaRPr lang="en-US"/>
           </a:p>
@@ -4250,7 +4250,7 @@
             <a:fld id="{1D8BD707-D9CF-40AE-B4C6-C98DA3205C09}" type="datetimeFigureOut">
               <a:rPr lang="en-US" smtClean="0"/>
               <a:pPr/>
-              <a:t>15/04/2018</a:t>
+              <a:t>19-Apr-18</a:t>
             </a:fld>
             <a:endParaRPr lang="en-US"/>
           </a:p>
@@ -4768,6 +4768,149 @@
         <p:spPr>
           <a:xfrm>
             <a:off x="228600" y="304800"/>
+            <a:ext cx="1023037" cy="461665"/>
+          </a:xfrm>
+          <a:prstGeom prst="rect">
+            <a:avLst/>
+          </a:prstGeom>
+          <a:noFill/>
+        </p:spPr>
+        <p:txBody>
+          <a:bodyPr wrap="none" rtlCol="0">
+            <a:spAutoFit/>
+          </a:bodyPr>
+          <a:lstStyle/>
+          <a:p>
+            <a:r>
+              <a:rPr lang="en-US" sz="2400" b="1" dirty="0" smtClean="0">
+                <a:solidFill>
+                  <a:schemeClr val="bg2">
+                    <a:lumMod val="50000"/>
+                  </a:schemeClr>
+                </a:solidFill>
+              </a:rPr>
+              <a:t>Setup</a:t>
+            </a:r>
+            <a:endParaRPr lang="en-US" b="1" dirty="0">
+              <a:solidFill>
+                <a:schemeClr val="bg2">
+                  <a:lumMod val="50000"/>
+                </a:schemeClr>
+              </a:solidFill>
+            </a:endParaRPr>
+          </a:p>
+        </p:txBody>
+      </p:sp>
+      <p:sp>
+        <p:nvSpPr>
+          <p:cNvPr id="4" name="TextBox 3"/>
+          <p:cNvSpPr txBox="1"/>
+          <p:nvPr/>
+        </p:nvSpPr>
+        <p:spPr>
+          <a:xfrm>
+            <a:off x="381000" y="990600"/>
+            <a:ext cx="1677062" cy="369332"/>
+          </a:xfrm>
+          <a:prstGeom prst="rect">
+            <a:avLst/>
+          </a:prstGeom>
+          <a:noFill/>
+        </p:spPr>
+        <p:txBody>
+          <a:bodyPr wrap="none" rtlCol="0">
+            <a:spAutoFit/>
+          </a:bodyPr>
+          <a:lstStyle/>
+          <a:p>
+            <a:r>
+              <a:rPr lang="en-US" dirty="0" smtClean="0"/>
+              <a:t>In </a:t>
+            </a:r>
+            <a:r>
+              <a:rPr lang="en-US" i="1" dirty="0" smtClean="0"/>
+              <a:t>Index.html</a:t>
+            </a:r>
+            <a:endParaRPr lang="en-US" i="1" dirty="0"/>
+          </a:p>
+        </p:txBody>
+      </p:sp>
+      <p:pic>
+        <p:nvPicPr>
+          <p:cNvPr id="6" name="Picture 5"/>
+          <p:cNvPicPr>
+            <a:picLocks noChangeAspect="1"/>
+          </p:cNvPicPr>
+          <p:nvPr/>
+        </p:nvPicPr>
+        <p:blipFill>
+          <a:blip r:embed="rId2">
+            <a:extLst>
+              <a:ext uri="{28A0092B-C50C-407E-A947-70E740481C1C}">
+                <a14:useLocalDpi xmlns:a14="http://schemas.microsoft.com/office/drawing/2010/main" val="0"/>
+              </a:ext>
+            </a:extLst>
+          </a:blip>
+          <a:stretch>
+            <a:fillRect/>
+          </a:stretch>
+        </p:blipFill>
+        <p:spPr>
+          <a:xfrm>
+            <a:off x="228600" y="1524000"/>
+            <a:ext cx="8915400" cy="5182002"/>
+          </a:xfrm>
+          <a:prstGeom prst="rect">
+            <a:avLst/>
+          </a:prstGeom>
+        </p:spPr>
+      </p:pic>
+    </p:spTree>
+    <p:extLst>
+      <p:ext uri="{BB962C8B-B14F-4D97-AF65-F5344CB8AC3E}">
+        <p14:creationId xmlns:p14="http://schemas.microsoft.com/office/powerpoint/2010/main" val="1563469630"/>
+      </p:ext>
+    </p:extLst>
+  </p:cSld>
+  <p:clrMapOvr>
+    <a:masterClrMapping/>
+  </p:clrMapOvr>
+  <p:timing>
+    <p:tnLst>
+      <p:par>
+        <p:cTn id="1" dur="indefinite" restart="never" nodeType="tmRoot"/>
+      </p:par>
+    </p:tnLst>
+  </p:timing>
+</p:sld>
+</file>
+
+<file path=ppt/slides/slide11.xml><?xml version="1.0" encoding="utf-8"?>
+<p:sld xmlns:a="http://schemas.openxmlformats.org/drawingml/2006/main" xmlns:r="http://schemas.openxmlformats.org/officeDocument/2006/relationships" xmlns:p="http://schemas.openxmlformats.org/presentationml/2006/main">
+  <p:cSld>
+    <p:spTree>
+      <p:nvGrpSpPr>
+        <p:cNvPr id="1" name=""/>
+        <p:cNvGrpSpPr/>
+        <p:nvPr/>
+      </p:nvGrpSpPr>
+      <p:grpSpPr>
+        <a:xfrm>
+          <a:off x="0" y="0"/>
+          <a:ext cx="0" cy="0"/>
+          <a:chOff x="0" y="0"/>
+          <a:chExt cx="0" cy="0"/>
+        </a:xfrm>
+      </p:grpSpPr>
+      <p:sp>
+        <p:nvSpPr>
+          <p:cNvPr id="2" name="TextBox 1"/>
+          <p:cNvSpPr txBox="1"/>
+          <p:nvPr/>
+        </p:nvSpPr>
+        <p:spPr>
+          <a:xfrm>
+            <a:off x="228600" y="304800"/>
             <a:ext cx="1120820" cy="461665"/>
           </a:xfrm>
           <a:prstGeom prst="rect">
@@ -4955,7 +5098,7 @@
 </p:sld>
 </file>
 
-<file path=ppt/slides/slide11.xml><?xml version="1.0" encoding="utf-8"?>
+<file path=ppt/slides/slide12.xml><?xml version="1.0" encoding="utf-8"?>
 <p:sld xmlns:a="http://schemas.openxmlformats.org/drawingml/2006/main" xmlns:r="http://schemas.openxmlformats.org/officeDocument/2006/relationships" xmlns:p="http://schemas.openxmlformats.org/presentationml/2006/main">
   <p:cSld>
     <p:spTree>
@@ -5326,7 +5469,7 @@
 </p:sld>
 </file>
 
-<file path=ppt/slides/slide12.xml><?xml version="1.0" encoding="utf-8"?>
+<file path=ppt/slides/slide13.xml><?xml version="1.0" encoding="utf-8"?>
 <p:sld xmlns:a="http://schemas.openxmlformats.org/drawingml/2006/main" xmlns:r="http://schemas.openxmlformats.org/officeDocument/2006/relationships" xmlns:p="http://schemas.openxmlformats.org/presentationml/2006/main">
   <p:cSld>
     <p:spTree>
@@ -5595,7 +5738,7 @@
 </p:sld>
 </file>
 
-<file path=ppt/slides/slide13.xml><?xml version="1.0" encoding="utf-8"?>
+<file path=ppt/slides/slide14.xml><?xml version="1.0" encoding="utf-8"?>
 <p:sld xmlns:a="http://schemas.openxmlformats.org/drawingml/2006/main" xmlns:r="http://schemas.openxmlformats.org/officeDocument/2006/relationships" xmlns:p="http://schemas.openxmlformats.org/presentationml/2006/main">
   <p:cSld>
     <p:spTree>
@@ -6154,7 +6297,7 @@
 </p:sld>
 </file>
 
-<file path=ppt/slides/slide14.xml><?xml version="1.0" encoding="utf-8"?>
+<file path=ppt/slides/slide15.xml><?xml version="1.0" encoding="utf-8"?>
 <p:sld xmlns:a="http://schemas.openxmlformats.org/drawingml/2006/main" xmlns:r="http://schemas.openxmlformats.org/officeDocument/2006/relationships" xmlns:p="http://schemas.openxmlformats.org/presentationml/2006/main">
   <p:cSld>
     <p:spTree>
@@ -6487,7 +6630,7 @@
 </p:sld>
 </file>
 
-<file path=ppt/slides/slide15.xml><?xml version="1.0" encoding="utf-8"?>
+<file path=ppt/slides/slide16.xml><?xml version="1.0" encoding="utf-8"?>
 <p:sld xmlns:a="http://schemas.openxmlformats.org/drawingml/2006/main" xmlns:r="http://schemas.openxmlformats.org/officeDocument/2006/relationships" xmlns:p="http://schemas.openxmlformats.org/presentationml/2006/main">
   <p:cSld>
     <p:spTree>
@@ -7125,7 +7268,129 @@
 </p:sld>
 </file>
 
-<file path=ppt/slides/slide16.xml><?xml version="1.0" encoding="utf-8"?>
+<file path=ppt/slides/slide17.xml><?xml version="1.0" encoding="utf-8"?>
+<p:sld xmlns:a="http://schemas.openxmlformats.org/drawingml/2006/main" xmlns:r="http://schemas.openxmlformats.org/officeDocument/2006/relationships" xmlns:p="http://schemas.openxmlformats.org/presentationml/2006/main">
+  <p:cSld>
+    <p:spTree>
+      <p:nvGrpSpPr>
+        <p:cNvPr id="1" name=""/>
+        <p:cNvGrpSpPr/>
+        <p:nvPr/>
+      </p:nvGrpSpPr>
+      <p:grpSpPr>
+        <a:xfrm>
+          <a:off x="0" y="0"/>
+          <a:ext cx="0" cy="0"/>
+          <a:chOff x="0" y="0"/>
+          <a:chExt cx="0" cy="0"/>
+        </a:xfrm>
+      </p:grpSpPr>
+      <p:sp>
+        <p:nvSpPr>
+          <p:cNvPr id="2" name="TextBox 1"/>
+          <p:cNvSpPr txBox="1"/>
+          <p:nvPr/>
+        </p:nvSpPr>
+        <p:spPr>
+          <a:xfrm>
+            <a:off x="990600" y="59063"/>
+            <a:ext cx="7794121" cy="646331"/>
+          </a:xfrm>
+          <a:prstGeom prst="rect">
+            <a:avLst/>
+          </a:prstGeom>
+          <a:noFill/>
+        </p:spPr>
+        <p:txBody>
+          <a:bodyPr wrap="none" rtlCol="0">
+            <a:spAutoFit/>
+          </a:bodyPr>
+          <a:lstStyle/>
+          <a:p>
+            <a:r>
+              <a:rPr lang="en-US" sz="3600" dirty="0" smtClean="0">
+                <a:solidFill>
+                  <a:schemeClr val="bg2">
+                    <a:lumMod val="50000"/>
+                  </a:schemeClr>
+                </a:solidFill>
+                <a:latin typeface="Comic Sans MS" pitchFamily="66" charset="0"/>
+              </a:rPr>
+              <a:t>Thanks to pay your </a:t>
+            </a:r>
+            <a:r>
+              <a:rPr lang="en-US" sz="3600" smtClean="0">
+                <a:solidFill>
+                  <a:schemeClr val="bg2">
+                    <a:lumMod val="50000"/>
+                  </a:schemeClr>
+                </a:solidFill>
+                <a:latin typeface="Comic Sans MS" pitchFamily="66" charset="0"/>
+              </a:rPr>
+              <a:t>attention guys…</a:t>
+            </a:r>
+            <a:endParaRPr lang="en-US" sz="3600" dirty="0">
+              <a:solidFill>
+                <a:schemeClr val="bg2">
+                  <a:lumMod val="50000"/>
+                </a:schemeClr>
+              </a:solidFill>
+              <a:latin typeface="Comic Sans MS" pitchFamily="66" charset="0"/>
+            </a:endParaRPr>
+          </a:p>
+        </p:txBody>
+      </p:sp>
+      <p:pic>
+        <p:nvPicPr>
+          <p:cNvPr id="5" name="Picture 4"/>
+          <p:cNvPicPr>
+            <a:picLocks noChangeAspect="1"/>
+          </p:cNvPicPr>
+          <p:nvPr/>
+        </p:nvPicPr>
+        <p:blipFill>
+          <a:blip r:embed="rId2">
+            <a:extLst>
+              <a:ext uri="{28A0092B-C50C-407E-A947-70E740481C1C}">
+                <a14:useLocalDpi xmlns:a14="http://schemas.microsoft.com/office/drawing/2010/main" val="0"/>
+              </a:ext>
+            </a:extLst>
+          </a:blip>
+          <a:stretch>
+            <a:fillRect/>
+          </a:stretch>
+        </p:blipFill>
+        <p:spPr>
+          <a:xfrm>
+            <a:off x="0" y="838201"/>
+            <a:ext cx="9144000" cy="6019800"/>
+          </a:xfrm>
+          <a:prstGeom prst="rect">
+            <a:avLst/>
+          </a:prstGeom>
+        </p:spPr>
+      </p:pic>
+    </p:spTree>
+    <p:extLst>
+      <p:ext uri="{BB962C8B-B14F-4D97-AF65-F5344CB8AC3E}">
+        <p14:creationId xmlns:p14="http://schemas.microsoft.com/office/powerpoint/2010/main" val="1680129896"/>
+      </p:ext>
+    </p:extLst>
+  </p:cSld>
+  <p:clrMapOvr>
+    <a:masterClrMapping/>
+  </p:clrMapOvr>
+  <p:timing>
+    <p:tnLst>
+      <p:par>
+        <p:cTn id="1" dur="indefinite" restart="never" nodeType="tmRoot"/>
+      </p:par>
+    </p:tnLst>
+  </p:timing>
+</p:sld>
+</file>
+
+<file path=ppt/slides/slide18.xml><?xml version="1.0" encoding="utf-8"?>
 <p:sld xmlns:a="http://schemas.openxmlformats.org/drawingml/2006/main" xmlns:r="http://schemas.openxmlformats.org/officeDocument/2006/relationships" xmlns:p="http://schemas.openxmlformats.org/presentationml/2006/main">
   <p:cSld>
     <p:spTree>
@@ -7535,7 +7800,7 @@
 </p:sld>
 </file>
 
-<file path=ppt/slides/slide17.xml><?xml version="1.0" encoding="utf-8"?>
+<file path=ppt/slides/slide19.xml><?xml version="1.0" encoding="utf-8"?>
 <p:sld xmlns:a="http://schemas.openxmlformats.org/drawingml/2006/main" xmlns:r="http://schemas.openxmlformats.org/officeDocument/2006/relationships" xmlns:p="http://schemas.openxmlformats.org/presentationml/2006/main">
   <p:cSld>
     <p:spTree>
@@ -7893,759 +8158,6 @@
     <p:extLst>
       <p:ext uri="{BB962C8B-B14F-4D97-AF65-F5344CB8AC3E}">
         <p14:creationId xmlns:p14="http://schemas.microsoft.com/office/powerpoint/2010/main" val="2298327288"/>
-      </p:ext>
-    </p:extLst>
-  </p:cSld>
-  <p:clrMapOvr>
-    <a:masterClrMapping/>
-  </p:clrMapOvr>
-  <p:timing>
-    <p:tnLst>
-      <p:par>
-        <p:cTn id="1" dur="indefinite" restart="never" nodeType="tmRoot"/>
-      </p:par>
-    </p:tnLst>
-  </p:timing>
-</p:sld>
-</file>
-
-<file path=ppt/slides/slide18.xml><?xml version="1.0" encoding="utf-8"?>
-<p:sld xmlns:a="http://schemas.openxmlformats.org/drawingml/2006/main" xmlns:r="http://schemas.openxmlformats.org/officeDocument/2006/relationships" xmlns:p="http://schemas.openxmlformats.org/presentationml/2006/main">
-  <p:cSld>
-    <p:spTree>
-      <p:nvGrpSpPr>
-        <p:cNvPr id="1" name=""/>
-        <p:cNvGrpSpPr/>
-        <p:nvPr/>
-      </p:nvGrpSpPr>
-      <p:grpSpPr>
-        <a:xfrm>
-          <a:off x="0" y="0"/>
-          <a:ext cx="0" cy="0"/>
-          <a:chOff x="0" y="0"/>
-          <a:chExt cx="0" cy="0"/>
-        </a:xfrm>
-      </p:grpSpPr>
-      <p:sp>
-        <p:nvSpPr>
-          <p:cNvPr id="2" name="TextBox 1"/>
-          <p:cNvSpPr txBox="1"/>
-          <p:nvPr/>
-        </p:nvSpPr>
-        <p:spPr>
-          <a:xfrm>
-            <a:off x="228600" y="304800"/>
-            <a:ext cx="7491153" cy="461665"/>
-          </a:xfrm>
-          <a:prstGeom prst="rect">
-            <a:avLst/>
-          </a:prstGeom>
-          <a:noFill/>
-        </p:spPr>
-        <p:txBody>
-          <a:bodyPr wrap="none" rtlCol="0">
-            <a:spAutoFit/>
-          </a:bodyPr>
-          <a:lstStyle/>
-          <a:p>
-            <a:r>
-              <a:rPr lang="en-US" sz="2400" b="1" dirty="0" smtClean="0">
-                <a:solidFill>
-                  <a:schemeClr val="bg2">
-                    <a:lumMod val="50000"/>
-                  </a:schemeClr>
-                </a:solidFill>
-              </a:rPr>
-              <a:t>Create</a:t>
-            </a:r>
-            <a:r>
-              <a:rPr lang="en-US" sz="2400" b="1" dirty="0" smtClean="0"/>
-              <a:t> </a:t>
-            </a:r>
-            <a:r>
-              <a:rPr lang="en-US" sz="2400" b="1" dirty="0">
-                <a:solidFill>
-                  <a:schemeClr val="bg2">
-                    <a:lumMod val="50000"/>
-                  </a:schemeClr>
-                </a:solidFill>
-              </a:rPr>
-              <a:t>HTML</a:t>
-            </a:r>
-            <a:r>
-              <a:rPr lang="en-US" sz="2400" b="1" dirty="0"/>
-              <a:t> </a:t>
-            </a:r>
-            <a:r>
-              <a:rPr lang="en-US" sz="2400" b="1" dirty="0">
-                <a:solidFill>
-                  <a:schemeClr val="bg2">
-                    <a:lumMod val="50000"/>
-                  </a:schemeClr>
-                </a:solidFill>
-              </a:rPr>
-              <a:t>elements with </a:t>
-            </a:r>
-            <a:r>
-              <a:rPr lang="en-US" sz="2400" b="1" dirty="0" err="1" smtClean="0">
-                <a:solidFill>
-                  <a:schemeClr val="bg2">
-                    <a:lumMod val="50000"/>
-                  </a:schemeClr>
-                </a:solidFill>
-              </a:rPr>
-              <a:t>React.createElement</a:t>
-            </a:r>
-            <a:endParaRPr lang="en-US" sz="2400" b="1" dirty="0">
-              <a:solidFill>
-                <a:schemeClr val="bg2">
-                  <a:lumMod val="50000"/>
-                </a:schemeClr>
-              </a:solidFill>
-            </a:endParaRPr>
-          </a:p>
-        </p:txBody>
-      </p:sp>
-      <p:sp>
-        <p:nvSpPr>
-          <p:cNvPr id="6" name="TextBox 5"/>
-          <p:cNvSpPr txBox="1"/>
-          <p:nvPr/>
-        </p:nvSpPr>
-        <p:spPr>
-          <a:xfrm>
-            <a:off x="551345" y="2266890"/>
-            <a:ext cx="184731" cy="369332"/>
-          </a:xfrm>
-          <a:prstGeom prst="rect">
-            <a:avLst/>
-          </a:prstGeom>
-          <a:noFill/>
-        </p:spPr>
-        <p:txBody>
-          <a:bodyPr wrap="none" rtlCol="0">
-            <a:spAutoFit/>
-          </a:bodyPr>
-          <a:lstStyle/>
-          <a:p>
-            <a:endParaRPr lang="en-US" b="1" dirty="0">
-              <a:solidFill>
-                <a:schemeClr val="bg2">
-                  <a:lumMod val="50000"/>
-                </a:schemeClr>
-              </a:solidFill>
-            </a:endParaRPr>
-          </a:p>
-        </p:txBody>
-      </p:sp>
-      <p:sp>
-        <p:nvSpPr>
-          <p:cNvPr id="3" name="TextBox 2"/>
-          <p:cNvSpPr txBox="1"/>
-          <p:nvPr/>
-        </p:nvSpPr>
-        <p:spPr>
-          <a:xfrm>
-            <a:off x="381000" y="990600"/>
-            <a:ext cx="3212739" cy="461665"/>
-          </a:xfrm>
-          <a:prstGeom prst="rect">
-            <a:avLst/>
-          </a:prstGeom>
-          <a:noFill/>
-        </p:spPr>
-        <p:txBody>
-          <a:bodyPr wrap="none" rtlCol="0">
-            <a:spAutoFit/>
-          </a:bodyPr>
-          <a:lstStyle/>
-          <a:p>
-            <a:r>
-              <a:rPr lang="en-US" sz="2400" b="1" dirty="0" smtClean="0">
-                <a:solidFill>
-                  <a:schemeClr val="bg2">
-                    <a:lumMod val="50000"/>
-                  </a:schemeClr>
-                </a:solidFill>
-              </a:rPr>
-              <a:t>But we are using JSX</a:t>
-            </a:r>
-            <a:endParaRPr lang="en-US" sz="2400" b="1" dirty="0">
-              <a:solidFill>
-                <a:schemeClr val="bg2">
-                  <a:lumMod val="50000"/>
-                </a:schemeClr>
-              </a:solidFill>
-            </a:endParaRPr>
-          </a:p>
-        </p:txBody>
-      </p:sp>
-      <p:pic>
-        <p:nvPicPr>
-          <p:cNvPr id="3074" name="Picture 2"/>
-          <p:cNvPicPr>
-            <a:picLocks noChangeAspect="1" noChangeArrowheads="1"/>
-          </p:cNvPicPr>
-          <p:nvPr/>
-        </p:nvPicPr>
-        <p:blipFill>
-          <a:blip r:embed="rId2">
-            <a:extLst>
-              <a:ext uri="{28A0092B-C50C-407E-A947-70E740481C1C}">
-                <a14:useLocalDpi xmlns:a14="http://schemas.microsoft.com/office/drawing/2010/main" val="0"/>
-              </a:ext>
-            </a:extLst>
-          </a:blip>
-          <a:srcRect/>
-          <a:stretch>
-            <a:fillRect/>
-          </a:stretch>
-        </p:blipFill>
-        <p:spPr bwMode="auto">
-          <a:xfrm>
-            <a:off x="530873" y="1484110"/>
-            <a:ext cx="6486525" cy="2695575"/>
-          </a:xfrm>
-          <a:prstGeom prst="rect">
-            <a:avLst/>
-          </a:prstGeom>
-          <a:noFill/>
-          <a:ln>
-            <a:noFill/>
-          </a:ln>
-          <a:effectLst/>
-          <a:extLst>
-            <a:ext uri="{909E8E84-426E-40DD-AFC4-6F175D3DCCD1}">
-              <a14:hiddenFill xmlns:a14="http://schemas.microsoft.com/office/drawing/2010/main">
-                <a:solidFill>
-                  <a:schemeClr val="accent1"/>
-                </a:solidFill>
-              </a14:hiddenFill>
-            </a:ext>
-            <a:ext uri="{91240B29-F687-4F45-9708-019B960494DF}">
-              <a14:hiddenLine xmlns:a14="http://schemas.microsoft.com/office/drawing/2010/main" w="9525">
-                <a:solidFill>
-                  <a:schemeClr val="tx1"/>
-                </a:solidFill>
-                <a:miter lim="800000"/>
-                <a:headEnd/>
-                <a:tailEnd/>
-              </a14:hiddenLine>
-            </a:ext>
-            <a:ext uri="{AF507438-7753-43E0-B8FC-AC1667EBCBE1}">
-              <a14:hiddenEffects xmlns:a14="http://schemas.microsoft.com/office/drawing/2010/main">
-                <a:effectLst>
-                  <a:outerShdw dist="35921" dir="2700000" algn="ctr" rotWithShape="0">
-                    <a:schemeClr val="bg2"/>
-                  </a:outerShdw>
-                </a:effectLst>
-              </a14:hiddenEffects>
-            </a:ext>
-          </a:extLst>
-        </p:spPr>
-      </p:pic>
-      <p:sp>
-        <p:nvSpPr>
-          <p:cNvPr id="4" name="TextBox 3"/>
-          <p:cNvSpPr txBox="1"/>
-          <p:nvPr/>
-        </p:nvSpPr>
-        <p:spPr>
-          <a:xfrm>
-            <a:off x="530873" y="4648200"/>
-            <a:ext cx="5814412" cy="1538883"/>
-          </a:xfrm>
-          <a:prstGeom prst="rect">
-            <a:avLst/>
-          </a:prstGeom>
-          <a:noFill/>
-        </p:spPr>
-        <p:txBody>
-          <a:bodyPr wrap="none" rtlCol="0">
-            <a:spAutoFit/>
-          </a:bodyPr>
-          <a:lstStyle/>
-          <a:p>
-            <a:r>
-              <a:rPr lang="en-US" dirty="0" smtClean="0"/>
-              <a:t>How it can work so fine with div in </a:t>
-            </a:r>
-            <a:r>
-              <a:rPr lang="en-US" dirty="0" err="1" smtClean="0"/>
-              <a:t>jsvascript</a:t>
-            </a:r>
-            <a:r>
-              <a:rPr lang="en-US" dirty="0" smtClean="0"/>
-              <a:t>.</a:t>
-            </a:r>
-          </a:p>
-          <a:p>
-            <a:endParaRPr lang="en-US" dirty="0"/>
-          </a:p>
-          <a:p>
-            <a:endParaRPr lang="en-US" dirty="0" smtClean="0"/>
-          </a:p>
-          <a:p>
-            <a:endParaRPr lang="en-US" sz="2000" b="1" i="1" dirty="0" smtClean="0">
-              <a:solidFill>
-                <a:schemeClr val="bg1"/>
-              </a:solidFill>
-            </a:endParaRPr>
-          </a:p>
-          <a:p>
-            <a:r>
-              <a:rPr lang="en-US" sz="2000" b="1" i="1" dirty="0" smtClean="0">
-                <a:solidFill>
-                  <a:schemeClr val="bg1"/>
-                </a:solidFill>
-              </a:rPr>
-              <a:t>Yeah that’s JSX and Babel is the main HERO…</a:t>
-            </a:r>
-            <a:endParaRPr lang="en-US" sz="2000" b="1" i="1" dirty="0">
-              <a:solidFill>
-                <a:schemeClr val="bg1"/>
-              </a:solidFill>
-            </a:endParaRPr>
-          </a:p>
-        </p:txBody>
-      </p:sp>
-      <p:sp>
-        <p:nvSpPr>
-          <p:cNvPr id="5" name="TextBox 4"/>
-          <p:cNvSpPr txBox="1"/>
-          <p:nvPr/>
-        </p:nvSpPr>
-        <p:spPr>
-          <a:xfrm>
-            <a:off x="7162800" y="1600200"/>
-            <a:ext cx="1911101" cy="1323439"/>
-          </a:xfrm>
-          <a:prstGeom prst="rect">
-            <a:avLst/>
-          </a:prstGeom>
-          <a:solidFill>
-            <a:schemeClr val="bg2">
-              <a:lumMod val="50000"/>
-            </a:schemeClr>
-          </a:solidFill>
-          <a:ln>
-            <a:solidFill>
-              <a:schemeClr val="accent1"/>
-            </a:solidFill>
-          </a:ln>
-        </p:spPr>
-        <p:txBody>
-          <a:bodyPr wrap="none" rtlCol="0">
-            <a:spAutoFit/>
-          </a:bodyPr>
-          <a:lstStyle/>
-          <a:p>
-            <a:r>
-              <a:rPr lang="en-US" sz="1600" dirty="0" smtClean="0">
-                <a:solidFill>
-                  <a:schemeClr val="bg1"/>
-                </a:solidFill>
-              </a:rPr>
-              <a:t>For HTML</a:t>
-            </a:r>
-          </a:p>
-          <a:p>
-            <a:r>
-              <a:rPr lang="en-US" sz="1600" dirty="0" smtClean="0">
-                <a:solidFill>
-                  <a:schemeClr val="bg1"/>
-                </a:solidFill>
-              </a:rPr>
-              <a:t>class=“</a:t>
-            </a:r>
-            <a:r>
-              <a:rPr lang="en-US" sz="1600" dirty="0" err="1" smtClean="0">
-                <a:solidFill>
-                  <a:schemeClr val="bg1"/>
-                </a:solidFill>
-              </a:rPr>
-              <a:t>abc</a:t>
-            </a:r>
-            <a:r>
-              <a:rPr lang="en-US" sz="1600" dirty="0" smtClean="0">
-                <a:solidFill>
-                  <a:schemeClr val="bg1"/>
-                </a:solidFill>
-              </a:rPr>
-              <a:t>”</a:t>
-            </a:r>
-          </a:p>
-          <a:p>
-            <a:endParaRPr lang="en-US" sz="1600" dirty="0">
-              <a:solidFill>
-                <a:schemeClr val="bg1"/>
-              </a:solidFill>
-            </a:endParaRPr>
-          </a:p>
-          <a:p>
-            <a:r>
-              <a:rPr lang="en-US" sz="1600" dirty="0" smtClean="0">
-                <a:solidFill>
-                  <a:schemeClr val="bg1"/>
-                </a:solidFill>
-              </a:rPr>
-              <a:t>For React </a:t>
-            </a:r>
-          </a:p>
-          <a:p>
-            <a:r>
-              <a:rPr lang="en-US" sz="1600" dirty="0" err="1" smtClean="0">
-                <a:solidFill>
-                  <a:schemeClr val="bg1"/>
-                </a:solidFill>
-              </a:rPr>
-              <a:t>className</a:t>
-            </a:r>
-            <a:r>
-              <a:rPr lang="en-US" sz="1600" dirty="0" smtClean="0">
-                <a:solidFill>
-                  <a:schemeClr val="bg1"/>
-                </a:solidFill>
-              </a:rPr>
-              <a:t>=“</a:t>
-            </a:r>
-            <a:r>
-              <a:rPr lang="en-US" sz="1600" dirty="0" err="1" smtClean="0">
-                <a:solidFill>
-                  <a:schemeClr val="bg1"/>
-                </a:solidFill>
-              </a:rPr>
-              <a:t>abc</a:t>
-            </a:r>
-            <a:r>
-              <a:rPr lang="en-US" sz="1600" dirty="0" smtClean="0">
-                <a:solidFill>
-                  <a:schemeClr val="bg1"/>
-                </a:solidFill>
-              </a:rPr>
-              <a:t>”</a:t>
-            </a:r>
-            <a:endParaRPr lang="en-US" sz="1600" dirty="0">
-              <a:solidFill>
-                <a:schemeClr val="bg1"/>
-              </a:solidFill>
-            </a:endParaRPr>
-          </a:p>
-        </p:txBody>
-      </p:sp>
-    </p:spTree>
-    <p:extLst>
-      <p:ext uri="{BB962C8B-B14F-4D97-AF65-F5344CB8AC3E}">
-        <p14:creationId xmlns:p14="http://schemas.microsoft.com/office/powerpoint/2010/main" val="4152990659"/>
-      </p:ext>
-    </p:extLst>
-  </p:cSld>
-  <p:clrMapOvr>
-    <a:masterClrMapping/>
-  </p:clrMapOvr>
-  <p:timing>
-    <p:tnLst>
-      <p:par>
-        <p:cTn id="1" dur="indefinite" restart="never" nodeType="tmRoot"/>
-      </p:par>
-    </p:tnLst>
-  </p:timing>
-</p:sld>
-</file>
-
-<file path=ppt/slides/slide19.xml><?xml version="1.0" encoding="utf-8"?>
-<p:sld xmlns:a="http://schemas.openxmlformats.org/drawingml/2006/main" xmlns:r="http://schemas.openxmlformats.org/officeDocument/2006/relationships" xmlns:p="http://schemas.openxmlformats.org/presentationml/2006/main">
-  <p:cSld>
-    <p:spTree>
-      <p:nvGrpSpPr>
-        <p:cNvPr id="1" name=""/>
-        <p:cNvGrpSpPr/>
-        <p:nvPr/>
-      </p:nvGrpSpPr>
-      <p:grpSpPr>
-        <a:xfrm>
-          <a:off x="0" y="0"/>
-          <a:ext cx="0" cy="0"/>
-          <a:chOff x="0" y="0"/>
-          <a:chExt cx="0" cy="0"/>
-        </a:xfrm>
-      </p:grpSpPr>
-      <p:sp>
-        <p:nvSpPr>
-          <p:cNvPr id="2" name="TextBox 1"/>
-          <p:cNvSpPr txBox="1"/>
-          <p:nvPr/>
-        </p:nvSpPr>
-        <p:spPr>
-          <a:xfrm>
-            <a:off x="228600" y="304800"/>
-            <a:ext cx="7491153" cy="461665"/>
-          </a:xfrm>
-          <a:prstGeom prst="rect">
-            <a:avLst/>
-          </a:prstGeom>
-          <a:noFill/>
-        </p:spPr>
-        <p:txBody>
-          <a:bodyPr wrap="none" rtlCol="0">
-            <a:spAutoFit/>
-          </a:bodyPr>
-          <a:lstStyle/>
-          <a:p>
-            <a:r>
-              <a:rPr lang="en-US" sz="2400" b="1" dirty="0" smtClean="0">
-                <a:solidFill>
-                  <a:schemeClr val="bg2">
-                    <a:lumMod val="50000"/>
-                  </a:schemeClr>
-                </a:solidFill>
-              </a:rPr>
-              <a:t>Create</a:t>
-            </a:r>
-            <a:r>
-              <a:rPr lang="en-US" sz="2400" b="1" dirty="0" smtClean="0"/>
-              <a:t> </a:t>
-            </a:r>
-            <a:r>
-              <a:rPr lang="en-US" sz="2400" b="1" dirty="0">
-                <a:solidFill>
-                  <a:schemeClr val="bg2">
-                    <a:lumMod val="50000"/>
-                  </a:schemeClr>
-                </a:solidFill>
-              </a:rPr>
-              <a:t>HTML</a:t>
-            </a:r>
-            <a:r>
-              <a:rPr lang="en-US" sz="2400" b="1" dirty="0"/>
-              <a:t> </a:t>
-            </a:r>
-            <a:r>
-              <a:rPr lang="en-US" sz="2400" b="1" dirty="0">
-                <a:solidFill>
-                  <a:schemeClr val="bg2">
-                    <a:lumMod val="50000"/>
-                  </a:schemeClr>
-                </a:solidFill>
-              </a:rPr>
-              <a:t>elements with </a:t>
-            </a:r>
-            <a:r>
-              <a:rPr lang="en-US" sz="2400" b="1" dirty="0" err="1" smtClean="0">
-                <a:solidFill>
-                  <a:schemeClr val="bg2">
-                    <a:lumMod val="50000"/>
-                  </a:schemeClr>
-                </a:solidFill>
-              </a:rPr>
-              <a:t>React.createElement</a:t>
-            </a:r>
-            <a:endParaRPr lang="en-US" sz="2400" b="1" dirty="0">
-              <a:solidFill>
-                <a:schemeClr val="bg2">
-                  <a:lumMod val="50000"/>
-                </a:schemeClr>
-              </a:solidFill>
-            </a:endParaRPr>
-          </a:p>
-        </p:txBody>
-      </p:sp>
-      <p:sp>
-        <p:nvSpPr>
-          <p:cNvPr id="6" name="TextBox 5"/>
-          <p:cNvSpPr txBox="1"/>
-          <p:nvPr/>
-        </p:nvSpPr>
-        <p:spPr>
-          <a:xfrm>
-            <a:off x="551345" y="2266890"/>
-            <a:ext cx="184731" cy="369332"/>
-          </a:xfrm>
-          <a:prstGeom prst="rect">
-            <a:avLst/>
-          </a:prstGeom>
-          <a:noFill/>
-        </p:spPr>
-        <p:txBody>
-          <a:bodyPr wrap="none" rtlCol="0">
-            <a:spAutoFit/>
-          </a:bodyPr>
-          <a:lstStyle/>
-          <a:p>
-            <a:endParaRPr lang="en-US" b="1" dirty="0">
-              <a:solidFill>
-                <a:schemeClr val="bg2">
-                  <a:lumMod val="50000"/>
-                </a:schemeClr>
-              </a:solidFill>
-            </a:endParaRPr>
-          </a:p>
-        </p:txBody>
-      </p:sp>
-      <p:sp>
-        <p:nvSpPr>
-          <p:cNvPr id="3" name="TextBox 2"/>
-          <p:cNvSpPr txBox="1"/>
-          <p:nvPr/>
-        </p:nvSpPr>
-        <p:spPr>
-          <a:xfrm>
-            <a:off x="381000" y="990600"/>
-            <a:ext cx="3188693" cy="461665"/>
-          </a:xfrm>
-          <a:prstGeom prst="rect">
-            <a:avLst/>
-          </a:prstGeom>
-          <a:noFill/>
-        </p:spPr>
-        <p:txBody>
-          <a:bodyPr wrap="none" rtlCol="0">
-            <a:spAutoFit/>
-          </a:bodyPr>
-          <a:lstStyle/>
-          <a:p>
-            <a:r>
-              <a:rPr lang="en-US" sz="2400" b="1" dirty="0" smtClean="0">
-                <a:solidFill>
-                  <a:schemeClr val="bg2">
-                    <a:lumMod val="50000"/>
-                  </a:schemeClr>
-                </a:solidFill>
-              </a:rPr>
-              <a:t>Use </a:t>
-            </a:r>
-            <a:r>
-              <a:rPr lang="en-US" sz="2400" b="1" dirty="0" err="1" smtClean="0">
-                <a:solidFill>
-                  <a:schemeClr val="bg2">
-                    <a:lumMod val="50000"/>
-                  </a:schemeClr>
-                </a:solidFill>
-              </a:rPr>
-              <a:t>javascript</a:t>
-            </a:r>
-            <a:r>
-              <a:rPr lang="en-US" sz="2400" b="1" dirty="0" smtClean="0">
-                <a:solidFill>
-                  <a:schemeClr val="bg2">
-                    <a:lumMod val="50000"/>
-                  </a:schemeClr>
-                </a:solidFill>
-              </a:rPr>
-              <a:t> in JSX</a:t>
-            </a:r>
-            <a:endParaRPr lang="en-US" sz="2400" b="1" dirty="0">
-              <a:solidFill>
-                <a:schemeClr val="bg2">
-                  <a:lumMod val="50000"/>
-                </a:schemeClr>
-              </a:solidFill>
-            </a:endParaRPr>
-          </a:p>
-        </p:txBody>
-      </p:sp>
-      <p:pic>
-        <p:nvPicPr>
-          <p:cNvPr id="4098" name="Picture 2"/>
-          <p:cNvPicPr>
-            <a:picLocks noChangeAspect="1" noChangeArrowheads="1"/>
-          </p:cNvPicPr>
-          <p:nvPr/>
-        </p:nvPicPr>
-        <p:blipFill>
-          <a:blip r:embed="rId2">
-            <a:extLst>
-              <a:ext uri="{28A0092B-C50C-407E-A947-70E740481C1C}">
-                <a14:useLocalDpi xmlns:a14="http://schemas.microsoft.com/office/drawing/2010/main" val="0"/>
-              </a:ext>
-            </a:extLst>
-          </a:blip>
-          <a:srcRect/>
-          <a:stretch>
-            <a:fillRect/>
-          </a:stretch>
-        </p:blipFill>
-        <p:spPr bwMode="auto">
-          <a:xfrm>
-            <a:off x="381000" y="1581796"/>
-            <a:ext cx="8233064" cy="1161404"/>
-          </a:xfrm>
-          <a:prstGeom prst="rect">
-            <a:avLst/>
-          </a:prstGeom>
-          <a:noFill/>
-          <a:ln>
-            <a:noFill/>
-          </a:ln>
-          <a:effectLst/>
-          <a:extLst>
-            <a:ext uri="{909E8E84-426E-40DD-AFC4-6F175D3DCCD1}">
-              <a14:hiddenFill xmlns:a14="http://schemas.microsoft.com/office/drawing/2010/main">
-                <a:solidFill>
-                  <a:schemeClr val="accent1"/>
-                </a:solidFill>
-              </a14:hiddenFill>
-            </a:ext>
-            <a:ext uri="{91240B29-F687-4F45-9708-019B960494DF}">
-              <a14:hiddenLine xmlns:a14="http://schemas.microsoft.com/office/drawing/2010/main" w="9525">
-                <a:solidFill>
-                  <a:schemeClr val="tx1"/>
-                </a:solidFill>
-                <a:miter lim="800000"/>
-                <a:headEnd/>
-                <a:tailEnd/>
-              </a14:hiddenLine>
-            </a:ext>
-            <a:ext uri="{AF507438-7753-43E0-B8FC-AC1667EBCBE1}">
-              <a14:hiddenEffects xmlns:a14="http://schemas.microsoft.com/office/drawing/2010/main">
-                <a:effectLst>
-                  <a:outerShdw dist="35921" dir="2700000" algn="ctr" rotWithShape="0">
-                    <a:schemeClr val="bg2"/>
-                  </a:outerShdw>
-                </a:effectLst>
-              </a14:hiddenEffects>
-            </a:ext>
-          </a:extLst>
-        </p:spPr>
-      </p:pic>
-      <p:sp>
-        <p:nvSpPr>
-          <p:cNvPr id="7" name="TextBox 6"/>
-          <p:cNvSpPr txBox="1"/>
-          <p:nvPr/>
-        </p:nvSpPr>
-        <p:spPr>
-          <a:xfrm>
-            <a:off x="381000" y="3124200"/>
-            <a:ext cx="1186543" cy="461665"/>
-          </a:xfrm>
-          <a:prstGeom prst="rect">
-            <a:avLst/>
-          </a:prstGeom>
-          <a:noFill/>
-        </p:spPr>
-        <p:txBody>
-          <a:bodyPr wrap="none" rtlCol="0">
-            <a:spAutoFit/>
-          </a:bodyPr>
-          <a:lstStyle/>
-          <a:p>
-            <a:r>
-              <a:rPr lang="en-US" dirty="0" smtClean="0"/>
-              <a:t>Using </a:t>
-            </a:r>
-            <a:r>
-              <a:rPr lang="en-US" sz="2400" dirty="0" smtClean="0"/>
-              <a:t>{ }</a:t>
-            </a:r>
-            <a:endParaRPr lang="en-US" dirty="0"/>
-          </a:p>
-        </p:txBody>
-      </p:sp>
-    </p:spTree>
-    <p:extLst>
-      <p:ext uri="{BB962C8B-B14F-4D97-AF65-F5344CB8AC3E}">
-        <p14:creationId xmlns:p14="http://schemas.microsoft.com/office/powerpoint/2010/main" val="894091485"/>
       </p:ext>
     </p:extLst>
   </p:cSld>
@@ -8772,7 +8284,7 @@
         <p:spPr>
           <a:xfrm>
             <a:off x="228600" y="304800"/>
-            <a:ext cx="1925527" cy="461665"/>
+            <a:ext cx="7491153" cy="461665"/>
           </a:xfrm>
           <a:prstGeom prst="rect">
             <a:avLst/>
@@ -8793,7 +8305,45 @@
                   </a:schemeClr>
                 </a:solidFill>
               </a:rPr>
-              <a:t>Component</a:t>
+              <a:t>Create</a:t>
+            </a:r>
+            <a:r>
+              <a:rPr lang="en-US" sz="2400" b="1" dirty="0" smtClean="0"/>
+              <a:t> </a:t>
+            </a:r>
+            <a:r>
+              <a:rPr lang="en-US" sz="2400" b="1" dirty="0">
+                <a:solidFill>
+                  <a:schemeClr val="bg2">
+                    <a:lumMod val="50000"/>
+                  </a:schemeClr>
+                </a:solidFill>
+              </a:rPr>
+              <a:t>HTML</a:t>
+            </a:r>
+            <a:r>
+              <a:rPr lang="en-US" sz="2400" b="1" dirty="0"/>
+              <a:t> </a:t>
+            </a:r>
+            <a:r>
+              <a:rPr lang="en-US" sz="2400" b="1" dirty="0">
+                <a:solidFill>
+                  <a:schemeClr val="bg2">
+                    <a:lumMod val="50000"/>
+                  </a:schemeClr>
+                </a:solidFill>
+              </a:rPr>
+              <a:t>elements with </a:t>
+            </a:r>
+            <a:r>
+              <a:rPr lang="en-US" sz="2400" b="1" dirty="0" err="1" smtClean="0">
+                <a:solidFill>
+                  <a:schemeClr val="bg2">
+                    <a:lumMod val="50000"/>
+                  </a:schemeClr>
+                </a:solidFill>
+              </a:rPr>
+              <a:t>React.createElement</a:t>
             </a:r>
             <a:endParaRPr lang="en-US" sz="2400" b="1" dirty="0">
               <a:solidFill>
@@ -8846,7 +8396,7 @@
         <p:spPr>
           <a:xfrm>
             <a:off x="381000" y="990600"/>
-            <a:ext cx="3203121" cy="461665"/>
+            <a:ext cx="3212739" cy="461665"/>
           </a:xfrm>
           <a:prstGeom prst="rect">
             <a:avLst/>
@@ -8867,7 +8417,7 @@
                   </a:schemeClr>
                 </a:solidFill>
               </a:rPr>
-              <a:t>Create a component</a:t>
+              <a:t>But we are using JSX</a:t>
             </a:r>
             <a:endParaRPr lang="en-US" sz="2400" b="1" dirty="0">
               <a:solidFill>
@@ -8879,53 +8429,9 @@
           </a:p>
         </p:txBody>
       </p:sp>
-      <p:sp>
-        <p:nvSpPr>
-          <p:cNvPr id="7" name="TextBox 6"/>
-          <p:cNvSpPr txBox="1"/>
-          <p:nvPr/>
-        </p:nvSpPr>
-        <p:spPr>
-          <a:xfrm>
-            <a:off x="539962" y="1492071"/>
-            <a:ext cx="8281434" cy="646331"/>
-          </a:xfrm>
-          <a:prstGeom prst="rect">
-            <a:avLst/>
-          </a:prstGeom>
-          <a:noFill/>
-        </p:spPr>
-        <p:txBody>
-          <a:bodyPr wrap="none" rtlCol="0">
-            <a:spAutoFit/>
-          </a:bodyPr>
-          <a:lstStyle/>
-          <a:p>
-            <a:r>
-              <a:rPr lang="en-US" dirty="0" smtClean="0"/>
-              <a:t>To create a component we are using class which is </a:t>
-            </a:r>
-            <a:r>
-              <a:rPr lang="en-US" dirty="0" err="1" smtClean="0"/>
-              <a:t>gonna</a:t>
-            </a:r>
-            <a:r>
-              <a:rPr lang="en-US" dirty="0" smtClean="0"/>
-              <a:t> extends from </a:t>
-            </a:r>
-          </a:p>
-          <a:p>
-            <a:r>
-              <a:rPr lang="en-US" dirty="0" err="1" smtClean="0"/>
-              <a:t>React.Component</a:t>
-            </a:r>
-            <a:endParaRPr lang="en-US" dirty="0"/>
-          </a:p>
-        </p:txBody>
-      </p:sp>
       <p:pic>
         <p:nvPicPr>
-          <p:cNvPr id="5122" name="Picture 2"/>
+          <p:cNvPr id="3074" name="Picture 2"/>
           <p:cNvPicPr>
             <a:picLocks noChangeAspect="1" noChangeArrowheads="1"/>
           </p:cNvPicPr>
@@ -8946,8 +8452,8 @@
         </p:blipFill>
         <p:spPr bwMode="auto">
           <a:xfrm>
-            <a:off x="643710" y="2266890"/>
-            <a:ext cx="6257925" cy="1981200"/>
+            <a:off x="530873" y="1484110"/>
+            <a:ext cx="6486525" cy="2695575"/>
           </a:xfrm>
           <a:prstGeom prst="rect">
             <a:avLst/>
@@ -8987,16 +8493,416 @@
           </a:extLst>
         </p:spPr>
       </p:pic>
+      <p:sp>
+        <p:nvSpPr>
+          <p:cNvPr id="4" name="TextBox 3"/>
+          <p:cNvSpPr txBox="1"/>
+          <p:nvPr/>
+        </p:nvSpPr>
+        <p:spPr>
+          <a:xfrm>
+            <a:off x="530873" y="4648200"/>
+            <a:ext cx="5814412" cy="1538883"/>
+          </a:xfrm>
+          <a:prstGeom prst="rect">
+            <a:avLst/>
+          </a:prstGeom>
+          <a:noFill/>
+        </p:spPr>
+        <p:txBody>
+          <a:bodyPr wrap="none" rtlCol="0">
+            <a:spAutoFit/>
+          </a:bodyPr>
+          <a:lstStyle/>
+          <a:p>
+            <a:r>
+              <a:rPr lang="en-US" dirty="0" smtClean="0"/>
+              <a:t>How it can work so fine with div in </a:t>
+            </a:r>
+            <a:r>
+              <a:rPr lang="en-US" dirty="0" err="1" smtClean="0"/>
+              <a:t>jsvascript</a:t>
+            </a:r>
+            <a:r>
+              <a:rPr lang="en-US" dirty="0" smtClean="0"/>
+              <a:t>.</a:t>
+            </a:r>
+          </a:p>
+          <a:p>
+            <a:endParaRPr lang="en-US" dirty="0"/>
+          </a:p>
+          <a:p>
+            <a:endParaRPr lang="en-US" dirty="0" smtClean="0"/>
+          </a:p>
+          <a:p>
+            <a:endParaRPr lang="en-US" sz="2000" b="1" i="1" dirty="0" smtClean="0">
+              <a:solidFill>
+                <a:schemeClr val="bg1"/>
+              </a:solidFill>
+            </a:endParaRPr>
+          </a:p>
+          <a:p>
+            <a:r>
+              <a:rPr lang="en-US" sz="2000" b="1" i="1" dirty="0" smtClean="0">
+                <a:solidFill>
+                  <a:schemeClr val="bg1"/>
+                </a:solidFill>
+              </a:rPr>
+              <a:t>Yeah that’s JSX and Babel is the main HERO…</a:t>
+            </a:r>
+            <a:endParaRPr lang="en-US" sz="2000" b="1" i="1" dirty="0">
+              <a:solidFill>
+                <a:schemeClr val="bg1"/>
+              </a:solidFill>
+            </a:endParaRPr>
+          </a:p>
+        </p:txBody>
+      </p:sp>
+      <p:sp>
+        <p:nvSpPr>
+          <p:cNvPr id="5" name="TextBox 4"/>
+          <p:cNvSpPr txBox="1"/>
+          <p:nvPr/>
+        </p:nvSpPr>
+        <p:spPr>
+          <a:xfrm>
+            <a:off x="7162800" y="1600200"/>
+            <a:ext cx="1911101" cy="1323439"/>
+          </a:xfrm>
+          <a:prstGeom prst="rect">
+            <a:avLst/>
+          </a:prstGeom>
+          <a:solidFill>
+            <a:schemeClr val="bg2">
+              <a:lumMod val="50000"/>
+            </a:schemeClr>
+          </a:solidFill>
+          <a:ln>
+            <a:solidFill>
+              <a:schemeClr val="accent1"/>
+            </a:solidFill>
+          </a:ln>
+        </p:spPr>
+        <p:txBody>
+          <a:bodyPr wrap="none" rtlCol="0">
+            <a:spAutoFit/>
+          </a:bodyPr>
+          <a:lstStyle/>
+          <a:p>
+            <a:r>
+              <a:rPr lang="en-US" sz="1600" dirty="0" smtClean="0">
+                <a:solidFill>
+                  <a:schemeClr val="bg1"/>
+                </a:solidFill>
+              </a:rPr>
+              <a:t>For HTML</a:t>
+            </a:r>
+          </a:p>
+          <a:p>
+            <a:r>
+              <a:rPr lang="en-US" sz="1600" dirty="0" smtClean="0">
+                <a:solidFill>
+                  <a:schemeClr val="bg1"/>
+                </a:solidFill>
+              </a:rPr>
+              <a:t>class=“</a:t>
+            </a:r>
+            <a:r>
+              <a:rPr lang="en-US" sz="1600" dirty="0" err="1" smtClean="0">
+                <a:solidFill>
+                  <a:schemeClr val="bg1"/>
+                </a:solidFill>
+              </a:rPr>
+              <a:t>abc</a:t>
+            </a:r>
+            <a:r>
+              <a:rPr lang="en-US" sz="1600" dirty="0" smtClean="0">
+                <a:solidFill>
+                  <a:schemeClr val="bg1"/>
+                </a:solidFill>
+              </a:rPr>
+              <a:t>”</a:t>
+            </a:r>
+          </a:p>
+          <a:p>
+            <a:endParaRPr lang="en-US" sz="1600" dirty="0">
+              <a:solidFill>
+                <a:schemeClr val="bg1"/>
+              </a:solidFill>
+            </a:endParaRPr>
+          </a:p>
+          <a:p>
+            <a:r>
+              <a:rPr lang="en-US" sz="1600" dirty="0" smtClean="0">
+                <a:solidFill>
+                  <a:schemeClr val="bg1"/>
+                </a:solidFill>
+              </a:rPr>
+              <a:t>For React </a:t>
+            </a:r>
+          </a:p>
+          <a:p>
+            <a:r>
+              <a:rPr lang="en-US" sz="1600" dirty="0" err="1" smtClean="0">
+                <a:solidFill>
+                  <a:schemeClr val="bg1"/>
+                </a:solidFill>
+              </a:rPr>
+              <a:t>className</a:t>
+            </a:r>
+            <a:r>
+              <a:rPr lang="en-US" sz="1600" dirty="0" smtClean="0">
+                <a:solidFill>
+                  <a:schemeClr val="bg1"/>
+                </a:solidFill>
+              </a:rPr>
+              <a:t>=“</a:t>
+            </a:r>
+            <a:r>
+              <a:rPr lang="en-US" sz="1600" dirty="0" err="1" smtClean="0">
+                <a:solidFill>
+                  <a:schemeClr val="bg1"/>
+                </a:solidFill>
+              </a:rPr>
+              <a:t>abc</a:t>
+            </a:r>
+            <a:r>
+              <a:rPr lang="en-US" sz="1600" dirty="0" smtClean="0">
+                <a:solidFill>
+                  <a:schemeClr val="bg1"/>
+                </a:solidFill>
+              </a:rPr>
+              <a:t>”</a:t>
+            </a:r>
+            <a:endParaRPr lang="en-US" sz="1600" dirty="0">
+              <a:solidFill>
+                <a:schemeClr val="bg1"/>
+              </a:solidFill>
+            </a:endParaRPr>
+          </a:p>
+        </p:txBody>
+      </p:sp>
+    </p:spTree>
+    <p:extLst>
+      <p:ext uri="{BB962C8B-B14F-4D97-AF65-F5344CB8AC3E}">
+        <p14:creationId xmlns:p14="http://schemas.microsoft.com/office/powerpoint/2010/main" val="4152990659"/>
+      </p:ext>
+    </p:extLst>
+  </p:cSld>
+  <p:clrMapOvr>
+    <a:masterClrMapping/>
+  </p:clrMapOvr>
+  <p:timing>
+    <p:tnLst>
+      <p:par>
+        <p:cTn id="1" dur="indefinite" restart="never" nodeType="tmRoot"/>
+      </p:par>
+    </p:tnLst>
+  </p:timing>
+</p:sld>
+</file>
+
+<file path=ppt/slides/slide21.xml><?xml version="1.0" encoding="utf-8"?>
+<p:sld xmlns:a="http://schemas.openxmlformats.org/drawingml/2006/main" xmlns:r="http://schemas.openxmlformats.org/officeDocument/2006/relationships" xmlns:p="http://schemas.openxmlformats.org/presentationml/2006/main">
+  <p:cSld>
+    <p:spTree>
+      <p:nvGrpSpPr>
+        <p:cNvPr id="1" name=""/>
+        <p:cNvGrpSpPr/>
+        <p:nvPr/>
+      </p:nvGrpSpPr>
+      <p:grpSpPr>
+        <a:xfrm>
+          <a:off x="0" y="0"/>
+          <a:ext cx="0" cy="0"/>
+          <a:chOff x="0" y="0"/>
+          <a:chExt cx="0" cy="0"/>
+        </a:xfrm>
+      </p:grpSpPr>
+      <p:sp>
+        <p:nvSpPr>
+          <p:cNvPr id="2" name="TextBox 1"/>
+          <p:cNvSpPr txBox="1"/>
+          <p:nvPr/>
+        </p:nvSpPr>
+        <p:spPr>
+          <a:xfrm>
+            <a:off x="228600" y="304800"/>
+            <a:ext cx="7491153" cy="461665"/>
+          </a:xfrm>
+          <a:prstGeom prst="rect">
+            <a:avLst/>
+          </a:prstGeom>
+          <a:noFill/>
+        </p:spPr>
+        <p:txBody>
+          <a:bodyPr wrap="none" rtlCol="0">
+            <a:spAutoFit/>
+          </a:bodyPr>
+          <a:lstStyle/>
+          <a:p>
+            <a:r>
+              <a:rPr lang="en-US" sz="2400" b="1" dirty="0" smtClean="0">
+                <a:solidFill>
+                  <a:schemeClr val="bg2">
+                    <a:lumMod val="50000"/>
+                  </a:schemeClr>
+                </a:solidFill>
+              </a:rPr>
+              <a:t>Create</a:t>
+            </a:r>
+            <a:r>
+              <a:rPr lang="en-US" sz="2400" b="1" dirty="0" smtClean="0"/>
+              <a:t> </a:t>
+            </a:r>
+            <a:r>
+              <a:rPr lang="en-US" sz="2400" b="1" dirty="0">
+                <a:solidFill>
+                  <a:schemeClr val="bg2">
+                    <a:lumMod val="50000"/>
+                  </a:schemeClr>
+                </a:solidFill>
+              </a:rPr>
+              <a:t>HTML</a:t>
+            </a:r>
+            <a:r>
+              <a:rPr lang="en-US" sz="2400" b="1" dirty="0"/>
+              <a:t> </a:t>
+            </a:r>
+            <a:r>
+              <a:rPr lang="en-US" sz="2400" b="1" dirty="0">
+                <a:solidFill>
+                  <a:schemeClr val="bg2">
+                    <a:lumMod val="50000"/>
+                  </a:schemeClr>
+                </a:solidFill>
+              </a:rPr>
+              <a:t>elements with </a:t>
+            </a:r>
+            <a:r>
+              <a:rPr lang="en-US" sz="2400" b="1" dirty="0" err="1" smtClean="0">
+                <a:solidFill>
+                  <a:schemeClr val="bg2">
+                    <a:lumMod val="50000"/>
+                  </a:schemeClr>
+                </a:solidFill>
+              </a:rPr>
+              <a:t>React.createElement</a:t>
+            </a:r>
+            <a:endParaRPr lang="en-US" sz="2400" b="1" dirty="0">
+              <a:solidFill>
+                <a:schemeClr val="bg2">
+                  <a:lumMod val="50000"/>
+                </a:schemeClr>
+              </a:solidFill>
+            </a:endParaRPr>
+          </a:p>
+        </p:txBody>
+      </p:sp>
+      <p:sp>
+        <p:nvSpPr>
+          <p:cNvPr id="6" name="TextBox 5"/>
+          <p:cNvSpPr txBox="1"/>
+          <p:nvPr/>
+        </p:nvSpPr>
+        <p:spPr>
+          <a:xfrm>
+            <a:off x="551345" y="2266890"/>
+            <a:ext cx="184731" cy="369332"/>
+          </a:xfrm>
+          <a:prstGeom prst="rect">
+            <a:avLst/>
+          </a:prstGeom>
+          <a:noFill/>
+        </p:spPr>
+        <p:txBody>
+          <a:bodyPr wrap="none" rtlCol="0">
+            <a:spAutoFit/>
+          </a:bodyPr>
+          <a:lstStyle/>
+          <a:p>
+            <a:endParaRPr lang="en-US" b="1" dirty="0">
+              <a:solidFill>
+                <a:schemeClr val="bg2">
+                  <a:lumMod val="50000"/>
+                </a:schemeClr>
+              </a:solidFill>
+            </a:endParaRPr>
+          </a:p>
+        </p:txBody>
+      </p:sp>
+      <p:sp>
+        <p:nvSpPr>
+          <p:cNvPr id="3" name="TextBox 2"/>
+          <p:cNvSpPr txBox="1"/>
+          <p:nvPr/>
+        </p:nvSpPr>
+        <p:spPr>
+          <a:xfrm>
+            <a:off x="381000" y="990600"/>
+            <a:ext cx="3188693" cy="461665"/>
+          </a:xfrm>
+          <a:prstGeom prst="rect">
+            <a:avLst/>
+          </a:prstGeom>
+          <a:noFill/>
+        </p:spPr>
+        <p:txBody>
+          <a:bodyPr wrap="none" rtlCol="0">
+            <a:spAutoFit/>
+          </a:bodyPr>
+          <a:lstStyle/>
+          <a:p>
+            <a:r>
+              <a:rPr lang="en-US" sz="2400" b="1" dirty="0" smtClean="0">
+                <a:solidFill>
+                  <a:schemeClr val="bg2">
+                    <a:lumMod val="50000"/>
+                  </a:schemeClr>
+                </a:solidFill>
+              </a:rPr>
+              <a:t>Use </a:t>
+            </a:r>
+            <a:r>
+              <a:rPr lang="en-US" sz="2400" b="1" dirty="0" err="1" smtClean="0">
+                <a:solidFill>
+                  <a:schemeClr val="bg2">
+                    <a:lumMod val="50000"/>
+                  </a:schemeClr>
+                </a:solidFill>
+              </a:rPr>
+              <a:t>javascript</a:t>
+            </a:r>
+            <a:r>
+              <a:rPr lang="en-US" sz="2400" b="1" dirty="0" smtClean="0">
+                <a:solidFill>
+                  <a:schemeClr val="bg2">
+                    <a:lumMod val="50000"/>
+                  </a:schemeClr>
+                </a:solidFill>
+              </a:rPr>
+              <a:t> in JSX</a:t>
+            </a:r>
+            <a:endParaRPr lang="en-US" sz="2400" b="1" dirty="0">
+              <a:solidFill>
+                <a:schemeClr val="bg2">
+                  <a:lumMod val="50000"/>
+                </a:schemeClr>
+              </a:solidFill>
+            </a:endParaRPr>
+          </a:p>
+        </p:txBody>
+      </p:sp>
       <p:pic>
         <p:nvPicPr>
-          <p:cNvPr id="5123" name="Picture 3"/>
+          <p:cNvPr id="4098" name="Picture 2"/>
           <p:cNvPicPr>
             <a:picLocks noChangeAspect="1" noChangeArrowheads="1"/>
           </p:cNvPicPr>
           <p:nvPr/>
         </p:nvPicPr>
         <p:blipFill>
-          <a:blip r:embed="rId3">
+          <a:blip r:embed="rId2">
             <a:extLst>
               <a:ext uri="{28A0092B-C50C-407E-A947-70E740481C1C}">
                 <a14:useLocalDpi xmlns:a14="http://schemas.microsoft.com/office/drawing/2010/main" val="0"/>
@@ -9010,8 +8916,8 @@
         </p:blipFill>
         <p:spPr bwMode="auto">
           <a:xfrm>
-            <a:off x="643710" y="4648200"/>
-            <a:ext cx="4095750" cy="1352550"/>
+            <a:off x="381000" y="1581796"/>
+            <a:ext cx="8233064" cy="1161404"/>
           </a:xfrm>
           <a:prstGeom prst="rect">
             <a:avLst/>
@@ -9051,10 +8957,44 @@
           </a:extLst>
         </p:spPr>
       </p:pic>
+      <p:sp>
+        <p:nvSpPr>
+          <p:cNvPr id="7" name="TextBox 6"/>
+          <p:cNvSpPr txBox="1"/>
+          <p:nvPr/>
+        </p:nvSpPr>
+        <p:spPr>
+          <a:xfrm>
+            <a:off x="381000" y="3124200"/>
+            <a:ext cx="1186543" cy="461665"/>
+          </a:xfrm>
+          <a:prstGeom prst="rect">
+            <a:avLst/>
+          </a:prstGeom>
+          <a:noFill/>
+        </p:spPr>
+        <p:txBody>
+          <a:bodyPr wrap="none" rtlCol="0">
+            <a:spAutoFit/>
+          </a:bodyPr>
+          <a:lstStyle/>
+          <a:p>
+            <a:r>
+              <a:rPr lang="en-US" dirty="0" smtClean="0"/>
+              <a:t>Using </a:t>
+            </a:r>
+            <a:r>
+              <a:rPr lang="en-US" sz="2400" dirty="0" smtClean="0"/>
+              <a:t>{ }</a:t>
+            </a:r>
+            <a:endParaRPr lang="en-US" dirty="0"/>
+          </a:p>
+        </p:txBody>
+      </p:sp>
     </p:spTree>
     <p:extLst>
       <p:ext uri="{BB962C8B-B14F-4D97-AF65-F5344CB8AC3E}">
-        <p14:creationId xmlns:p14="http://schemas.microsoft.com/office/powerpoint/2010/main" val="1416943874"/>
+        <p14:creationId xmlns:p14="http://schemas.microsoft.com/office/powerpoint/2010/main" val="894091485"/>
       </p:ext>
     </p:extLst>
   </p:cSld>
@@ -9071,7 +9011,7 @@
 </p:sld>
 </file>
 
-<file path=ppt/slides/slide21.xml><?xml version="1.0" encoding="utf-8"?>
+<file path=ppt/slides/slide22.xml><?xml version="1.0" encoding="utf-8"?>
 <p:sld xmlns:a="http://schemas.openxmlformats.org/drawingml/2006/main" xmlns:r="http://schemas.openxmlformats.org/officeDocument/2006/relationships" xmlns:p="http://schemas.openxmlformats.org/presentationml/2006/main">
   <p:cSld>
     <p:spTree>
@@ -9171,7 +9111,7 @@
         <p:spPr>
           <a:xfrm>
             <a:off x="381000" y="990600"/>
-            <a:ext cx="8242962" cy="461665"/>
+            <a:ext cx="3203121" cy="461665"/>
           </a:xfrm>
           <a:prstGeom prst="rect">
             <a:avLst/>
@@ -9192,7 +9132,7 @@
                   </a:schemeClr>
                 </a:solidFill>
               </a:rPr>
-              <a:t>Let’s say I have Header, Content and Body component</a:t>
+              <a:t>Create a component</a:t>
             </a:r>
             <a:endParaRPr lang="en-US" sz="2400" b="1" dirty="0">
               <a:solidFill>
@@ -9204,9 +9144,53 @@
           </a:p>
         </p:txBody>
       </p:sp>
+      <p:sp>
+        <p:nvSpPr>
+          <p:cNvPr id="7" name="TextBox 6"/>
+          <p:cNvSpPr txBox="1"/>
+          <p:nvPr/>
+        </p:nvSpPr>
+        <p:spPr>
+          <a:xfrm>
+            <a:off x="539962" y="1492071"/>
+            <a:ext cx="8281434" cy="646331"/>
+          </a:xfrm>
+          <a:prstGeom prst="rect">
+            <a:avLst/>
+          </a:prstGeom>
+          <a:noFill/>
+        </p:spPr>
+        <p:txBody>
+          <a:bodyPr wrap="none" rtlCol="0">
+            <a:spAutoFit/>
+          </a:bodyPr>
+          <a:lstStyle/>
+          <a:p>
+            <a:r>
+              <a:rPr lang="en-US" dirty="0" smtClean="0"/>
+              <a:t>To create a component we are using class which is </a:t>
+            </a:r>
+            <a:r>
+              <a:rPr lang="en-US" dirty="0" err="1" smtClean="0"/>
+              <a:t>gonna</a:t>
+            </a:r>
+            <a:r>
+              <a:rPr lang="en-US" dirty="0" smtClean="0"/>
+              <a:t> extends from </a:t>
+            </a:r>
+          </a:p>
+          <a:p>
+            <a:r>
+              <a:rPr lang="en-US" dirty="0" err="1" smtClean="0"/>
+              <a:t>React.Component</a:t>
+            </a:r>
+            <a:endParaRPr lang="en-US" dirty="0"/>
+          </a:p>
+        </p:txBody>
+      </p:sp>
       <p:pic>
         <p:nvPicPr>
-          <p:cNvPr id="1026" name="Picture 2"/>
+          <p:cNvPr id="5122" name="Picture 2"/>
           <p:cNvPicPr>
             <a:picLocks noChangeAspect="1" noChangeArrowheads="1"/>
           </p:cNvPicPr>
@@ -9227,8 +9211,8 @@
         </p:blipFill>
         <p:spPr bwMode="auto">
           <a:xfrm>
-            <a:off x="551345" y="1600200"/>
-            <a:ext cx="6840055" cy="5112141"/>
+            <a:off x="643710" y="2266890"/>
+            <a:ext cx="6257925" cy="1981200"/>
           </a:xfrm>
           <a:prstGeom prst="rect">
             <a:avLst/>
@@ -9268,169 +9252,16 @@
           </a:extLst>
         </p:spPr>
       </p:pic>
-    </p:spTree>
-    <p:extLst>
-      <p:ext uri="{BB962C8B-B14F-4D97-AF65-F5344CB8AC3E}">
-        <p14:creationId xmlns:p14="http://schemas.microsoft.com/office/powerpoint/2010/main" val="1662884571"/>
-      </p:ext>
-    </p:extLst>
-  </p:cSld>
-  <p:clrMapOvr>
-    <a:masterClrMapping/>
-  </p:clrMapOvr>
-  <p:timing>
-    <p:tnLst>
-      <p:par>
-        <p:cTn id="1" dur="indefinite" restart="never" nodeType="tmRoot"/>
-      </p:par>
-    </p:tnLst>
-  </p:timing>
-</p:sld>
-</file>
-
-<file path=ppt/slides/slide22.xml><?xml version="1.0" encoding="utf-8"?>
-<p:sld xmlns:a="http://schemas.openxmlformats.org/drawingml/2006/main" xmlns:r="http://schemas.openxmlformats.org/officeDocument/2006/relationships" xmlns:p="http://schemas.openxmlformats.org/presentationml/2006/main">
-  <p:cSld>
-    <p:spTree>
-      <p:nvGrpSpPr>
-        <p:cNvPr id="1" name=""/>
-        <p:cNvGrpSpPr/>
-        <p:nvPr/>
-      </p:nvGrpSpPr>
-      <p:grpSpPr>
-        <a:xfrm>
-          <a:off x="0" y="0"/>
-          <a:ext cx="0" cy="0"/>
-          <a:chOff x="0" y="0"/>
-          <a:chExt cx="0" cy="0"/>
-        </a:xfrm>
-      </p:grpSpPr>
-      <p:sp>
-        <p:nvSpPr>
-          <p:cNvPr id="2" name="TextBox 1"/>
-          <p:cNvSpPr txBox="1"/>
-          <p:nvPr/>
-        </p:nvSpPr>
-        <p:spPr>
-          <a:xfrm>
-            <a:off x="228600" y="304800"/>
-            <a:ext cx="2082621" cy="461665"/>
-          </a:xfrm>
-          <a:prstGeom prst="rect">
-            <a:avLst/>
-          </a:prstGeom>
-          <a:noFill/>
-        </p:spPr>
-        <p:txBody>
-          <a:bodyPr wrap="none" rtlCol="0">
-            <a:spAutoFit/>
-          </a:bodyPr>
-          <a:lstStyle/>
-          <a:p>
-            <a:r>
-              <a:rPr lang="en-US" sz="2400" b="1" dirty="0" smtClean="0">
-                <a:solidFill>
-                  <a:schemeClr val="bg2">
-                    <a:lumMod val="50000"/>
-                  </a:schemeClr>
-                </a:solidFill>
-              </a:rPr>
-              <a:t>Components</a:t>
-            </a:r>
-            <a:endParaRPr lang="en-US" sz="2400" b="1" dirty="0">
-              <a:solidFill>
-                <a:schemeClr val="bg2">
-                  <a:lumMod val="50000"/>
-                </a:schemeClr>
-              </a:solidFill>
-            </a:endParaRPr>
-          </a:p>
-        </p:txBody>
-      </p:sp>
-      <p:sp>
-        <p:nvSpPr>
-          <p:cNvPr id="6" name="TextBox 5"/>
-          <p:cNvSpPr txBox="1"/>
-          <p:nvPr/>
-        </p:nvSpPr>
-        <p:spPr>
-          <a:xfrm>
-            <a:off x="551345" y="2266890"/>
-            <a:ext cx="184731" cy="369332"/>
-          </a:xfrm>
-          <a:prstGeom prst="rect">
-            <a:avLst/>
-          </a:prstGeom>
-          <a:noFill/>
-        </p:spPr>
-        <p:txBody>
-          <a:bodyPr wrap="none" rtlCol="0">
-            <a:spAutoFit/>
-          </a:bodyPr>
-          <a:lstStyle/>
-          <a:p>
-            <a:endParaRPr lang="en-US" b="1" dirty="0">
-              <a:solidFill>
-                <a:schemeClr val="bg2">
-                  <a:lumMod val="50000"/>
-                </a:schemeClr>
-              </a:solidFill>
-            </a:endParaRPr>
-          </a:p>
-        </p:txBody>
-      </p:sp>
-      <p:sp>
-        <p:nvSpPr>
-          <p:cNvPr id="3" name="TextBox 2"/>
-          <p:cNvSpPr txBox="1"/>
-          <p:nvPr/>
-        </p:nvSpPr>
-        <p:spPr>
-          <a:xfrm>
-            <a:off x="381000" y="990600"/>
-            <a:ext cx="8743099" cy="461665"/>
-          </a:xfrm>
-          <a:prstGeom prst="rect">
-            <a:avLst/>
-          </a:prstGeom>
-          <a:noFill/>
-        </p:spPr>
-        <p:txBody>
-          <a:bodyPr wrap="none" rtlCol="0">
-            <a:spAutoFit/>
-          </a:bodyPr>
-          <a:lstStyle/>
-          <a:p>
-            <a:r>
-              <a:rPr lang="en-US" sz="2400" b="1" dirty="0" smtClean="0">
-                <a:solidFill>
-                  <a:schemeClr val="bg2">
-                    <a:lumMod val="50000"/>
-                  </a:schemeClr>
-                </a:solidFill>
-              </a:rPr>
-              <a:t>Now I am creating separate components and including it</a:t>
-            </a:r>
-            <a:endParaRPr lang="en-US" sz="2400" b="1" dirty="0">
-              <a:solidFill>
-                <a:schemeClr val="bg2">
-                  <a:lumMod val="50000"/>
-                </a:schemeClr>
-              </a:solidFill>
-            </a:endParaRPr>
-          </a:p>
-        </p:txBody>
-      </p:sp>
       <p:pic>
         <p:nvPicPr>
-          <p:cNvPr id="2050" name="Picture 2"/>
+          <p:cNvPr id="5123" name="Picture 3"/>
           <p:cNvPicPr>
             <a:picLocks noChangeAspect="1" noChangeArrowheads="1"/>
           </p:cNvPicPr>
           <p:nvPr/>
         </p:nvPicPr>
         <p:blipFill>
-          <a:blip r:embed="rId2">
+          <a:blip r:embed="rId3">
             <a:extLst>
               <a:ext uri="{28A0092B-C50C-407E-A947-70E740481C1C}">
                 <a14:useLocalDpi xmlns:a14="http://schemas.microsoft.com/office/drawing/2010/main" val="0"/>
@@ -9444,8 +9275,8 @@
         </p:blipFill>
         <p:spPr bwMode="auto">
           <a:xfrm>
-            <a:off x="228601" y="1455122"/>
-            <a:ext cx="4419600" cy="2362200"/>
+            <a:off x="643710" y="4648200"/>
+            <a:ext cx="4095750" cy="1352550"/>
           </a:xfrm>
           <a:prstGeom prst="rect">
             <a:avLst/>
@@ -9485,16 +9316,169 @@
           </a:extLst>
         </p:spPr>
       </p:pic>
+    </p:spTree>
+    <p:extLst>
+      <p:ext uri="{BB962C8B-B14F-4D97-AF65-F5344CB8AC3E}">
+        <p14:creationId xmlns:p14="http://schemas.microsoft.com/office/powerpoint/2010/main" val="1416943874"/>
+      </p:ext>
+    </p:extLst>
+  </p:cSld>
+  <p:clrMapOvr>
+    <a:masterClrMapping/>
+  </p:clrMapOvr>
+  <p:timing>
+    <p:tnLst>
+      <p:par>
+        <p:cTn id="1" dur="indefinite" restart="never" nodeType="tmRoot"/>
+      </p:par>
+    </p:tnLst>
+  </p:timing>
+</p:sld>
+</file>
+
+<file path=ppt/slides/slide23.xml><?xml version="1.0" encoding="utf-8"?>
+<p:sld xmlns:a="http://schemas.openxmlformats.org/drawingml/2006/main" xmlns:r="http://schemas.openxmlformats.org/officeDocument/2006/relationships" xmlns:p="http://schemas.openxmlformats.org/presentationml/2006/main">
+  <p:cSld>
+    <p:spTree>
+      <p:nvGrpSpPr>
+        <p:cNvPr id="1" name=""/>
+        <p:cNvGrpSpPr/>
+        <p:nvPr/>
+      </p:nvGrpSpPr>
+      <p:grpSpPr>
+        <a:xfrm>
+          <a:off x="0" y="0"/>
+          <a:ext cx="0" cy="0"/>
+          <a:chOff x="0" y="0"/>
+          <a:chExt cx="0" cy="0"/>
+        </a:xfrm>
+      </p:grpSpPr>
+      <p:sp>
+        <p:nvSpPr>
+          <p:cNvPr id="2" name="TextBox 1"/>
+          <p:cNvSpPr txBox="1"/>
+          <p:nvPr/>
+        </p:nvSpPr>
+        <p:spPr>
+          <a:xfrm>
+            <a:off x="228600" y="304800"/>
+            <a:ext cx="2082621" cy="461665"/>
+          </a:xfrm>
+          <a:prstGeom prst="rect">
+            <a:avLst/>
+          </a:prstGeom>
+          <a:noFill/>
+        </p:spPr>
+        <p:txBody>
+          <a:bodyPr wrap="none" rtlCol="0">
+            <a:spAutoFit/>
+          </a:bodyPr>
+          <a:lstStyle/>
+          <a:p>
+            <a:r>
+              <a:rPr lang="en-US" sz="2400" b="1" dirty="0" smtClean="0">
+                <a:solidFill>
+                  <a:schemeClr val="bg2">
+                    <a:lumMod val="50000"/>
+                  </a:schemeClr>
+                </a:solidFill>
+              </a:rPr>
+              <a:t>Components</a:t>
+            </a:r>
+            <a:endParaRPr lang="en-US" sz="2400" b="1" dirty="0">
+              <a:solidFill>
+                <a:schemeClr val="bg2">
+                  <a:lumMod val="50000"/>
+                </a:schemeClr>
+              </a:solidFill>
+            </a:endParaRPr>
+          </a:p>
+        </p:txBody>
+      </p:sp>
+      <p:sp>
+        <p:nvSpPr>
+          <p:cNvPr id="6" name="TextBox 5"/>
+          <p:cNvSpPr txBox="1"/>
+          <p:nvPr/>
+        </p:nvSpPr>
+        <p:spPr>
+          <a:xfrm>
+            <a:off x="551345" y="2266890"/>
+            <a:ext cx="184731" cy="369332"/>
+          </a:xfrm>
+          <a:prstGeom prst="rect">
+            <a:avLst/>
+          </a:prstGeom>
+          <a:noFill/>
+        </p:spPr>
+        <p:txBody>
+          <a:bodyPr wrap="none" rtlCol="0">
+            <a:spAutoFit/>
+          </a:bodyPr>
+          <a:lstStyle/>
+          <a:p>
+            <a:endParaRPr lang="en-US" b="1" dirty="0">
+              <a:solidFill>
+                <a:schemeClr val="bg2">
+                  <a:lumMod val="50000"/>
+                </a:schemeClr>
+              </a:solidFill>
+            </a:endParaRPr>
+          </a:p>
+        </p:txBody>
+      </p:sp>
+      <p:sp>
+        <p:nvSpPr>
+          <p:cNvPr id="3" name="TextBox 2"/>
+          <p:cNvSpPr txBox="1"/>
+          <p:nvPr/>
+        </p:nvSpPr>
+        <p:spPr>
+          <a:xfrm>
+            <a:off x="381000" y="990600"/>
+            <a:ext cx="8242962" cy="461665"/>
+          </a:xfrm>
+          <a:prstGeom prst="rect">
+            <a:avLst/>
+          </a:prstGeom>
+          <a:noFill/>
+        </p:spPr>
+        <p:txBody>
+          <a:bodyPr wrap="none" rtlCol="0">
+            <a:spAutoFit/>
+          </a:bodyPr>
+          <a:lstStyle/>
+          <a:p>
+            <a:r>
+              <a:rPr lang="en-US" sz="2400" b="1" dirty="0" smtClean="0">
+                <a:solidFill>
+                  <a:schemeClr val="bg2">
+                    <a:lumMod val="50000"/>
+                  </a:schemeClr>
+                </a:solidFill>
+              </a:rPr>
+              <a:t>Let’s say I have Header, Content and Body component</a:t>
+            </a:r>
+            <a:endParaRPr lang="en-US" sz="2400" b="1" dirty="0">
+              <a:solidFill>
+                <a:schemeClr val="bg2">
+                  <a:lumMod val="50000"/>
+                </a:schemeClr>
+              </a:solidFill>
+            </a:endParaRPr>
+          </a:p>
+        </p:txBody>
+      </p:sp>
       <p:pic>
         <p:nvPicPr>
-          <p:cNvPr id="2051" name="Picture 3"/>
+          <p:cNvPr id="1026" name="Picture 2"/>
           <p:cNvPicPr>
             <a:picLocks noChangeAspect="1" noChangeArrowheads="1"/>
           </p:cNvPicPr>
           <p:nvPr/>
         </p:nvPicPr>
         <p:blipFill>
-          <a:blip r:embed="rId3">
+          <a:blip r:embed="rId2">
             <a:extLst>
               <a:ext uri="{28A0092B-C50C-407E-A947-70E740481C1C}">
                 <a14:useLocalDpi xmlns:a14="http://schemas.microsoft.com/office/drawing/2010/main" val="0"/>
@@ -9508,8 +9492,8 @@
         </p:blipFill>
         <p:spPr bwMode="auto">
           <a:xfrm>
-            <a:off x="4752549" y="1447800"/>
-            <a:ext cx="4239051" cy="5181600"/>
+            <a:off x="551345" y="1600200"/>
+            <a:ext cx="6840055" cy="5112141"/>
           </a:xfrm>
           <a:prstGeom prst="rect">
             <a:avLst/>
@@ -9549,16 +9533,169 @@
           </a:extLst>
         </p:spPr>
       </p:pic>
+    </p:spTree>
+    <p:extLst>
+      <p:ext uri="{BB962C8B-B14F-4D97-AF65-F5344CB8AC3E}">
+        <p14:creationId xmlns:p14="http://schemas.microsoft.com/office/powerpoint/2010/main" val="1662884571"/>
+      </p:ext>
+    </p:extLst>
+  </p:cSld>
+  <p:clrMapOvr>
+    <a:masterClrMapping/>
+  </p:clrMapOvr>
+  <p:timing>
+    <p:tnLst>
+      <p:par>
+        <p:cTn id="1" dur="indefinite" restart="never" nodeType="tmRoot"/>
+      </p:par>
+    </p:tnLst>
+  </p:timing>
+</p:sld>
+</file>
+
+<file path=ppt/slides/slide24.xml><?xml version="1.0" encoding="utf-8"?>
+<p:sld xmlns:a="http://schemas.openxmlformats.org/drawingml/2006/main" xmlns:r="http://schemas.openxmlformats.org/officeDocument/2006/relationships" xmlns:p="http://schemas.openxmlformats.org/presentationml/2006/main">
+  <p:cSld>
+    <p:spTree>
+      <p:nvGrpSpPr>
+        <p:cNvPr id="1" name=""/>
+        <p:cNvGrpSpPr/>
+        <p:nvPr/>
+      </p:nvGrpSpPr>
+      <p:grpSpPr>
+        <a:xfrm>
+          <a:off x="0" y="0"/>
+          <a:ext cx="0" cy="0"/>
+          <a:chOff x="0" y="0"/>
+          <a:chExt cx="0" cy="0"/>
+        </a:xfrm>
+      </p:grpSpPr>
+      <p:sp>
+        <p:nvSpPr>
+          <p:cNvPr id="2" name="TextBox 1"/>
+          <p:cNvSpPr txBox="1"/>
+          <p:nvPr/>
+        </p:nvSpPr>
+        <p:spPr>
+          <a:xfrm>
+            <a:off x="228600" y="304800"/>
+            <a:ext cx="2082621" cy="461665"/>
+          </a:xfrm>
+          <a:prstGeom prst="rect">
+            <a:avLst/>
+          </a:prstGeom>
+          <a:noFill/>
+        </p:spPr>
+        <p:txBody>
+          <a:bodyPr wrap="none" rtlCol="0">
+            <a:spAutoFit/>
+          </a:bodyPr>
+          <a:lstStyle/>
+          <a:p>
+            <a:r>
+              <a:rPr lang="en-US" sz="2400" b="1" dirty="0" smtClean="0">
+                <a:solidFill>
+                  <a:schemeClr val="bg2">
+                    <a:lumMod val="50000"/>
+                  </a:schemeClr>
+                </a:solidFill>
+              </a:rPr>
+              <a:t>Components</a:t>
+            </a:r>
+            <a:endParaRPr lang="en-US" sz="2400" b="1" dirty="0">
+              <a:solidFill>
+                <a:schemeClr val="bg2">
+                  <a:lumMod val="50000"/>
+                </a:schemeClr>
+              </a:solidFill>
+            </a:endParaRPr>
+          </a:p>
+        </p:txBody>
+      </p:sp>
+      <p:sp>
+        <p:nvSpPr>
+          <p:cNvPr id="6" name="TextBox 5"/>
+          <p:cNvSpPr txBox="1"/>
+          <p:nvPr/>
+        </p:nvSpPr>
+        <p:spPr>
+          <a:xfrm>
+            <a:off x="551345" y="2266890"/>
+            <a:ext cx="184731" cy="369332"/>
+          </a:xfrm>
+          <a:prstGeom prst="rect">
+            <a:avLst/>
+          </a:prstGeom>
+          <a:noFill/>
+        </p:spPr>
+        <p:txBody>
+          <a:bodyPr wrap="none" rtlCol="0">
+            <a:spAutoFit/>
+          </a:bodyPr>
+          <a:lstStyle/>
+          <a:p>
+            <a:endParaRPr lang="en-US" b="1" dirty="0">
+              <a:solidFill>
+                <a:schemeClr val="bg2">
+                  <a:lumMod val="50000"/>
+                </a:schemeClr>
+              </a:solidFill>
+            </a:endParaRPr>
+          </a:p>
+        </p:txBody>
+      </p:sp>
+      <p:sp>
+        <p:nvSpPr>
+          <p:cNvPr id="3" name="TextBox 2"/>
+          <p:cNvSpPr txBox="1"/>
+          <p:nvPr/>
+        </p:nvSpPr>
+        <p:spPr>
+          <a:xfrm>
+            <a:off x="381000" y="990600"/>
+            <a:ext cx="8743099" cy="461665"/>
+          </a:xfrm>
+          <a:prstGeom prst="rect">
+            <a:avLst/>
+          </a:prstGeom>
+          <a:noFill/>
+        </p:spPr>
+        <p:txBody>
+          <a:bodyPr wrap="none" rtlCol="0">
+            <a:spAutoFit/>
+          </a:bodyPr>
+          <a:lstStyle/>
+          <a:p>
+            <a:r>
+              <a:rPr lang="en-US" sz="2400" b="1" dirty="0" smtClean="0">
+                <a:solidFill>
+                  <a:schemeClr val="bg2">
+                    <a:lumMod val="50000"/>
+                  </a:schemeClr>
+                </a:solidFill>
+              </a:rPr>
+              <a:t>Now I am creating separate components and including it</a:t>
+            </a:r>
+            <a:endParaRPr lang="en-US" sz="2400" b="1" dirty="0">
+              <a:solidFill>
+                <a:schemeClr val="bg2">
+                  <a:lumMod val="50000"/>
+                </a:schemeClr>
+              </a:solidFill>
+            </a:endParaRPr>
+          </a:p>
+        </p:txBody>
+      </p:sp>
       <p:pic>
         <p:nvPicPr>
-          <p:cNvPr id="2052" name="Picture 4"/>
+          <p:cNvPr id="2050" name="Picture 2"/>
           <p:cNvPicPr>
             <a:picLocks noChangeAspect="1" noChangeArrowheads="1"/>
           </p:cNvPicPr>
           <p:nvPr/>
         </p:nvPicPr>
         <p:blipFill>
-          <a:blip r:embed="rId4">
+          <a:blip r:embed="rId2">
             <a:extLst>
               <a:ext uri="{28A0092B-C50C-407E-A947-70E740481C1C}">
                 <a14:useLocalDpi xmlns:a14="http://schemas.microsoft.com/office/drawing/2010/main" val="0"/>
@@ -9572,8 +9709,8 @@
         </p:blipFill>
         <p:spPr bwMode="auto">
           <a:xfrm>
-            <a:off x="228600" y="4038600"/>
-            <a:ext cx="4352925" cy="2343150"/>
+            <a:off x="228601" y="1455122"/>
+            <a:ext cx="4419600" cy="2362200"/>
           </a:xfrm>
           <a:prstGeom prst="rect">
             <a:avLst/>
@@ -9613,169 +9750,16 @@
           </a:extLst>
         </p:spPr>
       </p:pic>
-    </p:spTree>
-    <p:extLst>
-      <p:ext uri="{BB962C8B-B14F-4D97-AF65-F5344CB8AC3E}">
-        <p14:creationId xmlns:p14="http://schemas.microsoft.com/office/powerpoint/2010/main" val="732270927"/>
-      </p:ext>
-    </p:extLst>
-  </p:cSld>
-  <p:clrMapOvr>
-    <a:masterClrMapping/>
-  </p:clrMapOvr>
-  <p:timing>
-    <p:tnLst>
-      <p:par>
-        <p:cTn id="1" dur="indefinite" restart="never" nodeType="tmRoot"/>
-      </p:par>
-    </p:tnLst>
-  </p:timing>
-</p:sld>
-</file>
-
-<file path=ppt/slides/slide23.xml><?xml version="1.0" encoding="utf-8"?>
-<p:sld xmlns:a="http://schemas.openxmlformats.org/drawingml/2006/main" xmlns:r="http://schemas.openxmlformats.org/officeDocument/2006/relationships" xmlns:p="http://schemas.openxmlformats.org/presentationml/2006/main">
-  <p:cSld>
-    <p:spTree>
-      <p:nvGrpSpPr>
-        <p:cNvPr id="1" name=""/>
-        <p:cNvGrpSpPr/>
-        <p:nvPr/>
-      </p:nvGrpSpPr>
-      <p:grpSpPr>
-        <a:xfrm>
-          <a:off x="0" y="0"/>
-          <a:ext cx="0" cy="0"/>
-          <a:chOff x="0" y="0"/>
-          <a:chExt cx="0" cy="0"/>
-        </a:xfrm>
-      </p:grpSpPr>
-      <p:sp>
-        <p:nvSpPr>
-          <p:cNvPr id="2" name="TextBox 1"/>
-          <p:cNvSpPr txBox="1"/>
-          <p:nvPr/>
-        </p:nvSpPr>
-        <p:spPr>
-          <a:xfrm>
-            <a:off x="228600" y="304800"/>
-            <a:ext cx="2082621" cy="461665"/>
-          </a:xfrm>
-          <a:prstGeom prst="rect">
-            <a:avLst/>
-          </a:prstGeom>
-          <a:noFill/>
-        </p:spPr>
-        <p:txBody>
-          <a:bodyPr wrap="none" rtlCol="0">
-            <a:spAutoFit/>
-          </a:bodyPr>
-          <a:lstStyle/>
-          <a:p>
-            <a:r>
-              <a:rPr lang="en-US" sz="2400" b="1" dirty="0" smtClean="0">
-                <a:solidFill>
-                  <a:schemeClr val="bg2">
-                    <a:lumMod val="50000"/>
-                  </a:schemeClr>
-                </a:solidFill>
-              </a:rPr>
-              <a:t>Components</a:t>
-            </a:r>
-            <a:endParaRPr lang="en-US" sz="2400" b="1" dirty="0">
-              <a:solidFill>
-                <a:schemeClr val="bg2">
-                  <a:lumMod val="50000"/>
-                </a:schemeClr>
-              </a:solidFill>
-            </a:endParaRPr>
-          </a:p>
-        </p:txBody>
-      </p:sp>
-      <p:sp>
-        <p:nvSpPr>
-          <p:cNvPr id="6" name="TextBox 5"/>
-          <p:cNvSpPr txBox="1"/>
-          <p:nvPr/>
-        </p:nvSpPr>
-        <p:spPr>
-          <a:xfrm>
-            <a:off x="551345" y="2266890"/>
-            <a:ext cx="184731" cy="369332"/>
-          </a:xfrm>
-          <a:prstGeom prst="rect">
-            <a:avLst/>
-          </a:prstGeom>
-          <a:noFill/>
-        </p:spPr>
-        <p:txBody>
-          <a:bodyPr wrap="none" rtlCol="0">
-            <a:spAutoFit/>
-          </a:bodyPr>
-          <a:lstStyle/>
-          <a:p>
-            <a:endParaRPr lang="en-US" b="1" dirty="0">
-              <a:solidFill>
-                <a:schemeClr val="bg2">
-                  <a:lumMod val="50000"/>
-                </a:schemeClr>
-              </a:solidFill>
-            </a:endParaRPr>
-          </a:p>
-        </p:txBody>
-      </p:sp>
-      <p:sp>
-        <p:nvSpPr>
-          <p:cNvPr id="3" name="TextBox 2"/>
-          <p:cNvSpPr txBox="1"/>
-          <p:nvPr/>
-        </p:nvSpPr>
-        <p:spPr>
-          <a:xfrm>
-            <a:off x="381000" y="990600"/>
-            <a:ext cx="8743099" cy="461665"/>
-          </a:xfrm>
-          <a:prstGeom prst="rect">
-            <a:avLst/>
-          </a:prstGeom>
-          <a:noFill/>
-        </p:spPr>
-        <p:txBody>
-          <a:bodyPr wrap="none" rtlCol="0">
-            <a:spAutoFit/>
-          </a:bodyPr>
-          <a:lstStyle/>
-          <a:p>
-            <a:r>
-              <a:rPr lang="en-US" sz="2400" b="1" dirty="0" smtClean="0">
-                <a:solidFill>
-                  <a:schemeClr val="bg2">
-                    <a:lumMod val="50000"/>
-                  </a:schemeClr>
-                </a:solidFill>
-              </a:rPr>
-              <a:t>Now I am creating separate components and including it</a:t>
-            </a:r>
-            <a:endParaRPr lang="en-US" sz="2400" b="1" dirty="0">
-              <a:solidFill>
-                <a:schemeClr val="bg2">
-                  <a:lumMod val="50000"/>
-                </a:schemeClr>
-              </a:solidFill>
-            </a:endParaRPr>
-          </a:p>
-        </p:txBody>
-      </p:sp>
       <p:pic>
         <p:nvPicPr>
-          <p:cNvPr id="3074" name="Picture 2"/>
+          <p:cNvPr id="2051" name="Picture 3"/>
           <p:cNvPicPr>
             <a:picLocks noChangeAspect="1" noChangeArrowheads="1"/>
           </p:cNvPicPr>
           <p:nvPr/>
         </p:nvPicPr>
         <p:blipFill>
-          <a:blip r:embed="rId2">
+          <a:blip r:embed="rId3">
             <a:extLst>
               <a:ext uri="{28A0092B-C50C-407E-A947-70E740481C1C}">
                 <a14:useLocalDpi xmlns:a14="http://schemas.microsoft.com/office/drawing/2010/main" val="0"/>
@@ -9789,8 +9773,8 @@
         </p:blipFill>
         <p:spPr bwMode="auto">
           <a:xfrm>
-            <a:off x="551344" y="1454469"/>
-            <a:ext cx="6154255" cy="4169441"/>
+            <a:off x="4752549" y="1447800"/>
+            <a:ext cx="4239051" cy="5181600"/>
           </a:xfrm>
           <a:prstGeom prst="rect">
             <a:avLst/>
@@ -9830,208 +9814,16 @@
           </a:extLst>
         </p:spPr>
       </p:pic>
-    </p:spTree>
-    <p:extLst>
-      <p:ext uri="{BB962C8B-B14F-4D97-AF65-F5344CB8AC3E}">
-        <p14:creationId xmlns:p14="http://schemas.microsoft.com/office/powerpoint/2010/main" val="2361018259"/>
-      </p:ext>
-    </p:extLst>
-  </p:cSld>
-  <p:clrMapOvr>
-    <a:masterClrMapping/>
-  </p:clrMapOvr>
-  <p:timing>
-    <p:tnLst>
-      <p:par>
-        <p:cTn id="1" dur="indefinite" restart="never" nodeType="tmRoot"/>
-      </p:par>
-    </p:tnLst>
-  </p:timing>
-</p:sld>
-</file>
-
-<file path=ppt/slides/slide24.xml><?xml version="1.0" encoding="utf-8"?>
-<p:sld xmlns:a="http://schemas.openxmlformats.org/drawingml/2006/main" xmlns:r="http://schemas.openxmlformats.org/officeDocument/2006/relationships" xmlns:p="http://schemas.openxmlformats.org/presentationml/2006/main">
-  <p:cSld>
-    <p:spTree>
-      <p:nvGrpSpPr>
-        <p:cNvPr id="1" name=""/>
-        <p:cNvGrpSpPr/>
-        <p:nvPr/>
-      </p:nvGrpSpPr>
-      <p:grpSpPr>
-        <a:xfrm>
-          <a:off x="0" y="0"/>
-          <a:ext cx="0" cy="0"/>
-          <a:chOff x="0" y="0"/>
-          <a:chExt cx="0" cy="0"/>
-        </a:xfrm>
-      </p:grpSpPr>
-      <p:sp>
-        <p:nvSpPr>
-          <p:cNvPr id="2" name="TextBox 1"/>
-          <p:cNvSpPr txBox="1"/>
-          <p:nvPr/>
-        </p:nvSpPr>
-        <p:spPr>
-          <a:xfrm>
-            <a:off x="228600" y="304800"/>
-            <a:ext cx="2082621" cy="461665"/>
-          </a:xfrm>
-          <a:prstGeom prst="rect">
-            <a:avLst/>
-          </a:prstGeom>
-          <a:noFill/>
-        </p:spPr>
-        <p:txBody>
-          <a:bodyPr wrap="none" rtlCol="0">
-            <a:spAutoFit/>
-          </a:bodyPr>
-          <a:lstStyle/>
-          <a:p>
-            <a:r>
-              <a:rPr lang="en-US" sz="2400" b="1" dirty="0" smtClean="0">
-                <a:solidFill>
-                  <a:schemeClr val="bg2">
-                    <a:lumMod val="50000"/>
-                  </a:schemeClr>
-                </a:solidFill>
-              </a:rPr>
-              <a:t>Components</a:t>
-            </a:r>
-            <a:endParaRPr lang="en-US" sz="2400" b="1" dirty="0">
-              <a:solidFill>
-                <a:schemeClr val="bg2">
-                  <a:lumMod val="50000"/>
-                </a:schemeClr>
-              </a:solidFill>
-            </a:endParaRPr>
-          </a:p>
-        </p:txBody>
-      </p:sp>
-      <p:sp>
-        <p:nvSpPr>
-          <p:cNvPr id="6" name="TextBox 5"/>
-          <p:cNvSpPr txBox="1"/>
-          <p:nvPr/>
-        </p:nvSpPr>
-        <p:spPr>
-          <a:xfrm>
-            <a:off x="551345" y="2266890"/>
-            <a:ext cx="184731" cy="369332"/>
-          </a:xfrm>
-          <a:prstGeom prst="rect">
-            <a:avLst/>
-          </a:prstGeom>
-          <a:noFill/>
-        </p:spPr>
-        <p:txBody>
-          <a:bodyPr wrap="none" rtlCol="0">
-            <a:spAutoFit/>
-          </a:bodyPr>
-          <a:lstStyle/>
-          <a:p>
-            <a:endParaRPr lang="en-US" b="1" dirty="0">
-              <a:solidFill>
-                <a:schemeClr val="bg2">
-                  <a:lumMod val="50000"/>
-                </a:schemeClr>
-              </a:solidFill>
-            </a:endParaRPr>
-          </a:p>
-        </p:txBody>
-      </p:sp>
-      <p:sp>
-        <p:nvSpPr>
-          <p:cNvPr id="3" name="TextBox 2"/>
-          <p:cNvSpPr txBox="1"/>
-          <p:nvPr/>
-        </p:nvSpPr>
-        <p:spPr>
-          <a:xfrm>
-            <a:off x="381000" y="990600"/>
-            <a:ext cx="5777544" cy="461665"/>
-          </a:xfrm>
-          <a:prstGeom prst="rect">
-            <a:avLst/>
-          </a:prstGeom>
-          <a:noFill/>
-        </p:spPr>
-        <p:txBody>
-          <a:bodyPr wrap="none" rtlCol="0">
-            <a:spAutoFit/>
-          </a:bodyPr>
-          <a:lstStyle/>
-          <a:p>
-            <a:r>
-              <a:rPr lang="en-US" sz="2400" b="1" dirty="0" smtClean="0">
-                <a:solidFill>
-                  <a:schemeClr val="bg2">
-                    <a:lumMod val="50000"/>
-                  </a:schemeClr>
-                </a:solidFill>
-              </a:rPr>
-              <a:t>We can also keep in separate JSX files</a:t>
-            </a:r>
-            <a:endParaRPr lang="en-US" sz="2400" b="1" dirty="0">
-              <a:solidFill>
-                <a:schemeClr val="bg2">
-                  <a:lumMod val="50000"/>
-                </a:schemeClr>
-              </a:solidFill>
-            </a:endParaRPr>
-          </a:p>
-        </p:txBody>
-      </p:sp>
-      <p:sp>
-        <p:nvSpPr>
-          <p:cNvPr id="4" name="TextBox 3"/>
-          <p:cNvSpPr txBox="1"/>
-          <p:nvPr/>
-        </p:nvSpPr>
-        <p:spPr>
-          <a:xfrm>
-            <a:off x="228600" y="1752600"/>
-            <a:ext cx="6147837" cy="923330"/>
-          </a:xfrm>
-          <a:prstGeom prst="rect">
-            <a:avLst/>
-          </a:prstGeom>
-          <a:noFill/>
-        </p:spPr>
-        <p:txBody>
-          <a:bodyPr wrap="none" rtlCol="0">
-            <a:spAutoFit/>
-          </a:bodyPr>
-          <a:lstStyle/>
-          <a:p>
-            <a:r>
-              <a:rPr lang="en-US" dirty="0" smtClean="0"/>
-              <a:t>Let’s say I am creating a separate folder say common</a:t>
-            </a:r>
-          </a:p>
-          <a:p>
-            <a:endParaRPr lang="en-US" dirty="0"/>
-          </a:p>
-          <a:p>
-            <a:r>
-              <a:rPr lang="en-US" dirty="0" smtClean="0"/>
-              <a:t>Keeping Header and footer file there</a:t>
-            </a:r>
-            <a:endParaRPr lang="en-US" dirty="0"/>
-          </a:p>
-        </p:txBody>
-      </p:sp>
       <p:pic>
         <p:nvPicPr>
-          <p:cNvPr id="4098" name="Picture 2"/>
+          <p:cNvPr id="2052" name="Picture 4"/>
           <p:cNvPicPr>
             <a:picLocks noChangeAspect="1" noChangeArrowheads="1"/>
           </p:cNvPicPr>
           <p:nvPr/>
         </p:nvPicPr>
         <p:blipFill>
-          <a:blip r:embed="rId2">
+          <a:blip r:embed="rId4">
             <a:extLst>
               <a:ext uri="{28A0092B-C50C-407E-A947-70E740481C1C}">
                 <a14:useLocalDpi xmlns:a14="http://schemas.microsoft.com/office/drawing/2010/main" val="0"/>
@@ -10045,8 +9837,8 @@
         </p:blipFill>
         <p:spPr bwMode="auto">
           <a:xfrm>
-            <a:off x="368491" y="2819400"/>
-            <a:ext cx="3898710" cy="3867150"/>
+            <a:off x="228600" y="4038600"/>
+            <a:ext cx="4352925" cy="2343150"/>
           </a:xfrm>
           <a:prstGeom prst="rect">
             <a:avLst/>
@@ -10086,16 +9878,169 @@
           </a:extLst>
         </p:spPr>
       </p:pic>
+    </p:spTree>
+    <p:extLst>
+      <p:ext uri="{BB962C8B-B14F-4D97-AF65-F5344CB8AC3E}">
+        <p14:creationId xmlns:p14="http://schemas.microsoft.com/office/powerpoint/2010/main" val="732270927"/>
+      </p:ext>
+    </p:extLst>
+  </p:cSld>
+  <p:clrMapOvr>
+    <a:masterClrMapping/>
+  </p:clrMapOvr>
+  <p:timing>
+    <p:tnLst>
+      <p:par>
+        <p:cTn id="1" dur="indefinite" restart="never" nodeType="tmRoot"/>
+      </p:par>
+    </p:tnLst>
+  </p:timing>
+</p:sld>
+</file>
+
+<file path=ppt/slides/slide25.xml><?xml version="1.0" encoding="utf-8"?>
+<p:sld xmlns:a="http://schemas.openxmlformats.org/drawingml/2006/main" xmlns:r="http://schemas.openxmlformats.org/officeDocument/2006/relationships" xmlns:p="http://schemas.openxmlformats.org/presentationml/2006/main">
+  <p:cSld>
+    <p:spTree>
+      <p:nvGrpSpPr>
+        <p:cNvPr id="1" name=""/>
+        <p:cNvGrpSpPr/>
+        <p:nvPr/>
+      </p:nvGrpSpPr>
+      <p:grpSpPr>
+        <a:xfrm>
+          <a:off x="0" y="0"/>
+          <a:ext cx="0" cy="0"/>
+          <a:chOff x="0" y="0"/>
+          <a:chExt cx="0" cy="0"/>
+        </a:xfrm>
+      </p:grpSpPr>
+      <p:sp>
+        <p:nvSpPr>
+          <p:cNvPr id="2" name="TextBox 1"/>
+          <p:cNvSpPr txBox="1"/>
+          <p:nvPr/>
+        </p:nvSpPr>
+        <p:spPr>
+          <a:xfrm>
+            <a:off x="228600" y="304800"/>
+            <a:ext cx="2082621" cy="461665"/>
+          </a:xfrm>
+          <a:prstGeom prst="rect">
+            <a:avLst/>
+          </a:prstGeom>
+          <a:noFill/>
+        </p:spPr>
+        <p:txBody>
+          <a:bodyPr wrap="none" rtlCol="0">
+            <a:spAutoFit/>
+          </a:bodyPr>
+          <a:lstStyle/>
+          <a:p>
+            <a:r>
+              <a:rPr lang="en-US" sz="2400" b="1" dirty="0" smtClean="0">
+                <a:solidFill>
+                  <a:schemeClr val="bg2">
+                    <a:lumMod val="50000"/>
+                  </a:schemeClr>
+                </a:solidFill>
+              </a:rPr>
+              <a:t>Components</a:t>
+            </a:r>
+            <a:endParaRPr lang="en-US" sz="2400" b="1" dirty="0">
+              <a:solidFill>
+                <a:schemeClr val="bg2">
+                  <a:lumMod val="50000"/>
+                </a:schemeClr>
+              </a:solidFill>
+            </a:endParaRPr>
+          </a:p>
+        </p:txBody>
+      </p:sp>
+      <p:sp>
+        <p:nvSpPr>
+          <p:cNvPr id="6" name="TextBox 5"/>
+          <p:cNvSpPr txBox="1"/>
+          <p:nvPr/>
+        </p:nvSpPr>
+        <p:spPr>
+          <a:xfrm>
+            <a:off x="551345" y="2266890"/>
+            <a:ext cx="184731" cy="369332"/>
+          </a:xfrm>
+          <a:prstGeom prst="rect">
+            <a:avLst/>
+          </a:prstGeom>
+          <a:noFill/>
+        </p:spPr>
+        <p:txBody>
+          <a:bodyPr wrap="none" rtlCol="0">
+            <a:spAutoFit/>
+          </a:bodyPr>
+          <a:lstStyle/>
+          <a:p>
+            <a:endParaRPr lang="en-US" b="1" dirty="0">
+              <a:solidFill>
+                <a:schemeClr val="bg2">
+                  <a:lumMod val="50000"/>
+                </a:schemeClr>
+              </a:solidFill>
+            </a:endParaRPr>
+          </a:p>
+        </p:txBody>
+      </p:sp>
+      <p:sp>
+        <p:nvSpPr>
+          <p:cNvPr id="3" name="TextBox 2"/>
+          <p:cNvSpPr txBox="1"/>
+          <p:nvPr/>
+        </p:nvSpPr>
+        <p:spPr>
+          <a:xfrm>
+            <a:off x="381000" y="990600"/>
+            <a:ext cx="8743099" cy="461665"/>
+          </a:xfrm>
+          <a:prstGeom prst="rect">
+            <a:avLst/>
+          </a:prstGeom>
+          <a:noFill/>
+        </p:spPr>
+        <p:txBody>
+          <a:bodyPr wrap="none" rtlCol="0">
+            <a:spAutoFit/>
+          </a:bodyPr>
+          <a:lstStyle/>
+          <a:p>
+            <a:r>
+              <a:rPr lang="en-US" sz="2400" b="1" dirty="0" smtClean="0">
+                <a:solidFill>
+                  <a:schemeClr val="bg2">
+                    <a:lumMod val="50000"/>
+                  </a:schemeClr>
+                </a:solidFill>
+              </a:rPr>
+              <a:t>Now I am creating separate components and including it</a:t>
+            </a:r>
+            <a:endParaRPr lang="en-US" sz="2400" b="1" dirty="0">
+              <a:solidFill>
+                <a:schemeClr val="bg2">
+                  <a:lumMod val="50000"/>
+                </a:schemeClr>
+              </a:solidFill>
+            </a:endParaRPr>
+          </a:p>
+        </p:txBody>
+      </p:sp>
       <p:pic>
         <p:nvPicPr>
-          <p:cNvPr id="4099" name="Picture 3"/>
+          <p:cNvPr id="3074" name="Picture 2"/>
           <p:cNvPicPr>
             <a:picLocks noChangeAspect="1" noChangeArrowheads="1"/>
           </p:cNvPicPr>
           <p:nvPr/>
         </p:nvPicPr>
         <p:blipFill>
-          <a:blip r:embed="rId3">
+          <a:blip r:embed="rId2">
             <a:extLst>
               <a:ext uri="{28A0092B-C50C-407E-A947-70E740481C1C}">
                 <a14:useLocalDpi xmlns:a14="http://schemas.microsoft.com/office/drawing/2010/main" val="0"/>
@@ -10109,8 +10054,8 @@
         </p:blipFill>
         <p:spPr bwMode="auto">
           <a:xfrm>
-            <a:off x="4572001" y="2747581"/>
-            <a:ext cx="4129718" cy="3876675"/>
+            <a:off x="551344" y="1454469"/>
+            <a:ext cx="6154255" cy="4169441"/>
           </a:xfrm>
           <a:prstGeom prst="rect">
             <a:avLst/>
@@ -10153,7 +10098,7 @@
     </p:spTree>
     <p:extLst>
       <p:ext uri="{BB962C8B-B14F-4D97-AF65-F5344CB8AC3E}">
-        <p14:creationId xmlns:p14="http://schemas.microsoft.com/office/powerpoint/2010/main" val="1083070238"/>
+        <p14:creationId xmlns:p14="http://schemas.microsoft.com/office/powerpoint/2010/main" val="2361018259"/>
       </p:ext>
     </p:extLst>
   </p:cSld>
@@ -10170,7 +10115,7 @@
 </p:sld>
 </file>
 
-<file path=ppt/slides/slide25.xml><?xml version="1.0" encoding="utf-8"?>
+<file path=ppt/slides/slide26.xml><?xml version="1.0" encoding="utf-8"?>
 <p:sld xmlns:a="http://schemas.openxmlformats.org/drawingml/2006/main" xmlns:r="http://schemas.openxmlformats.org/officeDocument/2006/relationships" xmlns:p="http://schemas.openxmlformats.org/presentationml/2006/main">
   <p:cSld>
     <p:spTree>
@@ -10270,7 +10215,7 @@
         <p:spPr>
           <a:xfrm>
             <a:off x="381000" y="990600"/>
-            <a:ext cx="5814412" cy="461665"/>
+            <a:ext cx="5777544" cy="461665"/>
           </a:xfrm>
           <a:prstGeom prst="rect">
             <a:avLst/>
@@ -10291,7 +10236,7 @@
                   </a:schemeClr>
                 </a:solidFill>
               </a:rPr>
-              <a:t>Including Header, Footer and Content</a:t>
+              <a:t>We can also keep in separate JSX files</a:t>
             </a:r>
             <a:endParaRPr lang="en-US" sz="2400" b="1" dirty="0">
               <a:solidFill>
@@ -10303,9 +10248,48 @@
           </a:p>
         </p:txBody>
       </p:sp>
+      <p:sp>
+        <p:nvSpPr>
+          <p:cNvPr id="4" name="TextBox 3"/>
+          <p:cNvSpPr txBox="1"/>
+          <p:nvPr/>
+        </p:nvSpPr>
+        <p:spPr>
+          <a:xfrm>
+            <a:off x="228600" y="1752600"/>
+            <a:ext cx="6147837" cy="923330"/>
+          </a:xfrm>
+          <a:prstGeom prst="rect">
+            <a:avLst/>
+          </a:prstGeom>
+          <a:noFill/>
+        </p:spPr>
+        <p:txBody>
+          <a:bodyPr wrap="none" rtlCol="0">
+            <a:spAutoFit/>
+          </a:bodyPr>
+          <a:lstStyle/>
+          <a:p>
+            <a:r>
+              <a:rPr lang="en-US" dirty="0" smtClean="0"/>
+              <a:t>Let’s say I am creating a separate folder say common</a:t>
+            </a:r>
+          </a:p>
+          <a:p>
+            <a:endParaRPr lang="en-US" dirty="0"/>
+          </a:p>
+          <a:p>
+            <a:r>
+              <a:rPr lang="en-US" dirty="0" smtClean="0"/>
+              <a:t>Keeping Header and footer file there</a:t>
+            </a:r>
+            <a:endParaRPr lang="en-US" dirty="0"/>
+          </a:p>
+        </p:txBody>
+      </p:sp>
       <p:pic>
         <p:nvPicPr>
-          <p:cNvPr id="5122" name="Picture 2"/>
+          <p:cNvPr id="4098" name="Picture 2"/>
           <p:cNvPicPr>
             <a:picLocks noChangeAspect="1" noChangeArrowheads="1"/>
           </p:cNvPicPr>
@@ -10326,8 +10310,8 @@
         </p:blipFill>
         <p:spPr bwMode="auto">
           <a:xfrm>
-            <a:off x="538835" y="1600200"/>
-            <a:ext cx="6319165" cy="5000625"/>
+            <a:off x="368491" y="2819400"/>
+            <a:ext cx="3898710" cy="3867150"/>
           </a:xfrm>
           <a:prstGeom prst="rect">
             <a:avLst/>
@@ -10367,169 +10351,16 @@
           </a:extLst>
         </p:spPr>
       </p:pic>
-    </p:spTree>
-    <p:extLst>
-      <p:ext uri="{BB962C8B-B14F-4D97-AF65-F5344CB8AC3E}">
-        <p14:creationId xmlns:p14="http://schemas.microsoft.com/office/powerpoint/2010/main" val="4155295524"/>
-      </p:ext>
-    </p:extLst>
-  </p:cSld>
-  <p:clrMapOvr>
-    <a:masterClrMapping/>
-  </p:clrMapOvr>
-  <p:timing>
-    <p:tnLst>
-      <p:par>
-        <p:cTn id="1" dur="indefinite" restart="never" nodeType="tmRoot"/>
-      </p:par>
-    </p:tnLst>
-  </p:timing>
-</p:sld>
-</file>
-
-<file path=ppt/slides/slide26.xml><?xml version="1.0" encoding="utf-8"?>
-<p:sld xmlns:a="http://schemas.openxmlformats.org/drawingml/2006/main" xmlns:r="http://schemas.openxmlformats.org/officeDocument/2006/relationships" xmlns:p="http://schemas.openxmlformats.org/presentationml/2006/main">
-  <p:cSld>
-    <p:spTree>
-      <p:nvGrpSpPr>
-        <p:cNvPr id="1" name=""/>
-        <p:cNvGrpSpPr/>
-        <p:nvPr/>
-      </p:nvGrpSpPr>
-      <p:grpSpPr>
-        <a:xfrm>
-          <a:off x="0" y="0"/>
-          <a:ext cx="0" cy="0"/>
-          <a:chOff x="0" y="0"/>
-          <a:chExt cx="0" cy="0"/>
-        </a:xfrm>
-      </p:grpSpPr>
-      <p:sp>
-        <p:nvSpPr>
-          <p:cNvPr id="2" name="TextBox 1"/>
-          <p:cNvSpPr txBox="1"/>
-          <p:nvPr/>
-        </p:nvSpPr>
-        <p:spPr>
-          <a:xfrm>
-            <a:off x="228600" y="304800"/>
-            <a:ext cx="1021433" cy="461665"/>
-          </a:xfrm>
-          <a:prstGeom prst="rect">
-            <a:avLst/>
-          </a:prstGeom>
-          <a:noFill/>
-        </p:spPr>
-        <p:txBody>
-          <a:bodyPr wrap="none" rtlCol="0">
-            <a:spAutoFit/>
-          </a:bodyPr>
-          <a:lstStyle/>
-          <a:p>
-            <a:r>
-              <a:rPr lang="en-US" sz="2400" b="1" dirty="0" smtClean="0">
-                <a:solidFill>
-                  <a:schemeClr val="bg2">
-                    <a:lumMod val="50000"/>
-                  </a:schemeClr>
-                </a:solidFill>
-              </a:rPr>
-              <a:t>Props</a:t>
-            </a:r>
-            <a:endParaRPr lang="en-US" sz="2400" b="1" dirty="0">
-              <a:solidFill>
-                <a:schemeClr val="bg2">
-                  <a:lumMod val="50000"/>
-                </a:schemeClr>
-              </a:solidFill>
-            </a:endParaRPr>
-          </a:p>
-        </p:txBody>
-      </p:sp>
-      <p:sp>
-        <p:nvSpPr>
-          <p:cNvPr id="6" name="TextBox 5"/>
-          <p:cNvSpPr txBox="1"/>
-          <p:nvPr/>
-        </p:nvSpPr>
-        <p:spPr>
-          <a:xfrm>
-            <a:off x="551345" y="2266890"/>
-            <a:ext cx="184731" cy="369332"/>
-          </a:xfrm>
-          <a:prstGeom prst="rect">
-            <a:avLst/>
-          </a:prstGeom>
-          <a:noFill/>
-        </p:spPr>
-        <p:txBody>
-          <a:bodyPr wrap="none" rtlCol="0">
-            <a:spAutoFit/>
-          </a:bodyPr>
-          <a:lstStyle/>
-          <a:p>
-            <a:endParaRPr lang="en-US" b="1" dirty="0">
-              <a:solidFill>
-                <a:schemeClr val="bg2">
-                  <a:lumMod val="50000"/>
-                </a:schemeClr>
-              </a:solidFill>
-            </a:endParaRPr>
-          </a:p>
-        </p:txBody>
-      </p:sp>
-      <p:sp>
-        <p:nvSpPr>
-          <p:cNvPr id="3" name="TextBox 2"/>
-          <p:cNvSpPr txBox="1"/>
-          <p:nvPr/>
-        </p:nvSpPr>
-        <p:spPr>
-          <a:xfrm>
-            <a:off x="381000" y="990600"/>
-            <a:ext cx="8284640" cy="461665"/>
-          </a:xfrm>
-          <a:prstGeom prst="rect">
-            <a:avLst/>
-          </a:prstGeom>
-          <a:noFill/>
-        </p:spPr>
-        <p:txBody>
-          <a:bodyPr wrap="none" rtlCol="0">
-            <a:spAutoFit/>
-          </a:bodyPr>
-          <a:lstStyle/>
-          <a:p>
-            <a:r>
-              <a:rPr lang="en-US" sz="2400" b="1" dirty="0" smtClean="0">
-                <a:solidFill>
-                  <a:schemeClr val="bg2">
-                    <a:lumMod val="50000"/>
-                  </a:schemeClr>
-                </a:solidFill>
-              </a:rPr>
-              <a:t>We can pass data to children components using props</a:t>
-            </a:r>
-            <a:endParaRPr lang="en-US" sz="2400" b="1" dirty="0">
-              <a:solidFill>
-                <a:schemeClr val="bg2">
-                  <a:lumMod val="50000"/>
-                </a:schemeClr>
-              </a:solidFill>
-            </a:endParaRPr>
-          </a:p>
-        </p:txBody>
-      </p:sp>
       <p:pic>
         <p:nvPicPr>
-          <p:cNvPr id="6146" name="Picture 2"/>
+          <p:cNvPr id="4099" name="Picture 3"/>
           <p:cNvPicPr>
             <a:picLocks noChangeAspect="1" noChangeArrowheads="1"/>
           </p:cNvPicPr>
           <p:nvPr/>
         </p:nvPicPr>
         <p:blipFill>
-          <a:blip r:embed="rId2">
+          <a:blip r:embed="rId3">
             <a:extLst>
               <a:ext uri="{28A0092B-C50C-407E-A947-70E740481C1C}">
                 <a14:useLocalDpi xmlns:a14="http://schemas.microsoft.com/office/drawing/2010/main" val="0"/>
@@ -10543,8 +10374,8 @@
         </p:blipFill>
         <p:spPr bwMode="auto">
           <a:xfrm>
-            <a:off x="551344" y="1434068"/>
-            <a:ext cx="5697055" cy="4772025"/>
+            <a:off x="4572001" y="2747581"/>
+            <a:ext cx="4129718" cy="3876675"/>
           </a:xfrm>
           <a:prstGeom prst="rect">
             <a:avLst/>
@@ -10584,58 +10415,10 @@
           </a:extLst>
         </p:spPr>
       </p:pic>
-      <p:sp>
-        <p:nvSpPr>
-          <p:cNvPr id="4" name="TextBox 3"/>
-          <p:cNvSpPr txBox="1"/>
-          <p:nvPr/>
-        </p:nvSpPr>
-        <p:spPr>
-          <a:xfrm>
-            <a:off x="6781800" y="1828800"/>
-            <a:ext cx="2294218" cy="1200329"/>
-          </a:xfrm>
-          <a:prstGeom prst="rect">
-            <a:avLst/>
-          </a:prstGeom>
-          <a:noFill/>
-        </p:spPr>
-        <p:txBody>
-          <a:bodyPr wrap="none" rtlCol="0">
-            <a:spAutoFit/>
-          </a:bodyPr>
-          <a:lstStyle/>
-          <a:p>
-            <a:r>
-              <a:rPr lang="en-US" dirty="0" smtClean="0"/>
-              <a:t>We can pass any </a:t>
-            </a:r>
-          </a:p>
-          <a:p>
-            <a:r>
-              <a:rPr lang="en-US" dirty="0" smtClean="0"/>
-              <a:t>kind of data like </a:t>
-            </a:r>
-          </a:p>
-          <a:p>
-            <a:r>
-              <a:rPr lang="en-US" dirty="0" smtClean="0"/>
-              <a:t>string or object or </a:t>
-            </a:r>
-          </a:p>
-          <a:p>
-            <a:r>
-              <a:rPr lang="en-US" dirty="0" smtClean="0"/>
-              <a:t>function</a:t>
-            </a:r>
-            <a:endParaRPr lang="en-US" dirty="0"/>
-          </a:p>
-        </p:txBody>
-      </p:sp>
     </p:spTree>
     <p:extLst>
       <p:ext uri="{BB962C8B-B14F-4D97-AF65-F5344CB8AC3E}">
-        <p14:creationId xmlns:p14="http://schemas.microsoft.com/office/powerpoint/2010/main" val="1545201661"/>
+        <p14:creationId xmlns:p14="http://schemas.microsoft.com/office/powerpoint/2010/main" val="1083070238"/>
       </p:ext>
     </p:extLst>
   </p:cSld>
@@ -10678,7 +10461,7 @@
         <p:spPr>
           <a:xfrm>
             <a:off x="228600" y="304800"/>
-            <a:ext cx="1021433" cy="461665"/>
+            <a:ext cx="2082621" cy="461665"/>
           </a:xfrm>
           <a:prstGeom prst="rect">
             <a:avLst/>
@@ -10699,7 +10482,7 @@
                   </a:schemeClr>
                 </a:solidFill>
               </a:rPr>
-              <a:t>Props</a:t>
+              <a:t>Components</a:t>
             </a:r>
             <a:endParaRPr lang="en-US" sz="2400" b="1" dirty="0">
               <a:solidFill>
@@ -10752,7 +10535,7 @@
         <p:spPr>
           <a:xfrm>
             <a:off x="381000" y="990600"/>
-            <a:ext cx="4562467" cy="461665"/>
+            <a:ext cx="5814412" cy="461665"/>
           </a:xfrm>
           <a:prstGeom prst="rect">
             <a:avLst/>
@@ -10773,7 +10556,7 @@
                   </a:schemeClr>
                 </a:solidFill>
               </a:rPr>
-              <a:t>We can access the props like </a:t>
+              <a:t>Including Header, Footer and Content</a:t>
             </a:r>
             <a:endParaRPr lang="en-US" sz="2400" b="1" dirty="0">
               <a:solidFill>
@@ -10787,7 +10570,7 @@
       </p:sp>
       <p:pic>
         <p:nvPicPr>
-          <p:cNvPr id="7170" name="Picture 2"/>
+          <p:cNvPr id="5122" name="Picture 2"/>
           <p:cNvPicPr>
             <a:picLocks noChangeAspect="1" noChangeArrowheads="1"/>
           </p:cNvPicPr>
@@ -10808,8 +10591,8 @@
         </p:blipFill>
         <p:spPr bwMode="auto">
           <a:xfrm>
-            <a:off x="551345" y="1452265"/>
-            <a:ext cx="5924550" cy="2057400"/>
+            <a:off x="538835" y="1600200"/>
+            <a:ext cx="6319165" cy="5000625"/>
           </a:xfrm>
           <a:prstGeom prst="rect">
             <a:avLst/>
@@ -10852,7 +10635,7 @@
     </p:spTree>
     <p:extLst>
       <p:ext uri="{BB962C8B-B14F-4D97-AF65-F5344CB8AC3E}">
-        <p14:creationId xmlns:p14="http://schemas.microsoft.com/office/powerpoint/2010/main" val="895807522"/>
+        <p14:creationId xmlns:p14="http://schemas.microsoft.com/office/powerpoint/2010/main" val="4155295524"/>
       </p:ext>
     </p:extLst>
   </p:cSld>
@@ -10886,6 +10669,73 @@
           <a:chExt cx="0" cy="0"/>
         </a:xfrm>
       </p:grpSpPr>
+      <p:pic>
+        <p:nvPicPr>
+          <p:cNvPr id="4" name="Picture 3"/>
+          <p:cNvPicPr>
+            <a:picLocks noChangeAspect="1"/>
+          </p:cNvPicPr>
+          <p:nvPr/>
+        </p:nvPicPr>
+        <p:blipFill>
+          <a:blip r:embed="rId2">
+            <a:extLst>
+              <a:ext uri="{28A0092B-C50C-407E-A947-70E740481C1C}">
+                <a14:useLocalDpi xmlns:a14="http://schemas.microsoft.com/office/drawing/2010/main" val="0"/>
+              </a:ext>
+            </a:extLst>
+          </a:blip>
+          <a:stretch>
+            <a:fillRect/>
+          </a:stretch>
+        </p:blipFill>
+        <p:spPr>
+          <a:xfrm>
+            <a:off x="1981200" y="1981200"/>
+            <a:ext cx="5962650" cy="2595506"/>
+          </a:xfrm>
+          <a:prstGeom prst="rect">
+            <a:avLst/>
+          </a:prstGeom>
+        </p:spPr>
+      </p:pic>
+    </p:spTree>
+    <p:extLst>
+      <p:ext uri="{BB962C8B-B14F-4D97-AF65-F5344CB8AC3E}">
+        <p14:creationId xmlns:p14="http://schemas.microsoft.com/office/powerpoint/2010/main" val="3592645107"/>
+      </p:ext>
+    </p:extLst>
+  </p:cSld>
+  <p:clrMapOvr>
+    <a:masterClrMapping/>
+  </p:clrMapOvr>
+  <p:timing>
+    <p:tnLst>
+      <p:par>
+        <p:cTn id="1" dur="indefinite" restart="never" nodeType="tmRoot"/>
+      </p:par>
+    </p:tnLst>
+  </p:timing>
+</p:sld>
+</file>
+
+<file path=ppt/slides/slide29.xml><?xml version="1.0" encoding="utf-8"?>
+<p:sld xmlns:a="http://schemas.openxmlformats.org/drawingml/2006/main" xmlns:r="http://schemas.openxmlformats.org/officeDocument/2006/relationships" xmlns:p="http://schemas.openxmlformats.org/presentationml/2006/main">
+  <p:cSld>
+    <p:spTree>
+      <p:nvGrpSpPr>
+        <p:cNvPr id="1" name=""/>
+        <p:cNvGrpSpPr/>
+        <p:nvPr/>
+      </p:nvGrpSpPr>
+      <p:grpSpPr>
+        <a:xfrm>
+          <a:off x="0" y="0"/>
+          <a:ext cx="0" cy="0"/>
+          <a:chOff x="0" y="0"/>
+          <a:chExt cx="0" cy="0"/>
+        </a:xfrm>
+      </p:grpSpPr>
       <p:sp>
         <p:nvSpPr>
           <p:cNvPr id="2" name="TextBox 1"/>
@@ -10969,7 +10819,7 @@
         <p:spPr>
           <a:xfrm>
             <a:off x="381000" y="990600"/>
-            <a:ext cx="4562467" cy="461665"/>
+            <a:ext cx="8284640" cy="461665"/>
           </a:xfrm>
           <a:prstGeom prst="rect">
             <a:avLst/>
@@ -10990,7 +10840,7 @@
                   </a:schemeClr>
                 </a:solidFill>
               </a:rPr>
-              <a:t>We can access the props like </a:t>
+              <a:t>We can pass data to children components using props</a:t>
             </a:r>
             <a:endParaRPr lang="en-US" sz="2400" b="1" dirty="0">
               <a:solidFill>
@@ -11004,7 +10854,7 @@
       </p:sp>
       <p:pic>
         <p:nvPicPr>
-          <p:cNvPr id="8195" name="Picture 3"/>
+          <p:cNvPr id="6146" name="Picture 2"/>
           <p:cNvPicPr>
             <a:picLocks noChangeAspect="1" noChangeArrowheads="1"/>
           </p:cNvPicPr>
@@ -11025,8 +10875,8 @@
         </p:blipFill>
         <p:spPr bwMode="auto">
           <a:xfrm>
-            <a:off x="623238" y="1452265"/>
-            <a:ext cx="6505575" cy="5000625"/>
+            <a:off x="551344" y="1434068"/>
+            <a:ext cx="5697055" cy="4772025"/>
           </a:xfrm>
           <a:prstGeom prst="rect">
             <a:avLst/>
@@ -11066,53 +10916,16 @@
           </a:extLst>
         </p:spPr>
       </p:pic>
-    </p:spTree>
-    <p:extLst>
-      <p:ext uri="{BB962C8B-B14F-4D97-AF65-F5344CB8AC3E}">
-        <p14:creationId xmlns:p14="http://schemas.microsoft.com/office/powerpoint/2010/main" val="3699217357"/>
-      </p:ext>
-    </p:extLst>
-  </p:cSld>
-  <p:clrMapOvr>
-    <a:masterClrMapping/>
-  </p:clrMapOvr>
-  <p:timing>
-    <p:tnLst>
-      <p:par>
-        <p:cTn id="1" dur="indefinite" restart="never" nodeType="tmRoot"/>
-      </p:par>
-    </p:tnLst>
-  </p:timing>
-</p:sld>
-</file>
-
-<file path=ppt/slides/slide29.xml><?xml version="1.0" encoding="utf-8"?>
-<p:sld xmlns:a="http://schemas.openxmlformats.org/drawingml/2006/main" xmlns:r="http://schemas.openxmlformats.org/officeDocument/2006/relationships" xmlns:p="http://schemas.openxmlformats.org/presentationml/2006/main">
-  <p:cSld>
-    <p:spTree>
-      <p:nvGrpSpPr>
-        <p:cNvPr id="1" name=""/>
-        <p:cNvGrpSpPr/>
-        <p:nvPr/>
-      </p:nvGrpSpPr>
-      <p:grpSpPr>
-        <a:xfrm>
-          <a:off x="0" y="0"/>
-          <a:ext cx="0" cy="0"/>
-          <a:chOff x="0" y="0"/>
-          <a:chExt cx="0" cy="0"/>
-        </a:xfrm>
-      </p:grpSpPr>
-      <p:sp>
-        <p:nvSpPr>
-          <p:cNvPr id="2" name="TextBox 1"/>
+      <p:sp>
+        <p:nvSpPr>
+          <p:cNvPr id="4" name="TextBox 3"/>
           <p:cNvSpPr txBox="1"/>
           <p:nvPr/>
         </p:nvSpPr>
         <p:spPr>
           <a:xfrm>
-            <a:off x="228600" y="304800"/>
-            <a:ext cx="1742785" cy="461665"/>
+            <a:off x="6781800" y="1828800"/>
+            <a:ext cx="2294218" cy="1200329"/>
           </a:xfrm>
           <a:prstGeom prst="rect">
             <a:avLst/>
@@ -11126,349 +10939,35 @@
           <a:lstStyle/>
           <a:p>
             <a:r>
-              <a:rPr lang="en-US" sz="2400" b="1" dirty="0" err="1" smtClean="0">
-                <a:solidFill>
-                  <a:schemeClr val="bg2">
-                    <a:lumMod val="50000"/>
-                  </a:schemeClr>
-                </a:solidFill>
-              </a:rPr>
-              <a:t>PropTypes</a:t>
-            </a:r>
-            <a:endParaRPr lang="en-US" sz="2400" b="1" dirty="0">
-              <a:solidFill>
-                <a:schemeClr val="bg2">
-                  <a:lumMod val="50000"/>
-                </a:schemeClr>
-              </a:solidFill>
-            </a:endParaRPr>
-          </a:p>
-        </p:txBody>
-      </p:sp>
-      <p:sp>
-        <p:nvSpPr>
-          <p:cNvPr id="6" name="TextBox 5"/>
-          <p:cNvSpPr txBox="1"/>
-          <p:nvPr/>
-        </p:nvSpPr>
-        <p:spPr>
-          <a:xfrm>
-            <a:off x="551345" y="2266890"/>
-            <a:ext cx="184731" cy="369332"/>
-          </a:xfrm>
-          <a:prstGeom prst="rect">
-            <a:avLst/>
-          </a:prstGeom>
-          <a:noFill/>
-        </p:spPr>
-        <p:txBody>
-          <a:bodyPr wrap="none" rtlCol="0">
-            <a:spAutoFit/>
-          </a:bodyPr>
-          <a:lstStyle/>
-          <a:p>
-            <a:endParaRPr lang="en-US" b="1" dirty="0">
-              <a:solidFill>
-                <a:schemeClr val="bg2">
-                  <a:lumMod val="50000"/>
-                </a:schemeClr>
-              </a:solidFill>
-            </a:endParaRPr>
-          </a:p>
-        </p:txBody>
-      </p:sp>
-      <p:sp>
-        <p:nvSpPr>
-          <p:cNvPr id="3" name="TextBox 2"/>
-          <p:cNvSpPr txBox="1"/>
-          <p:nvPr/>
-        </p:nvSpPr>
-        <p:spPr>
-          <a:xfrm>
-            <a:off x="228600" y="990600"/>
-            <a:ext cx="6643165" cy="2031325"/>
-          </a:xfrm>
-          <a:prstGeom prst="rect">
-            <a:avLst/>
-          </a:prstGeom>
-          <a:noFill/>
-        </p:spPr>
-        <p:txBody>
-          <a:bodyPr wrap="none" rtlCol="0">
-            <a:spAutoFit/>
-          </a:bodyPr>
-          <a:lstStyle/>
-          <a:p>
-            <a:r>
               <a:rPr lang="en-US" dirty="0" smtClean="0"/>
-              <a:t>So sometimes people are making mistakes to pass props </a:t>
-            </a:r>
-          </a:p>
-          <a:p>
+              <a:t>We can pass any </a:t>
+            </a:r>
+          </a:p>
+          <a:p>
+            <a:r>
+              <a:rPr lang="en-US" dirty="0" smtClean="0"/>
+              <a:t>kind of data like </a:t>
+            </a:r>
+          </a:p>
+          <a:p>
+            <a:r>
+              <a:rPr lang="en-US" dirty="0" smtClean="0"/>
+              <a:t>string or object or </a:t>
+            </a:r>
+          </a:p>
+          <a:p>
+            <a:r>
+              <a:rPr lang="en-US" dirty="0" smtClean="0"/>
+              <a:t>function</a:t>
+            </a:r>
             <a:endParaRPr lang="en-US" dirty="0"/>
-          </a:p>
-          <a:p>
-            <a:r>
-              <a:rPr lang="en-US" dirty="0" smtClean="0"/>
-              <a:t>Let’s say in Header I am passing the prop as </a:t>
-            </a:r>
-            <a:r>
-              <a:rPr lang="en-US" b="1" i="1" dirty="0" smtClean="0"/>
-              <a:t>true</a:t>
-            </a:r>
-          </a:p>
-          <a:p>
-            <a:endParaRPr lang="en-US" b="1" i="1" dirty="0"/>
-          </a:p>
-          <a:p>
-            <a:endParaRPr lang="en-US" b="1" i="1" dirty="0" smtClean="0"/>
-          </a:p>
-          <a:p>
-            <a:endParaRPr lang="en-US" b="1" i="1" dirty="0"/>
-          </a:p>
-          <a:p>
-            <a:r>
-              <a:rPr lang="en-US" dirty="0" smtClean="0"/>
-              <a:t>But in the component it is expecting a string</a:t>
-            </a:r>
-            <a:endParaRPr lang="en-US" dirty="0"/>
-          </a:p>
-        </p:txBody>
-      </p:sp>
-      <p:pic>
-        <p:nvPicPr>
-          <p:cNvPr id="1026" name="Picture 2"/>
-          <p:cNvPicPr>
-            <a:picLocks noChangeAspect="1" noChangeArrowheads="1"/>
-          </p:cNvPicPr>
-          <p:nvPr/>
-        </p:nvPicPr>
-        <p:blipFill>
-          <a:blip r:embed="rId2">
-            <a:extLst>
-              <a:ext uri="{28A0092B-C50C-407E-A947-70E740481C1C}">
-                <a14:useLocalDpi xmlns:a14="http://schemas.microsoft.com/office/drawing/2010/main" val="0"/>
-              </a:ext>
-            </a:extLst>
-          </a:blip>
-          <a:srcRect/>
-          <a:stretch>
-            <a:fillRect/>
-          </a:stretch>
-        </p:blipFill>
-        <p:spPr bwMode="auto">
-          <a:xfrm>
-            <a:off x="252484" y="1964222"/>
-            <a:ext cx="3057525" cy="333375"/>
-          </a:xfrm>
-          <a:prstGeom prst="rect">
-            <a:avLst/>
-          </a:prstGeom>
-          <a:noFill/>
-          <a:ln>
-            <a:noFill/>
-          </a:ln>
-          <a:effectLst/>
-          <a:extLst>
-            <a:ext uri="{909E8E84-426E-40DD-AFC4-6F175D3DCCD1}">
-              <a14:hiddenFill xmlns:a14="http://schemas.microsoft.com/office/drawing/2010/main">
-                <a:solidFill>
-                  <a:schemeClr val="accent1"/>
-                </a:solidFill>
-              </a14:hiddenFill>
-            </a:ext>
-            <a:ext uri="{91240B29-F687-4F45-9708-019B960494DF}">
-              <a14:hiddenLine xmlns:a14="http://schemas.microsoft.com/office/drawing/2010/main" w="9525">
-                <a:solidFill>
-                  <a:schemeClr val="tx1"/>
-                </a:solidFill>
-                <a:miter lim="800000"/>
-                <a:headEnd/>
-                <a:tailEnd/>
-              </a14:hiddenLine>
-            </a:ext>
-            <a:ext uri="{AF507438-7753-43E0-B8FC-AC1667EBCBE1}">
-              <a14:hiddenEffects xmlns:a14="http://schemas.microsoft.com/office/drawing/2010/main">
-                <a:effectLst>
-                  <a:outerShdw dist="35921" dir="2700000" algn="ctr" rotWithShape="0">
-                    <a:schemeClr val="bg2"/>
-                  </a:outerShdw>
-                </a:effectLst>
-              </a14:hiddenEffects>
-            </a:ext>
-          </a:extLst>
-        </p:spPr>
-      </p:pic>
-      <p:pic>
-        <p:nvPicPr>
-          <p:cNvPr id="1027" name="Picture 3"/>
-          <p:cNvPicPr>
-            <a:picLocks noChangeAspect="1" noChangeArrowheads="1"/>
-          </p:cNvPicPr>
-          <p:nvPr/>
-        </p:nvPicPr>
-        <p:blipFill>
-          <a:blip r:embed="rId3">
-            <a:extLst>
-              <a:ext uri="{28A0092B-C50C-407E-A947-70E740481C1C}">
-                <a14:useLocalDpi xmlns:a14="http://schemas.microsoft.com/office/drawing/2010/main" val="0"/>
-              </a:ext>
-            </a:extLst>
-          </a:blip>
-          <a:srcRect/>
-          <a:stretch>
-            <a:fillRect/>
-          </a:stretch>
-        </p:blipFill>
-        <p:spPr bwMode="auto">
-          <a:xfrm>
-            <a:off x="252484" y="3124200"/>
-            <a:ext cx="6257925" cy="2047875"/>
-          </a:xfrm>
-          <a:prstGeom prst="rect">
-            <a:avLst/>
-          </a:prstGeom>
-          <a:noFill/>
-          <a:ln>
-            <a:noFill/>
-          </a:ln>
-          <a:effectLst/>
-          <a:extLst>
-            <a:ext uri="{909E8E84-426E-40DD-AFC4-6F175D3DCCD1}">
-              <a14:hiddenFill xmlns:a14="http://schemas.microsoft.com/office/drawing/2010/main">
-                <a:solidFill>
-                  <a:schemeClr val="accent1"/>
-                </a:solidFill>
-              </a14:hiddenFill>
-            </a:ext>
-            <a:ext uri="{91240B29-F687-4F45-9708-019B960494DF}">
-              <a14:hiddenLine xmlns:a14="http://schemas.microsoft.com/office/drawing/2010/main" w="9525">
-                <a:solidFill>
-                  <a:schemeClr val="tx1"/>
-                </a:solidFill>
-                <a:miter lim="800000"/>
-                <a:headEnd/>
-                <a:tailEnd/>
-              </a14:hiddenLine>
-            </a:ext>
-            <a:ext uri="{AF507438-7753-43E0-B8FC-AC1667EBCBE1}">
-              <a14:hiddenEffects xmlns:a14="http://schemas.microsoft.com/office/drawing/2010/main">
-                <a:effectLst>
-                  <a:outerShdw dist="35921" dir="2700000" algn="ctr" rotWithShape="0">
-                    <a:schemeClr val="bg2"/>
-                  </a:outerShdw>
-                </a:effectLst>
-              </a14:hiddenEffects>
-            </a:ext>
-          </a:extLst>
-        </p:spPr>
-      </p:pic>
-      <p:pic>
-        <p:nvPicPr>
-          <p:cNvPr id="1028" name="Picture 4"/>
-          <p:cNvPicPr>
-            <a:picLocks noChangeAspect="1" noChangeArrowheads="1"/>
-          </p:cNvPicPr>
-          <p:nvPr/>
-        </p:nvPicPr>
-        <p:blipFill>
-          <a:blip r:embed="rId4">
-            <a:extLst>
-              <a:ext uri="{28A0092B-C50C-407E-A947-70E740481C1C}">
-                <a14:useLocalDpi xmlns:a14="http://schemas.microsoft.com/office/drawing/2010/main" val="0"/>
-              </a:ext>
-            </a:extLst>
-          </a:blip>
-          <a:srcRect/>
-          <a:stretch>
-            <a:fillRect/>
-          </a:stretch>
-        </p:blipFill>
-        <p:spPr bwMode="auto">
-          <a:xfrm>
-            <a:off x="252484" y="5295900"/>
-            <a:ext cx="2133600" cy="1409700"/>
-          </a:xfrm>
-          <a:prstGeom prst="rect">
-            <a:avLst/>
-          </a:prstGeom>
-          <a:noFill/>
-          <a:ln>
-            <a:noFill/>
-          </a:ln>
-          <a:effectLst/>
-          <a:extLst>
-            <a:ext uri="{909E8E84-426E-40DD-AFC4-6F175D3DCCD1}">
-              <a14:hiddenFill xmlns:a14="http://schemas.microsoft.com/office/drawing/2010/main">
-                <a:solidFill>
-                  <a:schemeClr val="accent1"/>
-                </a:solidFill>
-              </a14:hiddenFill>
-            </a:ext>
-            <a:ext uri="{91240B29-F687-4F45-9708-019B960494DF}">
-              <a14:hiddenLine xmlns:a14="http://schemas.microsoft.com/office/drawing/2010/main" w="9525">
-                <a:solidFill>
-                  <a:schemeClr val="tx1"/>
-                </a:solidFill>
-                <a:miter lim="800000"/>
-                <a:headEnd/>
-                <a:tailEnd/>
-              </a14:hiddenLine>
-            </a:ext>
-            <a:ext uri="{AF507438-7753-43E0-B8FC-AC1667EBCBE1}">
-              <a14:hiddenEffects xmlns:a14="http://schemas.microsoft.com/office/drawing/2010/main">
-                <a:effectLst>
-                  <a:outerShdw dist="35921" dir="2700000" algn="ctr" rotWithShape="0">
-                    <a:schemeClr val="bg2"/>
-                  </a:outerShdw>
-                </a:effectLst>
-              </a14:hiddenEffects>
-            </a:ext>
-          </a:extLst>
-        </p:spPr>
-      </p:pic>
-      <p:sp>
-        <p:nvSpPr>
-          <p:cNvPr id="4" name="TextBox 3"/>
-          <p:cNvSpPr txBox="1"/>
-          <p:nvPr/>
-        </p:nvSpPr>
-        <p:spPr>
-          <a:xfrm>
-            <a:off x="2573015" y="5926256"/>
-            <a:ext cx="3918060" cy="369332"/>
-          </a:xfrm>
-          <a:prstGeom prst="rect">
-            <a:avLst/>
-          </a:prstGeom>
-          <a:noFill/>
-        </p:spPr>
-        <p:txBody>
-          <a:bodyPr wrap="none" rtlCol="0">
-            <a:spAutoFit/>
-          </a:bodyPr>
-          <a:lstStyle/>
-          <a:p>
-            <a:r>
-              <a:rPr lang="en-US" dirty="0" smtClean="0">
-                <a:solidFill>
-                  <a:schemeClr val="bg1"/>
-                </a:solidFill>
-              </a:rPr>
-              <a:t>In the output it will show nothing</a:t>
-            </a:r>
-            <a:endParaRPr lang="en-US" dirty="0">
-              <a:solidFill>
-                <a:schemeClr val="bg1"/>
-              </a:solidFill>
-            </a:endParaRPr>
           </a:p>
         </p:txBody>
       </p:sp>
     </p:spTree>
     <p:extLst>
       <p:ext uri="{BB962C8B-B14F-4D97-AF65-F5344CB8AC3E}">
-        <p14:creationId xmlns:p14="http://schemas.microsoft.com/office/powerpoint/2010/main" val="1457550905"/>
+        <p14:creationId xmlns:p14="http://schemas.microsoft.com/office/powerpoint/2010/main" val="1545201661"/>
       </p:ext>
     </p:extLst>
   </p:cSld>
@@ -11682,7 +11181,7 @@
         <p:spPr>
           <a:xfrm>
             <a:off x="228600" y="304800"/>
-            <a:ext cx="1742785" cy="461665"/>
+            <a:ext cx="1021433" cy="461665"/>
           </a:xfrm>
           <a:prstGeom prst="rect">
             <a:avLst/>
@@ -11696,14 +11195,14 @@
           <a:lstStyle/>
           <a:p>
             <a:r>
-              <a:rPr lang="en-US" sz="2400" b="1" dirty="0" err="1" smtClean="0">
+              <a:rPr lang="en-US" sz="2400" b="1" dirty="0" smtClean="0">
                 <a:solidFill>
                   <a:schemeClr val="bg2">
                     <a:lumMod val="50000"/>
                   </a:schemeClr>
                 </a:solidFill>
               </a:rPr>
-              <a:t>PropTypes</a:t>
+              <a:t>Props</a:t>
             </a:r>
             <a:endParaRPr lang="en-US" sz="2400" b="1" dirty="0">
               <a:solidFill>
@@ -11755,8 +11254,8 @@
         </p:nvSpPr>
         <p:spPr>
           <a:xfrm>
-            <a:off x="228600" y="990600"/>
-            <a:ext cx="6684843" cy="400110"/>
+            <a:off x="381000" y="990600"/>
+            <a:ext cx="4562467" cy="461665"/>
           </a:xfrm>
           <a:prstGeom prst="rect">
             <a:avLst/>
@@ -11770,30 +11269,16 @@
           <a:lstStyle/>
           <a:p>
             <a:r>
-              <a:rPr lang="en-US" dirty="0" smtClean="0"/>
-              <a:t>How we can validate that </a:t>
-            </a:r>
-            <a:r>
-              <a:rPr lang="en-US" sz="2000" b="1" i="1" dirty="0">
+              <a:rPr lang="en-US" sz="2400" b="1" dirty="0" smtClean="0">
                 <a:solidFill>
                   <a:schemeClr val="bg2">
                     <a:lumMod val="50000"/>
                   </a:schemeClr>
                 </a:solidFill>
               </a:rPr>
-              <a:t>In Normal World of </a:t>
-            </a:r>
-            <a:r>
-              <a:rPr lang="en-US" sz="2000" b="1" i="1" dirty="0" err="1">
-                <a:solidFill>
-                  <a:schemeClr val="bg2">
-                    <a:lumMod val="50000"/>
-                  </a:schemeClr>
-                </a:solidFill>
-              </a:rPr>
-              <a:t>Javascript</a:t>
-            </a:r>
-            <a:endParaRPr lang="en-US" sz="2400" b="1" i="1" dirty="0">
+              <a:t>We can access the props like </a:t>
+            </a:r>
+            <a:endParaRPr lang="en-US" sz="2400" b="1" dirty="0">
               <a:solidFill>
                 <a:schemeClr val="bg2">
                   <a:lumMod val="50000"/>
@@ -11805,7 +11290,7 @@
       </p:sp>
       <p:pic>
         <p:nvPicPr>
-          <p:cNvPr id="2050" name="Picture 2"/>
+          <p:cNvPr id="7170" name="Picture 2"/>
           <p:cNvPicPr>
             <a:picLocks noChangeAspect="1" noChangeArrowheads="1"/>
           </p:cNvPicPr>
@@ -11826,8 +11311,8 @@
         </p:blipFill>
         <p:spPr bwMode="auto">
           <a:xfrm>
-            <a:off x="142875" y="1447800"/>
-            <a:ext cx="8858250" cy="2657475"/>
+            <a:off x="551345" y="1452265"/>
+            <a:ext cx="5924550" cy="2057400"/>
           </a:xfrm>
           <a:prstGeom prst="rect">
             <a:avLst/>
@@ -11870,7 +11355,7 @@
     </p:spTree>
     <p:extLst>
       <p:ext uri="{BB962C8B-B14F-4D97-AF65-F5344CB8AC3E}">
-        <p14:creationId xmlns:p14="http://schemas.microsoft.com/office/powerpoint/2010/main" val="1058748662"/>
+        <p14:creationId xmlns:p14="http://schemas.microsoft.com/office/powerpoint/2010/main" val="895807522"/>
       </p:ext>
     </p:extLst>
   </p:cSld>
@@ -11913,7 +11398,7 @@
         <p:spPr>
           <a:xfrm>
             <a:off x="228600" y="304800"/>
-            <a:ext cx="1742785" cy="461665"/>
+            <a:ext cx="1021433" cy="461665"/>
           </a:xfrm>
           <a:prstGeom prst="rect">
             <a:avLst/>
@@ -11927,14 +11412,14 @@
           <a:lstStyle/>
           <a:p>
             <a:r>
-              <a:rPr lang="en-US" sz="2400" b="1" dirty="0" err="1" smtClean="0">
+              <a:rPr lang="en-US" sz="2400" b="1" dirty="0" smtClean="0">
                 <a:solidFill>
                   <a:schemeClr val="bg2">
                     <a:lumMod val="50000"/>
                   </a:schemeClr>
                 </a:solidFill>
               </a:rPr>
-              <a:t>PropTypes</a:t>
+              <a:t>Props</a:t>
             </a:r>
             <a:endParaRPr lang="en-US" sz="2400" b="1" dirty="0">
               <a:solidFill>
@@ -11986,8 +11471,8 @@
         </p:nvSpPr>
         <p:spPr>
           <a:xfrm>
-            <a:off x="228600" y="990600"/>
-            <a:ext cx="3708066" cy="461665"/>
+            <a:off x="381000" y="990600"/>
+            <a:ext cx="4562467" cy="461665"/>
           </a:xfrm>
           <a:prstGeom prst="rect">
             <a:avLst/>
@@ -12001,16 +11486,16 @@
           <a:lstStyle/>
           <a:p>
             <a:r>
-              <a:rPr lang="en-US" sz="2400" b="1" i="1" dirty="0" smtClean="0">
+              <a:rPr lang="en-US" sz="2400" b="1" dirty="0" smtClean="0">
                 <a:solidFill>
                   <a:schemeClr val="bg2">
                     <a:lumMod val="50000"/>
                   </a:schemeClr>
                 </a:solidFill>
               </a:rPr>
-              <a:t>We can also write it like</a:t>
-            </a:r>
-            <a:endParaRPr lang="en-US" sz="2400" b="1" i="1" dirty="0">
+              <a:t>We can access the props like </a:t>
+            </a:r>
+            <a:endParaRPr lang="en-US" sz="2400" b="1" dirty="0">
               <a:solidFill>
                 <a:schemeClr val="bg2">
                   <a:lumMod val="50000"/>
@@ -12022,7 +11507,7 @@
       </p:sp>
       <p:pic>
         <p:nvPicPr>
-          <p:cNvPr id="3074" name="Picture 2"/>
+          <p:cNvPr id="8195" name="Picture 3"/>
           <p:cNvPicPr>
             <a:picLocks noChangeAspect="1" noChangeArrowheads="1"/>
           </p:cNvPicPr>
@@ -12043,8 +11528,8 @@
         </p:blipFill>
         <p:spPr bwMode="auto">
           <a:xfrm>
-            <a:off x="227463" y="1603470"/>
-            <a:ext cx="8496300" cy="3714750"/>
+            <a:off x="623238" y="1452265"/>
+            <a:ext cx="6505575" cy="5000625"/>
           </a:xfrm>
           <a:prstGeom prst="rect">
             <a:avLst/>
@@ -12087,7 +11572,7 @@
     </p:spTree>
     <p:extLst>
       <p:ext uri="{BB962C8B-B14F-4D97-AF65-F5344CB8AC3E}">
-        <p14:creationId xmlns:p14="http://schemas.microsoft.com/office/powerpoint/2010/main" val="615633516"/>
+        <p14:creationId xmlns:p14="http://schemas.microsoft.com/office/powerpoint/2010/main" val="3699217357"/>
       </p:ext>
     </p:extLst>
   </p:cSld>
@@ -12204,7 +11689,7 @@
         <p:spPr>
           <a:xfrm>
             <a:off x="228600" y="990600"/>
-            <a:ext cx="2331087" cy="461665"/>
+            <a:ext cx="6643165" cy="2031325"/>
           </a:xfrm>
           <a:prstGeom prst="rect">
             <a:avLst/>
@@ -12218,89 +11703,44 @@
           <a:lstStyle/>
           <a:p>
             <a:r>
-              <a:rPr lang="en-US" sz="2400" b="1" i="1" dirty="0" smtClean="0">
-                <a:solidFill>
-                  <a:schemeClr val="bg2">
-                    <a:lumMod val="50000"/>
-                  </a:schemeClr>
-                </a:solidFill>
-              </a:rPr>
-              <a:t>In React World</a:t>
-            </a:r>
-            <a:endParaRPr lang="en-US" sz="2400" b="1" i="1" dirty="0">
-              <a:solidFill>
-                <a:schemeClr val="bg2">
-                  <a:lumMod val="50000"/>
-                </a:schemeClr>
-              </a:solidFill>
-            </a:endParaRPr>
-          </a:p>
-        </p:txBody>
-      </p:sp>
-      <p:sp>
-        <p:nvSpPr>
-          <p:cNvPr id="4" name="TextBox 3"/>
-          <p:cNvSpPr txBox="1"/>
-          <p:nvPr/>
-        </p:nvSpPr>
-        <p:spPr>
-          <a:xfrm>
-            <a:off x="381000" y="1752600"/>
-            <a:ext cx="6123792" cy="2585323"/>
-          </a:xfrm>
-          <a:prstGeom prst="rect">
-            <a:avLst/>
-          </a:prstGeom>
-          <a:noFill/>
-        </p:spPr>
-        <p:txBody>
-          <a:bodyPr wrap="none" rtlCol="0">
-            <a:spAutoFit/>
-          </a:bodyPr>
-          <a:lstStyle/>
-          <a:p>
-            <a:r>
               <a:rPr lang="en-US" dirty="0" smtClean="0"/>
-              <a:t>Here we need to include an </a:t>
-            </a:r>
-            <a:r>
-              <a:rPr lang="en-US" dirty="0" err="1" smtClean="0"/>
-              <a:t>npm</a:t>
-            </a:r>
+              <a:t>So sometimes people are making mistakes to pass props </a:t>
+            </a:r>
+          </a:p>
+          <a:p>
+            <a:endParaRPr lang="en-US" dirty="0"/>
+          </a:p>
+          <a:p>
             <a:r>
               <a:rPr lang="en-US" dirty="0" smtClean="0"/>
-              <a:t>, built by React team</a:t>
-            </a:r>
-          </a:p>
-          <a:p>
-            <a:endParaRPr lang="en-US" dirty="0"/>
-          </a:p>
-          <a:p>
-            <a:endParaRPr lang="en-US" dirty="0" smtClean="0"/>
-          </a:p>
-          <a:p>
-            <a:endParaRPr lang="en-US" dirty="0"/>
-          </a:p>
-          <a:p>
-            <a:endParaRPr lang="en-US" dirty="0" smtClean="0"/>
-          </a:p>
-          <a:p>
-            <a:endParaRPr lang="en-US" dirty="0" smtClean="0"/>
-          </a:p>
-          <a:p>
-            <a:endParaRPr lang="en-US" dirty="0"/>
-          </a:p>
-          <a:p>
-            <a:endParaRPr lang="en-US" dirty="0" smtClean="0"/>
-          </a:p>
-          <a:p>
+              <a:t>Let’s say in Header I am passing the prop as </a:t>
+            </a:r>
+            <a:r>
+              <a:rPr lang="en-US" b="1" i="1" dirty="0" smtClean="0"/>
+              <a:t>true</a:t>
+            </a:r>
+          </a:p>
+          <a:p>
+            <a:endParaRPr lang="en-US" b="1" i="1" dirty="0"/>
+          </a:p>
+          <a:p>
+            <a:endParaRPr lang="en-US" b="1" i="1" dirty="0" smtClean="0"/>
+          </a:p>
+          <a:p>
+            <a:endParaRPr lang="en-US" b="1" i="1" dirty="0"/>
+          </a:p>
+          <a:p>
+            <a:r>
+              <a:rPr lang="en-US" dirty="0" smtClean="0"/>
+              <a:t>But in the component it is expecting a string</a:t>
+            </a:r>
             <a:endParaRPr lang="en-US" dirty="0"/>
           </a:p>
         </p:txBody>
       </p:sp>
       <p:pic>
         <p:nvPicPr>
-          <p:cNvPr id="4098" name="Picture 2"/>
+          <p:cNvPr id="1026" name="Picture 2"/>
           <p:cNvPicPr>
             <a:picLocks noChangeAspect="1" noChangeArrowheads="1"/>
           </p:cNvPicPr>
@@ -12321,8 +11761,8 @@
         </p:blipFill>
         <p:spPr bwMode="auto">
           <a:xfrm>
-            <a:off x="358254" y="2171700"/>
-            <a:ext cx="3924300" cy="266700"/>
+            <a:off x="252484" y="1964222"/>
+            <a:ext cx="3057525" cy="333375"/>
           </a:xfrm>
           <a:prstGeom prst="rect">
             <a:avLst/>
@@ -12364,7 +11804,7 @@
       </p:pic>
       <p:pic>
         <p:nvPicPr>
-          <p:cNvPr id="8" name="Picture 2"/>
+          <p:cNvPr id="1027" name="Picture 3"/>
           <p:cNvPicPr>
             <a:picLocks noChangeAspect="1" noChangeArrowheads="1"/>
           </p:cNvPicPr>
@@ -12385,8 +11825,8 @@
         </p:blipFill>
         <p:spPr bwMode="auto">
           <a:xfrm>
-            <a:off x="236561" y="2613476"/>
-            <a:ext cx="8496300" cy="3714750"/>
+            <a:off x="252484" y="3124200"/>
+            <a:ext cx="6257925" cy="2047875"/>
           </a:xfrm>
           <a:prstGeom prst="rect">
             <a:avLst/>
@@ -12426,277 +11866,16 @@
           </a:extLst>
         </p:spPr>
       </p:pic>
-      <p:sp>
-        <p:nvSpPr>
-          <p:cNvPr id="5" name="TextBox 4"/>
-          <p:cNvSpPr txBox="1"/>
-          <p:nvPr/>
-        </p:nvSpPr>
-        <p:spPr>
-          <a:xfrm>
-            <a:off x="2551466" y="2636222"/>
-            <a:ext cx="1782860" cy="3154710"/>
-          </a:xfrm>
-          <a:prstGeom prst="rect">
-            <a:avLst/>
-          </a:prstGeom>
-          <a:noFill/>
-        </p:spPr>
-        <p:txBody>
-          <a:bodyPr wrap="none" rtlCol="0">
-            <a:spAutoFit/>
-          </a:bodyPr>
-          <a:lstStyle/>
-          <a:p>
-            <a:r>
-              <a:rPr lang="en-US" sz="19900" b="1" dirty="0">
-                <a:solidFill>
-                  <a:srgbClr val="FF0000"/>
-                </a:solidFill>
-              </a:rPr>
-              <a:t>X</a:t>
-            </a:r>
-            <a:endParaRPr lang="en-US" b="1" dirty="0">
-              <a:solidFill>
-                <a:srgbClr val="FF0000"/>
-              </a:solidFill>
-            </a:endParaRPr>
-          </a:p>
-        </p:txBody>
-      </p:sp>
-      <p:sp>
-        <p:nvSpPr>
-          <p:cNvPr id="7" name="TextBox 6"/>
-          <p:cNvSpPr txBox="1"/>
-          <p:nvPr/>
-        </p:nvSpPr>
-        <p:spPr>
-          <a:xfrm>
-            <a:off x="551345" y="3505200"/>
-            <a:ext cx="2403222" cy="369332"/>
-          </a:xfrm>
-          <a:prstGeom prst="rect">
-            <a:avLst/>
-          </a:prstGeom>
-          <a:solidFill>
-            <a:schemeClr val="bg1"/>
-          </a:solidFill>
-        </p:spPr>
-        <p:txBody>
-          <a:bodyPr wrap="none" rtlCol="0">
-            <a:spAutoFit/>
-          </a:bodyPr>
-          <a:lstStyle/>
-          <a:p>
-            <a:r>
-              <a:rPr lang="en-US" dirty="0" smtClean="0">
-                <a:solidFill>
-                  <a:srgbClr val="FF0000"/>
-                </a:solidFill>
-              </a:rPr>
-              <a:t>We Can remove this</a:t>
-            </a:r>
-            <a:endParaRPr lang="en-US" dirty="0">
-              <a:solidFill>
-                <a:srgbClr val="FF0000"/>
-              </a:solidFill>
-            </a:endParaRPr>
-          </a:p>
-        </p:txBody>
-      </p:sp>
-    </p:spTree>
-    <p:extLst>
-      <p:ext uri="{BB962C8B-B14F-4D97-AF65-F5344CB8AC3E}">
-        <p14:creationId xmlns:p14="http://schemas.microsoft.com/office/powerpoint/2010/main" val="3678370323"/>
-      </p:ext>
-    </p:extLst>
-  </p:cSld>
-  <p:clrMapOvr>
-    <a:masterClrMapping/>
-  </p:clrMapOvr>
-  <p:timing>
-    <p:tnLst>
-      <p:par>
-        <p:cTn id="1" dur="indefinite" restart="never" nodeType="tmRoot"/>
-      </p:par>
-    </p:tnLst>
-  </p:timing>
-</p:sld>
-</file>
-
-<file path=ppt/slides/slide33.xml><?xml version="1.0" encoding="utf-8"?>
-<p:sld xmlns:a="http://schemas.openxmlformats.org/drawingml/2006/main" xmlns:r="http://schemas.openxmlformats.org/officeDocument/2006/relationships" xmlns:p="http://schemas.openxmlformats.org/presentationml/2006/main">
-  <p:cSld>
-    <p:spTree>
-      <p:nvGrpSpPr>
-        <p:cNvPr id="1" name=""/>
-        <p:cNvGrpSpPr/>
-        <p:nvPr/>
-      </p:nvGrpSpPr>
-      <p:grpSpPr>
-        <a:xfrm>
-          <a:off x="0" y="0"/>
-          <a:ext cx="0" cy="0"/>
-          <a:chOff x="0" y="0"/>
-          <a:chExt cx="0" cy="0"/>
-        </a:xfrm>
-      </p:grpSpPr>
-      <p:sp>
-        <p:nvSpPr>
-          <p:cNvPr id="2" name="TextBox 1"/>
-          <p:cNvSpPr txBox="1"/>
-          <p:nvPr/>
-        </p:nvSpPr>
-        <p:spPr>
-          <a:xfrm>
-            <a:off x="228600" y="304800"/>
-            <a:ext cx="1742785" cy="461665"/>
-          </a:xfrm>
-          <a:prstGeom prst="rect">
-            <a:avLst/>
-          </a:prstGeom>
-          <a:noFill/>
-        </p:spPr>
-        <p:txBody>
-          <a:bodyPr wrap="none" rtlCol="0">
-            <a:spAutoFit/>
-          </a:bodyPr>
-          <a:lstStyle/>
-          <a:p>
-            <a:r>
-              <a:rPr lang="en-US" sz="2400" b="1" dirty="0" err="1" smtClean="0">
-                <a:solidFill>
-                  <a:schemeClr val="bg2">
-                    <a:lumMod val="50000"/>
-                  </a:schemeClr>
-                </a:solidFill>
-              </a:rPr>
-              <a:t>PropTypes</a:t>
-            </a:r>
-            <a:endParaRPr lang="en-US" sz="2400" b="1" dirty="0">
-              <a:solidFill>
-                <a:schemeClr val="bg2">
-                  <a:lumMod val="50000"/>
-                </a:schemeClr>
-              </a:solidFill>
-            </a:endParaRPr>
-          </a:p>
-        </p:txBody>
-      </p:sp>
-      <p:sp>
-        <p:nvSpPr>
-          <p:cNvPr id="6" name="TextBox 5"/>
-          <p:cNvSpPr txBox="1"/>
-          <p:nvPr/>
-        </p:nvSpPr>
-        <p:spPr>
-          <a:xfrm>
-            <a:off x="551345" y="2266890"/>
-            <a:ext cx="184731" cy="369332"/>
-          </a:xfrm>
-          <a:prstGeom prst="rect">
-            <a:avLst/>
-          </a:prstGeom>
-          <a:noFill/>
-        </p:spPr>
-        <p:txBody>
-          <a:bodyPr wrap="none" rtlCol="0">
-            <a:spAutoFit/>
-          </a:bodyPr>
-          <a:lstStyle/>
-          <a:p>
-            <a:endParaRPr lang="en-US" b="1" dirty="0">
-              <a:solidFill>
-                <a:schemeClr val="bg2">
-                  <a:lumMod val="50000"/>
-                </a:schemeClr>
-              </a:solidFill>
-            </a:endParaRPr>
-          </a:p>
-        </p:txBody>
-      </p:sp>
-      <p:sp>
-        <p:nvSpPr>
-          <p:cNvPr id="3" name="TextBox 2"/>
-          <p:cNvSpPr txBox="1"/>
-          <p:nvPr/>
-        </p:nvSpPr>
-        <p:spPr>
-          <a:xfrm>
-            <a:off x="228600" y="990600"/>
-            <a:ext cx="2331087" cy="461665"/>
-          </a:xfrm>
-          <a:prstGeom prst="rect">
-            <a:avLst/>
-          </a:prstGeom>
-          <a:noFill/>
-        </p:spPr>
-        <p:txBody>
-          <a:bodyPr wrap="none" rtlCol="0">
-            <a:spAutoFit/>
-          </a:bodyPr>
-          <a:lstStyle/>
-          <a:p>
-            <a:r>
-              <a:rPr lang="en-US" sz="2400" b="1" i="1" dirty="0" smtClean="0">
-                <a:solidFill>
-                  <a:schemeClr val="bg2">
-                    <a:lumMod val="50000"/>
-                  </a:schemeClr>
-                </a:solidFill>
-              </a:rPr>
-              <a:t>In React World</a:t>
-            </a:r>
-            <a:endParaRPr lang="en-US" sz="2400" b="1" i="1" dirty="0">
-              <a:solidFill>
-                <a:schemeClr val="bg2">
-                  <a:lumMod val="50000"/>
-                </a:schemeClr>
-              </a:solidFill>
-            </a:endParaRPr>
-          </a:p>
-        </p:txBody>
-      </p:sp>
-      <p:sp>
-        <p:nvSpPr>
-          <p:cNvPr id="4" name="TextBox 3"/>
-          <p:cNvSpPr txBox="1"/>
-          <p:nvPr/>
-        </p:nvSpPr>
-        <p:spPr>
-          <a:xfrm>
-            <a:off x="381000" y="1752600"/>
-            <a:ext cx="2646878" cy="369332"/>
-          </a:xfrm>
-          <a:prstGeom prst="rect">
-            <a:avLst/>
-          </a:prstGeom>
-          <a:noFill/>
-        </p:spPr>
-        <p:txBody>
-          <a:bodyPr wrap="none" rtlCol="0">
-            <a:spAutoFit/>
-          </a:bodyPr>
-          <a:lstStyle/>
-          <a:p>
-            <a:r>
-              <a:rPr lang="en-US" dirty="0" smtClean="0"/>
-              <a:t>If the prop is required</a:t>
-            </a:r>
-            <a:endParaRPr lang="en-US" dirty="0"/>
-          </a:p>
-        </p:txBody>
-      </p:sp>
       <p:pic>
         <p:nvPicPr>
-          <p:cNvPr id="5122" name="Picture 2"/>
+          <p:cNvPr id="1028" name="Picture 4"/>
           <p:cNvPicPr>
             <a:picLocks noChangeAspect="1" noChangeArrowheads="1"/>
           </p:cNvPicPr>
           <p:nvPr/>
         </p:nvPicPr>
         <p:blipFill>
-          <a:blip r:embed="rId2">
+          <a:blip r:embed="rId4">
             <a:extLst>
               <a:ext uri="{28A0092B-C50C-407E-A947-70E740481C1C}">
                 <a14:useLocalDpi xmlns:a14="http://schemas.microsoft.com/office/drawing/2010/main" val="0"/>
@@ -12710,8 +11889,8 @@
         </p:blipFill>
         <p:spPr bwMode="auto">
           <a:xfrm>
-            <a:off x="540684" y="2240732"/>
-            <a:ext cx="4391025" cy="1104900"/>
+            <a:off x="252484" y="5295900"/>
+            <a:ext cx="2133600" cy="1409700"/>
           </a:xfrm>
           <a:prstGeom prst="rect">
             <a:avLst/>
@@ -12751,10 +11930,48 @@
           </a:extLst>
         </p:spPr>
       </p:pic>
+      <p:sp>
+        <p:nvSpPr>
+          <p:cNvPr id="4" name="TextBox 3"/>
+          <p:cNvSpPr txBox="1"/>
+          <p:nvPr/>
+        </p:nvSpPr>
+        <p:spPr>
+          <a:xfrm>
+            <a:off x="2573015" y="5926256"/>
+            <a:ext cx="3918060" cy="369332"/>
+          </a:xfrm>
+          <a:prstGeom prst="rect">
+            <a:avLst/>
+          </a:prstGeom>
+          <a:noFill/>
+        </p:spPr>
+        <p:txBody>
+          <a:bodyPr wrap="none" rtlCol="0">
+            <a:spAutoFit/>
+          </a:bodyPr>
+          <a:lstStyle/>
+          <a:p>
+            <a:r>
+              <a:rPr lang="en-US" dirty="0" smtClean="0">
+                <a:solidFill>
+                  <a:schemeClr val="bg1"/>
+                </a:solidFill>
+              </a:rPr>
+              <a:t>In the output it will show nothing</a:t>
+            </a:r>
+            <a:endParaRPr lang="en-US" dirty="0">
+              <a:solidFill>
+                <a:schemeClr val="bg1"/>
+              </a:solidFill>
+            </a:endParaRPr>
+          </a:p>
+        </p:txBody>
+      </p:sp>
     </p:spTree>
     <p:extLst>
       <p:ext uri="{BB962C8B-B14F-4D97-AF65-F5344CB8AC3E}">
-        <p14:creationId xmlns:p14="http://schemas.microsoft.com/office/powerpoint/2010/main" val="1553236703"/>
+        <p14:creationId xmlns:p14="http://schemas.microsoft.com/office/powerpoint/2010/main" val="1457550905"/>
       </p:ext>
     </p:extLst>
   </p:cSld>
@@ -12771,7 +11988,7 @@
 </p:sld>
 </file>
 
-<file path=ppt/slides/slide34.xml><?xml version="1.0" encoding="utf-8"?>
+<file path=ppt/slides/slide33.xml><?xml version="1.0" encoding="utf-8"?>
 <p:sld xmlns:a="http://schemas.openxmlformats.org/drawingml/2006/main" xmlns:r="http://schemas.openxmlformats.org/officeDocument/2006/relationships" xmlns:p="http://schemas.openxmlformats.org/presentationml/2006/main">
   <p:cSld>
     <p:spTree>
@@ -12797,7 +12014,7 @@
         <p:spPr>
           <a:xfrm>
             <a:off x="228600" y="304800"/>
-            <a:ext cx="2000869" cy="461665"/>
+            <a:ext cx="1742785" cy="461665"/>
           </a:xfrm>
           <a:prstGeom prst="rect">
             <a:avLst/>
@@ -12811,14 +12028,14 @@
           <a:lstStyle/>
           <a:p>
             <a:r>
-              <a:rPr lang="en-US" sz="2400" b="1" dirty="0" smtClean="0">
+              <a:rPr lang="en-US" sz="2400" b="1" dirty="0" err="1" smtClean="0">
                 <a:solidFill>
                   <a:schemeClr val="bg2">
                     <a:lumMod val="50000"/>
                   </a:schemeClr>
                 </a:solidFill>
               </a:rPr>
-              <a:t>Virtual DOM</a:t>
+              <a:t>PropTypes</a:t>
             </a:r>
             <a:endParaRPr lang="en-US" sz="2400" b="1" dirty="0">
               <a:solidFill>
@@ -12862,9 +12079,65 @@
           </a:p>
         </p:txBody>
       </p:sp>
+      <p:sp>
+        <p:nvSpPr>
+          <p:cNvPr id="3" name="TextBox 2"/>
+          <p:cNvSpPr txBox="1"/>
+          <p:nvPr/>
+        </p:nvSpPr>
+        <p:spPr>
+          <a:xfrm>
+            <a:off x="228600" y="990600"/>
+            <a:ext cx="6684843" cy="400110"/>
+          </a:xfrm>
+          <a:prstGeom prst="rect">
+            <a:avLst/>
+          </a:prstGeom>
+          <a:noFill/>
+        </p:spPr>
+        <p:txBody>
+          <a:bodyPr wrap="none" rtlCol="0">
+            <a:spAutoFit/>
+          </a:bodyPr>
+          <a:lstStyle/>
+          <a:p>
+            <a:r>
+              <a:rPr lang="en-US" dirty="0" smtClean="0"/>
+              <a:t>How we can validate that </a:t>
+            </a:r>
+            <a:r>
+              <a:rPr lang="en-US" sz="2000" b="1" i="1" dirty="0">
+                <a:solidFill>
+                  <a:schemeClr val="bg2">
+                    <a:lumMod val="50000"/>
+                  </a:schemeClr>
+                </a:solidFill>
+              </a:rPr>
+              <a:t>In Normal World of </a:t>
+            </a:r>
+            <a:r>
+              <a:rPr lang="en-US" sz="2000" b="1" i="1" dirty="0" err="1">
+                <a:solidFill>
+                  <a:schemeClr val="bg2">
+                    <a:lumMod val="50000"/>
+                  </a:schemeClr>
+                </a:solidFill>
+              </a:rPr>
+              <a:t>Javascript</a:t>
+            </a:r>
+            <a:endParaRPr lang="en-US" sz="2400" b="1" i="1" dirty="0">
+              <a:solidFill>
+                <a:schemeClr val="bg2">
+                  <a:lumMod val="50000"/>
+                </a:schemeClr>
+              </a:solidFill>
+            </a:endParaRPr>
+          </a:p>
+        </p:txBody>
+      </p:sp>
       <p:pic>
         <p:nvPicPr>
-          <p:cNvPr id="6146" name="Picture 2"/>
+          <p:cNvPr id="2050" name="Picture 2"/>
           <p:cNvPicPr>
             <a:picLocks noChangeAspect="1" noChangeArrowheads="1"/>
           </p:cNvPicPr>
@@ -12885,8 +12158,8 @@
         </p:blipFill>
         <p:spPr bwMode="auto">
           <a:xfrm>
-            <a:off x="381000" y="766465"/>
-            <a:ext cx="7410450" cy="5029200"/>
+            <a:off x="142875" y="1447800"/>
+            <a:ext cx="8858250" cy="2657475"/>
           </a:xfrm>
           <a:prstGeom prst="rect">
             <a:avLst/>
@@ -12926,16 +12199,169 @@
           </a:extLst>
         </p:spPr>
       </p:pic>
+    </p:spTree>
+    <p:extLst>
+      <p:ext uri="{BB962C8B-B14F-4D97-AF65-F5344CB8AC3E}">
+        <p14:creationId xmlns:p14="http://schemas.microsoft.com/office/powerpoint/2010/main" val="1058748662"/>
+      </p:ext>
+    </p:extLst>
+  </p:cSld>
+  <p:clrMapOvr>
+    <a:masterClrMapping/>
+  </p:clrMapOvr>
+  <p:timing>
+    <p:tnLst>
+      <p:par>
+        <p:cTn id="1" dur="indefinite" restart="never" nodeType="tmRoot"/>
+      </p:par>
+    </p:tnLst>
+  </p:timing>
+</p:sld>
+</file>
+
+<file path=ppt/slides/slide34.xml><?xml version="1.0" encoding="utf-8"?>
+<p:sld xmlns:a="http://schemas.openxmlformats.org/drawingml/2006/main" xmlns:r="http://schemas.openxmlformats.org/officeDocument/2006/relationships" xmlns:p="http://schemas.openxmlformats.org/presentationml/2006/main">
+  <p:cSld>
+    <p:spTree>
+      <p:nvGrpSpPr>
+        <p:cNvPr id="1" name=""/>
+        <p:cNvGrpSpPr/>
+        <p:nvPr/>
+      </p:nvGrpSpPr>
+      <p:grpSpPr>
+        <a:xfrm>
+          <a:off x="0" y="0"/>
+          <a:ext cx="0" cy="0"/>
+          <a:chOff x="0" y="0"/>
+          <a:chExt cx="0" cy="0"/>
+        </a:xfrm>
+      </p:grpSpPr>
+      <p:sp>
+        <p:nvSpPr>
+          <p:cNvPr id="2" name="TextBox 1"/>
+          <p:cNvSpPr txBox="1"/>
+          <p:nvPr/>
+        </p:nvSpPr>
+        <p:spPr>
+          <a:xfrm>
+            <a:off x="228600" y="304800"/>
+            <a:ext cx="1742785" cy="461665"/>
+          </a:xfrm>
+          <a:prstGeom prst="rect">
+            <a:avLst/>
+          </a:prstGeom>
+          <a:noFill/>
+        </p:spPr>
+        <p:txBody>
+          <a:bodyPr wrap="none" rtlCol="0">
+            <a:spAutoFit/>
+          </a:bodyPr>
+          <a:lstStyle/>
+          <a:p>
+            <a:r>
+              <a:rPr lang="en-US" sz="2400" b="1" dirty="0" err="1" smtClean="0">
+                <a:solidFill>
+                  <a:schemeClr val="bg2">
+                    <a:lumMod val="50000"/>
+                  </a:schemeClr>
+                </a:solidFill>
+              </a:rPr>
+              <a:t>PropTypes</a:t>
+            </a:r>
+            <a:endParaRPr lang="en-US" sz="2400" b="1" dirty="0">
+              <a:solidFill>
+                <a:schemeClr val="bg2">
+                  <a:lumMod val="50000"/>
+                </a:schemeClr>
+              </a:solidFill>
+            </a:endParaRPr>
+          </a:p>
+        </p:txBody>
+      </p:sp>
+      <p:sp>
+        <p:nvSpPr>
+          <p:cNvPr id="6" name="TextBox 5"/>
+          <p:cNvSpPr txBox="1"/>
+          <p:nvPr/>
+        </p:nvSpPr>
+        <p:spPr>
+          <a:xfrm>
+            <a:off x="551345" y="2266890"/>
+            <a:ext cx="184731" cy="369332"/>
+          </a:xfrm>
+          <a:prstGeom prst="rect">
+            <a:avLst/>
+          </a:prstGeom>
+          <a:noFill/>
+        </p:spPr>
+        <p:txBody>
+          <a:bodyPr wrap="none" rtlCol="0">
+            <a:spAutoFit/>
+          </a:bodyPr>
+          <a:lstStyle/>
+          <a:p>
+            <a:endParaRPr lang="en-US" b="1" dirty="0">
+              <a:solidFill>
+                <a:schemeClr val="bg2">
+                  <a:lumMod val="50000"/>
+                </a:schemeClr>
+              </a:solidFill>
+            </a:endParaRPr>
+          </a:p>
+        </p:txBody>
+      </p:sp>
+      <p:sp>
+        <p:nvSpPr>
+          <p:cNvPr id="3" name="TextBox 2"/>
+          <p:cNvSpPr txBox="1"/>
+          <p:nvPr/>
+        </p:nvSpPr>
+        <p:spPr>
+          <a:xfrm>
+            <a:off x="228600" y="990600"/>
+            <a:ext cx="3708066" cy="461665"/>
+          </a:xfrm>
+          <a:prstGeom prst="rect">
+            <a:avLst/>
+          </a:prstGeom>
+          <a:noFill/>
+        </p:spPr>
+        <p:txBody>
+          <a:bodyPr wrap="none" rtlCol="0">
+            <a:spAutoFit/>
+          </a:bodyPr>
+          <a:lstStyle/>
+          <a:p>
+            <a:r>
+              <a:rPr lang="en-US" sz="2400" b="1" i="1" dirty="0" smtClean="0">
+                <a:solidFill>
+                  <a:schemeClr val="bg2">
+                    <a:lumMod val="50000"/>
+                  </a:schemeClr>
+                </a:solidFill>
+              </a:rPr>
+              <a:t>We can also write it like</a:t>
+            </a:r>
+            <a:endParaRPr lang="en-US" sz="2400" b="1" i="1" dirty="0">
+              <a:solidFill>
+                <a:schemeClr val="bg2">
+                  <a:lumMod val="50000"/>
+                </a:schemeClr>
+              </a:solidFill>
+            </a:endParaRPr>
+          </a:p>
+        </p:txBody>
+      </p:sp>
       <p:pic>
         <p:nvPicPr>
-          <p:cNvPr id="6147" name="Picture 3"/>
+          <p:cNvPr id="3074" name="Picture 2"/>
           <p:cNvPicPr>
             <a:picLocks noChangeAspect="1" noChangeArrowheads="1"/>
           </p:cNvPicPr>
           <p:nvPr/>
         </p:nvPicPr>
         <p:blipFill>
-          <a:blip r:embed="rId3">
+          <a:blip r:embed="rId2">
             <a:extLst>
               <a:ext uri="{28A0092B-C50C-407E-A947-70E740481C1C}">
                 <a14:useLocalDpi xmlns:a14="http://schemas.microsoft.com/office/drawing/2010/main" val="0"/>
@@ -12949,8 +12375,8 @@
         </p:blipFill>
         <p:spPr bwMode="auto">
           <a:xfrm>
-            <a:off x="408296" y="6096000"/>
-            <a:ext cx="1781175" cy="295275"/>
+            <a:off x="227463" y="1603470"/>
+            <a:ext cx="8496300" cy="3714750"/>
           </a:xfrm>
           <a:prstGeom prst="rect">
             <a:avLst/>
@@ -12993,7 +12419,7 @@
     </p:spTree>
     <p:extLst>
       <p:ext uri="{BB962C8B-B14F-4D97-AF65-F5344CB8AC3E}">
-        <p14:creationId xmlns:p14="http://schemas.microsoft.com/office/powerpoint/2010/main" val="644902292"/>
+        <p14:creationId xmlns:p14="http://schemas.microsoft.com/office/powerpoint/2010/main" val="615633516"/>
       </p:ext>
     </p:extLst>
   </p:cSld>
@@ -13036,7 +12462,7 @@
         <p:spPr>
           <a:xfrm>
             <a:off x="228600" y="304800"/>
-            <a:ext cx="1316386" cy="461665"/>
+            <a:ext cx="1742785" cy="461665"/>
           </a:xfrm>
           <a:prstGeom prst="rect">
             <a:avLst/>
@@ -13057,7 +12483,7 @@
                   </a:schemeClr>
                 </a:solidFill>
               </a:rPr>
-              <a:t>Eevents</a:t>
+              <a:t>PropTypes</a:t>
             </a:r>
             <a:endParaRPr lang="en-US" sz="2400" b="1" dirty="0">
               <a:solidFill>
@@ -13101,9 +12527,112 @@
           </a:p>
         </p:txBody>
       </p:sp>
+      <p:sp>
+        <p:nvSpPr>
+          <p:cNvPr id="3" name="TextBox 2"/>
+          <p:cNvSpPr txBox="1"/>
+          <p:nvPr/>
+        </p:nvSpPr>
+        <p:spPr>
+          <a:xfrm>
+            <a:off x="228600" y="990600"/>
+            <a:ext cx="2331087" cy="461665"/>
+          </a:xfrm>
+          <a:prstGeom prst="rect">
+            <a:avLst/>
+          </a:prstGeom>
+          <a:noFill/>
+        </p:spPr>
+        <p:txBody>
+          <a:bodyPr wrap="none" rtlCol="0">
+            <a:spAutoFit/>
+          </a:bodyPr>
+          <a:lstStyle/>
+          <a:p>
+            <a:r>
+              <a:rPr lang="en-US" sz="2400" b="1" i="1" dirty="0" smtClean="0">
+                <a:solidFill>
+                  <a:schemeClr val="bg2">
+                    <a:lumMod val="50000"/>
+                  </a:schemeClr>
+                </a:solidFill>
+              </a:rPr>
+              <a:t>In React World</a:t>
+            </a:r>
+            <a:endParaRPr lang="en-US" sz="2400" b="1" i="1" dirty="0">
+              <a:solidFill>
+                <a:schemeClr val="bg2">
+                  <a:lumMod val="50000"/>
+                </a:schemeClr>
+              </a:solidFill>
+            </a:endParaRPr>
+          </a:p>
+        </p:txBody>
+      </p:sp>
+      <p:sp>
+        <p:nvSpPr>
+          <p:cNvPr id="4" name="TextBox 3"/>
+          <p:cNvSpPr txBox="1"/>
+          <p:nvPr/>
+        </p:nvSpPr>
+        <p:spPr>
+          <a:xfrm>
+            <a:off x="381000" y="1752600"/>
+            <a:ext cx="6123792" cy="2585323"/>
+          </a:xfrm>
+          <a:prstGeom prst="rect">
+            <a:avLst/>
+          </a:prstGeom>
+          <a:noFill/>
+        </p:spPr>
+        <p:txBody>
+          <a:bodyPr wrap="none" rtlCol="0">
+            <a:spAutoFit/>
+          </a:bodyPr>
+          <a:lstStyle/>
+          <a:p>
+            <a:r>
+              <a:rPr lang="en-US" dirty="0" smtClean="0"/>
+              <a:t>Here we need to include an </a:t>
+            </a:r>
+            <a:r>
+              <a:rPr lang="en-US" dirty="0" err="1" smtClean="0"/>
+              <a:t>npm</a:t>
+            </a:r>
+            <a:r>
+              <a:rPr lang="en-US" dirty="0" smtClean="0"/>
+              <a:t>, built by React team</a:t>
+            </a:r>
+          </a:p>
+          <a:p>
+            <a:endParaRPr lang="en-US" dirty="0"/>
+          </a:p>
+          <a:p>
+            <a:endParaRPr lang="en-US" dirty="0" smtClean="0"/>
+          </a:p>
+          <a:p>
+            <a:endParaRPr lang="en-US" dirty="0"/>
+          </a:p>
+          <a:p>
+            <a:endParaRPr lang="en-US" dirty="0" smtClean="0"/>
+          </a:p>
+          <a:p>
+            <a:endParaRPr lang="en-US" dirty="0" smtClean="0"/>
+          </a:p>
+          <a:p>
+            <a:endParaRPr lang="en-US" dirty="0"/>
+          </a:p>
+          <a:p>
+            <a:endParaRPr lang="en-US" dirty="0" smtClean="0"/>
+          </a:p>
+          <a:p>
+            <a:endParaRPr lang="en-US" dirty="0"/>
+          </a:p>
+        </p:txBody>
+      </p:sp>
       <p:pic>
         <p:nvPicPr>
-          <p:cNvPr id="7170" name="Picture 2"/>
+          <p:cNvPr id="4098" name="Picture 2"/>
           <p:cNvPicPr>
             <a:picLocks noChangeAspect="1" noChangeArrowheads="1"/>
           </p:cNvPicPr>
@@ -13124,8 +12653,8 @@
         </p:blipFill>
         <p:spPr bwMode="auto">
           <a:xfrm>
-            <a:off x="381000" y="855047"/>
-            <a:ext cx="7581900" cy="3562350"/>
+            <a:off x="358254" y="2171700"/>
+            <a:ext cx="3924300" cy="266700"/>
           </a:xfrm>
           <a:prstGeom prst="rect">
             <a:avLst/>
@@ -13165,219 +12694,16 @@
           </a:extLst>
         </p:spPr>
       </p:pic>
-      <p:sp>
-        <p:nvSpPr>
-          <p:cNvPr id="3" name="TextBox 2"/>
-          <p:cNvSpPr txBox="1"/>
-          <p:nvPr/>
-        </p:nvSpPr>
-        <p:spPr>
-          <a:xfrm>
-            <a:off x="551345" y="4724400"/>
-            <a:ext cx="2618024" cy="1261884"/>
-          </a:xfrm>
-          <a:prstGeom prst="rect">
-            <a:avLst/>
-          </a:prstGeom>
-          <a:noFill/>
-        </p:spPr>
-        <p:txBody>
-          <a:bodyPr wrap="none" rtlCol="0">
-            <a:spAutoFit/>
-          </a:bodyPr>
-          <a:lstStyle/>
-          <a:p>
-            <a:r>
-              <a:rPr lang="en-US" dirty="0" smtClean="0"/>
-              <a:t>Always in Camel Case</a:t>
-            </a:r>
-          </a:p>
-          <a:p>
-            <a:endParaRPr lang="en-US" dirty="0"/>
-          </a:p>
-          <a:p>
-            <a:r>
-              <a:rPr lang="en-US" sz="2000" b="1" dirty="0" err="1" smtClean="0">
-                <a:solidFill>
-                  <a:schemeClr val="bg1"/>
-                </a:solidFill>
-              </a:rPr>
-              <a:t>onClick</a:t>
-            </a:r>
-            <a:endParaRPr lang="en-US" sz="2000" b="1" dirty="0" smtClean="0">
-              <a:solidFill>
-                <a:schemeClr val="bg1"/>
-              </a:solidFill>
-            </a:endParaRPr>
-          </a:p>
-          <a:p>
-            <a:r>
-              <a:rPr lang="en-US" sz="2000" b="1" dirty="0" err="1" smtClean="0">
-                <a:solidFill>
-                  <a:schemeClr val="bg1"/>
-                </a:solidFill>
-              </a:rPr>
-              <a:t>onChange</a:t>
-            </a:r>
-            <a:endParaRPr lang="en-US" sz="2000" b="1" dirty="0">
-              <a:solidFill>
-                <a:schemeClr val="bg1"/>
-              </a:solidFill>
-            </a:endParaRPr>
-          </a:p>
-        </p:txBody>
-      </p:sp>
-    </p:spTree>
-    <p:extLst>
-      <p:ext uri="{BB962C8B-B14F-4D97-AF65-F5344CB8AC3E}">
-        <p14:creationId xmlns:p14="http://schemas.microsoft.com/office/powerpoint/2010/main" val="3127438007"/>
-      </p:ext>
-    </p:extLst>
-  </p:cSld>
-  <p:clrMapOvr>
-    <a:masterClrMapping/>
-  </p:clrMapOvr>
-  <p:timing>
-    <p:tnLst>
-      <p:par>
-        <p:cTn id="1" dur="indefinite" restart="never" nodeType="tmRoot"/>
-      </p:par>
-    </p:tnLst>
-  </p:timing>
-</p:sld>
-</file>
-
-<file path=ppt/slides/slide36.xml><?xml version="1.0" encoding="utf-8"?>
-<p:sld xmlns:a="http://schemas.openxmlformats.org/drawingml/2006/main" xmlns:r="http://schemas.openxmlformats.org/officeDocument/2006/relationships" xmlns:p="http://schemas.openxmlformats.org/presentationml/2006/main">
-  <p:cSld>
-    <p:spTree>
-      <p:nvGrpSpPr>
-        <p:cNvPr id="1" name=""/>
-        <p:cNvGrpSpPr/>
-        <p:nvPr/>
-      </p:nvGrpSpPr>
-      <p:grpSpPr>
-        <a:xfrm>
-          <a:off x="0" y="0"/>
-          <a:ext cx="0" cy="0"/>
-          <a:chOff x="0" y="0"/>
-          <a:chExt cx="0" cy="0"/>
-        </a:xfrm>
-      </p:grpSpPr>
-      <p:sp>
-        <p:nvSpPr>
-          <p:cNvPr id="2" name="TextBox 1"/>
-          <p:cNvSpPr txBox="1"/>
-          <p:nvPr/>
-        </p:nvSpPr>
-        <p:spPr>
-          <a:xfrm>
-            <a:off x="228600" y="304800"/>
-            <a:ext cx="2762295" cy="461665"/>
-          </a:xfrm>
-          <a:prstGeom prst="rect">
-            <a:avLst/>
-          </a:prstGeom>
-          <a:noFill/>
-        </p:spPr>
-        <p:txBody>
-          <a:bodyPr wrap="none" rtlCol="0">
-            <a:spAutoFit/>
-          </a:bodyPr>
-          <a:lstStyle/>
-          <a:p>
-            <a:r>
-              <a:rPr lang="en-US" sz="2400" b="1" dirty="0" smtClean="0">
-                <a:solidFill>
-                  <a:schemeClr val="bg2">
-                    <a:lumMod val="50000"/>
-                  </a:schemeClr>
-                </a:solidFill>
-              </a:rPr>
-              <a:t>Component State</a:t>
-            </a:r>
-            <a:endParaRPr lang="en-US" sz="2400" b="1" dirty="0">
-              <a:solidFill>
-                <a:schemeClr val="bg2">
-                  <a:lumMod val="50000"/>
-                </a:schemeClr>
-              </a:solidFill>
-            </a:endParaRPr>
-          </a:p>
-        </p:txBody>
-      </p:sp>
-      <p:sp>
-        <p:nvSpPr>
-          <p:cNvPr id="6" name="TextBox 5"/>
-          <p:cNvSpPr txBox="1"/>
-          <p:nvPr/>
-        </p:nvSpPr>
-        <p:spPr>
-          <a:xfrm>
-            <a:off x="551345" y="2266890"/>
-            <a:ext cx="184731" cy="369332"/>
-          </a:xfrm>
-          <a:prstGeom prst="rect">
-            <a:avLst/>
-          </a:prstGeom>
-          <a:noFill/>
-        </p:spPr>
-        <p:txBody>
-          <a:bodyPr wrap="none" rtlCol="0">
-            <a:spAutoFit/>
-          </a:bodyPr>
-          <a:lstStyle/>
-          <a:p>
-            <a:endParaRPr lang="en-US" b="1" dirty="0">
-              <a:solidFill>
-                <a:schemeClr val="bg2">
-                  <a:lumMod val="50000"/>
-                </a:schemeClr>
-              </a:solidFill>
-            </a:endParaRPr>
-          </a:p>
-        </p:txBody>
-      </p:sp>
-      <p:sp>
-        <p:nvSpPr>
-          <p:cNvPr id="4" name="TextBox 3"/>
-          <p:cNvSpPr txBox="1"/>
-          <p:nvPr/>
-        </p:nvSpPr>
-        <p:spPr>
-          <a:xfrm>
-            <a:off x="304800" y="766465"/>
-            <a:ext cx="3813865" cy="369332"/>
-          </a:xfrm>
-          <a:prstGeom prst="rect">
-            <a:avLst/>
-          </a:prstGeom>
-          <a:noFill/>
-        </p:spPr>
-        <p:txBody>
-          <a:bodyPr wrap="none" rtlCol="0">
-            <a:spAutoFit/>
-          </a:bodyPr>
-          <a:lstStyle/>
-          <a:p>
-            <a:r>
-              <a:rPr lang="en-US" dirty="0" smtClean="0"/>
-              <a:t>Let’s have a Counter component</a:t>
-            </a:r>
-            <a:endParaRPr lang="en-US" dirty="0"/>
-          </a:p>
-        </p:txBody>
-      </p:sp>
       <p:pic>
         <p:nvPicPr>
-          <p:cNvPr id="8195" name="Picture 3"/>
+          <p:cNvPr id="8" name="Picture 2"/>
           <p:cNvPicPr>
             <a:picLocks noChangeAspect="1" noChangeArrowheads="1"/>
           </p:cNvPicPr>
           <p:nvPr/>
         </p:nvPicPr>
         <p:blipFill>
-          <a:blip r:embed="rId2">
+          <a:blip r:embed="rId3">
             <a:extLst>
               <a:ext uri="{28A0092B-C50C-407E-A947-70E740481C1C}">
                 <a14:useLocalDpi xmlns:a14="http://schemas.microsoft.com/office/drawing/2010/main" val="0"/>
@@ -13391,8 +12717,8 @@
         </p:blipFill>
         <p:spPr bwMode="auto">
           <a:xfrm>
-            <a:off x="457200" y="1143000"/>
-            <a:ext cx="4714875" cy="2905125"/>
+            <a:off x="236561" y="2613476"/>
+            <a:ext cx="8496300" cy="3714750"/>
           </a:xfrm>
           <a:prstGeom prst="rect">
             <a:avLst/>
@@ -13440,8 +12766,8 @@
         </p:nvSpPr>
         <p:spPr>
           <a:xfrm>
-            <a:off x="457200" y="4172634"/>
-            <a:ext cx="8300670" cy="646331"/>
+            <a:off x="2551466" y="2636222"/>
+            <a:ext cx="1782860" cy="3154710"/>
           </a:xfrm>
           <a:prstGeom prst="rect">
             <a:avLst/>
@@ -13455,14 +12781,239 @@
           <a:lstStyle/>
           <a:p>
             <a:r>
+              <a:rPr lang="en-US" sz="19900" b="1" dirty="0">
+                <a:solidFill>
+                  <a:srgbClr val="FF0000"/>
+                </a:solidFill>
+              </a:rPr>
+              <a:t>X</a:t>
+            </a:r>
+            <a:endParaRPr lang="en-US" b="1" dirty="0">
+              <a:solidFill>
+                <a:srgbClr val="FF0000"/>
+              </a:solidFill>
+            </a:endParaRPr>
+          </a:p>
+        </p:txBody>
+      </p:sp>
+      <p:sp>
+        <p:nvSpPr>
+          <p:cNvPr id="7" name="TextBox 6"/>
+          <p:cNvSpPr txBox="1"/>
+          <p:nvPr/>
+        </p:nvSpPr>
+        <p:spPr>
+          <a:xfrm>
+            <a:off x="551345" y="3505200"/>
+            <a:ext cx="2403222" cy="369332"/>
+          </a:xfrm>
+          <a:prstGeom prst="rect">
+            <a:avLst/>
+          </a:prstGeom>
+          <a:solidFill>
+            <a:schemeClr val="bg1"/>
+          </a:solidFill>
+        </p:spPr>
+        <p:txBody>
+          <a:bodyPr wrap="none" rtlCol="0">
+            <a:spAutoFit/>
+          </a:bodyPr>
+          <a:lstStyle/>
+          <a:p>
+            <a:r>
+              <a:rPr lang="en-US" dirty="0" smtClean="0">
+                <a:solidFill>
+                  <a:srgbClr val="FF0000"/>
+                </a:solidFill>
+              </a:rPr>
+              <a:t>We Can remove this</a:t>
+            </a:r>
+            <a:endParaRPr lang="en-US" dirty="0">
+              <a:solidFill>
+                <a:srgbClr val="FF0000"/>
+              </a:solidFill>
+            </a:endParaRPr>
+          </a:p>
+        </p:txBody>
+      </p:sp>
+    </p:spTree>
+    <p:extLst>
+      <p:ext uri="{BB962C8B-B14F-4D97-AF65-F5344CB8AC3E}">
+        <p14:creationId xmlns:p14="http://schemas.microsoft.com/office/powerpoint/2010/main" val="3678370323"/>
+      </p:ext>
+    </p:extLst>
+  </p:cSld>
+  <p:clrMapOvr>
+    <a:masterClrMapping/>
+  </p:clrMapOvr>
+  <p:timing>
+    <p:tnLst>
+      <p:par>
+        <p:cTn id="1" dur="indefinite" restart="never" nodeType="tmRoot"/>
+      </p:par>
+    </p:tnLst>
+  </p:timing>
+</p:sld>
+</file>
+
+<file path=ppt/slides/slide36.xml><?xml version="1.0" encoding="utf-8"?>
+<p:sld xmlns:a="http://schemas.openxmlformats.org/drawingml/2006/main" xmlns:r="http://schemas.openxmlformats.org/officeDocument/2006/relationships" xmlns:p="http://schemas.openxmlformats.org/presentationml/2006/main">
+  <p:cSld>
+    <p:spTree>
+      <p:nvGrpSpPr>
+        <p:cNvPr id="1" name=""/>
+        <p:cNvGrpSpPr/>
+        <p:nvPr/>
+      </p:nvGrpSpPr>
+      <p:grpSpPr>
+        <a:xfrm>
+          <a:off x="0" y="0"/>
+          <a:ext cx="0" cy="0"/>
+          <a:chOff x="0" y="0"/>
+          <a:chExt cx="0" cy="0"/>
+        </a:xfrm>
+      </p:grpSpPr>
+      <p:sp>
+        <p:nvSpPr>
+          <p:cNvPr id="2" name="TextBox 1"/>
+          <p:cNvSpPr txBox="1"/>
+          <p:nvPr/>
+        </p:nvSpPr>
+        <p:spPr>
+          <a:xfrm>
+            <a:off x="228600" y="304800"/>
+            <a:ext cx="1742785" cy="461665"/>
+          </a:xfrm>
+          <a:prstGeom prst="rect">
+            <a:avLst/>
+          </a:prstGeom>
+          <a:noFill/>
+        </p:spPr>
+        <p:txBody>
+          <a:bodyPr wrap="none" rtlCol="0">
+            <a:spAutoFit/>
+          </a:bodyPr>
+          <a:lstStyle/>
+          <a:p>
+            <a:r>
+              <a:rPr lang="en-US" sz="2400" b="1" dirty="0" err="1" smtClean="0">
+                <a:solidFill>
+                  <a:schemeClr val="bg2">
+                    <a:lumMod val="50000"/>
+                  </a:schemeClr>
+                </a:solidFill>
+              </a:rPr>
+              <a:t>PropTypes</a:t>
+            </a:r>
+            <a:endParaRPr lang="en-US" sz="2400" b="1" dirty="0">
+              <a:solidFill>
+                <a:schemeClr val="bg2">
+                  <a:lumMod val="50000"/>
+                </a:schemeClr>
+              </a:solidFill>
+            </a:endParaRPr>
+          </a:p>
+        </p:txBody>
+      </p:sp>
+      <p:sp>
+        <p:nvSpPr>
+          <p:cNvPr id="6" name="TextBox 5"/>
+          <p:cNvSpPr txBox="1"/>
+          <p:nvPr/>
+        </p:nvSpPr>
+        <p:spPr>
+          <a:xfrm>
+            <a:off x="551345" y="2266890"/>
+            <a:ext cx="184731" cy="369332"/>
+          </a:xfrm>
+          <a:prstGeom prst="rect">
+            <a:avLst/>
+          </a:prstGeom>
+          <a:noFill/>
+        </p:spPr>
+        <p:txBody>
+          <a:bodyPr wrap="none" rtlCol="0">
+            <a:spAutoFit/>
+          </a:bodyPr>
+          <a:lstStyle/>
+          <a:p>
+            <a:endParaRPr lang="en-US" b="1" dirty="0">
+              <a:solidFill>
+                <a:schemeClr val="bg2">
+                  <a:lumMod val="50000"/>
+                </a:schemeClr>
+              </a:solidFill>
+            </a:endParaRPr>
+          </a:p>
+        </p:txBody>
+      </p:sp>
+      <p:sp>
+        <p:nvSpPr>
+          <p:cNvPr id="3" name="TextBox 2"/>
+          <p:cNvSpPr txBox="1"/>
+          <p:nvPr/>
+        </p:nvSpPr>
+        <p:spPr>
+          <a:xfrm>
+            <a:off x="228600" y="990600"/>
+            <a:ext cx="2331087" cy="461665"/>
+          </a:xfrm>
+          <a:prstGeom prst="rect">
+            <a:avLst/>
+          </a:prstGeom>
+          <a:noFill/>
+        </p:spPr>
+        <p:txBody>
+          <a:bodyPr wrap="none" rtlCol="0">
+            <a:spAutoFit/>
+          </a:bodyPr>
+          <a:lstStyle/>
+          <a:p>
+            <a:r>
+              <a:rPr lang="en-US" sz="2400" b="1" i="1" dirty="0" smtClean="0">
+                <a:solidFill>
+                  <a:schemeClr val="bg2">
+                    <a:lumMod val="50000"/>
+                  </a:schemeClr>
+                </a:solidFill>
+              </a:rPr>
+              <a:t>In React World</a:t>
+            </a:r>
+            <a:endParaRPr lang="en-US" sz="2400" b="1" i="1" dirty="0">
+              <a:solidFill>
+                <a:schemeClr val="bg2">
+                  <a:lumMod val="50000"/>
+                </a:schemeClr>
+              </a:solidFill>
+            </a:endParaRPr>
+          </a:p>
+        </p:txBody>
+      </p:sp>
+      <p:sp>
+        <p:nvSpPr>
+          <p:cNvPr id="4" name="TextBox 3"/>
+          <p:cNvSpPr txBox="1"/>
+          <p:nvPr/>
+        </p:nvSpPr>
+        <p:spPr>
+          <a:xfrm>
+            <a:off x="381000" y="1752600"/>
+            <a:ext cx="2646878" cy="369332"/>
+          </a:xfrm>
+          <a:prstGeom prst="rect">
+            <a:avLst/>
+          </a:prstGeom>
+          <a:noFill/>
+        </p:spPr>
+        <p:txBody>
+          <a:bodyPr wrap="none" rtlCol="0">
+            <a:spAutoFit/>
+          </a:bodyPr>
+          <a:lstStyle/>
+          <a:p>
+            <a:r>
               <a:rPr lang="en-US" dirty="0" smtClean="0"/>
-              <a:t>Now we are having Counter from state. And I can define default state in </a:t>
-            </a:r>
-          </a:p>
-          <a:p>
-            <a:r>
-              <a:rPr lang="en-US" dirty="0" smtClean="0"/>
-              <a:t>constructor as initial method of component</a:t>
+              <a:t>If the prop is required</a:t>
             </a:r>
             <a:endParaRPr lang="en-US" dirty="0"/>
           </a:p>
@@ -13470,14 +13021,14 @@
       </p:sp>
       <p:pic>
         <p:nvPicPr>
-          <p:cNvPr id="8196" name="Picture 4"/>
+          <p:cNvPr id="5122" name="Picture 2"/>
           <p:cNvPicPr>
             <a:picLocks noChangeAspect="1" noChangeArrowheads="1"/>
           </p:cNvPicPr>
           <p:nvPr/>
         </p:nvPicPr>
         <p:blipFill>
-          <a:blip r:embed="rId3">
+          <a:blip r:embed="rId2">
             <a:extLst>
               <a:ext uri="{28A0092B-C50C-407E-A947-70E740481C1C}">
                 <a14:useLocalDpi xmlns:a14="http://schemas.microsoft.com/office/drawing/2010/main" val="0"/>
@@ -13491,8 +13042,8 @@
         </p:blipFill>
         <p:spPr bwMode="auto">
           <a:xfrm>
-            <a:off x="551345" y="4800600"/>
-            <a:ext cx="2314575" cy="1771650"/>
+            <a:off x="540684" y="2240732"/>
+            <a:ext cx="4391025" cy="1104900"/>
           </a:xfrm>
           <a:prstGeom prst="rect">
             <a:avLst/>
@@ -13535,7 +13086,7 @@
     </p:spTree>
     <p:extLst>
       <p:ext uri="{BB962C8B-B14F-4D97-AF65-F5344CB8AC3E}">
-        <p14:creationId xmlns:p14="http://schemas.microsoft.com/office/powerpoint/2010/main" val="81862202"/>
+        <p14:creationId xmlns:p14="http://schemas.microsoft.com/office/powerpoint/2010/main" val="1553236703"/>
       </p:ext>
     </p:extLst>
   </p:cSld>
@@ -13578,7 +13129,7 @@
         <p:spPr>
           <a:xfrm>
             <a:off x="228600" y="304800"/>
-            <a:ext cx="2762295" cy="461665"/>
+            <a:ext cx="2000869" cy="461665"/>
           </a:xfrm>
           <a:prstGeom prst="rect">
             <a:avLst/>
@@ -13599,7 +13150,7 @@
                   </a:schemeClr>
                 </a:solidFill>
               </a:rPr>
-              <a:t>Component State</a:t>
+              <a:t>Virtual DOM</a:t>
             </a:r>
             <a:endParaRPr lang="en-US" sz="2400" b="1" dirty="0">
               <a:solidFill>
@@ -13643,39 +13194,9 @@
           </a:p>
         </p:txBody>
       </p:sp>
-      <p:sp>
-        <p:nvSpPr>
-          <p:cNvPr id="4" name="TextBox 3"/>
-          <p:cNvSpPr txBox="1"/>
-          <p:nvPr/>
-        </p:nvSpPr>
-        <p:spPr>
-          <a:xfrm>
-            <a:off x="304800" y="766465"/>
-            <a:ext cx="4323620" cy="369332"/>
-          </a:xfrm>
-          <a:prstGeom prst="rect">
-            <a:avLst/>
-          </a:prstGeom>
-          <a:noFill/>
-        </p:spPr>
-        <p:txBody>
-          <a:bodyPr wrap="none" rtlCol="0">
-            <a:spAutoFit/>
-          </a:bodyPr>
-          <a:lstStyle/>
-          <a:p>
-            <a:r>
-              <a:rPr lang="en-US" dirty="0" smtClean="0"/>
-              <a:t>Now we are using counter from state</a:t>
-            </a:r>
-            <a:endParaRPr lang="en-US" dirty="0"/>
-          </a:p>
-        </p:txBody>
-      </p:sp>
       <p:pic>
         <p:nvPicPr>
-          <p:cNvPr id="9218" name="Picture 2"/>
+          <p:cNvPr id="6146" name="Picture 2"/>
           <p:cNvPicPr>
             <a:picLocks noChangeAspect="1" noChangeArrowheads="1"/>
           </p:cNvPicPr>
@@ -13696,8 +13217,8 @@
         </p:blipFill>
         <p:spPr bwMode="auto">
           <a:xfrm>
-            <a:off x="381000" y="1143000"/>
-            <a:ext cx="4333875" cy="2476500"/>
+            <a:off x="381000" y="766465"/>
+            <a:ext cx="7410450" cy="5029200"/>
           </a:xfrm>
           <a:prstGeom prst="rect">
             <a:avLst/>
@@ -13739,7 +13260,7 @@
       </p:pic>
       <p:pic>
         <p:nvPicPr>
-          <p:cNvPr id="9220" name="Picture 4"/>
+          <p:cNvPr id="6147" name="Picture 3"/>
           <p:cNvPicPr>
             <a:picLocks noChangeAspect="1" noChangeArrowheads="1"/>
           </p:cNvPicPr>
@@ -13760,8 +13281,8 @@
         </p:blipFill>
         <p:spPr bwMode="auto">
           <a:xfrm>
-            <a:off x="228600" y="3810000"/>
-            <a:ext cx="8763000" cy="2390775"/>
+            <a:off x="408296" y="6096000"/>
+            <a:ext cx="1781175" cy="295275"/>
           </a:xfrm>
           <a:prstGeom prst="rect">
             <a:avLst/>
@@ -13804,7 +13325,7 @@
     </p:spTree>
     <p:extLst>
       <p:ext uri="{BB962C8B-B14F-4D97-AF65-F5344CB8AC3E}">
-        <p14:creationId xmlns:p14="http://schemas.microsoft.com/office/powerpoint/2010/main" val="1940245386"/>
+        <p14:creationId xmlns:p14="http://schemas.microsoft.com/office/powerpoint/2010/main" val="644902292"/>
       </p:ext>
     </p:extLst>
   </p:cSld>
@@ -13847,7 +13368,7 @@
         <p:spPr>
           <a:xfrm>
             <a:off x="228600" y="304800"/>
-            <a:ext cx="2762295" cy="461665"/>
+            <a:ext cx="1144865" cy="461665"/>
           </a:xfrm>
           <a:prstGeom prst="rect">
             <a:avLst/>
@@ -13868,7 +13389,7 @@
                   </a:schemeClr>
                 </a:solidFill>
               </a:rPr>
-              <a:t>Component State</a:t>
+              <a:t>Events</a:t>
             </a:r>
             <a:endParaRPr lang="en-US" sz="2400" b="1" dirty="0">
               <a:solidFill>
@@ -13912,85 +13433,9 @@
           </a:p>
         </p:txBody>
       </p:sp>
-      <p:sp>
-        <p:nvSpPr>
-          <p:cNvPr id="4" name="TextBox 3"/>
-          <p:cNvSpPr txBox="1"/>
-          <p:nvPr/>
-        </p:nvSpPr>
-        <p:spPr>
-          <a:xfrm>
-            <a:off x="304800" y="766465"/>
-            <a:ext cx="7826181" cy="3139321"/>
-          </a:xfrm>
-          <a:prstGeom prst="rect">
-            <a:avLst/>
-          </a:prstGeom>
-          <a:noFill/>
-        </p:spPr>
-        <p:txBody>
-          <a:bodyPr wrap="none" rtlCol="0">
-            <a:spAutoFit/>
-          </a:bodyPr>
-          <a:lstStyle/>
-          <a:p>
-            <a:r>
-              <a:rPr lang="en-US" dirty="0" err="1" smtClean="0"/>
-              <a:t>This.setState</a:t>
-            </a:r>
-            <a:endParaRPr lang="en-US" dirty="0" smtClean="0"/>
-          </a:p>
-          <a:p>
-            <a:endParaRPr lang="en-US" dirty="0"/>
-          </a:p>
-          <a:p>
-            <a:endParaRPr lang="en-US" dirty="0" smtClean="0"/>
-          </a:p>
-          <a:p>
-            <a:endParaRPr lang="en-US" dirty="0"/>
-          </a:p>
-          <a:p>
-            <a:endParaRPr lang="en-US" dirty="0" smtClean="0"/>
-          </a:p>
-          <a:p>
-            <a:endParaRPr lang="en-US" dirty="0"/>
-          </a:p>
-          <a:p>
-            <a:endParaRPr lang="en-US" dirty="0" smtClean="0"/>
-          </a:p>
-          <a:p>
-            <a:endParaRPr lang="en-US" dirty="0"/>
-          </a:p>
-          <a:p>
-            <a:endParaRPr lang="en-US" dirty="0" smtClean="0"/>
-          </a:p>
-          <a:p>
-            <a:endParaRPr lang="en-US" dirty="0"/>
-          </a:p>
-          <a:p>
-            <a:r>
-              <a:rPr lang="en-US" dirty="0" smtClean="0"/>
-              <a:t>And it will call render method </a:t>
-            </a:r>
-            <a:r>
-              <a:rPr lang="en-US" dirty="0" err="1" smtClean="0"/>
-              <a:t>everytime</a:t>
-            </a:r>
-            <a:r>
-              <a:rPr lang="en-US" dirty="0" smtClean="0"/>
-              <a:t> after setting the </a:t>
-            </a:r>
-            <a:r>
-              <a:rPr lang="en-US" smtClean="0"/>
-              <a:t>state value</a:t>
-            </a:r>
-            <a:endParaRPr lang="en-US" dirty="0"/>
-          </a:p>
-        </p:txBody>
-      </p:sp>
       <p:pic>
         <p:nvPicPr>
-          <p:cNvPr id="10242" name="Picture 2"/>
+          <p:cNvPr id="7170" name="Picture 2"/>
           <p:cNvPicPr>
             <a:picLocks noChangeAspect="1" noChangeArrowheads="1"/>
           </p:cNvPicPr>
@@ -14011,8 +13456,8 @@
         </p:blipFill>
         <p:spPr bwMode="auto">
           <a:xfrm>
-            <a:off x="114300" y="1161955"/>
-            <a:ext cx="8724900" cy="2019300"/>
+            <a:off x="381000" y="855047"/>
+            <a:ext cx="7581900" cy="3562350"/>
           </a:xfrm>
           <a:prstGeom prst="rect">
             <a:avLst/>
@@ -14052,10 +13497,72 @@
           </a:extLst>
         </p:spPr>
       </p:pic>
+      <p:sp>
+        <p:nvSpPr>
+          <p:cNvPr id="3" name="TextBox 2"/>
+          <p:cNvSpPr txBox="1"/>
+          <p:nvPr/>
+        </p:nvSpPr>
+        <p:spPr>
+          <a:xfrm>
+            <a:off x="551345" y="4724400"/>
+            <a:ext cx="2618024" cy="1261884"/>
+          </a:xfrm>
+          <a:prstGeom prst="rect">
+            <a:avLst/>
+          </a:prstGeom>
+          <a:noFill/>
+        </p:spPr>
+        <p:txBody>
+          <a:bodyPr wrap="none" rtlCol="0">
+            <a:spAutoFit/>
+          </a:bodyPr>
+          <a:lstStyle/>
+          <a:p>
+            <a:r>
+              <a:rPr lang="en-US" dirty="0" smtClean="0"/>
+              <a:t>Always in Camel Case</a:t>
+            </a:r>
+          </a:p>
+          <a:p>
+            <a:endParaRPr lang="en-US" dirty="0"/>
+          </a:p>
+          <a:p>
+            <a:r>
+              <a:rPr lang="en-US" sz="2000" b="1" dirty="0" err="1" smtClean="0">
+                <a:solidFill>
+                  <a:schemeClr val="bg1"/>
+                </a:solidFill>
+              </a:rPr>
+              <a:t>onClick</a:t>
+            </a:r>
+            <a:endParaRPr lang="en-US" sz="2000" b="1" dirty="0" smtClean="0">
+              <a:solidFill>
+                <a:schemeClr val="bg1"/>
+              </a:solidFill>
+            </a:endParaRPr>
+          </a:p>
+          <a:p>
+            <a:r>
+              <a:rPr lang="en-US" sz="2000" b="1" dirty="0" err="1" smtClean="0">
+                <a:solidFill>
+                  <a:schemeClr val="bg1"/>
+                </a:solidFill>
+              </a:rPr>
+              <a:t>onChange</a:t>
+            </a:r>
+            <a:endParaRPr lang="en-US" sz="2000" b="1" dirty="0">
+              <a:solidFill>
+                <a:schemeClr val="bg1"/>
+              </a:solidFill>
+            </a:endParaRPr>
+          </a:p>
+        </p:txBody>
+      </p:sp>
     </p:spTree>
     <p:extLst>
       <p:ext uri="{BB962C8B-B14F-4D97-AF65-F5344CB8AC3E}">
-        <p14:creationId xmlns:p14="http://schemas.microsoft.com/office/powerpoint/2010/main" val="2416857441"/>
+        <p14:creationId xmlns:p14="http://schemas.microsoft.com/office/powerpoint/2010/main" val="3127438007"/>
       </p:ext>
     </p:extLst>
   </p:cSld>
@@ -14089,11 +13596,115 @@
           <a:chExt cx="0" cy="0"/>
         </a:xfrm>
       </p:grpSpPr>
+      <p:sp>
+        <p:nvSpPr>
+          <p:cNvPr id="2" name="TextBox 1"/>
+          <p:cNvSpPr txBox="1"/>
+          <p:nvPr/>
+        </p:nvSpPr>
+        <p:spPr>
+          <a:xfrm>
+            <a:off x="228600" y="304800"/>
+            <a:ext cx="2762295" cy="461665"/>
+          </a:xfrm>
+          <a:prstGeom prst="rect">
+            <a:avLst/>
+          </a:prstGeom>
+          <a:noFill/>
+        </p:spPr>
+        <p:txBody>
+          <a:bodyPr wrap="none" rtlCol="0">
+            <a:spAutoFit/>
+          </a:bodyPr>
+          <a:lstStyle/>
+          <a:p>
+            <a:r>
+              <a:rPr lang="en-US" sz="2400" b="1" dirty="0" smtClean="0">
+                <a:solidFill>
+                  <a:schemeClr val="bg2">
+                    <a:lumMod val="50000"/>
+                  </a:schemeClr>
+                </a:solidFill>
+              </a:rPr>
+              <a:t>Component State</a:t>
+            </a:r>
+            <a:endParaRPr lang="en-US" sz="2400" b="1" dirty="0">
+              <a:solidFill>
+                <a:schemeClr val="bg2">
+                  <a:lumMod val="50000"/>
+                </a:schemeClr>
+              </a:solidFill>
+            </a:endParaRPr>
+          </a:p>
+        </p:txBody>
+      </p:sp>
+      <p:sp>
+        <p:nvSpPr>
+          <p:cNvPr id="6" name="TextBox 5"/>
+          <p:cNvSpPr txBox="1"/>
+          <p:nvPr/>
+        </p:nvSpPr>
+        <p:spPr>
+          <a:xfrm>
+            <a:off x="551345" y="2266890"/>
+            <a:ext cx="184731" cy="369332"/>
+          </a:xfrm>
+          <a:prstGeom prst="rect">
+            <a:avLst/>
+          </a:prstGeom>
+          <a:noFill/>
+        </p:spPr>
+        <p:txBody>
+          <a:bodyPr wrap="none" rtlCol="0">
+            <a:spAutoFit/>
+          </a:bodyPr>
+          <a:lstStyle/>
+          <a:p>
+            <a:endParaRPr lang="en-US" b="1" dirty="0">
+              <a:solidFill>
+                <a:schemeClr val="bg2">
+                  <a:lumMod val="50000"/>
+                </a:schemeClr>
+              </a:solidFill>
+            </a:endParaRPr>
+          </a:p>
+        </p:txBody>
+      </p:sp>
+      <p:sp>
+        <p:nvSpPr>
+          <p:cNvPr id="4" name="TextBox 3"/>
+          <p:cNvSpPr txBox="1"/>
+          <p:nvPr/>
+        </p:nvSpPr>
+        <p:spPr>
+          <a:xfrm>
+            <a:off x="304800" y="766465"/>
+            <a:ext cx="3813865" cy="369332"/>
+          </a:xfrm>
+          <a:prstGeom prst="rect">
+            <a:avLst/>
+          </a:prstGeom>
+          <a:noFill/>
+        </p:spPr>
+        <p:txBody>
+          <a:bodyPr wrap="none" rtlCol="0">
+            <a:spAutoFit/>
+          </a:bodyPr>
+          <a:lstStyle/>
+          <a:p>
+            <a:r>
+              <a:rPr lang="en-US" dirty="0" smtClean="0"/>
+              <a:t>Let’s have a Counter component</a:t>
+            </a:r>
+            <a:endParaRPr lang="en-US" dirty="0"/>
+          </a:p>
+        </p:txBody>
+      </p:sp>
       <p:pic>
         <p:nvPicPr>
-          <p:cNvPr id="7" name="Picture 6"/>
+          <p:cNvPr id="8195" name="Picture 3"/>
           <p:cNvPicPr>
-            <a:picLocks noChangeAspect="1"/>
+            <a:picLocks noChangeAspect="1" noChangeArrowheads="1"/>
           </p:cNvPicPr>
           <p:nvPr/>
         </p:nvPicPr>
@@ -14105,24 +13716,158 @@
               </a:ext>
             </a:extLst>
           </a:blip>
+          <a:srcRect/>
           <a:stretch>
             <a:fillRect/>
           </a:stretch>
         </p:blipFill>
+        <p:spPr bwMode="auto">
+          <a:xfrm>
+            <a:off x="457200" y="1143000"/>
+            <a:ext cx="4714875" cy="2905125"/>
+          </a:xfrm>
+          <a:prstGeom prst="rect">
+            <a:avLst/>
+          </a:prstGeom>
+          <a:noFill/>
+          <a:ln>
+            <a:noFill/>
+          </a:ln>
+          <a:effectLst/>
+          <a:extLst>
+            <a:ext uri="{909E8E84-426E-40DD-AFC4-6F175D3DCCD1}">
+              <a14:hiddenFill xmlns:a14="http://schemas.microsoft.com/office/drawing/2010/main">
+                <a:solidFill>
+                  <a:schemeClr val="accent1"/>
+                </a:solidFill>
+              </a14:hiddenFill>
+            </a:ext>
+            <a:ext uri="{91240B29-F687-4F45-9708-019B960494DF}">
+              <a14:hiddenLine xmlns:a14="http://schemas.microsoft.com/office/drawing/2010/main" w="9525">
+                <a:solidFill>
+                  <a:schemeClr val="tx1"/>
+                </a:solidFill>
+                <a:miter lim="800000"/>
+                <a:headEnd/>
+                <a:tailEnd/>
+              </a14:hiddenLine>
+            </a:ext>
+            <a:ext uri="{AF507438-7753-43E0-B8FC-AC1667EBCBE1}">
+              <a14:hiddenEffects xmlns:a14="http://schemas.microsoft.com/office/drawing/2010/main">
+                <a:effectLst>
+                  <a:outerShdw dist="35921" dir="2700000" algn="ctr" rotWithShape="0">
+                    <a:schemeClr val="bg2"/>
+                  </a:outerShdw>
+                </a:effectLst>
+              </a14:hiddenEffects>
+            </a:ext>
+          </a:extLst>
+        </p:spPr>
+      </p:pic>
+      <p:sp>
+        <p:nvSpPr>
+          <p:cNvPr id="5" name="TextBox 4"/>
+          <p:cNvSpPr txBox="1"/>
+          <p:nvPr/>
+        </p:nvSpPr>
         <p:spPr>
           <a:xfrm>
-            <a:off x="564214" y="762000"/>
-            <a:ext cx="8198786" cy="5455919"/>
+            <a:off x="457200" y="4172634"/>
+            <a:ext cx="8300670" cy="646331"/>
           </a:xfrm>
           <a:prstGeom prst="rect">
             <a:avLst/>
           </a:prstGeom>
+          <a:noFill/>
+        </p:spPr>
+        <p:txBody>
+          <a:bodyPr wrap="none" rtlCol="0">
+            <a:spAutoFit/>
+          </a:bodyPr>
+          <a:lstStyle/>
+          <a:p>
+            <a:r>
+              <a:rPr lang="en-US" dirty="0" smtClean="0"/>
+              <a:t>Now we are having Counter from state. And I can define default state in </a:t>
+            </a:r>
+          </a:p>
+          <a:p>
+            <a:r>
+              <a:rPr lang="en-US" dirty="0" smtClean="0"/>
+              <a:t>constructor as initial method of component</a:t>
+            </a:r>
+            <a:endParaRPr lang="en-US" dirty="0"/>
+          </a:p>
+        </p:txBody>
+      </p:sp>
+      <p:pic>
+        <p:nvPicPr>
+          <p:cNvPr id="8196" name="Picture 4"/>
+          <p:cNvPicPr>
+            <a:picLocks noChangeAspect="1" noChangeArrowheads="1"/>
+          </p:cNvPicPr>
+          <p:nvPr/>
+        </p:nvPicPr>
+        <p:blipFill>
+          <a:blip r:embed="rId3">
+            <a:extLst>
+              <a:ext uri="{28A0092B-C50C-407E-A947-70E740481C1C}">
+                <a14:useLocalDpi xmlns:a14="http://schemas.microsoft.com/office/drawing/2010/main" val="0"/>
+              </a:ext>
+            </a:extLst>
+          </a:blip>
+          <a:srcRect/>
+          <a:stretch>
+            <a:fillRect/>
+          </a:stretch>
+        </p:blipFill>
+        <p:spPr bwMode="auto">
+          <a:xfrm>
+            <a:off x="551345" y="4800600"/>
+            <a:ext cx="2314575" cy="1771650"/>
+          </a:xfrm>
+          <a:prstGeom prst="rect">
+            <a:avLst/>
+          </a:prstGeom>
+          <a:noFill/>
+          <a:ln>
+            <a:noFill/>
+          </a:ln>
+          <a:effectLst/>
+          <a:extLst>
+            <a:ext uri="{909E8E84-426E-40DD-AFC4-6F175D3DCCD1}">
+              <a14:hiddenFill xmlns:a14="http://schemas.microsoft.com/office/drawing/2010/main">
+                <a:solidFill>
+                  <a:schemeClr val="accent1"/>
+                </a:solidFill>
+              </a14:hiddenFill>
+            </a:ext>
+            <a:ext uri="{91240B29-F687-4F45-9708-019B960494DF}">
+              <a14:hiddenLine xmlns:a14="http://schemas.microsoft.com/office/drawing/2010/main" w="9525">
+                <a:solidFill>
+                  <a:schemeClr val="tx1"/>
+                </a:solidFill>
+                <a:miter lim="800000"/>
+                <a:headEnd/>
+                <a:tailEnd/>
+              </a14:hiddenLine>
+            </a:ext>
+            <a:ext uri="{AF507438-7753-43E0-B8FC-AC1667EBCBE1}">
+              <a14:hiddenEffects xmlns:a14="http://schemas.microsoft.com/office/drawing/2010/main">
+                <a:effectLst>
+                  <a:outerShdw dist="35921" dir="2700000" algn="ctr" rotWithShape="0">
+                    <a:schemeClr val="bg2"/>
+                  </a:outerShdw>
+                </a:effectLst>
+              </a14:hiddenEffects>
+            </a:ext>
+          </a:extLst>
         </p:spPr>
       </p:pic>
     </p:spTree>
     <p:extLst>
       <p:ext uri="{BB962C8B-B14F-4D97-AF65-F5344CB8AC3E}">
-        <p14:creationId xmlns:p14="http://schemas.microsoft.com/office/powerpoint/2010/main" val="2313073300"/>
+        <p14:creationId xmlns:p14="http://schemas.microsoft.com/office/powerpoint/2010/main" val="81862202"/>
       </p:ext>
     </p:extLst>
   </p:cSld>
@@ -14299,8 +14044,8 @@
         </p:nvSpPr>
         <p:spPr>
           <a:xfrm>
-            <a:off x="990600" y="59063"/>
-            <a:ext cx="7794121" cy="646331"/>
+            <a:off x="228600" y="304800"/>
+            <a:ext cx="2762295" cy="461665"/>
           </a:xfrm>
           <a:prstGeom prst="rect">
             <a:avLst/>
@@ -14314,43 +14059,92 @@
           <a:lstStyle/>
           <a:p>
             <a:r>
-              <a:rPr lang="en-US" sz="3600" dirty="0" smtClean="0">
+              <a:rPr lang="en-US" sz="2400" b="1" dirty="0" smtClean="0">
                 <a:solidFill>
                   <a:schemeClr val="bg2">
                     <a:lumMod val="50000"/>
                   </a:schemeClr>
                 </a:solidFill>
-                <a:latin typeface="Comic Sans MS" pitchFamily="66" charset="0"/>
               </a:rPr>
-              <a:t>Thanks to pay your </a:t>
-            </a:r>
-            <a:r>
-              <a:rPr lang="en-US" sz="3600" smtClean="0">
-                <a:solidFill>
-                  <a:schemeClr val="bg2">
-                    <a:lumMod val="50000"/>
-                  </a:schemeClr>
-                </a:solidFill>
-                <a:latin typeface="Comic Sans MS" pitchFamily="66" charset="0"/>
-              </a:rPr>
-              <a:t>attention guys…</a:t>
-            </a:r>
-            <a:endParaRPr lang="en-US" sz="3600" dirty="0">
+              <a:t>Component State</a:t>
+            </a:r>
+            <a:endParaRPr lang="en-US" sz="2400" b="1" dirty="0">
               <a:solidFill>
                 <a:schemeClr val="bg2">
                   <a:lumMod val="50000"/>
                 </a:schemeClr>
               </a:solidFill>
-              <a:latin typeface="Comic Sans MS" pitchFamily="66" charset="0"/>
             </a:endParaRPr>
+          </a:p>
+        </p:txBody>
+      </p:sp>
+      <p:sp>
+        <p:nvSpPr>
+          <p:cNvPr id="6" name="TextBox 5"/>
+          <p:cNvSpPr txBox="1"/>
+          <p:nvPr/>
+        </p:nvSpPr>
+        <p:spPr>
+          <a:xfrm>
+            <a:off x="551345" y="2266890"/>
+            <a:ext cx="184731" cy="369332"/>
+          </a:xfrm>
+          <a:prstGeom prst="rect">
+            <a:avLst/>
+          </a:prstGeom>
+          <a:noFill/>
+        </p:spPr>
+        <p:txBody>
+          <a:bodyPr wrap="none" rtlCol="0">
+            <a:spAutoFit/>
+          </a:bodyPr>
+          <a:lstStyle/>
+          <a:p>
+            <a:endParaRPr lang="en-US" b="1" dirty="0">
+              <a:solidFill>
+                <a:schemeClr val="bg2">
+                  <a:lumMod val="50000"/>
+                </a:schemeClr>
+              </a:solidFill>
+            </a:endParaRPr>
+          </a:p>
+        </p:txBody>
+      </p:sp>
+      <p:sp>
+        <p:nvSpPr>
+          <p:cNvPr id="4" name="TextBox 3"/>
+          <p:cNvSpPr txBox="1"/>
+          <p:nvPr/>
+        </p:nvSpPr>
+        <p:spPr>
+          <a:xfrm>
+            <a:off x="304800" y="766465"/>
+            <a:ext cx="4323620" cy="369332"/>
+          </a:xfrm>
+          <a:prstGeom prst="rect">
+            <a:avLst/>
+          </a:prstGeom>
+          <a:noFill/>
+        </p:spPr>
+        <p:txBody>
+          <a:bodyPr wrap="none" rtlCol="0">
+            <a:spAutoFit/>
+          </a:bodyPr>
+          <a:lstStyle/>
+          <a:p>
+            <a:r>
+              <a:rPr lang="en-US" dirty="0" smtClean="0"/>
+              <a:t>Now we are using counter from state</a:t>
+            </a:r>
+            <a:endParaRPr lang="en-US" dirty="0"/>
           </a:p>
         </p:txBody>
       </p:sp>
       <p:pic>
         <p:nvPicPr>
-          <p:cNvPr id="5" name="Picture 4"/>
+          <p:cNvPr id="9218" name="Picture 2"/>
           <p:cNvPicPr>
-            <a:picLocks noChangeAspect="1"/>
+            <a:picLocks noChangeAspect="1" noChangeArrowheads="1"/>
           </p:cNvPicPr>
           <p:nvPr/>
         </p:nvPicPr>
@@ -14362,24 +14156,122 @@
               </a:ext>
             </a:extLst>
           </a:blip>
+          <a:srcRect/>
           <a:stretch>
             <a:fillRect/>
           </a:stretch>
         </p:blipFill>
-        <p:spPr>
-          <a:xfrm>
-            <a:off x="0" y="838201"/>
-            <a:ext cx="9144000" cy="6019800"/>
+        <p:spPr bwMode="auto">
+          <a:xfrm>
+            <a:off x="381000" y="1143000"/>
+            <a:ext cx="4333875" cy="2476500"/>
           </a:xfrm>
           <a:prstGeom prst="rect">
             <a:avLst/>
           </a:prstGeom>
+          <a:noFill/>
+          <a:ln>
+            <a:noFill/>
+          </a:ln>
+          <a:effectLst/>
+          <a:extLst>
+            <a:ext uri="{909E8E84-426E-40DD-AFC4-6F175D3DCCD1}">
+              <a14:hiddenFill xmlns:a14="http://schemas.microsoft.com/office/drawing/2010/main">
+                <a:solidFill>
+                  <a:schemeClr val="accent1"/>
+                </a:solidFill>
+              </a14:hiddenFill>
+            </a:ext>
+            <a:ext uri="{91240B29-F687-4F45-9708-019B960494DF}">
+              <a14:hiddenLine xmlns:a14="http://schemas.microsoft.com/office/drawing/2010/main" w="9525">
+                <a:solidFill>
+                  <a:schemeClr val="tx1"/>
+                </a:solidFill>
+                <a:miter lim="800000"/>
+                <a:headEnd/>
+                <a:tailEnd/>
+              </a14:hiddenLine>
+            </a:ext>
+            <a:ext uri="{AF507438-7753-43E0-B8FC-AC1667EBCBE1}">
+              <a14:hiddenEffects xmlns:a14="http://schemas.microsoft.com/office/drawing/2010/main">
+                <a:effectLst>
+                  <a:outerShdw dist="35921" dir="2700000" algn="ctr" rotWithShape="0">
+                    <a:schemeClr val="bg2"/>
+                  </a:outerShdw>
+                </a:effectLst>
+              </a14:hiddenEffects>
+            </a:ext>
+          </a:extLst>
+        </p:spPr>
+      </p:pic>
+      <p:pic>
+        <p:nvPicPr>
+          <p:cNvPr id="9220" name="Picture 4"/>
+          <p:cNvPicPr>
+            <a:picLocks noChangeAspect="1" noChangeArrowheads="1"/>
+          </p:cNvPicPr>
+          <p:nvPr/>
+        </p:nvPicPr>
+        <p:blipFill>
+          <a:blip r:embed="rId3">
+            <a:extLst>
+              <a:ext uri="{28A0092B-C50C-407E-A947-70E740481C1C}">
+                <a14:useLocalDpi xmlns:a14="http://schemas.microsoft.com/office/drawing/2010/main" val="0"/>
+              </a:ext>
+            </a:extLst>
+          </a:blip>
+          <a:srcRect/>
+          <a:stretch>
+            <a:fillRect/>
+          </a:stretch>
+        </p:blipFill>
+        <p:spPr bwMode="auto">
+          <a:xfrm>
+            <a:off x="228600" y="3810000"/>
+            <a:ext cx="8763000" cy="2390775"/>
+          </a:xfrm>
+          <a:prstGeom prst="rect">
+            <a:avLst/>
+          </a:prstGeom>
+          <a:noFill/>
+          <a:ln>
+            <a:noFill/>
+          </a:ln>
+          <a:effectLst/>
+          <a:extLst>
+            <a:ext uri="{909E8E84-426E-40DD-AFC4-6F175D3DCCD1}">
+              <a14:hiddenFill xmlns:a14="http://schemas.microsoft.com/office/drawing/2010/main">
+                <a:solidFill>
+                  <a:schemeClr val="accent1"/>
+                </a:solidFill>
+              </a14:hiddenFill>
+            </a:ext>
+            <a:ext uri="{91240B29-F687-4F45-9708-019B960494DF}">
+              <a14:hiddenLine xmlns:a14="http://schemas.microsoft.com/office/drawing/2010/main" w="9525">
+                <a:solidFill>
+                  <a:schemeClr val="tx1"/>
+                </a:solidFill>
+                <a:miter lim="800000"/>
+                <a:headEnd/>
+                <a:tailEnd/>
+              </a14:hiddenLine>
+            </a:ext>
+            <a:ext uri="{AF507438-7753-43E0-B8FC-AC1667EBCBE1}">
+              <a14:hiddenEffects xmlns:a14="http://schemas.microsoft.com/office/drawing/2010/main">
+                <a:effectLst>
+                  <a:outerShdw dist="35921" dir="2700000" algn="ctr" rotWithShape="0">
+                    <a:schemeClr val="bg2"/>
+                  </a:outerShdw>
+                </a:effectLst>
+              </a14:hiddenEffects>
+            </a:ext>
+          </a:extLst>
         </p:spPr>
       </p:pic>
     </p:spTree>
     <p:extLst>
       <p:ext uri="{BB962C8B-B14F-4D97-AF65-F5344CB8AC3E}">
-        <p14:creationId xmlns:p14="http://schemas.microsoft.com/office/powerpoint/2010/main" val="2025893658"/>
+        <p14:creationId xmlns:p14="http://schemas.microsoft.com/office/powerpoint/2010/main" val="1940245386"/>
       </p:ext>
     </p:extLst>
   </p:cSld>
@@ -14413,11 +14305,161 @@
           <a:chExt cx="0" cy="0"/>
         </a:xfrm>
       </p:grpSpPr>
+      <p:sp>
+        <p:nvSpPr>
+          <p:cNvPr id="2" name="TextBox 1"/>
+          <p:cNvSpPr txBox="1"/>
+          <p:nvPr/>
+        </p:nvSpPr>
+        <p:spPr>
+          <a:xfrm>
+            <a:off x="228600" y="304800"/>
+            <a:ext cx="2762295" cy="461665"/>
+          </a:xfrm>
+          <a:prstGeom prst="rect">
+            <a:avLst/>
+          </a:prstGeom>
+          <a:noFill/>
+        </p:spPr>
+        <p:txBody>
+          <a:bodyPr wrap="none" rtlCol="0">
+            <a:spAutoFit/>
+          </a:bodyPr>
+          <a:lstStyle/>
+          <a:p>
+            <a:r>
+              <a:rPr lang="en-US" sz="2400" b="1" dirty="0" smtClean="0">
+                <a:solidFill>
+                  <a:schemeClr val="bg2">
+                    <a:lumMod val="50000"/>
+                  </a:schemeClr>
+                </a:solidFill>
+              </a:rPr>
+              <a:t>Component State</a:t>
+            </a:r>
+            <a:endParaRPr lang="en-US" sz="2400" b="1" dirty="0">
+              <a:solidFill>
+                <a:schemeClr val="bg2">
+                  <a:lumMod val="50000"/>
+                </a:schemeClr>
+              </a:solidFill>
+            </a:endParaRPr>
+          </a:p>
+        </p:txBody>
+      </p:sp>
+      <p:sp>
+        <p:nvSpPr>
+          <p:cNvPr id="6" name="TextBox 5"/>
+          <p:cNvSpPr txBox="1"/>
+          <p:nvPr/>
+        </p:nvSpPr>
+        <p:spPr>
+          <a:xfrm>
+            <a:off x="551345" y="2266890"/>
+            <a:ext cx="184731" cy="369332"/>
+          </a:xfrm>
+          <a:prstGeom prst="rect">
+            <a:avLst/>
+          </a:prstGeom>
+          <a:noFill/>
+        </p:spPr>
+        <p:txBody>
+          <a:bodyPr wrap="none" rtlCol="0">
+            <a:spAutoFit/>
+          </a:bodyPr>
+          <a:lstStyle/>
+          <a:p>
+            <a:endParaRPr lang="en-US" b="1" dirty="0">
+              <a:solidFill>
+                <a:schemeClr val="bg2">
+                  <a:lumMod val="50000"/>
+                </a:schemeClr>
+              </a:solidFill>
+            </a:endParaRPr>
+          </a:p>
+        </p:txBody>
+      </p:sp>
+      <p:sp>
+        <p:nvSpPr>
+          <p:cNvPr id="4" name="TextBox 3"/>
+          <p:cNvSpPr txBox="1"/>
+          <p:nvPr/>
+        </p:nvSpPr>
+        <p:spPr>
+          <a:xfrm>
+            <a:off x="304800" y="766465"/>
+            <a:ext cx="7826181" cy="3139321"/>
+          </a:xfrm>
+          <a:prstGeom prst="rect">
+            <a:avLst/>
+          </a:prstGeom>
+          <a:noFill/>
+        </p:spPr>
+        <p:txBody>
+          <a:bodyPr wrap="none" rtlCol="0">
+            <a:spAutoFit/>
+          </a:bodyPr>
+          <a:lstStyle/>
+          <a:p>
+            <a:r>
+              <a:rPr lang="en-US" dirty="0" err="1" smtClean="0"/>
+              <a:t>This.setState</a:t>
+            </a:r>
+            <a:endParaRPr lang="en-US" dirty="0" smtClean="0"/>
+          </a:p>
+          <a:p>
+            <a:endParaRPr lang="en-US" dirty="0"/>
+          </a:p>
+          <a:p>
+            <a:endParaRPr lang="en-US" dirty="0" smtClean="0"/>
+          </a:p>
+          <a:p>
+            <a:endParaRPr lang="en-US" dirty="0"/>
+          </a:p>
+          <a:p>
+            <a:endParaRPr lang="en-US" dirty="0" smtClean="0"/>
+          </a:p>
+          <a:p>
+            <a:endParaRPr lang="en-US" dirty="0"/>
+          </a:p>
+          <a:p>
+            <a:endParaRPr lang="en-US" dirty="0" smtClean="0"/>
+          </a:p>
+          <a:p>
+            <a:endParaRPr lang="en-US" dirty="0"/>
+          </a:p>
+          <a:p>
+            <a:endParaRPr lang="en-US" dirty="0" smtClean="0"/>
+          </a:p>
+          <a:p>
+            <a:endParaRPr lang="en-US" dirty="0"/>
+          </a:p>
+          <a:p>
+            <a:r>
+              <a:rPr lang="en-US" dirty="0" smtClean="0"/>
+              <a:t>And it will call render method </a:t>
+            </a:r>
+            <a:r>
+              <a:rPr lang="en-US" dirty="0" err="1" smtClean="0"/>
+              <a:t>everytime</a:t>
+            </a:r>
+            <a:r>
+              <a:rPr lang="en-US" dirty="0" smtClean="0"/>
+              <a:t> after setting the </a:t>
+            </a:r>
+            <a:r>
+              <a:rPr lang="en-US" smtClean="0"/>
+              <a:t>state value</a:t>
+            </a:r>
+            <a:endParaRPr lang="en-US" dirty="0"/>
+          </a:p>
+        </p:txBody>
+      </p:sp>
       <p:pic>
         <p:nvPicPr>
-          <p:cNvPr id="4" name="Picture 3"/>
+          <p:cNvPr id="10242" name="Picture 2"/>
           <p:cNvPicPr>
-            <a:picLocks noChangeAspect="1"/>
+            <a:picLocks noChangeAspect="1" noChangeArrowheads="1"/>
           </p:cNvPicPr>
           <p:nvPr/>
         </p:nvPicPr>
@@ -14429,24 +14471,58 @@
               </a:ext>
             </a:extLst>
           </a:blip>
+          <a:srcRect/>
           <a:stretch>
             <a:fillRect/>
           </a:stretch>
         </p:blipFill>
-        <p:spPr>
-          <a:xfrm>
-            <a:off x="1981200" y="1981200"/>
-            <a:ext cx="5962650" cy="2595506"/>
+        <p:spPr bwMode="auto">
+          <a:xfrm>
+            <a:off x="114300" y="1161955"/>
+            <a:ext cx="8724900" cy="2019300"/>
           </a:xfrm>
           <a:prstGeom prst="rect">
             <a:avLst/>
           </a:prstGeom>
+          <a:noFill/>
+          <a:ln>
+            <a:noFill/>
+          </a:ln>
+          <a:effectLst/>
+          <a:extLst>
+            <a:ext uri="{909E8E84-426E-40DD-AFC4-6F175D3DCCD1}">
+              <a14:hiddenFill xmlns:a14="http://schemas.microsoft.com/office/drawing/2010/main">
+                <a:solidFill>
+                  <a:schemeClr val="accent1"/>
+                </a:solidFill>
+              </a14:hiddenFill>
+            </a:ext>
+            <a:ext uri="{91240B29-F687-4F45-9708-019B960494DF}">
+              <a14:hiddenLine xmlns:a14="http://schemas.microsoft.com/office/drawing/2010/main" w="9525">
+                <a:solidFill>
+                  <a:schemeClr val="tx1"/>
+                </a:solidFill>
+                <a:miter lim="800000"/>
+                <a:headEnd/>
+                <a:tailEnd/>
+              </a14:hiddenLine>
+            </a:ext>
+            <a:ext uri="{AF507438-7753-43E0-B8FC-AC1667EBCBE1}">
+              <a14:hiddenEffects xmlns:a14="http://schemas.microsoft.com/office/drawing/2010/main">
+                <a:effectLst>
+                  <a:outerShdw dist="35921" dir="2700000" algn="ctr" rotWithShape="0">
+                    <a:schemeClr val="bg2"/>
+                  </a:outerShdw>
+                </a:effectLst>
+              </a14:hiddenEffects>
+            </a:ext>
+          </a:extLst>
         </p:spPr>
       </p:pic>
     </p:spTree>
     <p:extLst>
       <p:ext uri="{BB962C8B-B14F-4D97-AF65-F5344CB8AC3E}">
-        <p14:creationId xmlns:p14="http://schemas.microsoft.com/office/powerpoint/2010/main" val="3435443172"/>
+        <p14:creationId xmlns:p14="http://schemas.microsoft.com/office/powerpoint/2010/main" val="2416857441"/>
       </p:ext>
     </p:extLst>
   </p:cSld>
@@ -23213,85 +23289,9 @@
           <a:chExt cx="0" cy="0"/>
         </a:xfrm>
       </p:grpSpPr>
-      <p:sp>
-        <p:nvSpPr>
-          <p:cNvPr id="2" name="TextBox 1"/>
-          <p:cNvSpPr txBox="1"/>
-          <p:nvPr/>
-        </p:nvSpPr>
-        <p:spPr>
-          <a:xfrm>
-            <a:off x="228600" y="304800"/>
-            <a:ext cx="1023037" cy="461665"/>
-          </a:xfrm>
-          <a:prstGeom prst="rect">
-            <a:avLst/>
-          </a:prstGeom>
-          <a:noFill/>
-        </p:spPr>
-        <p:txBody>
-          <a:bodyPr wrap="none" rtlCol="0">
-            <a:spAutoFit/>
-          </a:bodyPr>
-          <a:lstStyle/>
-          <a:p>
-            <a:r>
-              <a:rPr lang="en-US" sz="2400" b="1" dirty="0" smtClean="0">
-                <a:solidFill>
-                  <a:schemeClr val="bg2">
-                    <a:lumMod val="50000"/>
-                  </a:schemeClr>
-                </a:solidFill>
-              </a:rPr>
-              <a:t>Setup</a:t>
-            </a:r>
-            <a:endParaRPr lang="en-US" b="1" dirty="0">
-              <a:solidFill>
-                <a:schemeClr val="bg2">
-                  <a:lumMod val="50000"/>
-                </a:schemeClr>
-              </a:solidFill>
-            </a:endParaRPr>
-          </a:p>
-        </p:txBody>
-      </p:sp>
-      <p:sp>
-        <p:nvSpPr>
-          <p:cNvPr id="4" name="TextBox 3"/>
-          <p:cNvSpPr txBox="1"/>
-          <p:nvPr/>
-        </p:nvSpPr>
-        <p:spPr>
-          <a:xfrm>
-            <a:off x="381000" y="990600"/>
-            <a:ext cx="1677062" cy="369332"/>
-          </a:xfrm>
-          <a:prstGeom prst="rect">
-            <a:avLst/>
-          </a:prstGeom>
-          <a:noFill/>
-        </p:spPr>
-        <p:txBody>
-          <a:bodyPr wrap="none" rtlCol="0">
-            <a:spAutoFit/>
-          </a:bodyPr>
-          <a:lstStyle/>
-          <a:p>
-            <a:r>
-              <a:rPr lang="en-US" dirty="0" smtClean="0"/>
-              <a:t>In </a:t>
-            </a:r>
-            <a:r>
-              <a:rPr lang="en-US" i="1" dirty="0" smtClean="0"/>
-              <a:t>Index.html</a:t>
-            </a:r>
-            <a:endParaRPr lang="en-US" i="1" dirty="0"/>
-          </a:p>
-        </p:txBody>
-      </p:sp>
       <p:pic>
         <p:nvPicPr>
-          <p:cNvPr id="6" name="Picture 5"/>
+          <p:cNvPr id="7" name="Picture 6"/>
           <p:cNvPicPr>
             <a:picLocks noChangeAspect="1"/>
           </p:cNvPicPr>
@@ -23311,8 +23311,8 @@
         </p:blipFill>
         <p:spPr>
           <a:xfrm>
-            <a:off x="228600" y="1524000"/>
-            <a:ext cx="8915400" cy="5182002"/>
+            <a:off x="564214" y="762000"/>
+            <a:ext cx="8198786" cy="5455919"/>
           </a:xfrm>
           <a:prstGeom prst="rect">
             <a:avLst/>
@@ -23322,7 +23322,7 @@
     </p:spTree>
     <p:extLst>
       <p:ext uri="{BB962C8B-B14F-4D97-AF65-F5344CB8AC3E}">
-        <p14:creationId xmlns:p14="http://schemas.microsoft.com/office/powerpoint/2010/main" val="1563469630"/>
+        <p14:creationId xmlns:p14="http://schemas.microsoft.com/office/powerpoint/2010/main" val="1353019666"/>
       </p:ext>
     </p:extLst>
   </p:cSld>

--- a/React-Tutorial.pptx
+++ b/React-Tutorial.pptx
@@ -13,39 +13,39 @@
     <p:sldId id="261" r:id="rId7"/>
     <p:sldId id="262" r:id="rId8"/>
     <p:sldId id="263" r:id="rId9"/>
-    <p:sldId id="362" r:id="rId10"/>
-    <p:sldId id="331" r:id="rId11"/>
-    <p:sldId id="333" r:id="rId12"/>
-    <p:sldId id="334" r:id="rId13"/>
-    <p:sldId id="335" r:id="rId14"/>
-    <p:sldId id="336" r:id="rId15"/>
-    <p:sldId id="337" r:id="rId16"/>
-    <p:sldId id="338" r:id="rId17"/>
-    <p:sldId id="363" r:id="rId18"/>
-    <p:sldId id="339" r:id="rId19"/>
-    <p:sldId id="340" r:id="rId20"/>
-    <p:sldId id="341" r:id="rId21"/>
-    <p:sldId id="342" r:id="rId22"/>
-    <p:sldId id="343" r:id="rId23"/>
-    <p:sldId id="344" r:id="rId24"/>
-    <p:sldId id="345" r:id="rId25"/>
-    <p:sldId id="346" r:id="rId26"/>
-    <p:sldId id="347" r:id="rId27"/>
-    <p:sldId id="348" r:id="rId28"/>
-    <p:sldId id="364" r:id="rId29"/>
-    <p:sldId id="349" r:id="rId30"/>
-    <p:sldId id="350" r:id="rId31"/>
-    <p:sldId id="351" r:id="rId32"/>
-    <p:sldId id="352" r:id="rId33"/>
-    <p:sldId id="353" r:id="rId34"/>
-    <p:sldId id="354" r:id="rId35"/>
-    <p:sldId id="355" r:id="rId36"/>
-    <p:sldId id="356" r:id="rId37"/>
-    <p:sldId id="357" r:id="rId38"/>
-    <p:sldId id="358" r:id="rId39"/>
-    <p:sldId id="359" r:id="rId40"/>
-    <p:sldId id="360" r:id="rId41"/>
-    <p:sldId id="361" r:id="rId42"/>
+    <p:sldId id="331" r:id="rId10"/>
+    <p:sldId id="333" r:id="rId11"/>
+    <p:sldId id="334" r:id="rId12"/>
+    <p:sldId id="335" r:id="rId13"/>
+    <p:sldId id="336" r:id="rId14"/>
+    <p:sldId id="337" r:id="rId15"/>
+    <p:sldId id="338" r:id="rId16"/>
+    <p:sldId id="339" r:id="rId17"/>
+    <p:sldId id="340" r:id="rId18"/>
+    <p:sldId id="341" r:id="rId19"/>
+    <p:sldId id="342" r:id="rId20"/>
+    <p:sldId id="343" r:id="rId21"/>
+    <p:sldId id="344" r:id="rId22"/>
+    <p:sldId id="345" r:id="rId23"/>
+    <p:sldId id="346" r:id="rId24"/>
+    <p:sldId id="347" r:id="rId25"/>
+    <p:sldId id="348" r:id="rId26"/>
+    <p:sldId id="349" r:id="rId27"/>
+    <p:sldId id="350" r:id="rId28"/>
+    <p:sldId id="351" r:id="rId29"/>
+    <p:sldId id="352" r:id="rId30"/>
+    <p:sldId id="353" r:id="rId31"/>
+    <p:sldId id="354" r:id="rId32"/>
+    <p:sldId id="355" r:id="rId33"/>
+    <p:sldId id="356" r:id="rId34"/>
+    <p:sldId id="357" r:id="rId35"/>
+    <p:sldId id="358" r:id="rId36"/>
+    <p:sldId id="359" r:id="rId37"/>
+    <p:sldId id="360" r:id="rId38"/>
+    <p:sldId id="361" r:id="rId39"/>
+    <p:sldId id="274" r:id="rId40"/>
+    <p:sldId id="275" r:id="rId41"/>
+    <p:sldId id="286" r:id="rId42"/>
     <p:sldId id="298" r:id="rId43"/>
     <p:sldId id="300" r:id="rId44"/>
     <p:sldId id="328" r:id="rId45"/>
@@ -777,7 +777,7 @@
             <a:fld id="{1D8BD707-D9CF-40AE-B4C6-C98DA3205C09}" type="datetimeFigureOut">
               <a:rPr lang="en-US" smtClean="0"/>
               <a:pPr/>
-              <a:t>19-Apr-18</a:t>
+              <a:t>15/04/2018</a:t>
             </a:fld>
             <a:endParaRPr lang="en-US"/>
           </a:p>
@@ -975,7 +975,7 @@
             <a:fld id="{1D8BD707-D9CF-40AE-B4C6-C98DA3205C09}" type="datetimeFigureOut">
               <a:rPr lang="en-US" smtClean="0"/>
               <a:pPr/>
-              <a:t>19-Apr-18</a:t>
+              <a:t>15/04/2018</a:t>
             </a:fld>
             <a:endParaRPr lang="en-US"/>
           </a:p>
@@ -1162,7 +1162,7 @@
             <a:fld id="{1D8BD707-D9CF-40AE-B4C6-C98DA3205C09}" type="datetimeFigureOut">
               <a:rPr lang="en-US" smtClean="0"/>
               <a:pPr/>
-              <a:t>19-Apr-18</a:t>
+              <a:t>15/04/2018</a:t>
             </a:fld>
             <a:endParaRPr lang="en-US"/>
           </a:p>
@@ -1314,7 +1314,7 @@
             <a:fld id="{1D8BD707-D9CF-40AE-B4C6-C98DA3205C09}" type="datetimeFigureOut">
               <a:rPr lang="en-US" smtClean="0"/>
               <a:pPr/>
-              <a:t>19-Apr-18</a:t>
+              <a:t>15/04/2018</a:t>
             </a:fld>
             <a:endParaRPr lang="en-US"/>
           </a:p>
@@ -1571,7 +1571,7 @@
             <a:fld id="{1D8BD707-D9CF-40AE-B4C6-C98DA3205C09}" type="datetimeFigureOut">
               <a:rPr lang="en-US" smtClean="0"/>
               <a:pPr/>
-              <a:t>19-Apr-18</a:t>
+              <a:t>15/04/2018</a:t>
             </a:fld>
             <a:endParaRPr lang="en-US"/>
           </a:p>
@@ -1982,7 +1982,7 @@
             <a:fld id="{1D8BD707-D9CF-40AE-B4C6-C98DA3205C09}" type="datetimeFigureOut">
               <a:rPr lang="en-US" smtClean="0"/>
               <a:pPr/>
-              <a:t>19-Apr-18</a:t>
+              <a:t>15/04/2018</a:t>
             </a:fld>
             <a:endParaRPr lang="en-US"/>
           </a:p>
@@ -2430,7 +2430,7 @@
             <a:fld id="{1D8BD707-D9CF-40AE-B4C6-C98DA3205C09}" type="datetimeFigureOut">
               <a:rPr lang="en-US" smtClean="0"/>
               <a:pPr/>
-              <a:t>19-Apr-18</a:t>
+              <a:t>15/04/2018</a:t>
             </a:fld>
             <a:endParaRPr lang="en-US"/>
           </a:p>
@@ -2533,7 +2533,7 @@
             <a:fld id="{1D8BD707-D9CF-40AE-B4C6-C98DA3205C09}" type="datetimeFigureOut">
               <a:rPr lang="en-US" smtClean="0"/>
               <a:pPr/>
-              <a:t>19-Apr-18</a:t>
+              <a:t>15/04/2018</a:t>
             </a:fld>
             <a:endParaRPr lang="en-US"/>
           </a:p>
@@ -2656,7 +2656,7 @@
             <a:fld id="{1D8BD707-D9CF-40AE-B4C6-C98DA3205C09}" type="datetimeFigureOut">
               <a:rPr lang="en-US" smtClean="0"/>
               <a:pPr/>
-              <a:t>19-Apr-18</a:t>
+              <a:t>15/04/2018</a:t>
             </a:fld>
             <a:endParaRPr lang="en-US"/>
           </a:p>
@@ -2932,7 +2932,7 @@
             <a:fld id="{1D8BD707-D9CF-40AE-B4C6-C98DA3205C09}" type="datetimeFigureOut">
               <a:rPr lang="en-US" smtClean="0"/>
               <a:pPr/>
-              <a:t>19-Apr-18</a:t>
+              <a:t>15/04/2018</a:t>
             </a:fld>
             <a:endParaRPr lang="en-US"/>
           </a:p>
@@ -3139,7 +3139,7 @@
             <a:fld id="{1D8BD707-D9CF-40AE-B4C6-C98DA3205C09}" type="datetimeFigureOut">
               <a:rPr lang="en-US" smtClean="0"/>
               <a:pPr/>
-              <a:t>19-Apr-18</a:t>
+              <a:t>15/04/2018</a:t>
             </a:fld>
             <a:endParaRPr lang="en-US"/>
           </a:p>
@@ -4250,7 +4250,7 @@
             <a:fld id="{1D8BD707-D9CF-40AE-B4C6-C98DA3205C09}" type="datetimeFigureOut">
               <a:rPr lang="en-US" smtClean="0"/>
               <a:pPr/>
-              <a:t>19-Apr-18</a:t>
+              <a:t>15/04/2018</a:t>
             </a:fld>
             <a:endParaRPr lang="en-US"/>
           </a:p>
@@ -4768,149 +4768,6 @@
         <p:spPr>
           <a:xfrm>
             <a:off x="228600" y="304800"/>
-            <a:ext cx="1023037" cy="461665"/>
-          </a:xfrm>
-          <a:prstGeom prst="rect">
-            <a:avLst/>
-          </a:prstGeom>
-          <a:noFill/>
-        </p:spPr>
-        <p:txBody>
-          <a:bodyPr wrap="none" rtlCol="0">
-            <a:spAutoFit/>
-          </a:bodyPr>
-          <a:lstStyle/>
-          <a:p>
-            <a:r>
-              <a:rPr lang="en-US" sz="2400" b="1" dirty="0" smtClean="0">
-                <a:solidFill>
-                  <a:schemeClr val="bg2">
-                    <a:lumMod val="50000"/>
-                  </a:schemeClr>
-                </a:solidFill>
-              </a:rPr>
-              <a:t>Setup</a:t>
-            </a:r>
-            <a:endParaRPr lang="en-US" b="1" dirty="0">
-              <a:solidFill>
-                <a:schemeClr val="bg2">
-                  <a:lumMod val="50000"/>
-                </a:schemeClr>
-              </a:solidFill>
-            </a:endParaRPr>
-          </a:p>
-        </p:txBody>
-      </p:sp>
-      <p:sp>
-        <p:nvSpPr>
-          <p:cNvPr id="4" name="TextBox 3"/>
-          <p:cNvSpPr txBox="1"/>
-          <p:nvPr/>
-        </p:nvSpPr>
-        <p:spPr>
-          <a:xfrm>
-            <a:off x="381000" y="990600"/>
-            <a:ext cx="1677062" cy="369332"/>
-          </a:xfrm>
-          <a:prstGeom prst="rect">
-            <a:avLst/>
-          </a:prstGeom>
-          <a:noFill/>
-        </p:spPr>
-        <p:txBody>
-          <a:bodyPr wrap="none" rtlCol="0">
-            <a:spAutoFit/>
-          </a:bodyPr>
-          <a:lstStyle/>
-          <a:p>
-            <a:r>
-              <a:rPr lang="en-US" dirty="0" smtClean="0"/>
-              <a:t>In </a:t>
-            </a:r>
-            <a:r>
-              <a:rPr lang="en-US" i="1" dirty="0" smtClean="0"/>
-              <a:t>Index.html</a:t>
-            </a:r>
-            <a:endParaRPr lang="en-US" i="1" dirty="0"/>
-          </a:p>
-        </p:txBody>
-      </p:sp>
-      <p:pic>
-        <p:nvPicPr>
-          <p:cNvPr id="6" name="Picture 5"/>
-          <p:cNvPicPr>
-            <a:picLocks noChangeAspect="1"/>
-          </p:cNvPicPr>
-          <p:nvPr/>
-        </p:nvPicPr>
-        <p:blipFill>
-          <a:blip r:embed="rId2">
-            <a:extLst>
-              <a:ext uri="{28A0092B-C50C-407E-A947-70E740481C1C}">
-                <a14:useLocalDpi xmlns:a14="http://schemas.microsoft.com/office/drawing/2010/main" val="0"/>
-              </a:ext>
-            </a:extLst>
-          </a:blip>
-          <a:stretch>
-            <a:fillRect/>
-          </a:stretch>
-        </p:blipFill>
-        <p:spPr>
-          <a:xfrm>
-            <a:off x="228600" y="1524000"/>
-            <a:ext cx="8915400" cy="5182002"/>
-          </a:xfrm>
-          <a:prstGeom prst="rect">
-            <a:avLst/>
-          </a:prstGeom>
-        </p:spPr>
-      </p:pic>
-    </p:spTree>
-    <p:extLst>
-      <p:ext uri="{BB962C8B-B14F-4D97-AF65-F5344CB8AC3E}">
-        <p14:creationId xmlns:p14="http://schemas.microsoft.com/office/powerpoint/2010/main" val="1563469630"/>
-      </p:ext>
-    </p:extLst>
-  </p:cSld>
-  <p:clrMapOvr>
-    <a:masterClrMapping/>
-  </p:clrMapOvr>
-  <p:timing>
-    <p:tnLst>
-      <p:par>
-        <p:cTn id="1" dur="indefinite" restart="never" nodeType="tmRoot"/>
-      </p:par>
-    </p:tnLst>
-  </p:timing>
-</p:sld>
-</file>
-
-<file path=ppt/slides/slide11.xml><?xml version="1.0" encoding="utf-8"?>
-<p:sld xmlns:a="http://schemas.openxmlformats.org/drawingml/2006/main" xmlns:r="http://schemas.openxmlformats.org/officeDocument/2006/relationships" xmlns:p="http://schemas.openxmlformats.org/presentationml/2006/main">
-  <p:cSld>
-    <p:spTree>
-      <p:nvGrpSpPr>
-        <p:cNvPr id="1" name=""/>
-        <p:cNvGrpSpPr/>
-        <p:nvPr/>
-      </p:nvGrpSpPr>
-      <p:grpSpPr>
-        <a:xfrm>
-          <a:off x="0" y="0"/>
-          <a:ext cx="0" cy="0"/>
-          <a:chOff x="0" y="0"/>
-          <a:chExt cx="0" cy="0"/>
-        </a:xfrm>
-      </p:grpSpPr>
-      <p:sp>
-        <p:nvSpPr>
-          <p:cNvPr id="2" name="TextBox 1"/>
-          <p:cNvSpPr txBox="1"/>
-          <p:nvPr/>
-        </p:nvSpPr>
-        <p:spPr>
-          <a:xfrm>
-            <a:off x="228600" y="304800"/>
             <a:ext cx="1120820" cy="461665"/>
           </a:xfrm>
           <a:prstGeom prst="rect">
@@ -5098,7 +4955,7 @@
 </p:sld>
 </file>
 
-<file path=ppt/slides/slide12.xml><?xml version="1.0" encoding="utf-8"?>
+<file path=ppt/slides/slide11.xml><?xml version="1.0" encoding="utf-8"?>
 <p:sld xmlns:a="http://schemas.openxmlformats.org/drawingml/2006/main" xmlns:r="http://schemas.openxmlformats.org/officeDocument/2006/relationships" xmlns:p="http://schemas.openxmlformats.org/presentationml/2006/main">
   <p:cSld>
     <p:spTree>
@@ -5469,7 +5326,7 @@
 </p:sld>
 </file>
 
-<file path=ppt/slides/slide13.xml><?xml version="1.0" encoding="utf-8"?>
+<file path=ppt/slides/slide12.xml><?xml version="1.0" encoding="utf-8"?>
 <p:sld xmlns:a="http://schemas.openxmlformats.org/drawingml/2006/main" xmlns:r="http://schemas.openxmlformats.org/officeDocument/2006/relationships" xmlns:p="http://schemas.openxmlformats.org/presentationml/2006/main">
   <p:cSld>
     <p:spTree>
@@ -5738,7 +5595,7 @@
 </p:sld>
 </file>
 
-<file path=ppt/slides/slide14.xml><?xml version="1.0" encoding="utf-8"?>
+<file path=ppt/slides/slide13.xml><?xml version="1.0" encoding="utf-8"?>
 <p:sld xmlns:a="http://schemas.openxmlformats.org/drawingml/2006/main" xmlns:r="http://schemas.openxmlformats.org/officeDocument/2006/relationships" xmlns:p="http://schemas.openxmlformats.org/presentationml/2006/main">
   <p:cSld>
     <p:spTree>
@@ -6297,7 +6154,7 @@
 </p:sld>
 </file>
 
-<file path=ppt/slides/slide15.xml><?xml version="1.0" encoding="utf-8"?>
+<file path=ppt/slides/slide14.xml><?xml version="1.0" encoding="utf-8"?>
 <p:sld xmlns:a="http://schemas.openxmlformats.org/drawingml/2006/main" xmlns:r="http://schemas.openxmlformats.org/officeDocument/2006/relationships" xmlns:p="http://schemas.openxmlformats.org/presentationml/2006/main">
   <p:cSld>
     <p:spTree>
@@ -6630,7 +6487,7 @@
 </p:sld>
 </file>
 
-<file path=ppt/slides/slide16.xml><?xml version="1.0" encoding="utf-8"?>
+<file path=ppt/slides/slide15.xml><?xml version="1.0" encoding="utf-8"?>
 <p:sld xmlns:a="http://schemas.openxmlformats.org/drawingml/2006/main" xmlns:r="http://schemas.openxmlformats.org/officeDocument/2006/relationships" xmlns:p="http://schemas.openxmlformats.org/presentationml/2006/main">
   <p:cSld>
     <p:spTree>
@@ -7268,129 +7125,7 @@
 </p:sld>
 </file>
 
-<file path=ppt/slides/slide17.xml><?xml version="1.0" encoding="utf-8"?>
-<p:sld xmlns:a="http://schemas.openxmlformats.org/drawingml/2006/main" xmlns:r="http://schemas.openxmlformats.org/officeDocument/2006/relationships" xmlns:p="http://schemas.openxmlformats.org/presentationml/2006/main">
-  <p:cSld>
-    <p:spTree>
-      <p:nvGrpSpPr>
-        <p:cNvPr id="1" name=""/>
-        <p:cNvGrpSpPr/>
-        <p:nvPr/>
-      </p:nvGrpSpPr>
-      <p:grpSpPr>
-        <a:xfrm>
-          <a:off x="0" y="0"/>
-          <a:ext cx="0" cy="0"/>
-          <a:chOff x="0" y="0"/>
-          <a:chExt cx="0" cy="0"/>
-        </a:xfrm>
-      </p:grpSpPr>
-      <p:sp>
-        <p:nvSpPr>
-          <p:cNvPr id="2" name="TextBox 1"/>
-          <p:cNvSpPr txBox="1"/>
-          <p:nvPr/>
-        </p:nvSpPr>
-        <p:spPr>
-          <a:xfrm>
-            <a:off x="990600" y="59063"/>
-            <a:ext cx="7794121" cy="646331"/>
-          </a:xfrm>
-          <a:prstGeom prst="rect">
-            <a:avLst/>
-          </a:prstGeom>
-          <a:noFill/>
-        </p:spPr>
-        <p:txBody>
-          <a:bodyPr wrap="none" rtlCol="0">
-            <a:spAutoFit/>
-          </a:bodyPr>
-          <a:lstStyle/>
-          <a:p>
-            <a:r>
-              <a:rPr lang="en-US" sz="3600" dirty="0" smtClean="0">
-                <a:solidFill>
-                  <a:schemeClr val="bg2">
-                    <a:lumMod val="50000"/>
-                  </a:schemeClr>
-                </a:solidFill>
-                <a:latin typeface="Comic Sans MS" pitchFamily="66" charset="0"/>
-              </a:rPr>
-              <a:t>Thanks to pay your </a:t>
-            </a:r>
-            <a:r>
-              <a:rPr lang="en-US" sz="3600" smtClean="0">
-                <a:solidFill>
-                  <a:schemeClr val="bg2">
-                    <a:lumMod val="50000"/>
-                  </a:schemeClr>
-                </a:solidFill>
-                <a:latin typeface="Comic Sans MS" pitchFamily="66" charset="0"/>
-              </a:rPr>
-              <a:t>attention guys…</a:t>
-            </a:r>
-            <a:endParaRPr lang="en-US" sz="3600" dirty="0">
-              <a:solidFill>
-                <a:schemeClr val="bg2">
-                  <a:lumMod val="50000"/>
-                </a:schemeClr>
-              </a:solidFill>
-              <a:latin typeface="Comic Sans MS" pitchFamily="66" charset="0"/>
-            </a:endParaRPr>
-          </a:p>
-        </p:txBody>
-      </p:sp>
-      <p:pic>
-        <p:nvPicPr>
-          <p:cNvPr id="5" name="Picture 4"/>
-          <p:cNvPicPr>
-            <a:picLocks noChangeAspect="1"/>
-          </p:cNvPicPr>
-          <p:nvPr/>
-        </p:nvPicPr>
-        <p:blipFill>
-          <a:blip r:embed="rId2">
-            <a:extLst>
-              <a:ext uri="{28A0092B-C50C-407E-A947-70E740481C1C}">
-                <a14:useLocalDpi xmlns:a14="http://schemas.microsoft.com/office/drawing/2010/main" val="0"/>
-              </a:ext>
-            </a:extLst>
-          </a:blip>
-          <a:stretch>
-            <a:fillRect/>
-          </a:stretch>
-        </p:blipFill>
-        <p:spPr>
-          <a:xfrm>
-            <a:off x="0" y="838201"/>
-            <a:ext cx="9144000" cy="6019800"/>
-          </a:xfrm>
-          <a:prstGeom prst="rect">
-            <a:avLst/>
-          </a:prstGeom>
-        </p:spPr>
-      </p:pic>
-    </p:spTree>
-    <p:extLst>
-      <p:ext uri="{BB962C8B-B14F-4D97-AF65-F5344CB8AC3E}">
-        <p14:creationId xmlns:p14="http://schemas.microsoft.com/office/powerpoint/2010/main" val="1680129896"/>
-      </p:ext>
-    </p:extLst>
-  </p:cSld>
-  <p:clrMapOvr>
-    <a:masterClrMapping/>
-  </p:clrMapOvr>
-  <p:timing>
-    <p:tnLst>
-      <p:par>
-        <p:cTn id="1" dur="indefinite" restart="never" nodeType="tmRoot"/>
-      </p:par>
-    </p:tnLst>
-  </p:timing>
-</p:sld>
-</file>
-
-<file path=ppt/slides/slide18.xml><?xml version="1.0" encoding="utf-8"?>
+<file path=ppt/slides/slide16.xml><?xml version="1.0" encoding="utf-8"?>
 <p:sld xmlns:a="http://schemas.openxmlformats.org/drawingml/2006/main" xmlns:r="http://schemas.openxmlformats.org/officeDocument/2006/relationships" xmlns:p="http://schemas.openxmlformats.org/presentationml/2006/main">
   <p:cSld>
     <p:spTree>
@@ -7800,7 +7535,7 @@
 </p:sld>
 </file>
 
-<file path=ppt/slides/slide19.xml><?xml version="1.0" encoding="utf-8"?>
+<file path=ppt/slides/slide17.xml><?xml version="1.0" encoding="utf-8"?>
 <p:sld xmlns:a="http://schemas.openxmlformats.org/drawingml/2006/main" xmlns:r="http://schemas.openxmlformats.org/officeDocument/2006/relationships" xmlns:p="http://schemas.openxmlformats.org/presentationml/2006/main">
   <p:cSld>
     <p:spTree>
@@ -8158,6 +7893,759 @@
     <p:extLst>
       <p:ext uri="{BB962C8B-B14F-4D97-AF65-F5344CB8AC3E}">
         <p14:creationId xmlns:p14="http://schemas.microsoft.com/office/powerpoint/2010/main" val="2298327288"/>
+      </p:ext>
+    </p:extLst>
+  </p:cSld>
+  <p:clrMapOvr>
+    <a:masterClrMapping/>
+  </p:clrMapOvr>
+  <p:timing>
+    <p:tnLst>
+      <p:par>
+        <p:cTn id="1" dur="indefinite" restart="never" nodeType="tmRoot"/>
+      </p:par>
+    </p:tnLst>
+  </p:timing>
+</p:sld>
+</file>
+
+<file path=ppt/slides/slide18.xml><?xml version="1.0" encoding="utf-8"?>
+<p:sld xmlns:a="http://schemas.openxmlformats.org/drawingml/2006/main" xmlns:r="http://schemas.openxmlformats.org/officeDocument/2006/relationships" xmlns:p="http://schemas.openxmlformats.org/presentationml/2006/main">
+  <p:cSld>
+    <p:spTree>
+      <p:nvGrpSpPr>
+        <p:cNvPr id="1" name=""/>
+        <p:cNvGrpSpPr/>
+        <p:nvPr/>
+      </p:nvGrpSpPr>
+      <p:grpSpPr>
+        <a:xfrm>
+          <a:off x="0" y="0"/>
+          <a:ext cx="0" cy="0"/>
+          <a:chOff x="0" y="0"/>
+          <a:chExt cx="0" cy="0"/>
+        </a:xfrm>
+      </p:grpSpPr>
+      <p:sp>
+        <p:nvSpPr>
+          <p:cNvPr id="2" name="TextBox 1"/>
+          <p:cNvSpPr txBox="1"/>
+          <p:nvPr/>
+        </p:nvSpPr>
+        <p:spPr>
+          <a:xfrm>
+            <a:off x="228600" y="304800"/>
+            <a:ext cx="7491153" cy="461665"/>
+          </a:xfrm>
+          <a:prstGeom prst="rect">
+            <a:avLst/>
+          </a:prstGeom>
+          <a:noFill/>
+        </p:spPr>
+        <p:txBody>
+          <a:bodyPr wrap="none" rtlCol="0">
+            <a:spAutoFit/>
+          </a:bodyPr>
+          <a:lstStyle/>
+          <a:p>
+            <a:r>
+              <a:rPr lang="en-US" sz="2400" b="1" dirty="0" smtClean="0">
+                <a:solidFill>
+                  <a:schemeClr val="bg2">
+                    <a:lumMod val="50000"/>
+                  </a:schemeClr>
+                </a:solidFill>
+              </a:rPr>
+              <a:t>Create</a:t>
+            </a:r>
+            <a:r>
+              <a:rPr lang="en-US" sz="2400" b="1" dirty="0" smtClean="0"/>
+              <a:t> </a:t>
+            </a:r>
+            <a:r>
+              <a:rPr lang="en-US" sz="2400" b="1" dirty="0">
+                <a:solidFill>
+                  <a:schemeClr val="bg2">
+                    <a:lumMod val="50000"/>
+                  </a:schemeClr>
+                </a:solidFill>
+              </a:rPr>
+              <a:t>HTML</a:t>
+            </a:r>
+            <a:r>
+              <a:rPr lang="en-US" sz="2400" b="1" dirty="0"/>
+              <a:t> </a:t>
+            </a:r>
+            <a:r>
+              <a:rPr lang="en-US" sz="2400" b="1" dirty="0">
+                <a:solidFill>
+                  <a:schemeClr val="bg2">
+                    <a:lumMod val="50000"/>
+                  </a:schemeClr>
+                </a:solidFill>
+              </a:rPr>
+              <a:t>elements with </a:t>
+            </a:r>
+            <a:r>
+              <a:rPr lang="en-US" sz="2400" b="1" dirty="0" err="1" smtClean="0">
+                <a:solidFill>
+                  <a:schemeClr val="bg2">
+                    <a:lumMod val="50000"/>
+                  </a:schemeClr>
+                </a:solidFill>
+              </a:rPr>
+              <a:t>React.createElement</a:t>
+            </a:r>
+            <a:endParaRPr lang="en-US" sz="2400" b="1" dirty="0">
+              <a:solidFill>
+                <a:schemeClr val="bg2">
+                  <a:lumMod val="50000"/>
+                </a:schemeClr>
+              </a:solidFill>
+            </a:endParaRPr>
+          </a:p>
+        </p:txBody>
+      </p:sp>
+      <p:sp>
+        <p:nvSpPr>
+          <p:cNvPr id="6" name="TextBox 5"/>
+          <p:cNvSpPr txBox="1"/>
+          <p:nvPr/>
+        </p:nvSpPr>
+        <p:spPr>
+          <a:xfrm>
+            <a:off x="551345" y="2266890"/>
+            <a:ext cx="184731" cy="369332"/>
+          </a:xfrm>
+          <a:prstGeom prst="rect">
+            <a:avLst/>
+          </a:prstGeom>
+          <a:noFill/>
+        </p:spPr>
+        <p:txBody>
+          <a:bodyPr wrap="none" rtlCol="0">
+            <a:spAutoFit/>
+          </a:bodyPr>
+          <a:lstStyle/>
+          <a:p>
+            <a:endParaRPr lang="en-US" b="1" dirty="0">
+              <a:solidFill>
+                <a:schemeClr val="bg2">
+                  <a:lumMod val="50000"/>
+                </a:schemeClr>
+              </a:solidFill>
+            </a:endParaRPr>
+          </a:p>
+        </p:txBody>
+      </p:sp>
+      <p:sp>
+        <p:nvSpPr>
+          <p:cNvPr id="3" name="TextBox 2"/>
+          <p:cNvSpPr txBox="1"/>
+          <p:nvPr/>
+        </p:nvSpPr>
+        <p:spPr>
+          <a:xfrm>
+            <a:off x="381000" y="990600"/>
+            <a:ext cx="3212739" cy="461665"/>
+          </a:xfrm>
+          <a:prstGeom prst="rect">
+            <a:avLst/>
+          </a:prstGeom>
+          <a:noFill/>
+        </p:spPr>
+        <p:txBody>
+          <a:bodyPr wrap="none" rtlCol="0">
+            <a:spAutoFit/>
+          </a:bodyPr>
+          <a:lstStyle/>
+          <a:p>
+            <a:r>
+              <a:rPr lang="en-US" sz="2400" b="1" dirty="0" smtClean="0">
+                <a:solidFill>
+                  <a:schemeClr val="bg2">
+                    <a:lumMod val="50000"/>
+                  </a:schemeClr>
+                </a:solidFill>
+              </a:rPr>
+              <a:t>But we are using JSX</a:t>
+            </a:r>
+            <a:endParaRPr lang="en-US" sz="2400" b="1" dirty="0">
+              <a:solidFill>
+                <a:schemeClr val="bg2">
+                  <a:lumMod val="50000"/>
+                </a:schemeClr>
+              </a:solidFill>
+            </a:endParaRPr>
+          </a:p>
+        </p:txBody>
+      </p:sp>
+      <p:pic>
+        <p:nvPicPr>
+          <p:cNvPr id="3074" name="Picture 2"/>
+          <p:cNvPicPr>
+            <a:picLocks noChangeAspect="1" noChangeArrowheads="1"/>
+          </p:cNvPicPr>
+          <p:nvPr/>
+        </p:nvPicPr>
+        <p:blipFill>
+          <a:blip r:embed="rId2">
+            <a:extLst>
+              <a:ext uri="{28A0092B-C50C-407E-A947-70E740481C1C}">
+                <a14:useLocalDpi xmlns:a14="http://schemas.microsoft.com/office/drawing/2010/main" val="0"/>
+              </a:ext>
+            </a:extLst>
+          </a:blip>
+          <a:srcRect/>
+          <a:stretch>
+            <a:fillRect/>
+          </a:stretch>
+        </p:blipFill>
+        <p:spPr bwMode="auto">
+          <a:xfrm>
+            <a:off x="530873" y="1484110"/>
+            <a:ext cx="6486525" cy="2695575"/>
+          </a:xfrm>
+          <a:prstGeom prst="rect">
+            <a:avLst/>
+          </a:prstGeom>
+          <a:noFill/>
+          <a:ln>
+            <a:noFill/>
+          </a:ln>
+          <a:effectLst/>
+          <a:extLst>
+            <a:ext uri="{909E8E84-426E-40DD-AFC4-6F175D3DCCD1}">
+              <a14:hiddenFill xmlns:a14="http://schemas.microsoft.com/office/drawing/2010/main">
+                <a:solidFill>
+                  <a:schemeClr val="accent1"/>
+                </a:solidFill>
+              </a14:hiddenFill>
+            </a:ext>
+            <a:ext uri="{91240B29-F687-4F45-9708-019B960494DF}">
+              <a14:hiddenLine xmlns:a14="http://schemas.microsoft.com/office/drawing/2010/main" w="9525">
+                <a:solidFill>
+                  <a:schemeClr val="tx1"/>
+                </a:solidFill>
+                <a:miter lim="800000"/>
+                <a:headEnd/>
+                <a:tailEnd/>
+              </a14:hiddenLine>
+            </a:ext>
+            <a:ext uri="{AF507438-7753-43E0-B8FC-AC1667EBCBE1}">
+              <a14:hiddenEffects xmlns:a14="http://schemas.microsoft.com/office/drawing/2010/main">
+                <a:effectLst>
+                  <a:outerShdw dist="35921" dir="2700000" algn="ctr" rotWithShape="0">
+                    <a:schemeClr val="bg2"/>
+                  </a:outerShdw>
+                </a:effectLst>
+              </a14:hiddenEffects>
+            </a:ext>
+          </a:extLst>
+        </p:spPr>
+      </p:pic>
+      <p:sp>
+        <p:nvSpPr>
+          <p:cNvPr id="4" name="TextBox 3"/>
+          <p:cNvSpPr txBox="1"/>
+          <p:nvPr/>
+        </p:nvSpPr>
+        <p:spPr>
+          <a:xfrm>
+            <a:off x="530873" y="4648200"/>
+            <a:ext cx="5814412" cy="1538883"/>
+          </a:xfrm>
+          <a:prstGeom prst="rect">
+            <a:avLst/>
+          </a:prstGeom>
+          <a:noFill/>
+        </p:spPr>
+        <p:txBody>
+          <a:bodyPr wrap="none" rtlCol="0">
+            <a:spAutoFit/>
+          </a:bodyPr>
+          <a:lstStyle/>
+          <a:p>
+            <a:r>
+              <a:rPr lang="en-US" dirty="0" smtClean="0"/>
+              <a:t>How it can work so fine with div in </a:t>
+            </a:r>
+            <a:r>
+              <a:rPr lang="en-US" dirty="0" err="1" smtClean="0"/>
+              <a:t>jsvascript</a:t>
+            </a:r>
+            <a:r>
+              <a:rPr lang="en-US" dirty="0" smtClean="0"/>
+              <a:t>.</a:t>
+            </a:r>
+          </a:p>
+          <a:p>
+            <a:endParaRPr lang="en-US" dirty="0"/>
+          </a:p>
+          <a:p>
+            <a:endParaRPr lang="en-US" dirty="0" smtClean="0"/>
+          </a:p>
+          <a:p>
+            <a:endParaRPr lang="en-US" sz="2000" b="1" i="1" dirty="0" smtClean="0">
+              <a:solidFill>
+                <a:schemeClr val="bg1"/>
+              </a:solidFill>
+            </a:endParaRPr>
+          </a:p>
+          <a:p>
+            <a:r>
+              <a:rPr lang="en-US" sz="2000" b="1" i="1" dirty="0" smtClean="0">
+                <a:solidFill>
+                  <a:schemeClr val="bg1"/>
+                </a:solidFill>
+              </a:rPr>
+              <a:t>Yeah that’s JSX and Babel is the main HERO…</a:t>
+            </a:r>
+            <a:endParaRPr lang="en-US" sz="2000" b="1" i="1" dirty="0">
+              <a:solidFill>
+                <a:schemeClr val="bg1"/>
+              </a:solidFill>
+            </a:endParaRPr>
+          </a:p>
+        </p:txBody>
+      </p:sp>
+      <p:sp>
+        <p:nvSpPr>
+          <p:cNvPr id="5" name="TextBox 4"/>
+          <p:cNvSpPr txBox="1"/>
+          <p:nvPr/>
+        </p:nvSpPr>
+        <p:spPr>
+          <a:xfrm>
+            <a:off x="7162800" y="1600200"/>
+            <a:ext cx="1911101" cy="1323439"/>
+          </a:xfrm>
+          <a:prstGeom prst="rect">
+            <a:avLst/>
+          </a:prstGeom>
+          <a:solidFill>
+            <a:schemeClr val="bg2">
+              <a:lumMod val="50000"/>
+            </a:schemeClr>
+          </a:solidFill>
+          <a:ln>
+            <a:solidFill>
+              <a:schemeClr val="accent1"/>
+            </a:solidFill>
+          </a:ln>
+        </p:spPr>
+        <p:txBody>
+          <a:bodyPr wrap="none" rtlCol="0">
+            <a:spAutoFit/>
+          </a:bodyPr>
+          <a:lstStyle/>
+          <a:p>
+            <a:r>
+              <a:rPr lang="en-US" sz="1600" dirty="0" smtClean="0">
+                <a:solidFill>
+                  <a:schemeClr val="bg1"/>
+                </a:solidFill>
+              </a:rPr>
+              <a:t>For HTML</a:t>
+            </a:r>
+          </a:p>
+          <a:p>
+            <a:r>
+              <a:rPr lang="en-US" sz="1600" dirty="0" smtClean="0">
+                <a:solidFill>
+                  <a:schemeClr val="bg1"/>
+                </a:solidFill>
+              </a:rPr>
+              <a:t>class=“</a:t>
+            </a:r>
+            <a:r>
+              <a:rPr lang="en-US" sz="1600" dirty="0" err="1" smtClean="0">
+                <a:solidFill>
+                  <a:schemeClr val="bg1"/>
+                </a:solidFill>
+              </a:rPr>
+              <a:t>abc</a:t>
+            </a:r>
+            <a:r>
+              <a:rPr lang="en-US" sz="1600" dirty="0" smtClean="0">
+                <a:solidFill>
+                  <a:schemeClr val="bg1"/>
+                </a:solidFill>
+              </a:rPr>
+              <a:t>”</a:t>
+            </a:r>
+          </a:p>
+          <a:p>
+            <a:endParaRPr lang="en-US" sz="1600" dirty="0">
+              <a:solidFill>
+                <a:schemeClr val="bg1"/>
+              </a:solidFill>
+            </a:endParaRPr>
+          </a:p>
+          <a:p>
+            <a:r>
+              <a:rPr lang="en-US" sz="1600" dirty="0" smtClean="0">
+                <a:solidFill>
+                  <a:schemeClr val="bg1"/>
+                </a:solidFill>
+              </a:rPr>
+              <a:t>For React </a:t>
+            </a:r>
+          </a:p>
+          <a:p>
+            <a:r>
+              <a:rPr lang="en-US" sz="1600" dirty="0" err="1" smtClean="0">
+                <a:solidFill>
+                  <a:schemeClr val="bg1"/>
+                </a:solidFill>
+              </a:rPr>
+              <a:t>className</a:t>
+            </a:r>
+            <a:r>
+              <a:rPr lang="en-US" sz="1600" dirty="0" smtClean="0">
+                <a:solidFill>
+                  <a:schemeClr val="bg1"/>
+                </a:solidFill>
+              </a:rPr>
+              <a:t>=“</a:t>
+            </a:r>
+            <a:r>
+              <a:rPr lang="en-US" sz="1600" dirty="0" err="1" smtClean="0">
+                <a:solidFill>
+                  <a:schemeClr val="bg1"/>
+                </a:solidFill>
+              </a:rPr>
+              <a:t>abc</a:t>
+            </a:r>
+            <a:r>
+              <a:rPr lang="en-US" sz="1600" dirty="0" smtClean="0">
+                <a:solidFill>
+                  <a:schemeClr val="bg1"/>
+                </a:solidFill>
+              </a:rPr>
+              <a:t>”</a:t>
+            </a:r>
+            <a:endParaRPr lang="en-US" sz="1600" dirty="0">
+              <a:solidFill>
+                <a:schemeClr val="bg1"/>
+              </a:solidFill>
+            </a:endParaRPr>
+          </a:p>
+        </p:txBody>
+      </p:sp>
+    </p:spTree>
+    <p:extLst>
+      <p:ext uri="{BB962C8B-B14F-4D97-AF65-F5344CB8AC3E}">
+        <p14:creationId xmlns:p14="http://schemas.microsoft.com/office/powerpoint/2010/main" val="4152990659"/>
+      </p:ext>
+    </p:extLst>
+  </p:cSld>
+  <p:clrMapOvr>
+    <a:masterClrMapping/>
+  </p:clrMapOvr>
+  <p:timing>
+    <p:tnLst>
+      <p:par>
+        <p:cTn id="1" dur="indefinite" restart="never" nodeType="tmRoot"/>
+      </p:par>
+    </p:tnLst>
+  </p:timing>
+</p:sld>
+</file>
+
+<file path=ppt/slides/slide19.xml><?xml version="1.0" encoding="utf-8"?>
+<p:sld xmlns:a="http://schemas.openxmlformats.org/drawingml/2006/main" xmlns:r="http://schemas.openxmlformats.org/officeDocument/2006/relationships" xmlns:p="http://schemas.openxmlformats.org/presentationml/2006/main">
+  <p:cSld>
+    <p:spTree>
+      <p:nvGrpSpPr>
+        <p:cNvPr id="1" name=""/>
+        <p:cNvGrpSpPr/>
+        <p:nvPr/>
+      </p:nvGrpSpPr>
+      <p:grpSpPr>
+        <a:xfrm>
+          <a:off x="0" y="0"/>
+          <a:ext cx="0" cy="0"/>
+          <a:chOff x="0" y="0"/>
+          <a:chExt cx="0" cy="0"/>
+        </a:xfrm>
+      </p:grpSpPr>
+      <p:sp>
+        <p:nvSpPr>
+          <p:cNvPr id="2" name="TextBox 1"/>
+          <p:cNvSpPr txBox="1"/>
+          <p:nvPr/>
+        </p:nvSpPr>
+        <p:spPr>
+          <a:xfrm>
+            <a:off x="228600" y="304800"/>
+            <a:ext cx="7491153" cy="461665"/>
+          </a:xfrm>
+          <a:prstGeom prst="rect">
+            <a:avLst/>
+          </a:prstGeom>
+          <a:noFill/>
+        </p:spPr>
+        <p:txBody>
+          <a:bodyPr wrap="none" rtlCol="0">
+            <a:spAutoFit/>
+          </a:bodyPr>
+          <a:lstStyle/>
+          <a:p>
+            <a:r>
+              <a:rPr lang="en-US" sz="2400" b="1" dirty="0" smtClean="0">
+                <a:solidFill>
+                  <a:schemeClr val="bg2">
+                    <a:lumMod val="50000"/>
+                  </a:schemeClr>
+                </a:solidFill>
+              </a:rPr>
+              <a:t>Create</a:t>
+            </a:r>
+            <a:r>
+              <a:rPr lang="en-US" sz="2400" b="1" dirty="0" smtClean="0"/>
+              <a:t> </a:t>
+            </a:r>
+            <a:r>
+              <a:rPr lang="en-US" sz="2400" b="1" dirty="0">
+                <a:solidFill>
+                  <a:schemeClr val="bg2">
+                    <a:lumMod val="50000"/>
+                  </a:schemeClr>
+                </a:solidFill>
+              </a:rPr>
+              <a:t>HTML</a:t>
+            </a:r>
+            <a:r>
+              <a:rPr lang="en-US" sz="2400" b="1" dirty="0"/>
+              <a:t> </a:t>
+            </a:r>
+            <a:r>
+              <a:rPr lang="en-US" sz="2400" b="1" dirty="0">
+                <a:solidFill>
+                  <a:schemeClr val="bg2">
+                    <a:lumMod val="50000"/>
+                  </a:schemeClr>
+                </a:solidFill>
+              </a:rPr>
+              <a:t>elements with </a:t>
+            </a:r>
+            <a:r>
+              <a:rPr lang="en-US" sz="2400" b="1" dirty="0" err="1" smtClean="0">
+                <a:solidFill>
+                  <a:schemeClr val="bg2">
+                    <a:lumMod val="50000"/>
+                  </a:schemeClr>
+                </a:solidFill>
+              </a:rPr>
+              <a:t>React.createElement</a:t>
+            </a:r>
+            <a:endParaRPr lang="en-US" sz="2400" b="1" dirty="0">
+              <a:solidFill>
+                <a:schemeClr val="bg2">
+                  <a:lumMod val="50000"/>
+                </a:schemeClr>
+              </a:solidFill>
+            </a:endParaRPr>
+          </a:p>
+        </p:txBody>
+      </p:sp>
+      <p:sp>
+        <p:nvSpPr>
+          <p:cNvPr id="6" name="TextBox 5"/>
+          <p:cNvSpPr txBox="1"/>
+          <p:nvPr/>
+        </p:nvSpPr>
+        <p:spPr>
+          <a:xfrm>
+            <a:off x="551345" y="2266890"/>
+            <a:ext cx="184731" cy="369332"/>
+          </a:xfrm>
+          <a:prstGeom prst="rect">
+            <a:avLst/>
+          </a:prstGeom>
+          <a:noFill/>
+        </p:spPr>
+        <p:txBody>
+          <a:bodyPr wrap="none" rtlCol="0">
+            <a:spAutoFit/>
+          </a:bodyPr>
+          <a:lstStyle/>
+          <a:p>
+            <a:endParaRPr lang="en-US" b="1" dirty="0">
+              <a:solidFill>
+                <a:schemeClr val="bg2">
+                  <a:lumMod val="50000"/>
+                </a:schemeClr>
+              </a:solidFill>
+            </a:endParaRPr>
+          </a:p>
+        </p:txBody>
+      </p:sp>
+      <p:sp>
+        <p:nvSpPr>
+          <p:cNvPr id="3" name="TextBox 2"/>
+          <p:cNvSpPr txBox="1"/>
+          <p:nvPr/>
+        </p:nvSpPr>
+        <p:spPr>
+          <a:xfrm>
+            <a:off x="381000" y="990600"/>
+            <a:ext cx="3188693" cy="461665"/>
+          </a:xfrm>
+          <a:prstGeom prst="rect">
+            <a:avLst/>
+          </a:prstGeom>
+          <a:noFill/>
+        </p:spPr>
+        <p:txBody>
+          <a:bodyPr wrap="none" rtlCol="0">
+            <a:spAutoFit/>
+          </a:bodyPr>
+          <a:lstStyle/>
+          <a:p>
+            <a:r>
+              <a:rPr lang="en-US" sz="2400" b="1" dirty="0" smtClean="0">
+                <a:solidFill>
+                  <a:schemeClr val="bg2">
+                    <a:lumMod val="50000"/>
+                  </a:schemeClr>
+                </a:solidFill>
+              </a:rPr>
+              <a:t>Use </a:t>
+            </a:r>
+            <a:r>
+              <a:rPr lang="en-US" sz="2400" b="1" dirty="0" err="1" smtClean="0">
+                <a:solidFill>
+                  <a:schemeClr val="bg2">
+                    <a:lumMod val="50000"/>
+                  </a:schemeClr>
+                </a:solidFill>
+              </a:rPr>
+              <a:t>javascript</a:t>
+            </a:r>
+            <a:r>
+              <a:rPr lang="en-US" sz="2400" b="1" dirty="0" smtClean="0">
+                <a:solidFill>
+                  <a:schemeClr val="bg2">
+                    <a:lumMod val="50000"/>
+                  </a:schemeClr>
+                </a:solidFill>
+              </a:rPr>
+              <a:t> in JSX</a:t>
+            </a:r>
+            <a:endParaRPr lang="en-US" sz="2400" b="1" dirty="0">
+              <a:solidFill>
+                <a:schemeClr val="bg2">
+                  <a:lumMod val="50000"/>
+                </a:schemeClr>
+              </a:solidFill>
+            </a:endParaRPr>
+          </a:p>
+        </p:txBody>
+      </p:sp>
+      <p:pic>
+        <p:nvPicPr>
+          <p:cNvPr id="4098" name="Picture 2"/>
+          <p:cNvPicPr>
+            <a:picLocks noChangeAspect="1" noChangeArrowheads="1"/>
+          </p:cNvPicPr>
+          <p:nvPr/>
+        </p:nvPicPr>
+        <p:blipFill>
+          <a:blip r:embed="rId2">
+            <a:extLst>
+              <a:ext uri="{28A0092B-C50C-407E-A947-70E740481C1C}">
+                <a14:useLocalDpi xmlns:a14="http://schemas.microsoft.com/office/drawing/2010/main" val="0"/>
+              </a:ext>
+            </a:extLst>
+          </a:blip>
+          <a:srcRect/>
+          <a:stretch>
+            <a:fillRect/>
+          </a:stretch>
+        </p:blipFill>
+        <p:spPr bwMode="auto">
+          <a:xfrm>
+            <a:off x="381000" y="1581796"/>
+            <a:ext cx="8233064" cy="1161404"/>
+          </a:xfrm>
+          <a:prstGeom prst="rect">
+            <a:avLst/>
+          </a:prstGeom>
+          <a:noFill/>
+          <a:ln>
+            <a:noFill/>
+          </a:ln>
+          <a:effectLst/>
+          <a:extLst>
+            <a:ext uri="{909E8E84-426E-40DD-AFC4-6F175D3DCCD1}">
+              <a14:hiddenFill xmlns:a14="http://schemas.microsoft.com/office/drawing/2010/main">
+                <a:solidFill>
+                  <a:schemeClr val="accent1"/>
+                </a:solidFill>
+              </a14:hiddenFill>
+            </a:ext>
+            <a:ext uri="{91240B29-F687-4F45-9708-019B960494DF}">
+              <a14:hiddenLine xmlns:a14="http://schemas.microsoft.com/office/drawing/2010/main" w="9525">
+                <a:solidFill>
+                  <a:schemeClr val="tx1"/>
+                </a:solidFill>
+                <a:miter lim="800000"/>
+                <a:headEnd/>
+                <a:tailEnd/>
+              </a14:hiddenLine>
+            </a:ext>
+            <a:ext uri="{AF507438-7753-43E0-B8FC-AC1667EBCBE1}">
+              <a14:hiddenEffects xmlns:a14="http://schemas.microsoft.com/office/drawing/2010/main">
+                <a:effectLst>
+                  <a:outerShdw dist="35921" dir="2700000" algn="ctr" rotWithShape="0">
+                    <a:schemeClr val="bg2"/>
+                  </a:outerShdw>
+                </a:effectLst>
+              </a14:hiddenEffects>
+            </a:ext>
+          </a:extLst>
+        </p:spPr>
+      </p:pic>
+      <p:sp>
+        <p:nvSpPr>
+          <p:cNvPr id="7" name="TextBox 6"/>
+          <p:cNvSpPr txBox="1"/>
+          <p:nvPr/>
+        </p:nvSpPr>
+        <p:spPr>
+          <a:xfrm>
+            <a:off x="381000" y="3124200"/>
+            <a:ext cx="1186543" cy="461665"/>
+          </a:xfrm>
+          <a:prstGeom prst="rect">
+            <a:avLst/>
+          </a:prstGeom>
+          <a:noFill/>
+        </p:spPr>
+        <p:txBody>
+          <a:bodyPr wrap="none" rtlCol="0">
+            <a:spAutoFit/>
+          </a:bodyPr>
+          <a:lstStyle/>
+          <a:p>
+            <a:r>
+              <a:rPr lang="en-US" dirty="0" smtClean="0"/>
+              <a:t>Using </a:t>
+            </a:r>
+            <a:r>
+              <a:rPr lang="en-US" sz="2400" dirty="0" smtClean="0"/>
+              <a:t>{ }</a:t>
+            </a:r>
+            <a:endParaRPr lang="en-US" dirty="0"/>
+          </a:p>
+        </p:txBody>
+      </p:sp>
+    </p:spTree>
+    <p:extLst>
+      <p:ext uri="{BB962C8B-B14F-4D97-AF65-F5344CB8AC3E}">
+        <p14:creationId xmlns:p14="http://schemas.microsoft.com/office/powerpoint/2010/main" val="894091485"/>
       </p:ext>
     </p:extLst>
   </p:cSld>
@@ -8284,7 +8772,7 @@
         <p:spPr>
           <a:xfrm>
             <a:off x="228600" y="304800"/>
-            <a:ext cx="7491153" cy="461665"/>
+            <a:ext cx="1925527" cy="461665"/>
           </a:xfrm>
           <a:prstGeom prst="rect">
             <a:avLst/>
@@ -8305,45 +8793,7 @@
                   </a:schemeClr>
                 </a:solidFill>
               </a:rPr>
-              <a:t>Create</a:t>
-            </a:r>
-            <a:r>
-              <a:rPr lang="en-US" sz="2400" b="1" dirty="0" smtClean="0"/>
-              <a:t> </a:t>
-            </a:r>
-            <a:r>
-              <a:rPr lang="en-US" sz="2400" b="1" dirty="0">
-                <a:solidFill>
-                  <a:schemeClr val="bg2">
-                    <a:lumMod val="50000"/>
-                  </a:schemeClr>
-                </a:solidFill>
-              </a:rPr>
-              <a:t>HTML</a:t>
-            </a:r>
-            <a:r>
-              <a:rPr lang="en-US" sz="2400" b="1" dirty="0"/>
-              <a:t> </a:t>
-            </a:r>
-            <a:r>
-              <a:rPr lang="en-US" sz="2400" b="1" dirty="0">
-                <a:solidFill>
-                  <a:schemeClr val="bg2">
-                    <a:lumMod val="50000"/>
-                  </a:schemeClr>
-                </a:solidFill>
-              </a:rPr>
-              <a:t>elements with </a:t>
-            </a:r>
-            <a:r>
-              <a:rPr lang="en-US" sz="2400" b="1" dirty="0" err="1" smtClean="0">
-                <a:solidFill>
-                  <a:schemeClr val="bg2">
-                    <a:lumMod val="50000"/>
-                  </a:schemeClr>
-                </a:solidFill>
-              </a:rPr>
-              <a:t>React.createElement</a:t>
+              <a:t>Component</a:t>
             </a:r>
             <a:endParaRPr lang="en-US" sz="2400" b="1" dirty="0">
               <a:solidFill>
@@ -8396,7 +8846,7 @@
         <p:spPr>
           <a:xfrm>
             <a:off x="381000" y="990600"/>
-            <a:ext cx="3212739" cy="461665"/>
+            <a:ext cx="3203121" cy="461665"/>
           </a:xfrm>
           <a:prstGeom prst="rect">
             <a:avLst/>
@@ -8417,7 +8867,7 @@
                   </a:schemeClr>
                 </a:solidFill>
               </a:rPr>
-              <a:t>But we are using JSX</a:t>
+              <a:t>Create a component</a:t>
             </a:r>
             <a:endParaRPr lang="en-US" sz="2400" b="1" dirty="0">
               <a:solidFill>
@@ -8429,9 +8879,53 @@
           </a:p>
         </p:txBody>
       </p:sp>
+      <p:sp>
+        <p:nvSpPr>
+          <p:cNvPr id="7" name="TextBox 6"/>
+          <p:cNvSpPr txBox="1"/>
+          <p:nvPr/>
+        </p:nvSpPr>
+        <p:spPr>
+          <a:xfrm>
+            <a:off x="539962" y="1492071"/>
+            <a:ext cx="8281434" cy="646331"/>
+          </a:xfrm>
+          <a:prstGeom prst="rect">
+            <a:avLst/>
+          </a:prstGeom>
+          <a:noFill/>
+        </p:spPr>
+        <p:txBody>
+          <a:bodyPr wrap="none" rtlCol="0">
+            <a:spAutoFit/>
+          </a:bodyPr>
+          <a:lstStyle/>
+          <a:p>
+            <a:r>
+              <a:rPr lang="en-US" dirty="0" smtClean="0"/>
+              <a:t>To create a component we are using class which is </a:t>
+            </a:r>
+            <a:r>
+              <a:rPr lang="en-US" dirty="0" err="1" smtClean="0"/>
+              <a:t>gonna</a:t>
+            </a:r>
+            <a:r>
+              <a:rPr lang="en-US" dirty="0" smtClean="0"/>
+              <a:t> extends from </a:t>
+            </a:r>
+          </a:p>
+          <a:p>
+            <a:r>
+              <a:rPr lang="en-US" dirty="0" err="1" smtClean="0"/>
+              <a:t>React.Component</a:t>
+            </a:r>
+            <a:endParaRPr lang="en-US" dirty="0"/>
+          </a:p>
+        </p:txBody>
+      </p:sp>
       <p:pic>
         <p:nvPicPr>
-          <p:cNvPr id="3074" name="Picture 2"/>
+          <p:cNvPr id="5122" name="Picture 2"/>
           <p:cNvPicPr>
             <a:picLocks noChangeAspect="1" noChangeArrowheads="1"/>
           </p:cNvPicPr>
@@ -8452,8 +8946,8 @@
         </p:blipFill>
         <p:spPr bwMode="auto">
           <a:xfrm>
-            <a:off x="530873" y="1484110"/>
-            <a:ext cx="6486525" cy="2695575"/>
+            <a:off x="643710" y="2266890"/>
+            <a:ext cx="6257925" cy="1981200"/>
           </a:xfrm>
           <a:prstGeom prst="rect">
             <a:avLst/>
@@ -8493,416 +8987,16 @@
           </a:extLst>
         </p:spPr>
       </p:pic>
-      <p:sp>
-        <p:nvSpPr>
-          <p:cNvPr id="4" name="TextBox 3"/>
-          <p:cNvSpPr txBox="1"/>
-          <p:nvPr/>
-        </p:nvSpPr>
-        <p:spPr>
-          <a:xfrm>
-            <a:off x="530873" y="4648200"/>
-            <a:ext cx="5814412" cy="1538883"/>
-          </a:xfrm>
-          <a:prstGeom prst="rect">
-            <a:avLst/>
-          </a:prstGeom>
-          <a:noFill/>
-        </p:spPr>
-        <p:txBody>
-          <a:bodyPr wrap="none" rtlCol="0">
-            <a:spAutoFit/>
-          </a:bodyPr>
-          <a:lstStyle/>
-          <a:p>
-            <a:r>
-              <a:rPr lang="en-US" dirty="0" smtClean="0"/>
-              <a:t>How it can work so fine with div in </a:t>
-            </a:r>
-            <a:r>
-              <a:rPr lang="en-US" dirty="0" err="1" smtClean="0"/>
-              <a:t>jsvascript</a:t>
-            </a:r>
-            <a:r>
-              <a:rPr lang="en-US" dirty="0" smtClean="0"/>
-              <a:t>.</a:t>
-            </a:r>
-          </a:p>
-          <a:p>
-            <a:endParaRPr lang="en-US" dirty="0"/>
-          </a:p>
-          <a:p>
-            <a:endParaRPr lang="en-US" dirty="0" smtClean="0"/>
-          </a:p>
-          <a:p>
-            <a:endParaRPr lang="en-US" sz="2000" b="1" i="1" dirty="0" smtClean="0">
-              <a:solidFill>
-                <a:schemeClr val="bg1"/>
-              </a:solidFill>
-            </a:endParaRPr>
-          </a:p>
-          <a:p>
-            <a:r>
-              <a:rPr lang="en-US" sz="2000" b="1" i="1" dirty="0" smtClean="0">
-                <a:solidFill>
-                  <a:schemeClr val="bg1"/>
-                </a:solidFill>
-              </a:rPr>
-              <a:t>Yeah that’s JSX and Babel is the main HERO…</a:t>
-            </a:r>
-            <a:endParaRPr lang="en-US" sz="2000" b="1" i="1" dirty="0">
-              <a:solidFill>
-                <a:schemeClr val="bg1"/>
-              </a:solidFill>
-            </a:endParaRPr>
-          </a:p>
-        </p:txBody>
-      </p:sp>
-      <p:sp>
-        <p:nvSpPr>
-          <p:cNvPr id="5" name="TextBox 4"/>
-          <p:cNvSpPr txBox="1"/>
-          <p:nvPr/>
-        </p:nvSpPr>
-        <p:spPr>
-          <a:xfrm>
-            <a:off x="7162800" y="1600200"/>
-            <a:ext cx="1911101" cy="1323439"/>
-          </a:xfrm>
-          <a:prstGeom prst="rect">
-            <a:avLst/>
-          </a:prstGeom>
-          <a:solidFill>
-            <a:schemeClr val="bg2">
-              <a:lumMod val="50000"/>
-            </a:schemeClr>
-          </a:solidFill>
-          <a:ln>
-            <a:solidFill>
-              <a:schemeClr val="accent1"/>
-            </a:solidFill>
-          </a:ln>
-        </p:spPr>
-        <p:txBody>
-          <a:bodyPr wrap="none" rtlCol="0">
-            <a:spAutoFit/>
-          </a:bodyPr>
-          <a:lstStyle/>
-          <a:p>
-            <a:r>
-              <a:rPr lang="en-US" sz="1600" dirty="0" smtClean="0">
-                <a:solidFill>
-                  <a:schemeClr val="bg1"/>
-                </a:solidFill>
-              </a:rPr>
-              <a:t>For HTML</a:t>
-            </a:r>
-          </a:p>
-          <a:p>
-            <a:r>
-              <a:rPr lang="en-US" sz="1600" dirty="0" smtClean="0">
-                <a:solidFill>
-                  <a:schemeClr val="bg1"/>
-                </a:solidFill>
-              </a:rPr>
-              <a:t>class=“</a:t>
-            </a:r>
-            <a:r>
-              <a:rPr lang="en-US" sz="1600" dirty="0" err="1" smtClean="0">
-                <a:solidFill>
-                  <a:schemeClr val="bg1"/>
-                </a:solidFill>
-              </a:rPr>
-              <a:t>abc</a:t>
-            </a:r>
-            <a:r>
-              <a:rPr lang="en-US" sz="1600" dirty="0" smtClean="0">
-                <a:solidFill>
-                  <a:schemeClr val="bg1"/>
-                </a:solidFill>
-              </a:rPr>
-              <a:t>”</a:t>
-            </a:r>
-          </a:p>
-          <a:p>
-            <a:endParaRPr lang="en-US" sz="1600" dirty="0">
-              <a:solidFill>
-                <a:schemeClr val="bg1"/>
-              </a:solidFill>
-            </a:endParaRPr>
-          </a:p>
-          <a:p>
-            <a:r>
-              <a:rPr lang="en-US" sz="1600" dirty="0" smtClean="0">
-                <a:solidFill>
-                  <a:schemeClr val="bg1"/>
-                </a:solidFill>
-              </a:rPr>
-              <a:t>For React </a:t>
-            </a:r>
-          </a:p>
-          <a:p>
-            <a:r>
-              <a:rPr lang="en-US" sz="1600" dirty="0" err="1" smtClean="0">
-                <a:solidFill>
-                  <a:schemeClr val="bg1"/>
-                </a:solidFill>
-              </a:rPr>
-              <a:t>className</a:t>
-            </a:r>
-            <a:r>
-              <a:rPr lang="en-US" sz="1600" dirty="0" smtClean="0">
-                <a:solidFill>
-                  <a:schemeClr val="bg1"/>
-                </a:solidFill>
-              </a:rPr>
-              <a:t>=“</a:t>
-            </a:r>
-            <a:r>
-              <a:rPr lang="en-US" sz="1600" dirty="0" err="1" smtClean="0">
-                <a:solidFill>
-                  <a:schemeClr val="bg1"/>
-                </a:solidFill>
-              </a:rPr>
-              <a:t>abc</a:t>
-            </a:r>
-            <a:r>
-              <a:rPr lang="en-US" sz="1600" dirty="0" smtClean="0">
-                <a:solidFill>
-                  <a:schemeClr val="bg1"/>
-                </a:solidFill>
-              </a:rPr>
-              <a:t>”</a:t>
-            </a:r>
-            <a:endParaRPr lang="en-US" sz="1600" dirty="0">
-              <a:solidFill>
-                <a:schemeClr val="bg1"/>
-              </a:solidFill>
-            </a:endParaRPr>
-          </a:p>
-        </p:txBody>
-      </p:sp>
-    </p:spTree>
-    <p:extLst>
-      <p:ext uri="{BB962C8B-B14F-4D97-AF65-F5344CB8AC3E}">
-        <p14:creationId xmlns:p14="http://schemas.microsoft.com/office/powerpoint/2010/main" val="4152990659"/>
-      </p:ext>
-    </p:extLst>
-  </p:cSld>
-  <p:clrMapOvr>
-    <a:masterClrMapping/>
-  </p:clrMapOvr>
-  <p:timing>
-    <p:tnLst>
-      <p:par>
-        <p:cTn id="1" dur="indefinite" restart="never" nodeType="tmRoot"/>
-      </p:par>
-    </p:tnLst>
-  </p:timing>
-</p:sld>
-</file>
-
-<file path=ppt/slides/slide21.xml><?xml version="1.0" encoding="utf-8"?>
-<p:sld xmlns:a="http://schemas.openxmlformats.org/drawingml/2006/main" xmlns:r="http://schemas.openxmlformats.org/officeDocument/2006/relationships" xmlns:p="http://schemas.openxmlformats.org/presentationml/2006/main">
-  <p:cSld>
-    <p:spTree>
-      <p:nvGrpSpPr>
-        <p:cNvPr id="1" name=""/>
-        <p:cNvGrpSpPr/>
-        <p:nvPr/>
-      </p:nvGrpSpPr>
-      <p:grpSpPr>
-        <a:xfrm>
-          <a:off x="0" y="0"/>
-          <a:ext cx="0" cy="0"/>
-          <a:chOff x="0" y="0"/>
-          <a:chExt cx="0" cy="0"/>
-        </a:xfrm>
-      </p:grpSpPr>
-      <p:sp>
-        <p:nvSpPr>
-          <p:cNvPr id="2" name="TextBox 1"/>
-          <p:cNvSpPr txBox="1"/>
-          <p:nvPr/>
-        </p:nvSpPr>
-        <p:spPr>
-          <a:xfrm>
-            <a:off x="228600" y="304800"/>
-            <a:ext cx="7491153" cy="461665"/>
-          </a:xfrm>
-          <a:prstGeom prst="rect">
-            <a:avLst/>
-          </a:prstGeom>
-          <a:noFill/>
-        </p:spPr>
-        <p:txBody>
-          <a:bodyPr wrap="none" rtlCol="0">
-            <a:spAutoFit/>
-          </a:bodyPr>
-          <a:lstStyle/>
-          <a:p>
-            <a:r>
-              <a:rPr lang="en-US" sz="2400" b="1" dirty="0" smtClean="0">
-                <a:solidFill>
-                  <a:schemeClr val="bg2">
-                    <a:lumMod val="50000"/>
-                  </a:schemeClr>
-                </a:solidFill>
-              </a:rPr>
-              <a:t>Create</a:t>
-            </a:r>
-            <a:r>
-              <a:rPr lang="en-US" sz="2400" b="1" dirty="0" smtClean="0"/>
-              <a:t> </a:t>
-            </a:r>
-            <a:r>
-              <a:rPr lang="en-US" sz="2400" b="1" dirty="0">
-                <a:solidFill>
-                  <a:schemeClr val="bg2">
-                    <a:lumMod val="50000"/>
-                  </a:schemeClr>
-                </a:solidFill>
-              </a:rPr>
-              <a:t>HTML</a:t>
-            </a:r>
-            <a:r>
-              <a:rPr lang="en-US" sz="2400" b="1" dirty="0"/>
-              <a:t> </a:t>
-            </a:r>
-            <a:r>
-              <a:rPr lang="en-US" sz="2400" b="1" dirty="0">
-                <a:solidFill>
-                  <a:schemeClr val="bg2">
-                    <a:lumMod val="50000"/>
-                  </a:schemeClr>
-                </a:solidFill>
-              </a:rPr>
-              <a:t>elements with </a:t>
-            </a:r>
-            <a:r>
-              <a:rPr lang="en-US" sz="2400" b="1" dirty="0" err="1" smtClean="0">
-                <a:solidFill>
-                  <a:schemeClr val="bg2">
-                    <a:lumMod val="50000"/>
-                  </a:schemeClr>
-                </a:solidFill>
-              </a:rPr>
-              <a:t>React.createElement</a:t>
-            </a:r>
-            <a:endParaRPr lang="en-US" sz="2400" b="1" dirty="0">
-              <a:solidFill>
-                <a:schemeClr val="bg2">
-                  <a:lumMod val="50000"/>
-                </a:schemeClr>
-              </a:solidFill>
-            </a:endParaRPr>
-          </a:p>
-        </p:txBody>
-      </p:sp>
-      <p:sp>
-        <p:nvSpPr>
-          <p:cNvPr id="6" name="TextBox 5"/>
-          <p:cNvSpPr txBox="1"/>
-          <p:nvPr/>
-        </p:nvSpPr>
-        <p:spPr>
-          <a:xfrm>
-            <a:off x="551345" y="2266890"/>
-            <a:ext cx="184731" cy="369332"/>
-          </a:xfrm>
-          <a:prstGeom prst="rect">
-            <a:avLst/>
-          </a:prstGeom>
-          <a:noFill/>
-        </p:spPr>
-        <p:txBody>
-          <a:bodyPr wrap="none" rtlCol="0">
-            <a:spAutoFit/>
-          </a:bodyPr>
-          <a:lstStyle/>
-          <a:p>
-            <a:endParaRPr lang="en-US" b="1" dirty="0">
-              <a:solidFill>
-                <a:schemeClr val="bg2">
-                  <a:lumMod val="50000"/>
-                </a:schemeClr>
-              </a:solidFill>
-            </a:endParaRPr>
-          </a:p>
-        </p:txBody>
-      </p:sp>
-      <p:sp>
-        <p:nvSpPr>
-          <p:cNvPr id="3" name="TextBox 2"/>
-          <p:cNvSpPr txBox="1"/>
-          <p:nvPr/>
-        </p:nvSpPr>
-        <p:spPr>
-          <a:xfrm>
-            <a:off x="381000" y="990600"/>
-            <a:ext cx="3188693" cy="461665"/>
-          </a:xfrm>
-          <a:prstGeom prst="rect">
-            <a:avLst/>
-          </a:prstGeom>
-          <a:noFill/>
-        </p:spPr>
-        <p:txBody>
-          <a:bodyPr wrap="none" rtlCol="0">
-            <a:spAutoFit/>
-          </a:bodyPr>
-          <a:lstStyle/>
-          <a:p>
-            <a:r>
-              <a:rPr lang="en-US" sz="2400" b="1" dirty="0" smtClean="0">
-                <a:solidFill>
-                  <a:schemeClr val="bg2">
-                    <a:lumMod val="50000"/>
-                  </a:schemeClr>
-                </a:solidFill>
-              </a:rPr>
-              <a:t>Use </a:t>
-            </a:r>
-            <a:r>
-              <a:rPr lang="en-US" sz="2400" b="1" dirty="0" err="1" smtClean="0">
-                <a:solidFill>
-                  <a:schemeClr val="bg2">
-                    <a:lumMod val="50000"/>
-                  </a:schemeClr>
-                </a:solidFill>
-              </a:rPr>
-              <a:t>javascript</a:t>
-            </a:r>
-            <a:r>
-              <a:rPr lang="en-US" sz="2400" b="1" dirty="0" smtClean="0">
-                <a:solidFill>
-                  <a:schemeClr val="bg2">
-                    <a:lumMod val="50000"/>
-                  </a:schemeClr>
-                </a:solidFill>
-              </a:rPr>
-              <a:t> in JSX</a:t>
-            </a:r>
-            <a:endParaRPr lang="en-US" sz="2400" b="1" dirty="0">
-              <a:solidFill>
-                <a:schemeClr val="bg2">
-                  <a:lumMod val="50000"/>
-                </a:schemeClr>
-              </a:solidFill>
-            </a:endParaRPr>
-          </a:p>
-        </p:txBody>
-      </p:sp>
       <p:pic>
         <p:nvPicPr>
-          <p:cNvPr id="4098" name="Picture 2"/>
+          <p:cNvPr id="5123" name="Picture 3"/>
           <p:cNvPicPr>
             <a:picLocks noChangeAspect="1" noChangeArrowheads="1"/>
           </p:cNvPicPr>
           <p:nvPr/>
         </p:nvPicPr>
         <p:blipFill>
-          <a:blip r:embed="rId2">
+          <a:blip r:embed="rId3">
             <a:extLst>
               <a:ext uri="{28A0092B-C50C-407E-A947-70E740481C1C}">
                 <a14:useLocalDpi xmlns:a14="http://schemas.microsoft.com/office/drawing/2010/main" val="0"/>
@@ -8916,8 +9010,8 @@
         </p:blipFill>
         <p:spPr bwMode="auto">
           <a:xfrm>
-            <a:off x="381000" y="1581796"/>
-            <a:ext cx="8233064" cy="1161404"/>
+            <a:off x="643710" y="4648200"/>
+            <a:ext cx="4095750" cy="1352550"/>
           </a:xfrm>
           <a:prstGeom prst="rect">
             <a:avLst/>
@@ -8957,44 +9051,10 @@
           </a:extLst>
         </p:spPr>
       </p:pic>
-      <p:sp>
-        <p:nvSpPr>
-          <p:cNvPr id="7" name="TextBox 6"/>
-          <p:cNvSpPr txBox="1"/>
-          <p:nvPr/>
-        </p:nvSpPr>
-        <p:spPr>
-          <a:xfrm>
-            <a:off x="381000" y="3124200"/>
-            <a:ext cx="1186543" cy="461665"/>
-          </a:xfrm>
-          <a:prstGeom prst="rect">
-            <a:avLst/>
-          </a:prstGeom>
-          <a:noFill/>
-        </p:spPr>
-        <p:txBody>
-          <a:bodyPr wrap="none" rtlCol="0">
-            <a:spAutoFit/>
-          </a:bodyPr>
-          <a:lstStyle/>
-          <a:p>
-            <a:r>
-              <a:rPr lang="en-US" dirty="0" smtClean="0"/>
-              <a:t>Using </a:t>
-            </a:r>
-            <a:r>
-              <a:rPr lang="en-US" sz="2400" dirty="0" smtClean="0"/>
-              <a:t>{ }</a:t>
-            </a:r>
-            <a:endParaRPr lang="en-US" dirty="0"/>
-          </a:p>
-        </p:txBody>
-      </p:sp>
     </p:spTree>
     <p:extLst>
       <p:ext uri="{BB962C8B-B14F-4D97-AF65-F5344CB8AC3E}">
-        <p14:creationId xmlns:p14="http://schemas.microsoft.com/office/powerpoint/2010/main" val="894091485"/>
+        <p14:creationId xmlns:p14="http://schemas.microsoft.com/office/powerpoint/2010/main" val="1416943874"/>
       </p:ext>
     </p:extLst>
   </p:cSld>
@@ -9011,7 +9071,7 @@
 </p:sld>
 </file>
 
-<file path=ppt/slides/slide22.xml><?xml version="1.0" encoding="utf-8"?>
+<file path=ppt/slides/slide21.xml><?xml version="1.0" encoding="utf-8"?>
 <p:sld xmlns:a="http://schemas.openxmlformats.org/drawingml/2006/main" xmlns:r="http://schemas.openxmlformats.org/officeDocument/2006/relationships" xmlns:p="http://schemas.openxmlformats.org/presentationml/2006/main">
   <p:cSld>
     <p:spTree>
@@ -9111,7 +9171,7 @@
         <p:spPr>
           <a:xfrm>
             <a:off x="381000" y="990600"/>
-            <a:ext cx="3203121" cy="461665"/>
+            <a:ext cx="8242962" cy="461665"/>
           </a:xfrm>
           <a:prstGeom prst="rect">
             <a:avLst/>
@@ -9132,7 +9192,7 @@
                   </a:schemeClr>
                 </a:solidFill>
               </a:rPr>
-              <a:t>Create a component</a:t>
+              <a:t>Let’s say I have Header, Content and Body component</a:t>
             </a:r>
             <a:endParaRPr lang="en-US" sz="2400" b="1" dirty="0">
               <a:solidFill>
@@ -9144,53 +9204,9 @@
           </a:p>
         </p:txBody>
       </p:sp>
-      <p:sp>
-        <p:nvSpPr>
-          <p:cNvPr id="7" name="TextBox 6"/>
-          <p:cNvSpPr txBox="1"/>
-          <p:nvPr/>
-        </p:nvSpPr>
-        <p:spPr>
-          <a:xfrm>
-            <a:off x="539962" y="1492071"/>
-            <a:ext cx="8281434" cy="646331"/>
-          </a:xfrm>
-          <a:prstGeom prst="rect">
-            <a:avLst/>
-          </a:prstGeom>
-          <a:noFill/>
-        </p:spPr>
-        <p:txBody>
-          <a:bodyPr wrap="none" rtlCol="0">
-            <a:spAutoFit/>
-          </a:bodyPr>
-          <a:lstStyle/>
-          <a:p>
-            <a:r>
-              <a:rPr lang="en-US" dirty="0" smtClean="0"/>
-              <a:t>To create a component we are using class which is </a:t>
-            </a:r>
-            <a:r>
-              <a:rPr lang="en-US" dirty="0" err="1" smtClean="0"/>
-              <a:t>gonna</a:t>
-            </a:r>
-            <a:r>
-              <a:rPr lang="en-US" dirty="0" smtClean="0"/>
-              <a:t> extends from </a:t>
-            </a:r>
-          </a:p>
-          <a:p>
-            <a:r>
-              <a:rPr lang="en-US" dirty="0" err="1" smtClean="0"/>
-              <a:t>React.Component</a:t>
-            </a:r>
-            <a:endParaRPr lang="en-US" dirty="0"/>
-          </a:p>
-        </p:txBody>
-      </p:sp>
       <p:pic>
         <p:nvPicPr>
-          <p:cNvPr id="5122" name="Picture 2"/>
+          <p:cNvPr id="1026" name="Picture 2"/>
           <p:cNvPicPr>
             <a:picLocks noChangeAspect="1" noChangeArrowheads="1"/>
           </p:cNvPicPr>
@@ -9211,8 +9227,8 @@
         </p:blipFill>
         <p:spPr bwMode="auto">
           <a:xfrm>
-            <a:off x="643710" y="2266890"/>
-            <a:ext cx="6257925" cy="1981200"/>
+            <a:off x="551345" y="1600200"/>
+            <a:ext cx="6840055" cy="5112141"/>
           </a:xfrm>
           <a:prstGeom prst="rect">
             <a:avLst/>
@@ -9252,16 +9268,169 @@
           </a:extLst>
         </p:spPr>
       </p:pic>
+    </p:spTree>
+    <p:extLst>
+      <p:ext uri="{BB962C8B-B14F-4D97-AF65-F5344CB8AC3E}">
+        <p14:creationId xmlns:p14="http://schemas.microsoft.com/office/powerpoint/2010/main" val="1662884571"/>
+      </p:ext>
+    </p:extLst>
+  </p:cSld>
+  <p:clrMapOvr>
+    <a:masterClrMapping/>
+  </p:clrMapOvr>
+  <p:timing>
+    <p:tnLst>
+      <p:par>
+        <p:cTn id="1" dur="indefinite" restart="never" nodeType="tmRoot"/>
+      </p:par>
+    </p:tnLst>
+  </p:timing>
+</p:sld>
+</file>
+
+<file path=ppt/slides/slide22.xml><?xml version="1.0" encoding="utf-8"?>
+<p:sld xmlns:a="http://schemas.openxmlformats.org/drawingml/2006/main" xmlns:r="http://schemas.openxmlformats.org/officeDocument/2006/relationships" xmlns:p="http://schemas.openxmlformats.org/presentationml/2006/main">
+  <p:cSld>
+    <p:spTree>
+      <p:nvGrpSpPr>
+        <p:cNvPr id="1" name=""/>
+        <p:cNvGrpSpPr/>
+        <p:nvPr/>
+      </p:nvGrpSpPr>
+      <p:grpSpPr>
+        <a:xfrm>
+          <a:off x="0" y="0"/>
+          <a:ext cx="0" cy="0"/>
+          <a:chOff x="0" y="0"/>
+          <a:chExt cx="0" cy="0"/>
+        </a:xfrm>
+      </p:grpSpPr>
+      <p:sp>
+        <p:nvSpPr>
+          <p:cNvPr id="2" name="TextBox 1"/>
+          <p:cNvSpPr txBox="1"/>
+          <p:nvPr/>
+        </p:nvSpPr>
+        <p:spPr>
+          <a:xfrm>
+            <a:off x="228600" y="304800"/>
+            <a:ext cx="2082621" cy="461665"/>
+          </a:xfrm>
+          <a:prstGeom prst="rect">
+            <a:avLst/>
+          </a:prstGeom>
+          <a:noFill/>
+        </p:spPr>
+        <p:txBody>
+          <a:bodyPr wrap="none" rtlCol="0">
+            <a:spAutoFit/>
+          </a:bodyPr>
+          <a:lstStyle/>
+          <a:p>
+            <a:r>
+              <a:rPr lang="en-US" sz="2400" b="1" dirty="0" smtClean="0">
+                <a:solidFill>
+                  <a:schemeClr val="bg2">
+                    <a:lumMod val="50000"/>
+                  </a:schemeClr>
+                </a:solidFill>
+              </a:rPr>
+              <a:t>Components</a:t>
+            </a:r>
+            <a:endParaRPr lang="en-US" sz="2400" b="1" dirty="0">
+              <a:solidFill>
+                <a:schemeClr val="bg2">
+                  <a:lumMod val="50000"/>
+                </a:schemeClr>
+              </a:solidFill>
+            </a:endParaRPr>
+          </a:p>
+        </p:txBody>
+      </p:sp>
+      <p:sp>
+        <p:nvSpPr>
+          <p:cNvPr id="6" name="TextBox 5"/>
+          <p:cNvSpPr txBox="1"/>
+          <p:nvPr/>
+        </p:nvSpPr>
+        <p:spPr>
+          <a:xfrm>
+            <a:off x="551345" y="2266890"/>
+            <a:ext cx="184731" cy="369332"/>
+          </a:xfrm>
+          <a:prstGeom prst="rect">
+            <a:avLst/>
+          </a:prstGeom>
+          <a:noFill/>
+        </p:spPr>
+        <p:txBody>
+          <a:bodyPr wrap="none" rtlCol="0">
+            <a:spAutoFit/>
+          </a:bodyPr>
+          <a:lstStyle/>
+          <a:p>
+            <a:endParaRPr lang="en-US" b="1" dirty="0">
+              <a:solidFill>
+                <a:schemeClr val="bg2">
+                  <a:lumMod val="50000"/>
+                </a:schemeClr>
+              </a:solidFill>
+            </a:endParaRPr>
+          </a:p>
+        </p:txBody>
+      </p:sp>
+      <p:sp>
+        <p:nvSpPr>
+          <p:cNvPr id="3" name="TextBox 2"/>
+          <p:cNvSpPr txBox="1"/>
+          <p:nvPr/>
+        </p:nvSpPr>
+        <p:spPr>
+          <a:xfrm>
+            <a:off x="381000" y="990600"/>
+            <a:ext cx="8743099" cy="461665"/>
+          </a:xfrm>
+          <a:prstGeom prst="rect">
+            <a:avLst/>
+          </a:prstGeom>
+          <a:noFill/>
+        </p:spPr>
+        <p:txBody>
+          <a:bodyPr wrap="none" rtlCol="0">
+            <a:spAutoFit/>
+          </a:bodyPr>
+          <a:lstStyle/>
+          <a:p>
+            <a:r>
+              <a:rPr lang="en-US" sz="2400" b="1" dirty="0" smtClean="0">
+                <a:solidFill>
+                  <a:schemeClr val="bg2">
+                    <a:lumMod val="50000"/>
+                  </a:schemeClr>
+                </a:solidFill>
+              </a:rPr>
+              <a:t>Now I am creating separate components and including it</a:t>
+            </a:r>
+            <a:endParaRPr lang="en-US" sz="2400" b="1" dirty="0">
+              <a:solidFill>
+                <a:schemeClr val="bg2">
+                  <a:lumMod val="50000"/>
+                </a:schemeClr>
+              </a:solidFill>
+            </a:endParaRPr>
+          </a:p>
+        </p:txBody>
+      </p:sp>
       <p:pic>
         <p:nvPicPr>
-          <p:cNvPr id="5123" name="Picture 3"/>
+          <p:cNvPr id="2050" name="Picture 2"/>
           <p:cNvPicPr>
             <a:picLocks noChangeAspect="1" noChangeArrowheads="1"/>
           </p:cNvPicPr>
           <p:nvPr/>
         </p:nvPicPr>
         <p:blipFill>
-          <a:blip r:embed="rId3">
+          <a:blip r:embed="rId2">
             <a:extLst>
               <a:ext uri="{28A0092B-C50C-407E-A947-70E740481C1C}">
                 <a14:useLocalDpi xmlns:a14="http://schemas.microsoft.com/office/drawing/2010/main" val="0"/>
@@ -9275,8 +9444,8 @@
         </p:blipFill>
         <p:spPr bwMode="auto">
           <a:xfrm>
-            <a:off x="643710" y="4648200"/>
-            <a:ext cx="4095750" cy="1352550"/>
+            <a:off x="228601" y="1455122"/>
+            <a:ext cx="4419600" cy="2362200"/>
           </a:xfrm>
           <a:prstGeom prst="rect">
             <a:avLst/>
@@ -9316,169 +9485,16 @@
           </a:extLst>
         </p:spPr>
       </p:pic>
-    </p:spTree>
-    <p:extLst>
-      <p:ext uri="{BB962C8B-B14F-4D97-AF65-F5344CB8AC3E}">
-        <p14:creationId xmlns:p14="http://schemas.microsoft.com/office/powerpoint/2010/main" val="1416943874"/>
-      </p:ext>
-    </p:extLst>
-  </p:cSld>
-  <p:clrMapOvr>
-    <a:masterClrMapping/>
-  </p:clrMapOvr>
-  <p:timing>
-    <p:tnLst>
-      <p:par>
-        <p:cTn id="1" dur="indefinite" restart="never" nodeType="tmRoot"/>
-      </p:par>
-    </p:tnLst>
-  </p:timing>
-</p:sld>
-</file>
-
-<file path=ppt/slides/slide23.xml><?xml version="1.0" encoding="utf-8"?>
-<p:sld xmlns:a="http://schemas.openxmlformats.org/drawingml/2006/main" xmlns:r="http://schemas.openxmlformats.org/officeDocument/2006/relationships" xmlns:p="http://schemas.openxmlformats.org/presentationml/2006/main">
-  <p:cSld>
-    <p:spTree>
-      <p:nvGrpSpPr>
-        <p:cNvPr id="1" name=""/>
-        <p:cNvGrpSpPr/>
-        <p:nvPr/>
-      </p:nvGrpSpPr>
-      <p:grpSpPr>
-        <a:xfrm>
-          <a:off x="0" y="0"/>
-          <a:ext cx="0" cy="0"/>
-          <a:chOff x="0" y="0"/>
-          <a:chExt cx="0" cy="0"/>
-        </a:xfrm>
-      </p:grpSpPr>
-      <p:sp>
-        <p:nvSpPr>
-          <p:cNvPr id="2" name="TextBox 1"/>
-          <p:cNvSpPr txBox="1"/>
-          <p:nvPr/>
-        </p:nvSpPr>
-        <p:spPr>
-          <a:xfrm>
-            <a:off x="228600" y="304800"/>
-            <a:ext cx="2082621" cy="461665"/>
-          </a:xfrm>
-          <a:prstGeom prst="rect">
-            <a:avLst/>
-          </a:prstGeom>
-          <a:noFill/>
-        </p:spPr>
-        <p:txBody>
-          <a:bodyPr wrap="none" rtlCol="0">
-            <a:spAutoFit/>
-          </a:bodyPr>
-          <a:lstStyle/>
-          <a:p>
-            <a:r>
-              <a:rPr lang="en-US" sz="2400" b="1" dirty="0" smtClean="0">
-                <a:solidFill>
-                  <a:schemeClr val="bg2">
-                    <a:lumMod val="50000"/>
-                  </a:schemeClr>
-                </a:solidFill>
-              </a:rPr>
-              <a:t>Components</a:t>
-            </a:r>
-            <a:endParaRPr lang="en-US" sz="2400" b="1" dirty="0">
-              <a:solidFill>
-                <a:schemeClr val="bg2">
-                  <a:lumMod val="50000"/>
-                </a:schemeClr>
-              </a:solidFill>
-            </a:endParaRPr>
-          </a:p>
-        </p:txBody>
-      </p:sp>
-      <p:sp>
-        <p:nvSpPr>
-          <p:cNvPr id="6" name="TextBox 5"/>
-          <p:cNvSpPr txBox="1"/>
-          <p:nvPr/>
-        </p:nvSpPr>
-        <p:spPr>
-          <a:xfrm>
-            <a:off x="551345" y="2266890"/>
-            <a:ext cx="184731" cy="369332"/>
-          </a:xfrm>
-          <a:prstGeom prst="rect">
-            <a:avLst/>
-          </a:prstGeom>
-          <a:noFill/>
-        </p:spPr>
-        <p:txBody>
-          <a:bodyPr wrap="none" rtlCol="0">
-            <a:spAutoFit/>
-          </a:bodyPr>
-          <a:lstStyle/>
-          <a:p>
-            <a:endParaRPr lang="en-US" b="1" dirty="0">
-              <a:solidFill>
-                <a:schemeClr val="bg2">
-                  <a:lumMod val="50000"/>
-                </a:schemeClr>
-              </a:solidFill>
-            </a:endParaRPr>
-          </a:p>
-        </p:txBody>
-      </p:sp>
-      <p:sp>
-        <p:nvSpPr>
-          <p:cNvPr id="3" name="TextBox 2"/>
-          <p:cNvSpPr txBox="1"/>
-          <p:nvPr/>
-        </p:nvSpPr>
-        <p:spPr>
-          <a:xfrm>
-            <a:off x="381000" y="990600"/>
-            <a:ext cx="8242962" cy="461665"/>
-          </a:xfrm>
-          <a:prstGeom prst="rect">
-            <a:avLst/>
-          </a:prstGeom>
-          <a:noFill/>
-        </p:spPr>
-        <p:txBody>
-          <a:bodyPr wrap="none" rtlCol="0">
-            <a:spAutoFit/>
-          </a:bodyPr>
-          <a:lstStyle/>
-          <a:p>
-            <a:r>
-              <a:rPr lang="en-US" sz="2400" b="1" dirty="0" smtClean="0">
-                <a:solidFill>
-                  <a:schemeClr val="bg2">
-                    <a:lumMod val="50000"/>
-                  </a:schemeClr>
-                </a:solidFill>
-              </a:rPr>
-              <a:t>Let’s say I have Header, Content and Body component</a:t>
-            </a:r>
-            <a:endParaRPr lang="en-US" sz="2400" b="1" dirty="0">
-              <a:solidFill>
-                <a:schemeClr val="bg2">
-                  <a:lumMod val="50000"/>
-                </a:schemeClr>
-              </a:solidFill>
-            </a:endParaRPr>
-          </a:p>
-        </p:txBody>
-      </p:sp>
       <p:pic>
         <p:nvPicPr>
-          <p:cNvPr id="1026" name="Picture 2"/>
+          <p:cNvPr id="2051" name="Picture 3"/>
           <p:cNvPicPr>
             <a:picLocks noChangeAspect="1" noChangeArrowheads="1"/>
           </p:cNvPicPr>
           <p:nvPr/>
         </p:nvPicPr>
         <p:blipFill>
-          <a:blip r:embed="rId2">
+          <a:blip r:embed="rId3">
             <a:extLst>
               <a:ext uri="{28A0092B-C50C-407E-A947-70E740481C1C}">
                 <a14:useLocalDpi xmlns:a14="http://schemas.microsoft.com/office/drawing/2010/main" val="0"/>
@@ -9492,8 +9508,8 @@
         </p:blipFill>
         <p:spPr bwMode="auto">
           <a:xfrm>
-            <a:off x="551345" y="1600200"/>
-            <a:ext cx="6840055" cy="5112141"/>
+            <a:off x="4752549" y="1447800"/>
+            <a:ext cx="4239051" cy="5181600"/>
           </a:xfrm>
           <a:prstGeom prst="rect">
             <a:avLst/>
@@ -9533,169 +9549,16 @@
           </a:extLst>
         </p:spPr>
       </p:pic>
-    </p:spTree>
-    <p:extLst>
-      <p:ext uri="{BB962C8B-B14F-4D97-AF65-F5344CB8AC3E}">
-        <p14:creationId xmlns:p14="http://schemas.microsoft.com/office/powerpoint/2010/main" val="1662884571"/>
-      </p:ext>
-    </p:extLst>
-  </p:cSld>
-  <p:clrMapOvr>
-    <a:masterClrMapping/>
-  </p:clrMapOvr>
-  <p:timing>
-    <p:tnLst>
-      <p:par>
-        <p:cTn id="1" dur="indefinite" restart="never" nodeType="tmRoot"/>
-      </p:par>
-    </p:tnLst>
-  </p:timing>
-</p:sld>
-</file>
-
-<file path=ppt/slides/slide24.xml><?xml version="1.0" encoding="utf-8"?>
-<p:sld xmlns:a="http://schemas.openxmlformats.org/drawingml/2006/main" xmlns:r="http://schemas.openxmlformats.org/officeDocument/2006/relationships" xmlns:p="http://schemas.openxmlformats.org/presentationml/2006/main">
-  <p:cSld>
-    <p:spTree>
-      <p:nvGrpSpPr>
-        <p:cNvPr id="1" name=""/>
-        <p:cNvGrpSpPr/>
-        <p:nvPr/>
-      </p:nvGrpSpPr>
-      <p:grpSpPr>
-        <a:xfrm>
-          <a:off x="0" y="0"/>
-          <a:ext cx="0" cy="0"/>
-          <a:chOff x="0" y="0"/>
-          <a:chExt cx="0" cy="0"/>
-        </a:xfrm>
-      </p:grpSpPr>
-      <p:sp>
-        <p:nvSpPr>
-          <p:cNvPr id="2" name="TextBox 1"/>
-          <p:cNvSpPr txBox="1"/>
-          <p:nvPr/>
-        </p:nvSpPr>
-        <p:spPr>
-          <a:xfrm>
-            <a:off x="228600" y="304800"/>
-            <a:ext cx="2082621" cy="461665"/>
-          </a:xfrm>
-          <a:prstGeom prst="rect">
-            <a:avLst/>
-          </a:prstGeom>
-          <a:noFill/>
-        </p:spPr>
-        <p:txBody>
-          <a:bodyPr wrap="none" rtlCol="0">
-            <a:spAutoFit/>
-          </a:bodyPr>
-          <a:lstStyle/>
-          <a:p>
-            <a:r>
-              <a:rPr lang="en-US" sz="2400" b="1" dirty="0" smtClean="0">
-                <a:solidFill>
-                  <a:schemeClr val="bg2">
-                    <a:lumMod val="50000"/>
-                  </a:schemeClr>
-                </a:solidFill>
-              </a:rPr>
-              <a:t>Components</a:t>
-            </a:r>
-            <a:endParaRPr lang="en-US" sz="2400" b="1" dirty="0">
-              <a:solidFill>
-                <a:schemeClr val="bg2">
-                  <a:lumMod val="50000"/>
-                </a:schemeClr>
-              </a:solidFill>
-            </a:endParaRPr>
-          </a:p>
-        </p:txBody>
-      </p:sp>
-      <p:sp>
-        <p:nvSpPr>
-          <p:cNvPr id="6" name="TextBox 5"/>
-          <p:cNvSpPr txBox="1"/>
-          <p:nvPr/>
-        </p:nvSpPr>
-        <p:spPr>
-          <a:xfrm>
-            <a:off x="551345" y="2266890"/>
-            <a:ext cx="184731" cy="369332"/>
-          </a:xfrm>
-          <a:prstGeom prst="rect">
-            <a:avLst/>
-          </a:prstGeom>
-          <a:noFill/>
-        </p:spPr>
-        <p:txBody>
-          <a:bodyPr wrap="none" rtlCol="0">
-            <a:spAutoFit/>
-          </a:bodyPr>
-          <a:lstStyle/>
-          <a:p>
-            <a:endParaRPr lang="en-US" b="1" dirty="0">
-              <a:solidFill>
-                <a:schemeClr val="bg2">
-                  <a:lumMod val="50000"/>
-                </a:schemeClr>
-              </a:solidFill>
-            </a:endParaRPr>
-          </a:p>
-        </p:txBody>
-      </p:sp>
-      <p:sp>
-        <p:nvSpPr>
-          <p:cNvPr id="3" name="TextBox 2"/>
-          <p:cNvSpPr txBox="1"/>
-          <p:nvPr/>
-        </p:nvSpPr>
-        <p:spPr>
-          <a:xfrm>
-            <a:off x="381000" y="990600"/>
-            <a:ext cx="8743099" cy="461665"/>
-          </a:xfrm>
-          <a:prstGeom prst="rect">
-            <a:avLst/>
-          </a:prstGeom>
-          <a:noFill/>
-        </p:spPr>
-        <p:txBody>
-          <a:bodyPr wrap="none" rtlCol="0">
-            <a:spAutoFit/>
-          </a:bodyPr>
-          <a:lstStyle/>
-          <a:p>
-            <a:r>
-              <a:rPr lang="en-US" sz="2400" b="1" dirty="0" smtClean="0">
-                <a:solidFill>
-                  <a:schemeClr val="bg2">
-                    <a:lumMod val="50000"/>
-                  </a:schemeClr>
-                </a:solidFill>
-              </a:rPr>
-              <a:t>Now I am creating separate components and including it</a:t>
-            </a:r>
-            <a:endParaRPr lang="en-US" sz="2400" b="1" dirty="0">
-              <a:solidFill>
-                <a:schemeClr val="bg2">
-                  <a:lumMod val="50000"/>
-                </a:schemeClr>
-              </a:solidFill>
-            </a:endParaRPr>
-          </a:p>
-        </p:txBody>
-      </p:sp>
       <p:pic>
         <p:nvPicPr>
-          <p:cNvPr id="2050" name="Picture 2"/>
+          <p:cNvPr id="2052" name="Picture 4"/>
           <p:cNvPicPr>
             <a:picLocks noChangeAspect="1" noChangeArrowheads="1"/>
           </p:cNvPicPr>
           <p:nvPr/>
         </p:nvPicPr>
         <p:blipFill>
-          <a:blip r:embed="rId2">
+          <a:blip r:embed="rId4">
             <a:extLst>
               <a:ext uri="{28A0092B-C50C-407E-A947-70E740481C1C}">
                 <a14:useLocalDpi xmlns:a14="http://schemas.microsoft.com/office/drawing/2010/main" val="0"/>
@@ -9709,8 +9572,8 @@
         </p:blipFill>
         <p:spPr bwMode="auto">
           <a:xfrm>
-            <a:off x="228601" y="1455122"/>
-            <a:ext cx="4419600" cy="2362200"/>
+            <a:off x="228600" y="4038600"/>
+            <a:ext cx="4352925" cy="2343150"/>
           </a:xfrm>
           <a:prstGeom prst="rect">
             <a:avLst/>
@@ -9750,16 +9613,169 @@
           </a:extLst>
         </p:spPr>
       </p:pic>
+    </p:spTree>
+    <p:extLst>
+      <p:ext uri="{BB962C8B-B14F-4D97-AF65-F5344CB8AC3E}">
+        <p14:creationId xmlns:p14="http://schemas.microsoft.com/office/powerpoint/2010/main" val="732270927"/>
+      </p:ext>
+    </p:extLst>
+  </p:cSld>
+  <p:clrMapOvr>
+    <a:masterClrMapping/>
+  </p:clrMapOvr>
+  <p:timing>
+    <p:tnLst>
+      <p:par>
+        <p:cTn id="1" dur="indefinite" restart="never" nodeType="tmRoot"/>
+      </p:par>
+    </p:tnLst>
+  </p:timing>
+</p:sld>
+</file>
+
+<file path=ppt/slides/slide23.xml><?xml version="1.0" encoding="utf-8"?>
+<p:sld xmlns:a="http://schemas.openxmlformats.org/drawingml/2006/main" xmlns:r="http://schemas.openxmlformats.org/officeDocument/2006/relationships" xmlns:p="http://schemas.openxmlformats.org/presentationml/2006/main">
+  <p:cSld>
+    <p:spTree>
+      <p:nvGrpSpPr>
+        <p:cNvPr id="1" name=""/>
+        <p:cNvGrpSpPr/>
+        <p:nvPr/>
+      </p:nvGrpSpPr>
+      <p:grpSpPr>
+        <a:xfrm>
+          <a:off x="0" y="0"/>
+          <a:ext cx="0" cy="0"/>
+          <a:chOff x="0" y="0"/>
+          <a:chExt cx="0" cy="0"/>
+        </a:xfrm>
+      </p:grpSpPr>
+      <p:sp>
+        <p:nvSpPr>
+          <p:cNvPr id="2" name="TextBox 1"/>
+          <p:cNvSpPr txBox="1"/>
+          <p:nvPr/>
+        </p:nvSpPr>
+        <p:spPr>
+          <a:xfrm>
+            <a:off x="228600" y="304800"/>
+            <a:ext cx="2082621" cy="461665"/>
+          </a:xfrm>
+          <a:prstGeom prst="rect">
+            <a:avLst/>
+          </a:prstGeom>
+          <a:noFill/>
+        </p:spPr>
+        <p:txBody>
+          <a:bodyPr wrap="none" rtlCol="0">
+            <a:spAutoFit/>
+          </a:bodyPr>
+          <a:lstStyle/>
+          <a:p>
+            <a:r>
+              <a:rPr lang="en-US" sz="2400" b="1" dirty="0" smtClean="0">
+                <a:solidFill>
+                  <a:schemeClr val="bg2">
+                    <a:lumMod val="50000"/>
+                  </a:schemeClr>
+                </a:solidFill>
+              </a:rPr>
+              <a:t>Components</a:t>
+            </a:r>
+            <a:endParaRPr lang="en-US" sz="2400" b="1" dirty="0">
+              <a:solidFill>
+                <a:schemeClr val="bg2">
+                  <a:lumMod val="50000"/>
+                </a:schemeClr>
+              </a:solidFill>
+            </a:endParaRPr>
+          </a:p>
+        </p:txBody>
+      </p:sp>
+      <p:sp>
+        <p:nvSpPr>
+          <p:cNvPr id="6" name="TextBox 5"/>
+          <p:cNvSpPr txBox="1"/>
+          <p:nvPr/>
+        </p:nvSpPr>
+        <p:spPr>
+          <a:xfrm>
+            <a:off x="551345" y="2266890"/>
+            <a:ext cx="184731" cy="369332"/>
+          </a:xfrm>
+          <a:prstGeom prst="rect">
+            <a:avLst/>
+          </a:prstGeom>
+          <a:noFill/>
+        </p:spPr>
+        <p:txBody>
+          <a:bodyPr wrap="none" rtlCol="0">
+            <a:spAutoFit/>
+          </a:bodyPr>
+          <a:lstStyle/>
+          <a:p>
+            <a:endParaRPr lang="en-US" b="1" dirty="0">
+              <a:solidFill>
+                <a:schemeClr val="bg2">
+                  <a:lumMod val="50000"/>
+                </a:schemeClr>
+              </a:solidFill>
+            </a:endParaRPr>
+          </a:p>
+        </p:txBody>
+      </p:sp>
+      <p:sp>
+        <p:nvSpPr>
+          <p:cNvPr id="3" name="TextBox 2"/>
+          <p:cNvSpPr txBox="1"/>
+          <p:nvPr/>
+        </p:nvSpPr>
+        <p:spPr>
+          <a:xfrm>
+            <a:off x="381000" y="990600"/>
+            <a:ext cx="8743099" cy="461665"/>
+          </a:xfrm>
+          <a:prstGeom prst="rect">
+            <a:avLst/>
+          </a:prstGeom>
+          <a:noFill/>
+        </p:spPr>
+        <p:txBody>
+          <a:bodyPr wrap="none" rtlCol="0">
+            <a:spAutoFit/>
+          </a:bodyPr>
+          <a:lstStyle/>
+          <a:p>
+            <a:r>
+              <a:rPr lang="en-US" sz="2400" b="1" dirty="0" smtClean="0">
+                <a:solidFill>
+                  <a:schemeClr val="bg2">
+                    <a:lumMod val="50000"/>
+                  </a:schemeClr>
+                </a:solidFill>
+              </a:rPr>
+              <a:t>Now I am creating separate components and including it</a:t>
+            </a:r>
+            <a:endParaRPr lang="en-US" sz="2400" b="1" dirty="0">
+              <a:solidFill>
+                <a:schemeClr val="bg2">
+                  <a:lumMod val="50000"/>
+                </a:schemeClr>
+              </a:solidFill>
+            </a:endParaRPr>
+          </a:p>
+        </p:txBody>
+      </p:sp>
       <p:pic>
         <p:nvPicPr>
-          <p:cNvPr id="2051" name="Picture 3"/>
+          <p:cNvPr id="3074" name="Picture 2"/>
           <p:cNvPicPr>
             <a:picLocks noChangeAspect="1" noChangeArrowheads="1"/>
           </p:cNvPicPr>
           <p:nvPr/>
         </p:nvPicPr>
         <p:blipFill>
-          <a:blip r:embed="rId3">
+          <a:blip r:embed="rId2">
             <a:extLst>
               <a:ext uri="{28A0092B-C50C-407E-A947-70E740481C1C}">
                 <a14:useLocalDpi xmlns:a14="http://schemas.microsoft.com/office/drawing/2010/main" val="0"/>
@@ -9773,8 +9789,8 @@
         </p:blipFill>
         <p:spPr bwMode="auto">
           <a:xfrm>
-            <a:off x="4752549" y="1447800"/>
-            <a:ext cx="4239051" cy="5181600"/>
+            <a:off x="551344" y="1454469"/>
+            <a:ext cx="6154255" cy="4169441"/>
           </a:xfrm>
           <a:prstGeom prst="rect">
             <a:avLst/>
@@ -9814,16 +9830,208 @@
           </a:extLst>
         </p:spPr>
       </p:pic>
+    </p:spTree>
+    <p:extLst>
+      <p:ext uri="{BB962C8B-B14F-4D97-AF65-F5344CB8AC3E}">
+        <p14:creationId xmlns:p14="http://schemas.microsoft.com/office/powerpoint/2010/main" val="2361018259"/>
+      </p:ext>
+    </p:extLst>
+  </p:cSld>
+  <p:clrMapOvr>
+    <a:masterClrMapping/>
+  </p:clrMapOvr>
+  <p:timing>
+    <p:tnLst>
+      <p:par>
+        <p:cTn id="1" dur="indefinite" restart="never" nodeType="tmRoot"/>
+      </p:par>
+    </p:tnLst>
+  </p:timing>
+</p:sld>
+</file>
+
+<file path=ppt/slides/slide24.xml><?xml version="1.0" encoding="utf-8"?>
+<p:sld xmlns:a="http://schemas.openxmlformats.org/drawingml/2006/main" xmlns:r="http://schemas.openxmlformats.org/officeDocument/2006/relationships" xmlns:p="http://schemas.openxmlformats.org/presentationml/2006/main">
+  <p:cSld>
+    <p:spTree>
+      <p:nvGrpSpPr>
+        <p:cNvPr id="1" name=""/>
+        <p:cNvGrpSpPr/>
+        <p:nvPr/>
+      </p:nvGrpSpPr>
+      <p:grpSpPr>
+        <a:xfrm>
+          <a:off x="0" y="0"/>
+          <a:ext cx="0" cy="0"/>
+          <a:chOff x="0" y="0"/>
+          <a:chExt cx="0" cy="0"/>
+        </a:xfrm>
+      </p:grpSpPr>
+      <p:sp>
+        <p:nvSpPr>
+          <p:cNvPr id="2" name="TextBox 1"/>
+          <p:cNvSpPr txBox="1"/>
+          <p:nvPr/>
+        </p:nvSpPr>
+        <p:spPr>
+          <a:xfrm>
+            <a:off x="228600" y="304800"/>
+            <a:ext cx="2082621" cy="461665"/>
+          </a:xfrm>
+          <a:prstGeom prst="rect">
+            <a:avLst/>
+          </a:prstGeom>
+          <a:noFill/>
+        </p:spPr>
+        <p:txBody>
+          <a:bodyPr wrap="none" rtlCol="0">
+            <a:spAutoFit/>
+          </a:bodyPr>
+          <a:lstStyle/>
+          <a:p>
+            <a:r>
+              <a:rPr lang="en-US" sz="2400" b="1" dirty="0" smtClean="0">
+                <a:solidFill>
+                  <a:schemeClr val="bg2">
+                    <a:lumMod val="50000"/>
+                  </a:schemeClr>
+                </a:solidFill>
+              </a:rPr>
+              <a:t>Components</a:t>
+            </a:r>
+            <a:endParaRPr lang="en-US" sz="2400" b="1" dirty="0">
+              <a:solidFill>
+                <a:schemeClr val="bg2">
+                  <a:lumMod val="50000"/>
+                </a:schemeClr>
+              </a:solidFill>
+            </a:endParaRPr>
+          </a:p>
+        </p:txBody>
+      </p:sp>
+      <p:sp>
+        <p:nvSpPr>
+          <p:cNvPr id="6" name="TextBox 5"/>
+          <p:cNvSpPr txBox="1"/>
+          <p:nvPr/>
+        </p:nvSpPr>
+        <p:spPr>
+          <a:xfrm>
+            <a:off x="551345" y="2266890"/>
+            <a:ext cx="184731" cy="369332"/>
+          </a:xfrm>
+          <a:prstGeom prst="rect">
+            <a:avLst/>
+          </a:prstGeom>
+          <a:noFill/>
+        </p:spPr>
+        <p:txBody>
+          <a:bodyPr wrap="none" rtlCol="0">
+            <a:spAutoFit/>
+          </a:bodyPr>
+          <a:lstStyle/>
+          <a:p>
+            <a:endParaRPr lang="en-US" b="1" dirty="0">
+              <a:solidFill>
+                <a:schemeClr val="bg2">
+                  <a:lumMod val="50000"/>
+                </a:schemeClr>
+              </a:solidFill>
+            </a:endParaRPr>
+          </a:p>
+        </p:txBody>
+      </p:sp>
+      <p:sp>
+        <p:nvSpPr>
+          <p:cNvPr id="3" name="TextBox 2"/>
+          <p:cNvSpPr txBox="1"/>
+          <p:nvPr/>
+        </p:nvSpPr>
+        <p:spPr>
+          <a:xfrm>
+            <a:off x="381000" y="990600"/>
+            <a:ext cx="5777544" cy="461665"/>
+          </a:xfrm>
+          <a:prstGeom prst="rect">
+            <a:avLst/>
+          </a:prstGeom>
+          <a:noFill/>
+        </p:spPr>
+        <p:txBody>
+          <a:bodyPr wrap="none" rtlCol="0">
+            <a:spAutoFit/>
+          </a:bodyPr>
+          <a:lstStyle/>
+          <a:p>
+            <a:r>
+              <a:rPr lang="en-US" sz="2400" b="1" dirty="0" smtClean="0">
+                <a:solidFill>
+                  <a:schemeClr val="bg2">
+                    <a:lumMod val="50000"/>
+                  </a:schemeClr>
+                </a:solidFill>
+              </a:rPr>
+              <a:t>We can also keep in separate JSX files</a:t>
+            </a:r>
+            <a:endParaRPr lang="en-US" sz="2400" b="1" dirty="0">
+              <a:solidFill>
+                <a:schemeClr val="bg2">
+                  <a:lumMod val="50000"/>
+                </a:schemeClr>
+              </a:solidFill>
+            </a:endParaRPr>
+          </a:p>
+        </p:txBody>
+      </p:sp>
+      <p:sp>
+        <p:nvSpPr>
+          <p:cNvPr id="4" name="TextBox 3"/>
+          <p:cNvSpPr txBox="1"/>
+          <p:nvPr/>
+        </p:nvSpPr>
+        <p:spPr>
+          <a:xfrm>
+            <a:off x="228600" y="1752600"/>
+            <a:ext cx="6147837" cy="923330"/>
+          </a:xfrm>
+          <a:prstGeom prst="rect">
+            <a:avLst/>
+          </a:prstGeom>
+          <a:noFill/>
+        </p:spPr>
+        <p:txBody>
+          <a:bodyPr wrap="none" rtlCol="0">
+            <a:spAutoFit/>
+          </a:bodyPr>
+          <a:lstStyle/>
+          <a:p>
+            <a:r>
+              <a:rPr lang="en-US" dirty="0" smtClean="0"/>
+              <a:t>Let’s say I am creating a separate folder say common</a:t>
+            </a:r>
+          </a:p>
+          <a:p>
+            <a:endParaRPr lang="en-US" dirty="0"/>
+          </a:p>
+          <a:p>
+            <a:r>
+              <a:rPr lang="en-US" dirty="0" smtClean="0"/>
+              <a:t>Keeping Header and footer file there</a:t>
+            </a:r>
+            <a:endParaRPr lang="en-US" dirty="0"/>
+          </a:p>
+        </p:txBody>
+      </p:sp>
       <p:pic>
         <p:nvPicPr>
-          <p:cNvPr id="2052" name="Picture 4"/>
+          <p:cNvPr id="4098" name="Picture 2"/>
           <p:cNvPicPr>
             <a:picLocks noChangeAspect="1" noChangeArrowheads="1"/>
           </p:cNvPicPr>
           <p:nvPr/>
         </p:nvPicPr>
         <p:blipFill>
-          <a:blip r:embed="rId4">
+          <a:blip r:embed="rId2">
             <a:extLst>
               <a:ext uri="{28A0092B-C50C-407E-A947-70E740481C1C}">
                 <a14:useLocalDpi xmlns:a14="http://schemas.microsoft.com/office/drawing/2010/main" val="0"/>
@@ -9837,8 +10045,8 @@
         </p:blipFill>
         <p:spPr bwMode="auto">
           <a:xfrm>
-            <a:off x="228600" y="4038600"/>
-            <a:ext cx="4352925" cy="2343150"/>
+            <a:off x="368491" y="2819400"/>
+            <a:ext cx="3898710" cy="3867150"/>
           </a:xfrm>
           <a:prstGeom prst="rect">
             <a:avLst/>
@@ -9878,169 +10086,16 @@
           </a:extLst>
         </p:spPr>
       </p:pic>
-    </p:spTree>
-    <p:extLst>
-      <p:ext uri="{BB962C8B-B14F-4D97-AF65-F5344CB8AC3E}">
-        <p14:creationId xmlns:p14="http://schemas.microsoft.com/office/powerpoint/2010/main" val="732270927"/>
-      </p:ext>
-    </p:extLst>
-  </p:cSld>
-  <p:clrMapOvr>
-    <a:masterClrMapping/>
-  </p:clrMapOvr>
-  <p:timing>
-    <p:tnLst>
-      <p:par>
-        <p:cTn id="1" dur="indefinite" restart="never" nodeType="tmRoot"/>
-      </p:par>
-    </p:tnLst>
-  </p:timing>
-</p:sld>
-</file>
-
-<file path=ppt/slides/slide25.xml><?xml version="1.0" encoding="utf-8"?>
-<p:sld xmlns:a="http://schemas.openxmlformats.org/drawingml/2006/main" xmlns:r="http://schemas.openxmlformats.org/officeDocument/2006/relationships" xmlns:p="http://schemas.openxmlformats.org/presentationml/2006/main">
-  <p:cSld>
-    <p:spTree>
-      <p:nvGrpSpPr>
-        <p:cNvPr id="1" name=""/>
-        <p:cNvGrpSpPr/>
-        <p:nvPr/>
-      </p:nvGrpSpPr>
-      <p:grpSpPr>
-        <a:xfrm>
-          <a:off x="0" y="0"/>
-          <a:ext cx="0" cy="0"/>
-          <a:chOff x="0" y="0"/>
-          <a:chExt cx="0" cy="0"/>
-        </a:xfrm>
-      </p:grpSpPr>
-      <p:sp>
-        <p:nvSpPr>
-          <p:cNvPr id="2" name="TextBox 1"/>
-          <p:cNvSpPr txBox="1"/>
-          <p:nvPr/>
-        </p:nvSpPr>
-        <p:spPr>
-          <a:xfrm>
-            <a:off x="228600" y="304800"/>
-            <a:ext cx="2082621" cy="461665"/>
-          </a:xfrm>
-          <a:prstGeom prst="rect">
-            <a:avLst/>
-          </a:prstGeom>
-          <a:noFill/>
-        </p:spPr>
-        <p:txBody>
-          <a:bodyPr wrap="none" rtlCol="0">
-            <a:spAutoFit/>
-          </a:bodyPr>
-          <a:lstStyle/>
-          <a:p>
-            <a:r>
-              <a:rPr lang="en-US" sz="2400" b="1" dirty="0" smtClean="0">
-                <a:solidFill>
-                  <a:schemeClr val="bg2">
-                    <a:lumMod val="50000"/>
-                  </a:schemeClr>
-                </a:solidFill>
-              </a:rPr>
-              <a:t>Components</a:t>
-            </a:r>
-            <a:endParaRPr lang="en-US" sz="2400" b="1" dirty="0">
-              <a:solidFill>
-                <a:schemeClr val="bg2">
-                  <a:lumMod val="50000"/>
-                </a:schemeClr>
-              </a:solidFill>
-            </a:endParaRPr>
-          </a:p>
-        </p:txBody>
-      </p:sp>
-      <p:sp>
-        <p:nvSpPr>
-          <p:cNvPr id="6" name="TextBox 5"/>
-          <p:cNvSpPr txBox="1"/>
-          <p:nvPr/>
-        </p:nvSpPr>
-        <p:spPr>
-          <a:xfrm>
-            <a:off x="551345" y="2266890"/>
-            <a:ext cx="184731" cy="369332"/>
-          </a:xfrm>
-          <a:prstGeom prst="rect">
-            <a:avLst/>
-          </a:prstGeom>
-          <a:noFill/>
-        </p:spPr>
-        <p:txBody>
-          <a:bodyPr wrap="none" rtlCol="0">
-            <a:spAutoFit/>
-          </a:bodyPr>
-          <a:lstStyle/>
-          <a:p>
-            <a:endParaRPr lang="en-US" b="1" dirty="0">
-              <a:solidFill>
-                <a:schemeClr val="bg2">
-                  <a:lumMod val="50000"/>
-                </a:schemeClr>
-              </a:solidFill>
-            </a:endParaRPr>
-          </a:p>
-        </p:txBody>
-      </p:sp>
-      <p:sp>
-        <p:nvSpPr>
-          <p:cNvPr id="3" name="TextBox 2"/>
-          <p:cNvSpPr txBox="1"/>
-          <p:nvPr/>
-        </p:nvSpPr>
-        <p:spPr>
-          <a:xfrm>
-            <a:off x="381000" y="990600"/>
-            <a:ext cx="8743099" cy="461665"/>
-          </a:xfrm>
-          <a:prstGeom prst="rect">
-            <a:avLst/>
-          </a:prstGeom>
-          <a:noFill/>
-        </p:spPr>
-        <p:txBody>
-          <a:bodyPr wrap="none" rtlCol="0">
-            <a:spAutoFit/>
-          </a:bodyPr>
-          <a:lstStyle/>
-          <a:p>
-            <a:r>
-              <a:rPr lang="en-US" sz="2400" b="1" dirty="0" smtClean="0">
-                <a:solidFill>
-                  <a:schemeClr val="bg2">
-                    <a:lumMod val="50000"/>
-                  </a:schemeClr>
-                </a:solidFill>
-              </a:rPr>
-              <a:t>Now I am creating separate components and including it</a:t>
-            </a:r>
-            <a:endParaRPr lang="en-US" sz="2400" b="1" dirty="0">
-              <a:solidFill>
-                <a:schemeClr val="bg2">
-                  <a:lumMod val="50000"/>
-                </a:schemeClr>
-              </a:solidFill>
-            </a:endParaRPr>
-          </a:p>
-        </p:txBody>
-      </p:sp>
       <p:pic>
         <p:nvPicPr>
-          <p:cNvPr id="3074" name="Picture 2"/>
+          <p:cNvPr id="4099" name="Picture 3"/>
           <p:cNvPicPr>
             <a:picLocks noChangeAspect="1" noChangeArrowheads="1"/>
           </p:cNvPicPr>
           <p:nvPr/>
         </p:nvPicPr>
         <p:blipFill>
-          <a:blip r:embed="rId2">
+          <a:blip r:embed="rId3">
             <a:extLst>
               <a:ext uri="{28A0092B-C50C-407E-A947-70E740481C1C}">
                 <a14:useLocalDpi xmlns:a14="http://schemas.microsoft.com/office/drawing/2010/main" val="0"/>
@@ -10054,8 +10109,8 @@
         </p:blipFill>
         <p:spPr bwMode="auto">
           <a:xfrm>
-            <a:off x="551344" y="1454469"/>
-            <a:ext cx="6154255" cy="4169441"/>
+            <a:off x="4572001" y="2747581"/>
+            <a:ext cx="4129718" cy="3876675"/>
           </a:xfrm>
           <a:prstGeom prst="rect">
             <a:avLst/>
@@ -10098,7 +10153,7 @@
     </p:spTree>
     <p:extLst>
       <p:ext uri="{BB962C8B-B14F-4D97-AF65-F5344CB8AC3E}">
-        <p14:creationId xmlns:p14="http://schemas.microsoft.com/office/powerpoint/2010/main" val="2361018259"/>
+        <p14:creationId xmlns:p14="http://schemas.microsoft.com/office/powerpoint/2010/main" val="1083070238"/>
       </p:ext>
     </p:extLst>
   </p:cSld>
@@ -10115,7 +10170,7 @@
 </p:sld>
 </file>
 
-<file path=ppt/slides/slide26.xml><?xml version="1.0" encoding="utf-8"?>
+<file path=ppt/slides/slide25.xml><?xml version="1.0" encoding="utf-8"?>
 <p:sld xmlns:a="http://schemas.openxmlformats.org/drawingml/2006/main" xmlns:r="http://schemas.openxmlformats.org/officeDocument/2006/relationships" xmlns:p="http://schemas.openxmlformats.org/presentationml/2006/main">
   <p:cSld>
     <p:spTree>
@@ -10215,7 +10270,7 @@
         <p:spPr>
           <a:xfrm>
             <a:off x="381000" y="990600"/>
-            <a:ext cx="5777544" cy="461665"/>
+            <a:ext cx="5814412" cy="461665"/>
           </a:xfrm>
           <a:prstGeom prst="rect">
             <a:avLst/>
@@ -10236,7 +10291,7 @@
                   </a:schemeClr>
                 </a:solidFill>
               </a:rPr>
-              <a:t>We can also keep in separate JSX files</a:t>
+              <a:t>Including Header, Footer and Content</a:t>
             </a:r>
             <a:endParaRPr lang="en-US" sz="2400" b="1" dirty="0">
               <a:solidFill>
@@ -10248,48 +10303,9 @@
           </a:p>
         </p:txBody>
       </p:sp>
-      <p:sp>
-        <p:nvSpPr>
-          <p:cNvPr id="4" name="TextBox 3"/>
-          <p:cNvSpPr txBox="1"/>
-          <p:nvPr/>
-        </p:nvSpPr>
-        <p:spPr>
-          <a:xfrm>
-            <a:off x="228600" y="1752600"/>
-            <a:ext cx="6147837" cy="923330"/>
-          </a:xfrm>
-          <a:prstGeom prst="rect">
-            <a:avLst/>
-          </a:prstGeom>
-          <a:noFill/>
-        </p:spPr>
-        <p:txBody>
-          <a:bodyPr wrap="none" rtlCol="0">
-            <a:spAutoFit/>
-          </a:bodyPr>
-          <a:lstStyle/>
-          <a:p>
-            <a:r>
-              <a:rPr lang="en-US" dirty="0" smtClean="0"/>
-              <a:t>Let’s say I am creating a separate folder say common</a:t>
-            </a:r>
-          </a:p>
-          <a:p>
-            <a:endParaRPr lang="en-US" dirty="0"/>
-          </a:p>
-          <a:p>
-            <a:r>
-              <a:rPr lang="en-US" dirty="0" smtClean="0"/>
-              <a:t>Keeping Header and footer file there</a:t>
-            </a:r>
-            <a:endParaRPr lang="en-US" dirty="0"/>
-          </a:p>
-        </p:txBody>
-      </p:sp>
       <p:pic>
         <p:nvPicPr>
-          <p:cNvPr id="4098" name="Picture 2"/>
+          <p:cNvPr id="5122" name="Picture 2"/>
           <p:cNvPicPr>
             <a:picLocks noChangeAspect="1" noChangeArrowheads="1"/>
           </p:cNvPicPr>
@@ -10310,8 +10326,8 @@
         </p:blipFill>
         <p:spPr bwMode="auto">
           <a:xfrm>
-            <a:off x="368491" y="2819400"/>
-            <a:ext cx="3898710" cy="3867150"/>
+            <a:off x="538835" y="1600200"/>
+            <a:ext cx="6319165" cy="5000625"/>
           </a:xfrm>
           <a:prstGeom prst="rect">
             <a:avLst/>
@@ -10351,16 +10367,169 @@
           </a:extLst>
         </p:spPr>
       </p:pic>
+    </p:spTree>
+    <p:extLst>
+      <p:ext uri="{BB962C8B-B14F-4D97-AF65-F5344CB8AC3E}">
+        <p14:creationId xmlns:p14="http://schemas.microsoft.com/office/powerpoint/2010/main" val="4155295524"/>
+      </p:ext>
+    </p:extLst>
+  </p:cSld>
+  <p:clrMapOvr>
+    <a:masterClrMapping/>
+  </p:clrMapOvr>
+  <p:timing>
+    <p:tnLst>
+      <p:par>
+        <p:cTn id="1" dur="indefinite" restart="never" nodeType="tmRoot"/>
+      </p:par>
+    </p:tnLst>
+  </p:timing>
+</p:sld>
+</file>
+
+<file path=ppt/slides/slide26.xml><?xml version="1.0" encoding="utf-8"?>
+<p:sld xmlns:a="http://schemas.openxmlformats.org/drawingml/2006/main" xmlns:r="http://schemas.openxmlformats.org/officeDocument/2006/relationships" xmlns:p="http://schemas.openxmlformats.org/presentationml/2006/main">
+  <p:cSld>
+    <p:spTree>
+      <p:nvGrpSpPr>
+        <p:cNvPr id="1" name=""/>
+        <p:cNvGrpSpPr/>
+        <p:nvPr/>
+      </p:nvGrpSpPr>
+      <p:grpSpPr>
+        <a:xfrm>
+          <a:off x="0" y="0"/>
+          <a:ext cx="0" cy="0"/>
+          <a:chOff x="0" y="0"/>
+          <a:chExt cx="0" cy="0"/>
+        </a:xfrm>
+      </p:grpSpPr>
+      <p:sp>
+        <p:nvSpPr>
+          <p:cNvPr id="2" name="TextBox 1"/>
+          <p:cNvSpPr txBox="1"/>
+          <p:nvPr/>
+        </p:nvSpPr>
+        <p:spPr>
+          <a:xfrm>
+            <a:off x="228600" y="304800"/>
+            <a:ext cx="1021433" cy="461665"/>
+          </a:xfrm>
+          <a:prstGeom prst="rect">
+            <a:avLst/>
+          </a:prstGeom>
+          <a:noFill/>
+        </p:spPr>
+        <p:txBody>
+          <a:bodyPr wrap="none" rtlCol="0">
+            <a:spAutoFit/>
+          </a:bodyPr>
+          <a:lstStyle/>
+          <a:p>
+            <a:r>
+              <a:rPr lang="en-US" sz="2400" b="1" dirty="0" smtClean="0">
+                <a:solidFill>
+                  <a:schemeClr val="bg2">
+                    <a:lumMod val="50000"/>
+                  </a:schemeClr>
+                </a:solidFill>
+              </a:rPr>
+              <a:t>Props</a:t>
+            </a:r>
+            <a:endParaRPr lang="en-US" sz="2400" b="1" dirty="0">
+              <a:solidFill>
+                <a:schemeClr val="bg2">
+                  <a:lumMod val="50000"/>
+                </a:schemeClr>
+              </a:solidFill>
+            </a:endParaRPr>
+          </a:p>
+        </p:txBody>
+      </p:sp>
+      <p:sp>
+        <p:nvSpPr>
+          <p:cNvPr id="6" name="TextBox 5"/>
+          <p:cNvSpPr txBox="1"/>
+          <p:nvPr/>
+        </p:nvSpPr>
+        <p:spPr>
+          <a:xfrm>
+            <a:off x="551345" y="2266890"/>
+            <a:ext cx="184731" cy="369332"/>
+          </a:xfrm>
+          <a:prstGeom prst="rect">
+            <a:avLst/>
+          </a:prstGeom>
+          <a:noFill/>
+        </p:spPr>
+        <p:txBody>
+          <a:bodyPr wrap="none" rtlCol="0">
+            <a:spAutoFit/>
+          </a:bodyPr>
+          <a:lstStyle/>
+          <a:p>
+            <a:endParaRPr lang="en-US" b="1" dirty="0">
+              <a:solidFill>
+                <a:schemeClr val="bg2">
+                  <a:lumMod val="50000"/>
+                </a:schemeClr>
+              </a:solidFill>
+            </a:endParaRPr>
+          </a:p>
+        </p:txBody>
+      </p:sp>
+      <p:sp>
+        <p:nvSpPr>
+          <p:cNvPr id="3" name="TextBox 2"/>
+          <p:cNvSpPr txBox="1"/>
+          <p:nvPr/>
+        </p:nvSpPr>
+        <p:spPr>
+          <a:xfrm>
+            <a:off x="381000" y="990600"/>
+            <a:ext cx="8284640" cy="461665"/>
+          </a:xfrm>
+          <a:prstGeom prst="rect">
+            <a:avLst/>
+          </a:prstGeom>
+          <a:noFill/>
+        </p:spPr>
+        <p:txBody>
+          <a:bodyPr wrap="none" rtlCol="0">
+            <a:spAutoFit/>
+          </a:bodyPr>
+          <a:lstStyle/>
+          <a:p>
+            <a:r>
+              <a:rPr lang="en-US" sz="2400" b="1" dirty="0" smtClean="0">
+                <a:solidFill>
+                  <a:schemeClr val="bg2">
+                    <a:lumMod val="50000"/>
+                  </a:schemeClr>
+                </a:solidFill>
+              </a:rPr>
+              <a:t>We can pass data to children components using props</a:t>
+            </a:r>
+            <a:endParaRPr lang="en-US" sz="2400" b="1" dirty="0">
+              <a:solidFill>
+                <a:schemeClr val="bg2">
+                  <a:lumMod val="50000"/>
+                </a:schemeClr>
+              </a:solidFill>
+            </a:endParaRPr>
+          </a:p>
+        </p:txBody>
+      </p:sp>
       <p:pic>
         <p:nvPicPr>
-          <p:cNvPr id="4099" name="Picture 3"/>
+          <p:cNvPr id="6146" name="Picture 2"/>
           <p:cNvPicPr>
             <a:picLocks noChangeAspect="1" noChangeArrowheads="1"/>
           </p:cNvPicPr>
           <p:nvPr/>
         </p:nvPicPr>
         <p:blipFill>
-          <a:blip r:embed="rId3">
+          <a:blip r:embed="rId2">
             <a:extLst>
               <a:ext uri="{28A0092B-C50C-407E-A947-70E740481C1C}">
                 <a14:useLocalDpi xmlns:a14="http://schemas.microsoft.com/office/drawing/2010/main" val="0"/>
@@ -10374,8 +10543,8 @@
         </p:blipFill>
         <p:spPr bwMode="auto">
           <a:xfrm>
-            <a:off x="4572001" y="2747581"/>
-            <a:ext cx="4129718" cy="3876675"/>
+            <a:off x="551344" y="1434068"/>
+            <a:ext cx="5697055" cy="4772025"/>
           </a:xfrm>
           <a:prstGeom prst="rect">
             <a:avLst/>
@@ -10415,10 +10584,58 @@
           </a:extLst>
         </p:spPr>
       </p:pic>
+      <p:sp>
+        <p:nvSpPr>
+          <p:cNvPr id="4" name="TextBox 3"/>
+          <p:cNvSpPr txBox="1"/>
+          <p:nvPr/>
+        </p:nvSpPr>
+        <p:spPr>
+          <a:xfrm>
+            <a:off x="6781800" y="1828800"/>
+            <a:ext cx="2294218" cy="1200329"/>
+          </a:xfrm>
+          <a:prstGeom prst="rect">
+            <a:avLst/>
+          </a:prstGeom>
+          <a:noFill/>
+        </p:spPr>
+        <p:txBody>
+          <a:bodyPr wrap="none" rtlCol="0">
+            <a:spAutoFit/>
+          </a:bodyPr>
+          <a:lstStyle/>
+          <a:p>
+            <a:r>
+              <a:rPr lang="en-US" dirty="0" smtClean="0"/>
+              <a:t>We can pass any </a:t>
+            </a:r>
+          </a:p>
+          <a:p>
+            <a:r>
+              <a:rPr lang="en-US" dirty="0" smtClean="0"/>
+              <a:t>kind of data like </a:t>
+            </a:r>
+          </a:p>
+          <a:p>
+            <a:r>
+              <a:rPr lang="en-US" dirty="0" smtClean="0"/>
+              <a:t>string or object or </a:t>
+            </a:r>
+          </a:p>
+          <a:p>
+            <a:r>
+              <a:rPr lang="en-US" dirty="0" smtClean="0"/>
+              <a:t>function</a:t>
+            </a:r>
+            <a:endParaRPr lang="en-US" dirty="0"/>
+          </a:p>
+        </p:txBody>
+      </p:sp>
     </p:spTree>
     <p:extLst>
       <p:ext uri="{BB962C8B-B14F-4D97-AF65-F5344CB8AC3E}">
-        <p14:creationId xmlns:p14="http://schemas.microsoft.com/office/powerpoint/2010/main" val="1083070238"/>
+        <p14:creationId xmlns:p14="http://schemas.microsoft.com/office/powerpoint/2010/main" val="1545201661"/>
       </p:ext>
     </p:extLst>
   </p:cSld>
@@ -10461,7 +10678,7 @@
         <p:spPr>
           <a:xfrm>
             <a:off x="228600" y="304800"/>
-            <a:ext cx="2082621" cy="461665"/>
+            <a:ext cx="1021433" cy="461665"/>
           </a:xfrm>
           <a:prstGeom prst="rect">
             <a:avLst/>
@@ -10482,7 +10699,7 @@
                   </a:schemeClr>
                 </a:solidFill>
               </a:rPr>
-              <a:t>Components</a:t>
+              <a:t>Props</a:t>
             </a:r>
             <a:endParaRPr lang="en-US" sz="2400" b="1" dirty="0">
               <a:solidFill>
@@ -10535,7 +10752,7 @@
         <p:spPr>
           <a:xfrm>
             <a:off x="381000" y="990600"/>
-            <a:ext cx="5814412" cy="461665"/>
+            <a:ext cx="4562467" cy="461665"/>
           </a:xfrm>
           <a:prstGeom prst="rect">
             <a:avLst/>
@@ -10556,7 +10773,7 @@
                   </a:schemeClr>
                 </a:solidFill>
               </a:rPr>
-              <a:t>Including Header, Footer and Content</a:t>
+              <a:t>We can access the props like </a:t>
             </a:r>
             <a:endParaRPr lang="en-US" sz="2400" b="1" dirty="0">
               <a:solidFill>
@@ -10570,7 +10787,7 @@
       </p:sp>
       <p:pic>
         <p:nvPicPr>
-          <p:cNvPr id="5122" name="Picture 2"/>
+          <p:cNvPr id="7170" name="Picture 2"/>
           <p:cNvPicPr>
             <a:picLocks noChangeAspect="1" noChangeArrowheads="1"/>
           </p:cNvPicPr>
@@ -10591,8 +10808,8 @@
         </p:blipFill>
         <p:spPr bwMode="auto">
           <a:xfrm>
-            <a:off x="538835" y="1600200"/>
-            <a:ext cx="6319165" cy="5000625"/>
+            <a:off x="551345" y="1452265"/>
+            <a:ext cx="5924550" cy="2057400"/>
           </a:xfrm>
           <a:prstGeom prst="rect">
             <a:avLst/>
@@ -10635,7 +10852,7 @@
     </p:spTree>
     <p:extLst>
       <p:ext uri="{BB962C8B-B14F-4D97-AF65-F5344CB8AC3E}">
-        <p14:creationId xmlns:p14="http://schemas.microsoft.com/office/powerpoint/2010/main" val="4155295524"/>
+        <p14:creationId xmlns:p14="http://schemas.microsoft.com/office/powerpoint/2010/main" val="895807522"/>
       </p:ext>
     </p:extLst>
   </p:cSld>
@@ -10669,73 +10886,6 @@
           <a:chExt cx="0" cy="0"/>
         </a:xfrm>
       </p:grpSpPr>
-      <p:pic>
-        <p:nvPicPr>
-          <p:cNvPr id="4" name="Picture 3"/>
-          <p:cNvPicPr>
-            <a:picLocks noChangeAspect="1"/>
-          </p:cNvPicPr>
-          <p:nvPr/>
-        </p:nvPicPr>
-        <p:blipFill>
-          <a:blip r:embed="rId2">
-            <a:extLst>
-              <a:ext uri="{28A0092B-C50C-407E-A947-70E740481C1C}">
-                <a14:useLocalDpi xmlns:a14="http://schemas.microsoft.com/office/drawing/2010/main" val="0"/>
-              </a:ext>
-            </a:extLst>
-          </a:blip>
-          <a:stretch>
-            <a:fillRect/>
-          </a:stretch>
-        </p:blipFill>
-        <p:spPr>
-          <a:xfrm>
-            <a:off x="1981200" y="1981200"/>
-            <a:ext cx="5962650" cy="2595506"/>
-          </a:xfrm>
-          <a:prstGeom prst="rect">
-            <a:avLst/>
-          </a:prstGeom>
-        </p:spPr>
-      </p:pic>
-    </p:spTree>
-    <p:extLst>
-      <p:ext uri="{BB962C8B-B14F-4D97-AF65-F5344CB8AC3E}">
-        <p14:creationId xmlns:p14="http://schemas.microsoft.com/office/powerpoint/2010/main" val="3592645107"/>
-      </p:ext>
-    </p:extLst>
-  </p:cSld>
-  <p:clrMapOvr>
-    <a:masterClrMapping/>
-  </p:clrMapOvr>
-  <p:timing>
-    <p:tnLst>
-      <p:par>
-        <p:cTn id="1" dur="indefinite" restart="never" nodeType="tmRoot"/>
-      </p:par>
-    </p:tnLst>
-  </p:timing>
-</p:sld>
-</file>
-
-<file path=ppt/slides/slide29.xml><?xml version="1.0" encoding="utf-8"?>
-<p:sld xmlns:a="http://schemas.openxmlformats.org/drawingml/2006/main" xmlns:r="http://schemas.openxmlformats.org/officeDocument/2006/relationships" xmlns:p="http://schemas.openxmlformats.org/presentationml/2006/main">
-  <p:cSld>
-    <p:spTree>
-      <p:nvGrpSpPr>
-        <p:cNvPr id="1" name=""/>
-        <p:cNvGrpSpPr/>
-        <p:nvPr/>
-      </p:nvGrpSpPr>
-      <p:grpSpPr>
-        <a:xfrm>
-          <a:off x="0" y="0"/>
-          <a:ext cx="0" cy="0"/>
-          <a:chOff x="0" y="0"/>
-          <a:chExt cx="0" cy="0"/>
-        </a:xfrm>
-      </p:grpSpPr>
       <p:sp>
         <p:nvSpPr>
           <p:cNvPr id="2" name="TextBox 1"/>
@@ -10819,7 +10969,7 @@
         <p:spPr>
           <a:xfrm>
             <a:off x="381000" y="990600"/>
-            <a:ext cx="8284640" cy="461665"/>
+            <a:ext cx="4562467" cy="461665"/>
           </a:xfrm>
           <a:prstGeom prst="rect">
             <a:avLst/>
@@ -10840,7 +10990,7 @@
                   </a:schemeClr>
                 </a:solidFill>
               </a:rPr>
-              <a:t>We can pass data to children components using props</a:t>
+              <a:t>We can access the props like </a:t>
             </a:r>
             <a:endParaRPr lang="en-US" sz="2400" b="1" dirty="0">
               <a:solidFill>
@@ -10854,7 +11004,7 @@
       </p:sp>
       <p:pic>
         <p:nvPicPr>
-          <p:cNvPr id="6146" name="Picture 2"/>
+          <p:cNvPr id="8195" name="Picture 3"/>
           <p:cNvPicPr>
             <a:picLocks noChangeAspect="1" noChangeArrowheads="1"/>
           </p:cNvPicPr>
@@ -10875,8 +11025,8 @@
         </p:blipFill>
         <p:spPr bwMode="auto">
           <a:xfrm>
-            <a:off x="551344" y="1434068"/>
-            <a:ext cx="5697055" cy="4772025"/>
+            <a:off x="623238" y="1452265"/>
+            <a:ext cx="6505575" cy="5000625"/>
           </a:xfrm>
           <a:prstGeom prst="rect">
             <a:avLst/>
@@ -10916,16 +11066,53 @@
           </a:extLst>
         </p:spPr>
       </p:pic>
-      <p:sp>
-        <p:nvSpPr>
-          <p:cNvPr id="4" name="TextBox 3"/>
+    </p:spTree>
+    <p:extLst>
+      <p:ext uri="{BB962C8B-B14F-4D97-AF65-F5344CB8AC3E}">
+        <p14:creationId xmlns:p14="http://schemas.microsoft.com/office/powerpoint/2010/main" val="3699217357"/>
+      </p:ext>
+    </p:extLst>
+  </p:cSld>
+  <p:clrMapOvr>
+    <a:masterClrMapping/>
+  </p:clrMapOvr>
+  <p:timing>
+    <p:tnLst>
+      <p:par>
+        <p:cTn id="1" dur="indefinite" restart="never" nodeType="tmRoot"/>
+      </p:par>
+    </p:tnLst>
+  </p:timing>
+</p:sld>
+</file>
+
+<file path=ppt/slides/slide29.xml><?xml version="1.0" encoding="utf-8"?>
+<p:sld xmlns:a="http://schemas.openxmlformats.org/drawingml/2006/main" xmlns:r="http://schemas.openxmlformats.org/officeDocument/2006/relationships" xmlns:p="http://schemas.openxmlformats.org/presentationml/2006/main">
+  <p:cSld>
+    <p:spTree>
+      <p:nvGrpSpPr>
+        <p:cNvPr id="1" name=""/>
+        <p:cNvGrpSpPr/>
+        <p:nvPr/>
+      </p:nvGrpSpPr>
+      <p:grpSpPr>
+        <a:xfrm>
+          <a:off x="0" y="0"/>
+          <a:ext cx="0" cy="0"/>
+          <a:chOff x="0" y="0"/>
+          <a:chExt cx="0" cy="0"/>
+        </a:xfrm>
+      </p:grpSpPr>
+      <p:sp>
+        <p:nvSpPr>
+          <p:cNvPr id="2" name="TextBox 1"/>
           <p:cNvSpPr txBox="1"/>
           <p:nvPr/>
         </p:nvSpPr>
         <p:spPr>
           <a:xfrm>
-            <a:off x="6781800" y="1828800"/>
-            <a:ext cx="2294218" cy="1200329"/>
+            <a:off x="228600" y="304800"/>
+            <a:ext cx="1742785" cy="461665"/>
           </a:xfrm>
           <a:prstGeom prst="rect">
             <a:avLst/>
@@ -10939,35 +11126,349 @@
           <a:lstStyle/>
           <a:p>
             <a:r>
+              <a:rPr lang="en-US" sz="2400" b="1" dirty="0" err="1" smtClean="0">
+                <a:solidFill>
+                  <a:schemeClr val="bg2">
+                    <a:lumMod val="50000"/>
+                  </a:schemeClr>
+                </a:solidFill>
+              </a:rPr>
+              <a:t>PropTypes</a:t>
+            </a:r>
+            <a:endParaRPr lang="en-US" sz="2400" b="1" dirty="0">
+              <a:solidFill>
+                <a:schemeClr val="bg2">
+                  <a:lumMod val="50000"/>
+                </a:schemeClr>
+              </a:solidFill>
+            </a:endParaRPr>
+          </a:p>
+        </p:txBody>
+      </p:sp>
+      <p:sp>
+        <p:nvSpPr>
+          <p:cNvPr id="6" name="TextBox 5"/>
+          <p:cNvSpPr txBox="1"/>
+          <p:nvPr/>
+        </p:nvSpPr>
+        <p:spPr>
+          <a:xfrm>
+            <a:off x="551345" y="2266890"/>
+            <a:ext cx="184731" cy="369332"/>
+          </a:xfrm>
+          <a:prstGeom prst="rect">
+            <a:avLst/>
+          </a:prstGeom>
+          <a:noFill/>
+        </p:spPr>
+        <p:txBody>
+          <a:bodyPr wrap="none" rtlCol="0">
+            <a:spAutoFit/>
+          </a:bodyPr>
+          <a:lstStyle/>
+          <a:p>
+            <a:endParaRPr lang="en-US" b="1" dirty="0">
+              <a:solidFill>
+                <a:schemeClr val="bg2">
+                  <a:lumMod val="50000"/>
+                </a:schemeClr>
+              </a:solidFill>
+            </a:endParaRPr>
+          </a:p>
+        </p:txBody>
+      </p:sp>
+      <p:sp>
+        <p:nvSpPr>
+          <p:cNvPr id="3" name="TextBox 2"/>
+          <p:cNvSpPr txBox="1"/>
+          <p:nvPr/>
+        </p:nvSpPr>
+        <p:spPr>
+          <a:xfrm>
+            <a:off x="228600" y="990600"/>
+            <a:ext cx="6643165" cy="2031325"/>
+          </a:xfrm>
+          <a:prstGeom prst="rect">
+            <a:avLst/>
+          </a:prstGeom>
+          <a:noFill/>
+        </p:spPr>
+        <p:txBody>
+          <a:bodyPr wrap="none" rtlCol="0">
+            <a:spAutoFit/>
+          </a:bodyPr>
+          <a:lstStyle/>
+          <a:p>
+            <a:r>
               <a:rPr lang="en-US" dirty="0" smtClean="0"/>
-              <a:t>We can pass any </a:t>
-            </a:r>
+              <a:t>So sometimes people are making mistakes to pass props </a:t>
+            </a:r>
+          </a:p>
+          <a:p>
+            <a:endParaRPr lang="en-US" dirty="0"/>
           </a:p>
           <a:p>
             <a:r>
               <a:rPr lang="en-US" dirty="0" smtClean="0"/>
-              <a:t>kind of data like </a:t>
-            </a:r>
+              <a:t>Let’s say in Header I am passing the prop as </a:t>
+            </a:r>
+            <a:r>
+              <a:rPr lang="en-US" b="1" i="1" dirty="0" smtClean="0"/>
+              <a:t>true</a:t>
+            </a:r>
+          </a:p>
+          <a:p>
+            <a:endParaRPr lang="en-US" b="1" i="1" dirty="0"/>
+          </a:p>
+          <a:p>
+            <a:endParaRPr lang="en-US" b="1" i="1" dirty="0" smtClean="0"/>
+          </a:p>
+          <a:p>
+            <a:endParaRPr lang="en-US" b="1" i="1" dirty="0"/>
           </a:p>
           <a:p>
             <a:r>
               <a:rPr lang="en-US" dirty="0" smtClean="0"/>
-              <a:t>string or object or </a:t>
-            </a:r>
-          </a:p>
-          <a:p>
-            <a:r>
-              <a:rPr lang="en-US" dirty="0" smtClean="0"/>
-              <a:t>function</a:t>
+              <a:t>But in the component it is expecting a string</a:t>
             </a:r>
             <a:endParaRPr lang="en-US" dirty="0"/>
+          </a:p>
+        </p:txBody>
+      </p:sp>
+      <p:pic>
+        <p:nvPicPr>
+          <p:cNvPr id="1026" name="Picture 2"/>
+          <p:cNvPicPr>
+            <a:picLocks noChangeAspect="1" noChangeArrowheads="1"/>
+          </p:cNvPicPr>
+          <p:nvPr/>
+        </p:nvPicPr>
+        <p:blipFill>
+          <a:blip r:embed="rId2">
+            <a:extLst>
+              <a:ext uri="{28A0092B-C50C-407E-A947-70E740481C1C}">
+                <a14:useLocalDpi xmlns:a14="http://schemas.microsoft.com/office/drawing/2010/main" val="0"/>
+              </a:ext>
+            </a:extLst>
+          </a:blip>
+          <a:srcRect/>
+          <a:stretch>
+            <a:fillRect/>
+          </a:stretch>
+        </p:blipFill>
+        <p:spPr bwMode="auto">
+          <a:xfrm>
+            <a:off x="252484" y="1964222"/>
+            <a:ext cx="3057525" cy="333375"/>
+          </a:xfrm>
+          <a:prstGeom prst="rect">
+            <a:avLst/>
+          </a:prstGeom>
+          <a:noFill/>
+          <a:ln>
+            <a:noFill/>
+          </a:ln>
+          <a:effectLst/>
+          <a:extLst>
+            <a:ext uri="{909E8E84-426E-40DD-AFC4-6F175D3DCCD1}">
+              <a14:hiddenFill xmlns:a14="http://schemas.microsoft.com/office/drawing/2010/main">
+                <a:solidFill>
+                  <a:schemeClr val="accent1"/>
+                </a:solidFill>
+              </a14:hiddenFill>
+            </a:ext>
+            <a:ext uri="{91240B29-F687-4F45-9708-019B960494DF}">
+              <a14:hiddenLine xmlns:a14="http://schemas.microsoft.com/office/drawing/2010/main" w="9525">
+                <a:solidFill>
+                  <a:schemeClr val="tx1"/>
+                </a:solidFill>
+                <a:miter lim="800000"/>
+                <a:headEnd/>
+                <a:tailEnd/>
+              </a14:hiddenLine>
+            </a:ext>
+            <a:ext uri="{AF507438-7753-43E0-B8FC-AC1667EBCBE1}">
+              <a14:hiddenEffects xmlns:a14="http://schemas.microsoft.com/office/drawing/2010/main">
+                <a:effectLst>
+                  <a:outerShdw dist="35921" dir="2700000" algn="ctr" rotWithShape="0">
+                    <a:schemeClr val="bg2"/>
+                  </a:outerShdw>
+                </a:effectLst>
+              </a14:hiddenEffects>
+            </a:ext>
+          </a:extLst>
+        </p:spPr>
+      </p:pic>
+      <p:pic>
+        <p:nvPicPr>
+          <p:cNvPr id="1027" name="Picture 3"/>
+          <p:cNvPicPr>
+            <a:picLocks noChangeAspect="1" noChangeArrowheads="1"/>
+          </p:cNvPicPr>
+          <p:nvPr/>
+        </p:nvPicPr>
+        <p:blipFill>
+          <a:blip r:embed="rId3">
+            <a:extLst>
+              <a:ext uri="{28A0092B-C50C-407E-A947-70E740481C1C}">
+                <a14:useLocalDpi xmlns:a14="http://schemas.microsoft.com/office/drawing/2010/main" val="0"/>
+              </a:ext>
+            </a:extLst>
+          </a:blip>
+          <a:srcRect/>
+          <a:stretch>
+            <a:fillRect/>
+          </a:stretch>
+        </p:blipFill>
+        <p:spPr bwMode="auto">
+          <a:xfrm>
+            <a:off x="252484" y="3124200"/>
+            <a:ext cx="6257925" cy="2047875"/>
+          </a:xfrm>
+          <a:prstGeom prst="rect">
+            <a:avLst/>
+          </a:prstGeom>
+          <a:noFill/>
+          <a:ln>
+            <a:noFill/>
+          </a:ln>
+          <a:effectLst/>
+          <a:extLst>
+            <a:ext uri="{909E8E84-426E-40DD-AFC4-6F175D3DCCD1}">
+              <a14:hiddenFill xmlns:a14="http://schemas.microsoft.com/office/drawing/2010/main">
+                <a:solidFill>
+                  <a:schemeClr val="accent1"/>
+                </a:solidFill>
+              </a14:hiddenFill>
+            </a:ext>
+            <a:ext uri="{91240B29-F687-4F45-9708-019B960494DF}">
+              <a14:hiddenLine xmlns:a14="http://schemas.microsoft.com/office/drawing/2010/main" w="9525">
+                <a:solidFill>
+                  <a:schemeClr val="tx1"/>
+                </a:solidFill>
+                <a:miter lim="800000"/>
+                <a:headEnd/>
+                <a:tailEnd/>
+              </a14:hiddenLine>
+            </a:ext>
+            <a:ext uri="{AF507438-7753-43E0-B8FC-AC1667EBCBE1}">
+              <a14:hiddenEffects xmlns:a14="http://schemas.microsoft.com/office/drawing/2010/main">
+                <a:effectLst>
+                  <a:outerShdw dist="35921" dir="2700000" algn="ctr" rotWithShape="0">
+                    <a:schemeClr val="bg2"/>
+                  </a:outerShdw>
+                </a:effectLst>
+              </a14:hiddenEffects>
+            </a:ext>
+          </a:extLst>
+        </p:spPr>
+      </p:pic>
+      <p:pic>
+        <p:nvPicPr>
+          <p:cNvPr id="1028" name="Picture 4"/>
+          <p:cNvPicPr>
+            <a:picLocks noChangeAspect="1" noChangeArrowheads="1"/>
+          </p:cNvPicPr>
+          <p:nvPr/>
+        </p:nvPicPr>
+        <p:blipFill>
+          <a:blip r:embed="rId4">
+            <a:extLst>
+              <a:ext uri="{28A0092B-C50C-407E-A947-70E740481C1C}">
+                <a14:useLocalDpi xmlns:a14="http://schemas.microsoft.com/office/drawing/2010/main" val="0"/>
+              </a:ext>
+            </a:extLst>
+          </a:blip>
+          <a:srcRect/>
+          <a:stretch>
+            <a:fillRect/>
+          </a:stretch>
+        </p:blipFill>
+        <p:spPr bwMode="auto">
+          <a:xfrm>
+            <a:off x="252484" y="5295900"/>
+            <a:ext cx="2133600" cy="1409700"/>
+          </a:xfrm>
+          <a:prstGeom prst="rect">
+            <a:avLst/>
+          </a:prstGeom>
+          <a:noFill/>
+          <a:ln>
+            <a:noFill/>
+          </a:ln>
+          <a:effectLst/>
+          <a:extLst>
+            <a:ext uri="{909E8E84-426E-40DD-AFC4-6F175D3DCCD1}">
+              <a14:hiddenFill xmlns:a14="http://schemas.microsoft.com/office/drawing/2010/main">
+                <a:solidFill>
+                  <a:schemeClr val="accent1"/>
+                </a:solidFill>
+              </a14:hiddenFill>
+            </a:ext>
+            <a:ext uri="{91240B29-F687-4F45-9708-019B960494DF}">
+              <a14:hiddenLine xmlns:a14="http://schemas.microsoft.com/office/drawing/2010/main" w="9525">
+                <a:solidFill>
+                  <a:schemeClr val="tx1"/>
+                </a:solidFill>
+                <a:miter lim="800000"/>
+                <a:headEnd/>
+                <a:tailEnd/>
+              </a14:hiddenLine>
+            </a:ext>
+            <a:ext uri="{AF507438-7753-43E0-B8FC-AC1667EBCBE1}">
+              <a14:hiddenEffects xmlns:a14="http://schemas.microsoft.com/office/drawing/2010/main">
+                <a:effectLst>
+                  <a:outerShdw dist="35921" dir="2700000" algn="ctr" rotWithShape="0">
+                    <a:schemeClr val="bg2"/>
+                  </a:outerShdw>
+                </a:effectLst>
+              </a14:hiddenEffects>
+            </a:ext>
+          </a:extLst>
+        </p:spPr>
+      </p:pic>
+      <p:sp>
+        <p:nvSpPr>
+          <p:cNvPr id="4" name="TextBox 3"/>
+          <p:cNvSpPr txBox="1"/>
+          <p:nvPr/>
+        </p:nvSpPr>
+        <p:spPr>
+          <a:xfrm>
+            <a:off x="2573015" y="5926256"/>
+            <a:ext cx="3918060" cy="369332"/>
+          </a:xfrm>
+          <a:prstGeom prst="rect">
+            <a:avLst/>
+          </a:prstGeom>
+          <a:noFill/>
+        </p:spPr>
+        <p:txBody>
+          <a:bodyPr wrap="none" rtlCol="0">
+            <a:spAutoFit/>
+          </a:bodyPr>
+          <a:lstStyle/>
+          <a:p>
+            <a:r>
+              <a:rPr lang="en-US" dirty="0" smtClean="0">
+                <a:solidFill>
+                  <a:schemeClr val="bg1"/>
+                </a:solidFill>
+              </a:rPr>
+              <a:t>In the output it will show nothing</a:t>
+            </a:r>
+            <a:endParaRPr lang="en-US" dirty="0">
+              <a:solidFill>
+                <a:schemeClr val="bg1"/>
+              </a:solidFill>
+            </a:endParaRPr>
           </a:p>
         </p:txBody>
       </p:sp>
     </p:spTree>
     <p:extLst>
       <p:ext uri="{BB962C8B-B14F-4D97-AF65-F5344CB8AC3E}">
-        <p14:creationId xmlns:p14="http://schemas.microsoft.com/office/powerpoint/2010/main" val="1545201661"/>
+        <p14:creationId xmlns:p14="http://schemas.microsoft.com/office/powerpoint/2010/main" val="1457550905"/>
       </p:ext>
     </p:extLst>
   </p:cSld>
@@ -11181,7 +11682,7 @@
         <p:spPr>
           <a:xfrm>
             <a:off x="228600" y="304800"/>
-            <a:ext cx="1021433" cy="461665"/>
+            <a:ext cx="1742785" cy="461665"/>
           </a:xfrm>
           <a:prstGeom prst="rect">
             <a:avLst/>
@@ -11195,14 +11696,14 @@
           <a:lstStyle/>
           <a:p>
             <a:r>
-              <a:rPr lang="en-US" sz="2400" b="1" dirty="0" smtClean="0">
+              <a:rPr lang="en-US" sz="2400" b="1" dirty="0" err="1" smtClean="0">
                 <a:solidFill>
                   <a:schemeClr val="bg2">
                     <a:lumMod val="50000"/>
                   </a:schemeClr>
                 </a:solidFill>
               </a:rPr>
-              <a:t>Props</a:t>
+              <a:t>PropTypes</a:t>
             </a:r>
             <a:endParaRPr lang="en-US" sz="2400" b="1" dirty="0">
               <a:solidFill>
@@ -11254,8 +11755,8 @@
         </p:nvSpPr>
         <p:spPr>
           <a:xfrm>
-            <a:off x="381000" y="990600"/>
-            <a:ext cx="4562467" cy="461665"/>
+            <a:off x="228600" y="990600"/>
+            <a:ext cx="6684843" cy="400110"/>
           </a:xfrm>
           <a:prstGeom prst="rect">
             <a:avLst/>
@@ -11269,16 +11770,30 @@
           <a:lstStyle/>
           <a:p>
             <a:r>
-              <a:rPr lang="en-US" sz="2400" b="1" dirty="0" smtClean="0">
+              <a:rPr lang="en-US" dirty="0" smtClean="0"/>
+              <a:t>How we can validate that </a:t>
+            </a:r>
+            <a:r>
+              <a:rPr lang="en-US" sz="2000" b="1" i="1" dirty="0">
                 <a:solidFill>
                   <a:schemeClr val="bg2">
                     <a:lumMod val="50000"/>
                   </a:schemeClr>
                 </a:solidFill>
               </a:rPr>
-              <a:t>We can access the props like </a:t>
-            </a:r>
-            <a:endParaRPr lang="en-US" sz="2400" b="1" dirty="0">
+              <a:t>In Normal World of </a:t>
+            </a:r>
+            <a:r>
+              <a:rPr lang="en-US" sz="2000" b="1" i="1" dirty="0" err="1">
+                <a:solidFill>
+                  <a:schemeClr val="bg2">
+                    <a:lumMod val="50000"/>
+                  </a:schemeClr>
+                </a:solidFill>
+              </a:rPr>
+              <a:t>Javascript</a:t>
+            </a:r>
+            <a:endParaRPr lang="en-US" sz="2400" b="1" i="1" dirty="0">
               <a:solidFill>
                 <a:schemeClr val="bg2">
                   <a:lumMod val="50000"/>
@@ -11290,7 +11805,7 @@
       </p:sp>
       <p:pic>
         <p:nvPicPr>
-          <p:cNvPr id="7170" name="Picture 2"/>
+          <p:cNvPr id="2050" name="Picture 2"/>
           <p:cNvPicPr>
             <a:picLocks noChangeAspect="1" noChangeArrowheads="1"/>
           </p:cNvPicPr>
@@ -11311,8 +11826,8 @@
         </p:blipFill>
         <p:spPr bwMode="auto">
           <a:xfrm>
-            <a:off x="551345" y="1452265"/>
-            <a:ext cx="5924550" cy="2057400"/>
+            <a:off x="142875" y="1447800"/>
+            <a:ext cx="8858250" cy="2657475"/>
           </a:xfrm>
           <a:prstGeom prst="rect">
             <a:avLst/>
@@ -11355,7 +11870,7 @@
     </p:spTree>
     <p:extLst>
       <p:ext uri="{BB962C8B-B14F-4D97-AF65-F5344CB8AC3E}">
-        <p14:creationId xmlns:p14="http://schemas.microsoft.com/office/powerpoint/2010/main" val="895807522"/>
+        <p14:creationId xmlns:p14="http://schemas.microsoft.com/office/powerpoint/2010/main" val="1058748662"/>
       </p:ext>
     </p:extLst>
   </p:cSld>
@@ -11398,7 +11913,7 @@
         <p:spPr>
           <a:xfrm>
             <a:off x="228600" y="304800"/>
-            <a:ext cx="1021433" cy="461665"/>
+            <a:ext cx="1742785" cy="461665"/>
           </a:xfrm>
           <a:prstGeom prst="rect">
             <a:avLst/>
@@ -11412,14 +11927,14 @@
           <a:lstStyle/>
           <a:p>
             <a:r>
-              <a:rPr lang="en-US" sz="2400" b="1" dirty="0" smtClean="0">
+              <a:rPr lang="en-US" sz="2400" b="1" dirty="0" err="1" smtClean="0">
                 <a:solidFill>
                   <a:schemeClr val="bg2">
                     <a:lumMod val="50000"/>
                   </a:schemeClr>
                 </a:solidFill>
               </a:rPr>
-              <a:t>Props</a:t>
+              <a:t>PropTypes</a:t>
             </a:r>
             <a:endParaRPr lang="en-US" sz="2400" b="1" dirty="0">
               <a:solidFill>
@@ -11471,8 +11986,8 @@
         </p:nvSpPr>
         <p:spPr>
           <a:xfrm>
-            <a:off x="381000" y="990600"/>
-            <a:ext cx="4562467" cy="461665"/>
+            <a:off x="228600" y="990600"/>
+            <a:ext cx="3708066" cy="461665"/>
           </a:xfrm>
           <a:prstGeom prst="rect">
             <a:avLst/>
@@ -11486,16 +12001,16 @@
           <a:lstStyle/>
           <a:p>
             <a:r>
-              <a:rPr lang="en-US" sz="2400" b="1" dirty="0" smtClean="0">
+              <a:rPr lang="en-US" sz="2400" b="1" i="1" dirty="0" smtClean="0">
                 <a:solidFill>
                   <a:schemeClr val="bg2">
                     <a:lumMod val="50000"/>
                   </a:schemeClr>
                 </a:solidFill>
               </a:rPr>
-              <a:t>We can access the props like </a:t>
-            </a:r>
-            <a:endParaRPr lang="en-US" sz="2400" b="1" dirty="0">
+              <a:t>We can also write it like</a:t>
+            </a:r>
+            <a:endParaRPr lang="en-US" sz="2400" b="1" i="1" dirty="0">
               <a:solidFill>
                 <a:schemeClr val="bg2">
                   <a:lumMod val="50000"/>
@@ -11507,7 +12022,7 @@
       </p:sp>
       <p:pic>
         <p:nvPicPr>
-          <p:cNvPr id="8195" name="Picture 3"/>
+          <p:cNvPr id="3074" name="Picture 2"/>
           <p:cNvPicPr>
             <a:picLocks noChangeAspect="1" noChangeArrowheads="1"/>
           </p:cNvPicPr>
@@ -11528,8 +12043,8 @@
         </p:blipFill>
         <p:spPr bwMode="auto">
           <a:xfrm>
-            <a:off x="623238" y="1452265"/>
-            <a:ext cx="6505575" cy="5000625"/>
+            <a:off x="227463" y="1603470"/>
+            <a:ext cx="8496300" cy="3714750"/>
           </a:xfrm>
           <a:prstGeom prst="rect">
             <a:avLst/>
@@ -11572,7 +12087,7 @@
     </p:spTree>
     <p:extLst>
       <p:ext uri="{BB962C8B-B14F-4D97-AF65-F5344CB8AC3E}">
-        <p14:creationId xmlns:p14="http://schemas.microsoft.com/office/powerpoint/2010/main" val="3699217357"/>
+        <p14:creationId xmlns:p14="http://schemas.microsoft.com/office/powerpoint/2010/main" val="615633516"/>
       </p:ext>
     </p:extLst>
   </p:cSld>
@@ -11689,7 +12204,7 @@
         <p:spPr>
           <a:xfrm>
             <a:off x="228600" y="990600"/>
-            <a:ext cx="6643165" cy="2031325"/>
+            <a:ext cx="2331087" cy="461665"/>
           </a:xfrm>
           <a:prstGeom prst="rect">
             <a:avLst/>
@@ -11703,44 +12218,89 @@
           <a:lstStyle/>
           <a:p>
             <a:r>
+              <a:rPr lang="en-US" sz="2400" b="1" i="1" dirty="0" smtClean="0">
+                <a:solidFill>
+                  <a:schemeClr val="bg2">
+                    <a:lumMod val="50000"/>
+                  </a:schemeClr>
+                </a:solidFill>
+              </a:rPr>
+              <a:t>In React World</a:t>
+            </a:r>
+            <a:endParaRPr lang="en-US" sz="2400" b="1" i="1" dirty="0">
+              <a:solidFill>
+                <a:schemeClr val="bg2">
+                  <a:lumMod val="50000"/>
+                </a:schemeClr>
+              </a:solidFill>
+            </a:endParaRPr>
+          </a:p>
+        </p:txBody>
+      </p:sp>
+      <p:sp>
+        <p:nvSpPr>
+          <p:cNvPr id="4" name="TextBox 3"/>
+          <p:cNvSpPr txBox="1"/>
+          <p:nvPr/>
+        </p:nvSpPr>
+        <p:spPr>
+          <a:xfrm>
+            <a:off x="381000" y="1752600"/>
+            <a:ext cx="6123792" cy="2585323"/>
+          </a:xfrm>
+          <a:prstGeom prst="rect">
+            <a:avLst/>
+          </a:prstGeom>
+          <a:noFill/>
+        </p:spPr>
+        <p:txBody>
+          <a:bodyPr wrap="none" rtlCol="0">
+            <a:spAutoFit/>
+          </a:bodyPr>
+          <a:lstStyle/>
+          <a:p>
+            <a:r>
               <a:rPr lang="en-US" dirty="0" smtClean="0"/>
-              <a:t>So sometimes people are making mistakes to pass props </a:t>
+              <a:t>Here we need to include an </a:t>
+            </a:r>
+            <a:r>
+              <a:rPr lang="en-US" dirty="0" err="1" smtClean="0"/>
+              <a:t>npm</a:t>
+            </a:r>
+            <a:r>
+              <a:rPr lang="en-US" dirty="0" smtClean="0"/>
+              <a:t>, built by React team</a:t>
             </a:r>
           </a:p>
           <a:p>
             <a:endParaRPr lang="en-US" dirty="0"/>
           </a:p>
           <a:p>
-            <a:r>
-              <a:rPr lang="en-US" dirty="0" smtClean="0"/>
-              <a:t>Let’s say in Header I am passing the prop as </a:t>
-            </a:r>
-            <a:r>
-              <a:rPr lang="en-US" b="1" i="1" dirty="0" smtClean="0"/>
-              <a:t>true</a:t>
-            </a:r>
-          </a:p>
-          <a:p>
-            <a:endParaRPr lang="en-US" b="1" i="1" dirty="0"/>
-          </a:p>
-          <a:p>
-            <a:endParaRPr lang="en-US" b="1" i="1" dirty="0" smtClean="0"/>
-          </a:p>
-          <a:p>
-            <a:endParaRPr lang="en-US" b="1" i="1" dirty="0"/>
-          </a:p>
-          <a:p>
-            <a:r>
-              <a:rPr lang="en-US" dirty="0" smtClean="0"/>
-              <a:t>But in the component it is expecting a string</a:t>
-            </a:r>
+            <a:endParaRPr lang="en-US" dirty="0" smtClean="0"/>
+          </a:p>
+          <a:p>
+            <a:endParaRPr lang="en-US" dirty="0"/>
+          </a:p>
+          <a:p>
+            <a:endParaRPr lang="en-US" dirty="0" smtClean="0"/>
+          </a:p>
+          <a:p>
+            <a:endParaRPr lang="en-US" dirty="0" smtClean="0"/>
+          </a:p>
+          <a:p>
+            <a:endParaRPr lang="en-US" dirty="0"/>
+          </a:p>
+          <a:p>
+            <a:endParaRPr lang="en-US" dirty="0" smtClean="0"/>
+          </a:p>
+          <a:p>
             <a:endParaRPr lang="en-US" dirty="0"/>
           </a:p>
         </p:txBody>
       </p:sp>
       <p:pic>
         <p:nvPicPr>
-          <p:cNvPr id="1026" name="Picture 2"/>
+          <p:cNvPr id="4098" name="Picture 2"/>
           <p:cNvPicPr>
             <a:picLocks noChangeAspect="1" noChangeArrowheads="1"/>
           </p:cNvPicPr>
@@ -11761,8 +12321,8 @@
         </p:blipFill>
         <p:spPr bwMode="auto">
           <a:xfrm>
-            <a:off x="252484" y="1964222"/>
-            <a:ext cx="3057525" cy="333375"/>
+            <a:off x="358254" y="2171700"/>
+            <a:ext cx="3924300" cy="266700"/>
           </a:xfrm>
           <a:prstGeom prst="rect">
             <a:avLst/>
@@ -11804,7 +12364,7 @@
       </p:pic>
       <p:pic>
         <p:nvPicPr>
-          <p:cNvPr id="1027" name="Picture 3"/>
+          <p:cNvPr id="8" name="Picture 2"/>
           <p:cNvPicPr>
             <a:picLocks noChangeAspect="1" noChangeArrowheads="1"/>
           </p:cNvPicPr>
@@ -11825,8 +12385,8 @@
         </p:blipFill>
         <p:spPr bwMode="auto">
           <a:xfrm>
-            <a:off x="252484" y="3124200"/>
-            <a:ext cx="6257925" cy="2047875"/>
+            <a:off x="236561" y="2613476"/>
+            <a:ext cx="8496300" cy="3714750"/>
           </a:xfrm>
           <a:prstGeom prst="rect">
             <a:avLst/>
@@ -11866,16 +12426,277 @@
           </a:extLst>
         </p:spPr>
       </p:pic>
+      <p:sp>
+        <p:nvSpPr>
+          <p:cNvPr id="5" name="TextBox 4"/>
+          <p:cNvSpPr txBox="1"/>
+          <p:nvPr/>
+        </p:nvSpPr>
+        <p:spPr>
+          <a:xfrm>
+            <a:off x="2551466" y="2636222"/>
+            <a:ext cx="1782860" cy="3154710"/>
+          </a:xfrm>
+          <a:prstGeom prst="rect">
+            <a:avLst/>
+          </a:prstGeom>
+          <a:noFill/>
+        </p:spPr>
+        <p:txBody>
+          <a:bodyPr wrap="none" rtlCol="0">
+            <a:spAutoFit/>
+          </a:bodyPr>
+          <a:lstStyle/>
+          <a:p>
+            <a:r>
+              <a:rPr lang="en-US" sz="19900" b="1" dirty="0">
+                <a:solidFill>
+                  <a:srgbClr val="FF0000"/>
+                </a:solidFill>
+              </a:rPr>
+              <a:t>X</a:t>
+            </a:r>
+            <a:endParaRPr lang="en-US" b="1" dirty="0">
+              <a:solidFill>
+                <a:srgbClr val="FF0000"/>
+              </a:solidFill>
+            </a:endParaRPr>
+          </a:p>
+        </p:txBody>
+      </p:sp>
+      <p:sp>
+        <p:nvSpPr>
+          <p:cNvPr id="7" name="TextBox 6"/>
+          <p:cNvSpPr txBox="1"/>
+          <p:nvPr/>
+        </p:nvSpPr>
+        <p:spPr>
+          <a:xfrm>
+            <a:off x="551345" y="3505200"/>
+            <a:ext cx="2403222" cy="369332"/>
+          </a:xfrm>
+          <a:prstGeom prst="rect">
+            <a:avLst/>
+          </a:prstGeom>
+          <a:solidFill>
+            <a:schemeClr val="bg1"/>
+          </a:solidFill>
+        </p:spPr>
+        <p:txBody>
+          <a:bodyPr wrap="none" rtlCol="0">
+            <a:spAutoFit/>
+          </a:bodyPr>
+          <a:lstStyle/>
+          <a:p>
+            <a:r>
+              <a:rPr lang="en-US" dirty="0" smtClean="0">
+                <a:solidFill>
+                  <a:srgbClr val="FF0000"/>
+                </a:solidFill>
+              </a:rPr>
+              <a:t>We Can remove this</a:t>
+            </a:r>
+            <a:endParaRPr lang="en-US" dirty="0">
+              <a:solidFill>
+                <a:srgbClr val="FF0000"/>
+              </a:solidFill>
+            </a:endParaRPr>
+          </a:p>
+        </p:txBody>
+      </p:sp>
+    </p:spTree>
+    <p:extLst>
+      <p:ext uri="{BB962C8B-B14F-4D97-AF65-F5344CB8AC3E}">
+        <p14:creationId xmlns:p14="http://schemas.microsoft.com/office/powerpoint/2010/main" val="3678370323"/>
+      </p:ext>
+    </p:extLst>
+  </p:cSld>
+  <p:clrMapOvr>
+    <a:masterClrMapping/>
+  </p:clrMapOvr>
+  <p:timing>
+    <p:tnLst>
+      <p:par>
+        <p:cTn id="1" dur="indefinite" restart="never" nodeType="tmRoot"/>
+      </p:par>
+    </p:tnLst>
+  </p:timing>
+</p:sld>
+</file>
+
+<file path=ppt/slides/slide33.xml><?xml version="1.0" encoding="utf-8"?>
+<p:sld xmlns:a="http://schemas.openxmlformats.org/drawingml/2006/main" xmlns:r="http://schemas.openxmlformats.org/officeDocument/2006/relationships" xmlns:p="http://schemas.openxmlformats.org/presentationml/2006/main">
+  <p:cSld>
+    <p:spTree>
+      <p:nvGrpSpPr>
+        <p:cNvPr id="1" name=""/>
+        <p:cNvGrpSpPr/>
+        <p:nvPr/>
+      </p:nvGrpSpPr>
+      <p:grpSpPr>
+        <a:xfrm>
+          <a:off x="0" y="0"/>
+          <a:ext cx="0" cy="0"/>
+          <a:chOff x="0" y="0"/>
+          <a:chExt cx="0" cy="0"/>
+        </a:xfrm>
+      </p:grpSpPr>
+      <p:sp>
+        <p:nvSpPr>
+          <p:cNvPr id="2" name="TextBox 1"/>
+          <p:cNvSpPr txBox="1"/>
+          <p:nvPr/>
+        </p:nvSpPr>
+        <p:spPr>
+          <a:xfrm>
+            <a:off x="228600" y="304800"/>
+            <a:ext cx="1742785" cy="461665"/>
+          </a:xfrm>
+          <a:prstGeom prst="rect">
+            <a:avLst/>
+          </a:prstGeom>
+          <a:noFill/>
+        </p:spPr>
+        <p:txBody>
+          <a:bodyPr wrap="none" rtlCol="0">
+            <a:spAutoFit/>
+          </a:bodyPr>
+          <a:lstStyle/>
+          <a:p>
+            <a:r>
+              <a:rPr lang="en-US" sz="2400" b="1" dirty="0" err="1" smtClean="0">
+                <a:solidFill>
+                  <a:schemeClr val="bg2">
+                    <a:lumMod val="50000"/>
+                  </a:schemeClr>
+                </a:solidFill>
+              </a:rPr>
+              <a:t>PropTypes</a:t>
+            </a:r>
+            <a:endParaRPr lang="en-US" sz="2400" b="1" dirty="0">
+              <a:solidFill>
+                <a:schemeClr val="bg2">
+                  <a:lumMod val="50000"/>
+                </a:schemeClr>
+              </a:solidFill>
+            </a:endParaRPr>
+          </a:p>
+        </p:txBody>
+      </p:sp>
+      <p:sp>
+        <p:nvSpPr>
+          <p:cNvPr id="6" name="TextBox 5"/>
+          <p:cNvSpPr txBox="1"/>
+          <p:nvPr/>
+        </p:nvSpPr>
+        <p:spPr>
+          <a:xfrm>
+            <a:off x="551345" y="2266890"/>
+            <a:ext cx="184731" cy="369332"/>
+          </a:xfrm>
+          <a:prstGeom prst="rect">
+            <a:avLst/>
+          </a:prstGeom>
+          <a:noFill/>
+        </p:spPr>
+        <p:txBody>
+          <a:bodyPr wrap="none" rtlCol="0">
+            <a:spAutoFit/>
+          </a:bodyPr>
+          <a:lstStyle/>
+          <a:p>
+            <a:endParaRPr lang="en-US" b="1" dirty="0">
+              <a:solidFill>
+                <a:schemeClr val="bg2">
+                  <a:lumMod val="50000"/>
+                </a:schemeClr>
+              </a:solidFill>
+            </a:endParaRPr>
+          </a:p>
+        </p:txBody>
+      </p:sp>
+      <p:sp>
+        <p:nvSpPr>
+          <p:cNvPr id="3" name="TextBox 2"/>
+          <p:cNvSpPr txBox="1"/>
+          <p:nvPr/>
+        </p:nvSpPr>
+        <p:spPr>
+          <a:xfrm>
+            <a:off x="228600" y="990600"/>
+            <a:ext cx="2331087" cy="461665"/>
+          </a:xfrm>
+          <a:prstGeom prst="rect">
+            <a:avLst/>
+          </a:prstGeom>
+          <a:noFill/>
+        </p:spPr>
+        <p:txBody>
+          <a:bodyPr wrap="none" rtlCol="0">
+            <a:spAutoFit/>
+          </a:bodyPr>
+          <a:lstStyle/>
+          <a:p>
+            <a:r>
+              <a:rPr lang="en-US" sz="2400" b="1" i="1" dirty="0" smtClean="0">
+                <a:solidFill>
+                  <a:schemeClr val="bg2">
+                    <a:lumMod val="50000"/>
+                  </a:schemeClr>
+                </a:solidFill>
+              </a:rPr>
+              <a:t>In React World</a:t>
+            </a:r>
+            <a:endParaRPr lang="en-US" sz="2400" b="1" i="1" dirty="0">
+              <a:solidFill>
+                <a:schemeClr val="bg2">
+                  <a:lumMod val="50000"/>
+                </a:schemeClr>
+              </a:solidFill>
+            </a:endParaRPr>
+          </a:p>
+        </p:txBody>
+      </p:sp>
+      <p:sp>
+        <p:nvSpPr>
+          <p:cNvPr id="4" name="TextBox 3"/>
+          <p:cNvSpPr txBox="1"/>
+          <p:nvPr/>
+        </p:nvSpPr>
+        <p:spPr>
+          <a:xfrm>
+            <a:off x="381000" y="1752600"/>
+            <a:ext cx="2646878" cy="369332"/>
+          </a:xfrm>
+          <a:prstGeom prst="rect">
+            <a:avLst/>
+          </a:prstGeom>
+          <a:noFill/>
+        </p:spPr>
+        <p:txBody>
+          <a:bodyPr wrap="none" rtlCol="0">
+            <a:spAutoFit/>
+          </a:bodyPr>
+          <a:lstStyle/>
+          <a:p>
+            <a:r>
+              <a:rPr lang="en-US" dirty="0" smtClean="0"/>
+              <a:t>If the prop is required</a:t>
+            </a:r>
+            <a:endParaRPr lang="en-US" dirty="0"/>
+          </a:p>
+        </p:txBody>
+      </p:sp>
       <p:pic>
         <p:nvPicPr>
-          <p:cNvPr id="1028" name="Picture 4"/>
+          <p:cNvPr id="5122" name="Picture 2"/>
           <p:cNvPicPr>
             <a:picLocks noChangeAspect="1" noChangeArrowheads="1"/>
           </p:cNvPicPr>
           <p:nvPr/>
         </p:nvPicPr>
         <p:blipFill>
-          <a:blip r:embed="rId4">
+          <a:blip r:embed="rId2">
             <a:extLst>
               <a:ext uri="{28A0092B-C50C-407E-A947-70E740481C1C}">
                 <a14:useLocalDpi xmlns:a14="http://schemas.microsoft.com/office/drawing/2010/main" val="0"/>
@@ -11889,8 +12710,8 @@
         </p:blipFill>
         <p:spPr bwMode="auto">
           <a:xfrm>
-            <a:off x="252484" y="5295900"/>
-            <a:ext cx="2133600" cy="1409700"/>
+            <a:off x="540684" y="2240732"/>
+            <a:ext cx="4391025" cy="1104900"/>
           </a:xfrm>
           <a:prstGeom prst="rect">
             <a:avLst/>
@@ -11930,48 +12751,10 @@
           </a:extLst>
         </p:spPr>
       </p:pic>
-      <p:sp>
-        <p:nvSpPr>
-          <p:cNvPr id="4" name="TextBox 3"/>
-          <p:cNvSpPr txBox="1"/>
-          <p:nvPr/>
-        </p:nvSpPr>
-        <p:spPr>
-          <a:xfrm>
-            <a:off x="2573015" y="5926256"/>
-            <a:ext cx="3918060" cy="369332"/>
-          </a:xfrm>
-          <a:prstGeom prst="rect">
-            <a:avLst/>
-          </a:prstGeom>
-          <a:noFill/>
-        </p:spPr>
-        <p:txBody>
-          <a:bodyPr wrap="none" rtlCol="0">
-            <a:spAutoFit/>
-          </a:bodyPr>
-          <a:lstStyle/>
-          <a:p>
-            <a:r>
-              <a:rPr lang="en-US" dirty="0" smtClean="0">
-                <a:solidFill>
-                  <a:schemeClr val="bg1"/>
-                </a:solidFill>
-              </a:rPr>
-              <a:t>In the output it will show nothing</a:t>
-            </a:r>
-            <a:endParaRPr lang="en-US" dirty="0">
-              <a:solidFill>
-                <a:schemeClr val="bg1"/>
-              </a:solidFill>
-            </a:endParaRPr>
-          </a:p>
-        </p:txBody>
-      </p:sp>
     </p:spTree>
     <p:extLst>
       <p:ext uri="{BB962C8B-B14F-4D97-AF65-F5344CB8AC3E}">
-        <p14:creationId xmlns:p14="http://schemas.microsoft.com/office/powerpoint/2010/main" val="1457550905"/>
+        <p14:creationId xmlns:p14="http://schemas.microsoft.com/office/powerpoint/2010/main" val="1553236703"/>
       </p:ext>
     </p:extLst>
   </p:cSld>
@@ -11988,7 +12771,7 @@
 </p:sld>
 </file>
 
-<file path=ppt/slides/slide33.xml><?xml version="1.0" encoding="utf-8"?>
+<file path=ppt/slides/slide34.xml><?xml version="1.0" encoding="utf-8"?>
 <p:sld xmlns:a="http://schemas.openxmlformats.org/drawingml/2006/main" xmlns:r="http://schemas.openxmlformats.org/officeDocument/2006/relationships" xmlns:p="http://schemas.openxmlformats.org/presentationml/2006/main">
   <p:cSld>
     <p:spTree>
@@ -12014,7 +12797,7 @@
         <p:spPr>
           <a:xfrm>
             <a:off x="228600" y="304800"/>
-            <a:ext cx="1742785" cy="461665"/>
+            <a:ext cx="2000869" cy="461665"/>
           </a:xfrm>
           <a:prstGeom prst="rect">
             <a:avLst/>
@@ -12028,14 +12811,14 @@
           <a:lstStyle/>
           <a:p>
             <a:r>
-              <a:rPr lang="en-US" sz="2400" b="1" dirty="0" err="1" smtClean="0">
+              <a:rPr lang="en-US" sz="2400" b="1" dirty="0" smtClean="0">
                 <a:solidFill>
                   <a:schemeClr val="bg2">
                     <a:lumMod val="50000"/>
                   </a:schemeClr>
                 </a:solidFill>
               </a:rPr>
-              <a:t>PropTypes</a:t>
+              <a:t>Virtual DOM</a:t>
             </a:r>
             <a:endParaRPr lang="en-US" sz="2400" b="1" dirty="0">
               <a:solidFill>
@@ -12079,65 +12862,9 @@
           </a:p>
         </p:txBody>
       </p:sp>
-      <p:sp>
-        <p:nvSpPr>
-          <p:cNvPr id="3" name="TextBox 2"/>
-          <p:cNvSpPr txBox="1"/>
-          <p:nvPr/>
-        </p:nvSpPr>
-        <p:spPr>
-          <a:xfrm>
-            <a:off x="228600" y="990600"/>
-            <a:ext cx="6684843" cy="400110"/>
-          </a:xfrm>
-          <a:prstGeom prst="rect">
-            <a:avLst/>
-          </a:prstGeom>
-          <a:noFill/>
-        </p:spPr>
-        <p:txBody>
-          <a:bodyPr wrap="none" rtlCol="0">
-            <a:spAutoFit/>
-          </a:bodyPr>
-          <a:lstStyle/>
-          <a:p>
-            <a:r>
-              <a:rPr lang="en-US" dirty="0" smtClean="0"/>
-              <a:t>How we can validate that </a:t>
-            </a:r>
-            <a:r>
-              <a:rPr lang="en-US" sz="2000" b="1" i="1" dirty="0">
-                <a:solidFill>
-                  <a:schemeClr val="bg2">
-                    <a:lumMod val="50000"/>
-                  </a:schemeClr>
-                </a:solidFill>
-              </a:rPr>
-              <a:t>In Normal World of </a:t>
-            </a:r>
-            <a:r>
-              <a:rPr lang="en-US" sz="2000" b="1" i="1" dirty="0" err="1">
-                <a:solidFill>
-                  <a:schemeClr val="bg2">
-                    <a:lumMod val="50000"/>
-                  </a:schemeClr>
-                </a:solidFill>
-              </a:rPr>
-              <a:t>Javascript</a:t>
-            </a:r>
-            <a:endParaRPr lang="en-US" sz="2400" b="1" i="1" dirty="0">
-              <a:solidFill>
-                <a:schemeClr val="bg2">
-                  <a:lumMod val="50000"/>
-                </a:schemeClr>
-              </a:solidFill>
-            </a:endParaRPr>
-          </a:p>
-        </p:txBody>
-      </p:sp>
       <p:pic>
         <p:nvPicPr>
-          <p:cNvPr id="2050" name="Picture 2"/>
+          <p:cNvPr id="6146" name="Picture 2"/>
           <p:cNvPicPr>
             <a:picLocks noChangeAspect="1" noChangeArrowheads="1"/>
           </p:cNvPicPr>
@@ -12158,8 +12885,8 @@
         </p:blipFill>
         <p:spPr bwMode="auto">
           <a:xfrm>
-            <a:off x="142875" y="1447800"/>
-            <a:ext cx="8858250" cy="2657475"/>
+            <a:off x="381000" y="766465"/>
+            <a:ext cx="7410450" cy="5029200"/>
           </a:xfrm>
           <a:prstGeom prst="rect">
             <a:avLst/>
@@ -12199,169 +12926,16 @@
           </a:extLst>
         </p:spPr>
       </p:pic>
-    </p:spTree>
-    <p:extLst>
-      <p:ext uri="{BB962C8B-B14F-4D97-AF65-F5344CB8AC3E}">
-        <p14:creationId xmlns:p14="http://schemas.microsoft.com/office/powerpoint/2010/main" val="1058748662"/>
-      </p:ext>
-    </p:extLst>
-  </p:cSld>
-  <p:clrMapOvr>
-    <a:masterClrMapping/>
-  </p:clrMapOvr>
-  <p:timing>
-    <p:tnLst>
-      <p:par>
-        <p:cTn id="1" dur="indefinite" restart="never" nodeType="tmRoot"/>
-      </p:par>
-    </p:tnLst>
-  </p:timing>
-</p:sld>
-</file>
-
-<file path=ppt/slides/slide34.xml><?xml version="1.0" encoding="utf-8"?>
-<p:sld xmlns:a="http://schemas.openxmlformats.org/drawingml/2006/main" xmlns:r="http://schemas.openxmlformats.org/officeDocument/2006/relationships" xmlns:p="http://schemas.openxmlformats.org/presentationml/2006/main">
-  <p:cSld>
-    <p:spTree>
-      <p:nvGrpSpPr>
-        <p:cNvPr id="1" name=""/>
-        <p:cNvGrpSpPr/>
-        <p:nvPr/>
-      </p:nvGrpSpPr>
-      <p:grpSpPr>
-        <a:xfrm>
-          <a:off x="0" y="0"/>
-          <a:ext cx="0" cy="0"/>
-          <a:chOff x="0" y="0"/>
-          <a:chExt cx="0" cy="0"/>
-        </a:xfrm>
-      </p:grpSpPr>
-      <p:sp>
-        <p:nvSpPr>
-          <p:cNvPr id="2" name="TextBox 1"/>
-          <p:cNvSpPr txBox="1"/>
-          <p:nvPr/>
-        </p:nvSpPr>
-        <p:spPr>
-          <a:xfrm>
-            <a:off x="228600" y="304800"/>
-            <a:ext cx="1742785" cy="461665"/>
-          </a:xfrm>
-          <a:prstGeom prst="rect">
-            <a:avLst/>
-          </a:prstGeom>
-          <a:noFill/>
-        </p:spPr>
-        <p:txBody>
-          <a:bodyPr wrap="none" rtlCol="0">
-            <a:spAutoFit/>
-          </a:bodyPr>
-          <a:lstStyle/>
-          <a:p>
-            <a:r>
-              <a:rPr lang="en-US" sz="2400" b="1" dirty="0" err="1" smtClean="0">
-                <a:solidFill>
-                  <a:schemeClr val="bg2">
-                    <a:lumMod val="50000"/>
-                  </a:schemeClr>
-                </a:solidFill>
-              </a:rPr>
-              <a:t>PropTypes</a:t>
-            </a:r>
-            <a:endParaRPr lang="en-US" sz="2400" b="1" dirty="0">
-              <a:solidFill>
-                <a:schemeClr val="bg2">
-                  <a:lumMod val="50000"/>
-                </a:schemeClr>
-              </a:solidFill>
-            </a:endParaRPr>
-          </a:p>
-        </p:txBody>
-      </p:sp>
-      <p:sp>
-        <p:nvSpPr>
-          <p:cNvPr id="6" name="TextBox 5"/>
-          <p:cNvSpPr txBox="1"/>
-          <p:nvPr/>
-        </p:nvSpPr>
-        <p:spPr>
-          <a:xfrm>
-            <a:off x="551345" y="2266890"/>
-            <a:ext cx="184731" cy="369332"/>
-          </a:xfrm>
-          <a:prstGeom prst="rect">
-            <a:avLst/>
-          </a:prstGeom>
-          <a:noFill/>
-        </p:spPr>
-        <p:txBody>
-          <a:bodyPr wrap="none" rtlCol="0">
-            <a:spAutoFit/>
-          </a:bodyPr>
-          <a:lstStyle/>
-          <a:p>
-            <a:endParaRPr lang="en-US" b="1" dirty="0">
-              <a:solidFill>
-                <a:schemeClr val="bg2">
-                  <a:lumMod val="50000"/>
-                </a:schemeClr>
-              </a:solidFill>
-            </a:endParaRPr>
-          </a:p>
-        </p:txBody>
-      </p:sp>
-      <p:sp>
-        <p:nvSpPr>
-          <p:cNvPr id="3" name="TextBox 2"/>
-          <p:cNvSpPr txBox="1"/>
-          <p:nvPr/>
-        </p:nvSpPr>
-        <p:spPr>
-          <a:xfrm>
-            <a:off x="228600" y="990600"/>
-            <a:ext cx="3708066" cy="461665"/>
-          </a:xfrm>
-          <a:prstGeom prst="rect">
-            <a:avLst/>
-          </a:prstGeom>
-          <a:noFill/>
-        </p:spPr>
-        <p:txBody>
-          <a:bodyPr wrap="none" rtlCol="0">
-            <a:spAutoFit/>
-          </a:bodyPr>
-          <a:lstStyle/>
-          <a:p>
-            <a:r>
-              <a:rPr lang="en-US" sz="2400" b="1" i="1" dirty="0" smtClean="0">
-                <a:solidFill>
-                  <a:schemeClr val="bg2">
-                    <a:lumMod val="50000"/>
-                  </a:schemeClr>
-                </a:solidFill>
-              </a:rPr>
-              <a:t>We can also write it like</a:t>
-            </a:r>
-            <a:endParaRPr lang="en-US" sz="2400" b="1" i="1" dirty="0">
-              <a:solidFill>
-                <a:schemeClr val="bg2">
-                  <a:lumMod val="50000"/>
-                </a:schemeClr>
-              </a:solidFill>
-            </a:endParaRPr>
-          </a:p>
-        </p:txBody>
-      </p:sp>
       <p:pic>
         <p:nvPicPr>
-          <p:cNvPr id="3074" name="Picture 2"/>
+          <p:cNvPr id="6147" name="Picture 3"/>
           <p:cNvPicPr>
             <a:picLocks noChangeAspect="1" noChangeArrowheads="1"/>
           </p:cNvPicPr>
           <p:nvPr/>
         </p:nvPicPr>
         <p:blipFill>
-          <a:blip r:embed="rId2">
+          <a:blip r:embed="rId3">
             <a:extLst>
               <a:ext uri="{28A0092B-C50C-407E-A947-70E740481C1C}">
                 <a14:useLocalDpi xmlns:a14="http://schemas.microsoft.com/office/drawing/2010/main" val="0"/>
@@ -12375,8 +12949,8 @@
         </p:blipFill>
         <p:spPr bwMode="auto">
           <a:xfrm>
-            <a:off x="227463" y="1603470"/>
-            <a:ext cx="8496300" cy="3714750"/>
+            <a:off x="408296" y="6096000"/>
+            <a:ext cx="1781175" cy="295275"/>
           </a:xfrm>
           <a:prstGeom prst="rect">
             <a:avLst/>
@@ -12419,7 +12993,7 @@
     </p:spTree>
     <p:extLst>
       <p:ext uri="{BB962C8B-B14F-4D97-AF65-F5344CB8AC3E}">
-        <p14:creationId xmlns:p14="http://schemas.microsoft.com/office/powerpoint/2010/main" val="615633516"/>
+        <p14:creationId xmlns:p14="http://schemas.microsoft.com/office/powerpoint/2010/main" val="644902292"/>
       </p:ext>
     </p:extLst>
   </p:cSld>
@@ -12462,7 +13036,7 @@
         <p:spPr>
           <a:xfrm>
             <a:off x="228600" y="304800"/>
-            <a:ext cx="1742785" cy="461665"/>
+            <a:ext cx="1316386" cy="461665"/>
           </a:xfrm>
           <a:prstGeom prst="rect">
             <a:avLst/>
@@ -12483,7 +13057,7 @@
                   </a:schemeClr>
                 </a:solidFill>
               </a:rPr>
-              <a:t>PropTypes</a:t>
+              <a:t>Eevents</a:t>
             </a:r>
             <a:endParaRPr lang="en-US" sz="2400" b="1" dirty="0">
               <a:solidFill>
@@ -12527,112 +13101,9 @@
           </a:p>
         </p:txBody>
       </p:sp>
-      <p:sp>
-        <p:nvSpPr>
-          <p:cNvPr id="3" name="TextBox 2"/>
-          <p:cNvSpPr txBox="1"/>
-          <p:nvPr/>
-        </p:nvSpPr>
-        <p:spPr>
-          <a:xfrm>
-            <a:off x="228600" y="990600"/>
-            <a:ext cx="2331087" cy="461665"/>
-          </a:xfrm>
-          <a:prstGeom prst="rect">
-            <a:avLst/>
-          </a:prstGeom>
-          <a:noFill/>
-        </p:spPr>
-        <p:txBody>
-          <a:bodyPr wrap="none" rtlCol="0">
-            <a:spAutoFit/>
-          </a:bodyPr>
-          <a:lstStyle/>
-          <a:p>
-            <a:r>
-              <a:rPr lang="en-US" sz="2400" b="1" i="1" dirty="0" smtClean="0">
-                <a:solidFill>
-                  <a:schemeClr val="bg2">
-                    <a:lumMod val="50000"/>
-                  </a:schemeClr>
-                </a:solidFill>
-              </a:rPr>
-              <a:t>In React World</a:t>
-            </a:r>
-            <a:endParaRPr lang="en-US" sz="2400" b="1" i="1" dirty="0">
-              <a:solidFill>
-                <a:schemeClr val="bg2">
-                  <a:lumMod val="50000"/>
-                </a:schemeClr>
-              </a:solidFill>
-            </a:endParaRPr>
-          </a:p>
-        </p:txBody>
-      </p:sp>
-      <p:sp>
-        <p:nvSpPr>
-          <p:cNvPr id="4" name="TextBox 3"/>
-          <p:cNvSpPr txBox="1"/>
-          <p:nvPr/>
-        </p:nvSpPr>
-        <p:spPr>
-          <a:xfrm>
-            <a:off x="381000" y="1752600"/>
-            <a:ext cx="6123792" cy="2585323"/>
-          </a:xfrm>
-          <a:prstGeom prst="rect">
-            <a:avLst/>
-          </a:prstGeom>
-          <a:noFill/>
-        </p:spPr>
-        <p:txBody>
-          <a:bodyPr wrap="none" rtlCol="0">
-            <a:spAutoFit/>
-          </a:bodyPr>
-          <a:lstStyle/>
-          <a:p>
-            <a:r>
-              <a:rPr lang="en-US" dirty="0" smtClean="0"/>
-              <a:t>Here we need to include an </a:t>
-            </a:r>
-            <a:r>
-              <a:rPr lang="en-US" dirty="0" err="1" smtClean="0"/>
-              <a:t>npm</a:t>
-            </a:r>
-            <a:r>
-              <a:rPr lang="en-US" dirty="0" smtClean="0"/>
-              <a:t>, built by React team</a:t>
-            </a:r>
-          </a:p>
-          <a:p>
-            <a:endParaRPr lang="en-US" dirty="0"/>
-          </a:p>
-          <a:p>
-            <a:endParaRPr lang="en-US" dirty="0" smtClean="0"/>
-          </a:p>
-          <a:p>
-            <a:endParaRPr lang="en-US" dirty="0"/>
-          </a:p>
-          <a:p>
-            <a:endParaRPr lang="en-US" dirty="0" smtClean="0"/>
-          </a:p>
-          <a:p>
-            <a:endParaRPr lang="en-US" dirty="0" smtClean="0"/>
-          </a:p>
-          <a:p>
-            <a:endParaRPr lang="en-US" dirty="0"/>
-          </a:p>
-          <a:p>
-            <a:endParaRPr lang="en-US" dirty="0" smtClean="0"/>
-          </a:p>
-          <a:p>
-            <a:endParaRPr lang="en-US" dirty="0"/>
-          </a:p>
-        </p:txBody>
-      </p:sp>
       <p:pic>
         <p:nvPicPr>
-          <p:cNvPr id="4098" name="Picture 2"/>
+          <p:cNvPr id="7170" name="Picture 2"/>
           <p:cNvPicPr>
             <a:picLocks noChangeAspect="1" noChangeArrowheads="1"/>
           </p:cNvPicPr>
@@ -12653,8 +13124,8 @@
         </p:blipFill>
         <p:spPr bwMode="auto">
           <a:xfrm>
-            <a:off x="358254" y="2171700"/>
-            <a:ext cx="3924300" cy="266700"/>
+            <a:off x="381000" y="855047"/>
+            <a:ext cx="7581900" cy="3562350"/>
           </a:xfrm>
           <a:prstGeom prst="rect">
             <a:avLst/>
@@ -12694,16 +13165,219 @@
           </a:extLst>
         </p:spPr>
       </p:pic>
+      <p:sp>
+        <p:nvSpPr>
+          <p:cNvPr id="3" name="TextBox 2"/>
+          <p:cNvSpPr txBox="1"/>
+          <p:nvPr/>
+        </p:nvSpPr>
+        <p:spPr>
+          <a:xfrm>
+            <a:off x="551345" y="4724400"/>
+            <a:ext cx="2618024" cy="1261884"/>
+          </a:xfrm>
+          <a:prstGeom prst="rect">
+            <a:avLst/>
+          </a:prstGeom>
+          <a:noFill/>
+        </p:spPr>
+        <p:txBody>
+          <a:bodyPr wrap="none" rtlCol="0">
+            <a:spAutoFit/>
+          </a:bodyPr>
+          <a:lstStyle/>
+          <a:p>
+            <a:r>
+              <a:rPr lang="en-US" dirty="0" smtClean="0"/>
+              <a:t>Always in Camel Case</a:t>
+            </a:r>
+          </a:p>
+          <a:p>
+            <a:endParaRPr lang="en-US" dirty="0"/>
+          </a:p>
+          <a:p>
+            <a:r>
+              <a:rPr lang="en-US" sz="2000" b="1" dirty="0" err="1" smtClean="0">
+                <a:solidFill>
+                  <a:schemeClr val="bg1"/>
+                </a:solidFill>
+              </a:rPr>
+              <a:t>onClick</a:t>
+            </a:r>
+            <a:endParaRPr lang="en-US" sz="2000" b="1" dirty="0" smtClean="0">
+              <a:solidFill>
+                <a:schemeClr val="bg1"/>
+              </a:solidFill>
+            </a:endParaRPr>
+          </a:p>
+          <a:p>
+            <a:r>
+              <a:rPr lang="en-US" sz="2000" b="1" dirty="0" err="1" smtClean="0">
+                <a:solidFill>
+                  <a:schemeClr val="bg1"/>
+                </a:solidFill>
+              </a:rPr>
+              <a:t>onChange</a:t>
+            </a:r>
+            <a:endParaRPr lang="en-US" sz="2000" b="1" dirty="0">
+              <a:solidFill>
+                <a:schemeClr val="bg1"/>
+              </a:solidFill>
+            </a:endParaRPr>
+          </a:p>
+        </p:txBody>
+      </p:sp>
+    </p:spTree>
+    <p:extLst>
+      <p:ext uri="{BB962C8B-B14F-4D97-AF65-F5344CB8AC3E}">
+        <p14:creationId xmlns:p14="http://schemas.microsoft.com/office/powerpoint/2010/main" val="3127438007"/>
+      </p:ext>
+    </p:extLst>
+  </p:cSld>
+  <p:clrMapOvr>
+    <a:masterClrMapping/>
+  </p:clrMapOvr>
+  <p:timing>
+    <p:tnLst>
+      <p:par>
+        <p:cTn id="1" dur="indefinite" restart="never" nodeType="tmRoot"/>
+      </p:par>
+    </p:tnLst>
+  </p:timing>
+</p:sld>
+</file>
+
+<file path=ppt/slides/slide36.xml><?xml version="1.0" encoding="utf-8"?>
+<p:sld xmlns:a="http://schemas.openxmlformats.org/drawingml/2006/main" xmlns:r="http://schemas.openxmlformats.org/officeDocument/2006/relationships" xmlns:p="http://schemas.openxmlformats.org/presentationml/2006/main">
+  <p:cSld>
+    <p:spTree>
+      <p:nvGrpSpPr>
+        <p:cNvPr id="1" name=""/>
+        <p:cNvGrpSpPr/>
+        <p:nvPr/>
+      </p:nvGrpSpPr>
+      <p:grpSpPr>
+        <a:xfrm>
+          <a:off x="0" y="0"/>
+          <a:ext cx="0" cy="0"/>
+          <a:chOff x="0" y="0"/>
+          <a:chExt cx="0" cy="0"/>
+        </a:xfrm>
+      </p:grpSpPr>
+      <p:sp>
+        <p:nvSpPr>
+          <p:cNvPr id="2" name="TextBox 1"/>
+          <p:cNvSpPr txBox="1"/>
+          <p:nvPr/>
+        </p:nvSpPr>
+        <p:spPr>
+          <a:xfrm>
+            <a:off x="228600" y="304800"/>
+            <a:ext cx="2762295" cy="461665"/>
+          </a:xfrm>
+          <a:prstGeom prst="rect">
+            <a:avLst/>
+          </a:prstGeom>
+          <a:noFill/>
+        </p:spPr>
+        <p:txBody>
+          <a:bodyPr wrap="none" rtlCol="0">
+            <a:spAutoFit/>
+          </a:bodyPr>
+          <a:lstStyle/>
+          <a:p>
+            <a:r>
+              <a:rPr lang="en-US" sz="2400" b="1" dirty="0" smtClean="0">
+                <a:solidFill>
+                  <a:schemeClr val="bg2">
+                    <a:lumMod val="50000"/>
+                  </a:schemeClr>
+                </a:solidFill>
+              </a:rPr>
+              <a:t>Component State</a:t>
+            </a:r>
+            <a:endParaRPr lang="en-US" sz="2400" b="1" dirty="0">
+              <a:solidFill>
+                <a:schemeClr val="bg2">
+                  <a:lumMod val="50000"/>
+                </a:schemeClr>
+              </a:solidFill>
+            </a:endParaRPr>
+          </a:p>
+        </p:txBody>
+      </p:sp>
+      <p:sp>
+        <p:nvSpPr>
+          <p:cNvPr id="6" name="TextBox 5"/>
+          <p:cNvSpPr txBox="1"/>
+          <p:nvPr/>
+        </p:nvSpPr>
+        <p:spPr>
+          <a:xfrm>
+            <a:off x="551345" y="2266890"/>
+            <a:ext cx="184731" cy="369332"/>
+          </a:xfrm>
+          <a:prstGeom prst="rect">
+            <a:avLst/>
+          </a:prstGeom>
+          <a:noFill/>
+        </p:spPr>
+        <p:txBody>
+          <a:bodyPr wrap="none" rtlCol="0">
+            <a:spAutoFit/>
+          </a:bodyPr>
+          <a:lstStyle/>
+          <a:p>
+            <a:endParaRPr lang="en-US" b="1" dirty="0">
+              <a:solidFill>
+                <a:schemeClr val="bg2">
+                  <a:lumMod val="50000"/>
+                </a:schemeClr>
+              </a:solidFill>
+            </a:endParaRPr>
+          </a:p>
+        </p:txBody>
+      </p:sp>
+      <p:sp>
+        <p:nvSpPr>
+          <p:cNvPr id="4" name="TextBox 3"/>
+          <p:cNvSpPr txBox="1"/>
+          <p:nvPr/>
+        </p:nvSpPr>
+        <p:spPr>
+          <a:xfrm>
+            <a:off x="304800" y="766465"/>
+            <a:ext cx="3813865" cy="369332"/>
+          </a:xfrm>
+          <a:prstGeom prst="rect">
+            <a:avLst/>
+          </a:prstGeom>
+          <a:noFill/>
+        </p:spPr>
+        <p:txBody>
+          <a:bodyPr wrap="none" rtlCol="0">
+            <a:spAutoFit/>
+          </a:bodyPr>
+          <a:lstStyle/>
+          <a:p>
+            <a:r>
+              <a:rPr lang="en-US" dirty="0" smtClean="0"/>
+              <a:t>Let’s have a Counter component</a:t>
+            </a:r>
+            <a:endParaRPr lang="en-US" dirty="0"/>
+          </a:p>
+        </p:txBody>
+      </p:sp>
       <p:pic>
         <p:nvPicPr>
-          <p:cNvPr id="8" name="Picture 2"/>
+          <p:cNvPr id="8195" name="Picture 3"/>
           <p:cNvPicPr>
             <a:picLocks noChangeAspect="1" noChangeArrowheads="1"/>
           </p:cNvPicPr>
           <p:nvPr/>
         </p:nvPicPr>
         <p:blipFill>
-          <a:blip r:embed="rId3">
+          <a:blip r:embed="rId2">
             <a:extLst>
               <a:ext uri="{28A0092B-C50C-407E-A947-70E740481C1C}">
                 <a14:useLocalDpi xmlns:a14="http://schemas.microsoft.com/office/drawing/2010/main" val="0"/>
@@ -12717,8 +13391,8 @@
         </p:blipFill>
         <p:spPr bwMode="auto">
           <a:xfrm>
-            <a:off x="236561" y="2613476"/>
-            <a:ext cx="8496300" cy="3714750"/>
+            <a:off x="457200" y="1143000"/>
+            <a:ext cx="4714875" cy="2905125"/>
           </a:xfrm>
           <a:prstGeom prst="rect">
             <a:avLst/>
@@ -12766,8 +13440,8 @@
         </p:nvSpPr>
         <p:spPr>
           <a:xfrm>
-            <a:off x="2551466" y="2636222"/>
-            <a:ext cx="1782860" cy="3154710"/>
+            <a:off x="457200" y="4172634"/>
+            <a:ext cx="8300670" cy="646331"/>
           </a:xfrm>
           <a:prstGeom prst="rect">
             <a:avLst/>
@@ -12781,239 +13455,14 @@
           <a:lstStyle/>
           <a:p>
             <a:r>
-              <a:rPr lang="en-US" sz="19900" b="1" dirty="0">
-                <a:solidFill>
-                  <a:srgbClr val="FF0000"/>
-                </a:solidFill>
-              </a:rPr>
-              <a:t>X</a:t>
-            </a:r>
-            <a:endParaRPr lang="en-US" b="1" dirty="0">
-              <a:solidFill>
-                <a:srgbClr val="FF0000"/>
-              </a:solidFill>
-            </a:endParaRPr>
-          </a:p>
-        </p:txBody>
-      </p:sp>
-      <p:sp>
-        <p:nvSpPr>
-          <p:cNvPr id="7" name="TextBox 6"/>
-          <p:cNvSpPr txBox="1"/>
-          <p:nvPr/>
-        </p:nvSpPr>
-        <p:spPr>
-          <a:xfrm>
-            <a:off x="551345" y="3505200"/>
-            <a:ext cx="2403222" cy="369332"/>
-          </a:xfrm>
-          <a:prstGeom prst="rect">
-            <a:avLst/>
-          </a:prstGeom>
-          <a:solidFill>
-            <a:schemeClr val="bg1"/>
-          </a:solidFill>
-        </p:spPr>
-        <p:txBody>
-          <a:bodyPr wrap="none" rtlCol="0">
-            <a:spAutoFit/>
-          </a:bodyPr>
-          <a:lstStyle/>
-          <a:p>
-            <a:r>
-              <a:rPr lang="en-US" dirty="0" smtClean="0">
-                <a:solidFill>
-                  <a:srgbClr val="FF0000"/>
-                </a:solidFill>
-              </a:rPr>
-              <a:t>We Can remove this</a:t>
-            </a:r>
-            <a:endParaRPr lang="en-US" dirty="0">
-              <a:solidFill>
-                <a:srgbClr val="FF0000"/>
-              </a:solidFill>
-            </a:endParaRPr>
-          </a:p>
-        </p:txBody>
-      </p:sp>
-    </p:spTree>
-    <p:extLst>
-      <p:ext uri="{BB962C8B-B14F-4D97-AF65-F5344CB8AC3E}">
-        <p14:creationId xmlns:p14="http://schemas.microsoft.com/office/powerpoint/2010/main" val="3678370323"/>
-      </p:ext>
-    </p:extLst>
-  </p:cSld>
-  <p:clrMapOvr>
-    <a:masterClrMapping/>
-  </p:clrMapOvr>
-  <p:timing>
-    <p:tnLst>
-      <p:par>
-        <p:cTn id="1" dur="indefinite" restart="never" nodeType="tmRoot"/>
-      </p:par>
-    </p:tnLst>
-  </p:timing>
-</p:sld>
-</file>
-
-<file path=ppt/slides/slide36.xml><?xml version="1.0" encoding="utf-8"?>
-<p:sld xmlns:a="http://schemas.openxmlformats.org/drawingml/2006/main" xmlns:r="http://schemas.openxmlformats.org/officeDocument/2006/relationships" xmlns:p="http://schemas.openxmlformats.org/presentationml/2006/main">
-  <p:cSld>
-    <p:spTree>
-      <p:nvGrpSpPr>
-        <p:cNvPr id="1" name=""/>
-        <p:cNvGrpSpPr/>
-        <p:nvPr/>
-      </p:nvGrpSpPr>
-      <p:grpSpPr>
-        <a:xfrm>
-          <a:off x="0" y="0"/>
-          <a:ext cx="0" cy="0"/>
-          <a:chOff x="0" y="0"/>
-          <a:chExt cx="0" cy="0"/>
-        </a:xfrm>
-      </p:grpSpPr>
-      <p:sp>
-        <p:nvSpPr>
-          <p:cNvPr id="2" name="TextBox 1"/>
-          <p:cNvSpPr txBox="1"/>
-          <p:nvPr/>
-        </p:nvSpPr>
-        <p:spPr>
-          <a:xfrm>
-            <a:off x="228600" y="304800"/>
-            <a:ext cx="1742785" cy="461665"/>
-          </a:xfrm>
-          <a:prstGeom prst="rect">
-            <a:avLst/>
-          </a:prstGeom>
-          <a:noFill/>
-        </p:spPr>
-        <p:txBody>
-          <a:bodyPr wrap="none" rtlCol="0">
-            <a:spAutoFit/>
-          </a:bodyPr>
-          <a:lstStyle/>
-          <a:p>
-            <a:r>
-              <a:rPr lang="en-US" sz="2400" b="1" dirty="0" err="1" smtClean="0">
-                <a:solidFill>
-                  <a:schemeClr val="bg2">
-                    <a:lumMod val="50000"/>
-                  </a:schemeClr>
-                </a:solidFill>
-              </a:rPr>
-              <a:t>PropTypes</a:t>
-            </a:r>
-            <a:endParaRPr lang="en-US" sz="2400" b="1" dirty="0">
-              <a:solidFill>
-                <a:schemeClr val="bg2">
-                  <a:lumMod val="50000"/>
-                </a:schemeClr>
-              </a:solidFill>
-            </a:endParaRPr>
-          </a:p>
-        </p:txBody>
-      </p:sp>
-      <p:sp>
-        <p:nvSpPr>
-          <p:cNvPr id="6" name="TextBox 5"/>
-          <p:cNvSpPr txBox="1"/>
-          <p:nvPr/>
-        </p:nvSpPr>
-        <p:spPr>
-          <a:xfrm>
-            <a:off x="551345" y="2266890"/>
-            <a:ext cx="184731" cy="369332"/>
-          </a:xfrm>
-          <a:prstGeom prst="rect">
-            <a:avLst/>
-          </a:prstGeom>
-          <a:noFill/>
-        </p:spPr>
-        <p:txBody>
-          <a:bodyPr wrap="none" rtlCol="0">
-            <a:spAutoFit/>
-          </a:bodyPr>
-          <a:lstStyle/>
-          <a:p>
-            <a:endParaRPr lang="en-US" b="1" dirty="0">
-              <a:solidFill>
-                <a:schemeClr val="bg2">
-                  <a:lumMod val="50000"/>
-                </a:schemeClr>
-              </a:solidFill>
-            </a:endParaRPr>
-          </a:p>
-        </p:txBody>
-      </p:sp>
-      <p:sp>
-        <p:nvSpPr>
-          <p:cNvPr id="3" name="TextBox 2"/>
-          <p:cNvSpPr txBox="1"/>
-          <p:nvPr/>
-        </p:nvSpPr>
-        <p:spPr>
-          <a:xfrm>
-            <a:off x="228600" y="990600"/>
-            <a:ext cx="2331087" cy="461665"/>
-          </a:xfrm>
-          <a:prstGeom prst="rect">
-            <a:avLst/>
-          </a:prstGeom>
-          <a:noFill/>
-        </p:spPr>
-        <p:txBody>
-          <a:bodyPr wrap="none" rtlCol="0">
-            <a:spAutoFit/>
-          </a:bodyPr>
-          <a:lstStyle/>
-          <a:p>
-            <a:r>
-              <a:rPr lang="en-US" sz="2400" b="1" i="1" dirty="0" smtClean="0">
-                <a:solidFill>
-                  <a:schemeClr val="bg2">
-                    <a:lumMod val="50000"/>
-                  </a:schemeClr>
-                </a:solidFill>
-              </a:rPr>
-              <a:t>In React World</a:t>
-            </a:r>
-            <a:endParaRPr lang="en-US" sz="2400" b="1" i="1" dirty="0">
-              <a:solidFill>
-                <a:schemeClr val="bg2">
-                  <a:lumMod val="50000"/>
-                </a:schemeClr>
-              </a:solidFill>
-            </a:endParaRPr>
-          </a:p>
-        </p:txBody>
-      </p:sp>
-      <p:sp>
-        <p:nvSpPr>
-          <p:cNvPr id="4" name="TextBox 3"/>
-          <p:cNvSpPr txBox="1"/>
-          <p:nvPr/>
-        </p:nvSpPr>
-        <p:spPr>
-          <a:xfrm>
-            <a:off x="381000" y="1752600"/>
-            <a:ext cx="2646878" cy="369332"/>
-          </a:xfrm>
-          <a:prstGeom prst="rect">
-            <a:avLst/>
-          </a:prstGeom>
-          <a:noFill/>
-        </p:spPr>
-        <p:txBody>
-          <a:bodyPr wrap="none" rtlCol="0">
-            <a:spAutoFit/>
-          </a:bodyPr>
-          <a:lstStyle/>
-          <a:p>
-            <a:r>
               <a:rPr lang="en-US" dirty="0" smtClean="0"/>
-              <a:t>If the prop is required</a:t>
+              <a:t>Now we are having Counter from state. And I can define default state in </a:t>
+            </a:r>
+          </a:p>
+          <a:p>
+            <a:r>
+              <a:rPr lang="en-US" dirty="0" smtClean="0"/>
+              <a:t>constructor as initial method of component</a:t>
             </a:r>
             <a:endParaRPr lang="en-US" dirty="0"/>
           </a:p>
@@ -13021,14 +13470,14 @@
       </p:sp>
       <p:pic>
         <p:nvPicPr>
-          <p:cNvPr id="5122" name="Picture 2"/>
+          <p:cNvPr id="8196" name="Picture 4"/>
           <p:cNvPicPr>
             <a:picLocks noChangeAspect="1" noChangeArrowheads="1"/>
           </p:cNvPicPr>
           <p:nvPr/>
         </p:nvPicPr>
         <p:blipFill>
-          <a:blip r:embed="rId2">
+          <a:blip r:embed="rId3">
             <a:extLst>
               <a:ext uri="{28A0092B-C50C-407E-A947-70E740481C1C}">
                 <a14:useLocalDpi xmlns:a14="http://schemas.microsoft.com/office/drawing/2010/main" val="0"/>
@@ -13042,8 +13491,8 @@
         </p:blipFill>
         <p:spPr bwMode="auto">
           <a:xfrm>
-            <a:off x="540684" y="2240732"/>
-            <a:ext cx="4391025" cy="1104900"/>
+            <a:off x="551345" y="4800600"/>
+            <a:ext cx="2314575" cy="1771650"/>
           </a:xfrm>
           <a:prstGeom prst="rect">
             <a:avLst/>
@@ -13086,7 +13535,7 @@
     </p:spTree>
     <p:extLst>
       <p:ext uri="{BB962C8B-B14F-4D97-AF65-F5344CB8AC3E}">
-        <p14:creationId xmlns:p14="http://schemas.microsoft.com/office/powerpoint/2010/main" val="1553236703"/>
+        <p14:creationId xmlns:p14="http://schemas.microsoft.com/office/powerpoint/2010/main" val="81862202"/>
       </p:ext>
     </p:extLst>
   </p:cSld>
@@ -13129,7 +13578,7 @@
         <p:spPr>
           <a:xfrm>
             <a:off x="228600" y="304800"/>
-            <a:ext cx="2000869" cy="461665"/>
+            <a:ext cx="2762295" cy="461665"/>
           </a:xfrm>
           <a:prstGeom prst="rect">
             <a:avLst/>
@@ -13150,7 +13599,7 @@
                   </a:schemeClr>
                 </a:solidFill>
               </a:rPr>
-              <a:t>Virtual DOM</a:t>
+              <a:t>Component State</a:t>
             </a:r>
             <a:endParaRPr lang="en-US" sz="2400" b="1" dirty="0">
               <a:solidFill>
@@ -13194,9 +13643,39 @@
           </a:p>
         </p:txBody>
       </p:sp>
+      <p:sp>
+        <p:nvSpPr>
+          <p:cNvPr id="4" name="TextBox 3"/>
+          <p:cNvSpPr txBox="1"/>
+          <p:nvPr/>
+        </p:nvSpPr>
+        <p:spPr>
+          <a:xfrm>
+            <a:off x="304800" y="766465"/>
+            <a:ext cx="4323620" cy="369332"/>
+          </a:xfrm>
+          <a:prstGeom prst="rect">
+            <a:avLst/>
+          </a:prstGeom>
+          <a:noFill/>
+        </p:spPr>
+        <p:txBody>
+          <a:bodyPr wrap="none" rtlCol="0">
+            <a:spAutoFit/>
+          </a:bodyPr>
+          <a:lstStyle/>
+          <a:p>
+            <a:r>
+              <a:rPr lang="en-US" dirty="0" smtClean="0"/>
+              <a:t>Now we are using counter from state</a:t>
+            </a:r>
+            <a:endParaRPr lang="en-US" dirty="0"/>
+          </a:p>
+        </p:txBody>
+      </p:sp>
       <p:pic>
         <p:nvPicPr>
-          <p:cNvPr id="6146" name="Picture 2"/>
+          <p:cNvPr id="9218" name="Picture 2"/>
           <p:cNvPicPr>
             <a:picLocks noChangeAspect="1" noChangeArrowheads="1"/>
           </p:cNvPicPr>
@@ -13217,8 +13696,8 @@
         </p:blipFill>
         <p:spPr bwMode="auto">
           <a:xfrm>
-            <a:off x="381000" y="766465"/>
-            <a:ext cx="7410450" cy="5029200"/>
+            <a:off x="381000" y="1143000"/>
+            <a:ext cx="4333875" cy="2476500"/>
           </a:xfrm>
           <a:prstGeom prst="rect">
             <a:avLst/>
@@ -13260,7 +13739,7 @@
       </p:pic>
       <p:pic>
         <p:nvPicPr>
-          <p:cNvPr id="6147" name="Picture 3"/>
+          <p:cNvPr id="9220" name="Picture 4"/>
           <p:cNvPicPr>
             <a:picLocks noChangeAspect="1" noChangeArrowheads="1"/>
           </p:cNvPicPr>
@@ -13281,8 +13760,8 @@
         </p:blipFill>
         <p:spPr bwMode="auto">
           <a:xfrm>
-            <a:off x="408296" y="6096000"/>
-            <a:ext cx="1781175" cy="295275"/>
+            <a:off x="228600" y="3810000"/>
+            <a:ext cx="8763000" cy="2390775"/>
           </a:xfrm>
           <a:prstGeom prst="rect">
             <a:avLst/>
@@ -13325,7 +13804,7 @@
     </p:spTree>
     <p:extLst>
       <p:ext uri="{BB962C8B-B14F-4D97-AF65-F5344CB8AC3E}">
-        <p14:creationId xmlns:p14="http://schemas.microsoft.com/office/powerpoint/2010/main" val="644902292"/>
+        <p14:creationId xmlns:p14="http://schemas.microsoft.com/office/powerpoint/2010/main" val="1940245386"/>
       </p:ext>
     </p:extLst>
   </p:cSld>
@@ -13368,7 +13847,7 @@
         <p:spPr>
           <a:xfrm>
             <a:off x="228600" y="304800"/>
-            <a:ext cx="1144865" cy="461665"/>
+            <a:ext cx="2762295" cy="461665"/>
           </a:xfrm>
           <a:prstGeom prst="rect">
             <a:avLst/>
@@ -13389,7 +13868,7 @@
                   </a:schemeClr>
                 </a:solidFill>
               </a:rPr>
-              <a:t>Events</a:t>
+              <a:t>Component State</a:t>
             </a:r>
             <a:endParaRPr lang="en-US" sz="2400" b="1" dirty="0">
               <a:solidFill>
@@ -13433,9 +13912,85 @@
           </a:p>
         </p:txBody>
       </p:sp>
+      <p:sp>
+        <p:nvSpPr>
+          <p:cNvPr id="4" name="TextBox 3"/>
+          <p:cNvSpPr txBox="1"/>
+          <p:nvPr/>
+        </p:nvSpPr>
+        <p:spPr>
+          <a:xfrm>
+            <a:off x="304800" y="766465"/>
+            <a:ext cx="7826181" cy="3139321"/>
+          </a:xfrm>
+          <a:prstGeom prst="rect">
+            <a:avLst/>
+          </a:prstGeom>
+          <a:noFill/>
+        </p:spPr>
+        <p:txBody>
+          <a:bodyPr wrap="none" rtlCol="0">
+            <a:spAutoFit/>
+          </a:bodyPr>
+          <a:lstStyle/>
+          <a:p>
+            <a:r>
+              <a:rPr lang="en-US" dirty="0" err="1" smtClean="0"/>
+              <a:t>This.setState</a:t>
+            </a:r>
+            <a:endParaRPr lang="en-US" dirty="0" smtClean="0"/>
+          </a:p>
+          <a:p>
+            <a:endParaRPr lang="en-US" dirty="0"/>
+          </a:p>
+          <a:p>
+            <a:endParaRPr lang="en-US" dirty="0" smtClean="0"/>
+          </a:p>
+          <a:p>
+            <a:endParaRPr lang="en-US" dirty="0"/>
+          </a:p>
+          <a:p>
+            <a:endParaRPr lang="en-US" dirty="0" smtClean="0"/>
+          </a:p>
+          <a:p>
+            <a:endParaRPr lang="en-US" dirty="0"/>
+          </a:p>
+          <a:p>
+            <a:endParaRPr lang="en-US" dirty="0" smtClean="0"/>
+          </a:p>
+          <a:p>
+            <a:endParaRPr lang="en-US" dirty="0"/>
+          </a:p>
+          <a:p>
+            <a:endParaRPr lang="en-US" dirty="0" smtClean="0"/>
+          </a:p>
+          <a:p>
+            <a:endParaRPr lang="en-US" dirty="0"/>
+          </a:p>
+          <a:p>
+            <a:r>
+              <a:rPr lang="en-US" dirty="0" smtClean="0"/>
+              <a:t>And it will call render method </a:t>
+            </a:r>
+            <a:r>
+              <a:rPr lang="en-US" dirty="0" err="1" smtClean="0"/>
+              <a:t>everytime</a:t>
+            </a:r>
+            <a:r>
+              <a:rPr lang="en-US" dirty="0" smtClean="0"/>
+              <a:t> after setting the </a:t>
+            </a:r>
+            <a:r>
+              <a:rPr lang="en-US" smtClean="0"/>
+              <a:t>state value</a:t>
+            </a:r>
+            <a:endParaRPr lang="en-US" dirty="0"/>
+          </a:p>
+        </p:txBody>
+      </p:sp>
       <p:pic>
         <p:nvPicPr>
-          <p:cNvPr id="7170" name="Picture 2"/>
+          <p:cNvPr id="10242" name="Picture 2"/>
           <p:cNvPicPr>
             <a:picLocks noChangeAspect="1" noChangeArrowheads="1"/>
           </p:cNvPicPr>
@@ -13456,8 +14011,8 @@
         </p:blipFill>
         <p:spPr bwMode="auto">
           <a:xfrm>
-            <a:off x="381000" y="855047"/>
-            <a:ext cx="7581900" cy="3562350"/>
+            <a:off x="114300" y="1161955"/>
+            <a:ext cx="8724900" cy="2019300"/>
           </a:xfrm>
           <a:prstGeom prst="rect">
             <a:avLst/>
@@ -13497,72 +14052,10 @@
           </a:extLst>
         </p:spPr>
       </p:pic>
-      <p:sp>
-        <p:nvSpPr>
-          <p:cNvPr id="3" name="TextBox 2"/>
-          <p:cNvSpPr txBox="1"/>
-          <p:nvPr/>
-        </p:nvSpPr>
-        <p:spPr>
-          <a:xfrm>
-            <a:off x="551345" y="4724400"/>
-            <a:ext cx="2618024" cy="1261884"/>
-          </a:xfrm>
-          <a:prstGeom prst="rect">
-            <a:avLst/>
-          </a:prstGeom>
-          <a:noFill/>
-        </p:spPr>
-        <p:txBody>
-          <a:bodyPr wrap="none" rtlCol="0">
-            <a:spAutoFit/>
-          </a:bodyPr>
-          <a:lstStyle/>
-          <a:p>
-            <a:r>
-              <a:rPr lang="en-US" dirty="0" smtClean="0"/>
-              <a:t>Always in Camel Case</a:t>
-            </a:r>
-          </a:p>
-          <a:p>
-            <a:endParaRPr lang="en-US" dirty="0"/>
-          </a:p>
-          <a:p>
-            <a:r>
-              <a:rPr lang="en-US" sz="2000" b="1" dirty="0" err="1" smtClean="0">
-                <a:solidFill>
-                  <a:schemeClr val="bg1"/>
-                </a:solidFill>
-              </a:rPr>
-              <a:t>onClick</a:t>
-            </a:r>
-            <a:endParaRPr lang="en-US" sz="2000" b="1" dirty="0" smtClean="0">
-              <a:solidFill>
-                <a:schemeClr val="bg1"/>
-              </a:solidFill>
-            </a:endParaRPr>
-          </a:p>
-          <a:p>
-            <a:r>
-              <a:rPr lang="en-US" sz="2000" b="1" dirty="0" err="1" smtClean="0">
-                <a:solidFill>
-                  <a:schemeClr val="bg1"/>
-                </a:solidFill>
-              </a:rPr>
-              <a:t>onChange</a:t>
-            </a:r>
-            <a:endParaRPr lang="en-US" sz="2000" b="1" dirty="0">
-              <a:solidFill>
-                <a:schemeClr val="bg1"/>
-              </a:solidFill>
-            </a:endParaRPr>
-          </a:p>
-        </p:txBody>
-      </p:sp>
     </p:spTree>
     <p:extLst>
       <p:ext uri="{BB962C8B-B14F-4D97-AF65-F5344CB8AC3E}">
-        <p14:creationId xmlns:p14="http://schemas.microsoft.com/office/powerpoint/2010/main" val="3127438007"/>
+        <p14:creationId xmlns:p14="http://schemas.microsoft.com/office/powerpoint/2010/main" val="2416857441"/>
       </p:ext>
     </p:extLst>
   </p:cSld>
@@ -13596,115 +14089,11 @@
           <a:chExt cx="0" cy="0"/>
         </a:xfrm>
       </p:grpSpPr>
-      <p:sp>
-        <p:nvSpPr>
-          <p:cNvPr id="2" name="TextBox 1"/>
-          <p:cNvSpPr txBox="1"/>
-          <p:nvPr/>
-        </p:nvSpPr>
-        <p:spPr>
-          <a:xfrm>
-            <a:off x="228600" y="304800"/>
-            <a:ext cx="2762295" cy="461665"/>
-          </a:xfrm>
-          <a:prstGeom prst="rect">
-            <a:avLst/>
-          </a:prstGeom>
-          <a:noFill/>
-        </p:spPr>
-        <p:txBody>
-          <a:bodyPr wrap="none" rtlCol="0">
-            <a:spAutoFit/>
-          </a:bodyPr>
-          <a:lstStyle/>
-          <a:p>
-            <a:r>
-              <a:rPr lang="en-US" sz="2400" b="1" dirty="0" smtClean="0">
-                <a:solidFill>
-                  <a:schemeClr val="bg2">
-                    <a:lumMod val="50000"/>
-                  </a:schemeClr>
-                </a:solidFill>
-              </a:rPr>
-              <a:t>Component State</a:t>
-            </a:r>
-            <a:endParaRPr lang="en-US" sz="2400" b="1" dirty="0">
-              <a:solidFill>
-                <a:schemeClr val="bg2">
-                  <a:lumMod val="50000"/>
-                </a:schemeClr>
-              </a:solidFill>
-            </a:endParaRPr>
-          </a:p>
-        </p:txBody>
-      </p:sp>
-      <p:sp>
-        <p:nvSpPr>
-          <p:cNvPr id="6" name="TextBox 5"/>
-          <p:cNvSpPr txBox="1"/>
-          <p:nvPr/>
-        </p:nvSpPr>
-        <p:spPr>
-          <a:xfrm>
-            <a:off x="551345" y="2266890"/>
-            <a:ext cx="184731" cy="369332"/>
-          </a:xfrm>
-          <a:prstGeom prst="rect">
-            <a:avLst/>
-          </a:prstGeom>
-          <a:noFill/>
-        </p:spPr>
-        <p:txBody>
-          <a:bodyPr wrap="none" rtlCol="0">
-            <a:spAutoFit/>
-          </a:bodyPr>
-          <a:lstStyle/>
-          <a:p>
-            <a:endParaRPr lang="en-US" b="1" dirty="0">
-              <a:solidFill>
-                <a:schemeClr val="bg2">
-                  <a:lumMod val="50000"/>
-                </a:schemeClr>
-              </a:solidFill>
-            </a:endParaRPr>
-          </a:p>
-        </p:txBody>
-      </p:sp>
-      <p:sp>
-        <p:nvSpPr>
-          <p:cNvPr id="4" name="TextBox 3"/>
-          <p:cNvSpPr txBox="1"/>
-          <p:nvPr/>
-        </p:nvSpPr>
-        <p:spPr>
-          <a:xfrm>
-            <a:off x="304800" y="766465"/>
-            <a:ext cx="3813865" cy="369332"/>
-          </a:xfrm>
-          <a:prstGeom prst="rect">
-            <a:avLst/>
-          </a:prstGeom>
-          <a:noFill/>
-        </p:spPr>
-        <p:txBody>
-          <a:bodyPr wrap="none" rtlCol="0">
-            <a:spAutoFit/>
-          </a:bodyPr>
-          <a:lstStyle/>
-          <a:p>
-            <a:r>
-              <a:rPr lang="en-US" dirty="0" smtClean="0"/>
-              <a:t>Let’s have a Counter component</a:t>
-            </a:r>
-            <a:endParaRPr lang="en-US" dirty="0"/>
-          </a:p>
-        </p:txBody>
-      </p:sp>
       <p:pic>
         <p:nvPicPr>
-          <p:cNvPr id="8195" name="Picture 3"/>
+          <p:cNvPr id="7" name="Picture 6"/>
           <p:cNvPicPr>
-            <a:picLocks noChangeAspect="1" noChangeArrowheads="1"/>
+            <a:picLocks noChangeAspect="1"/>
           </p:cNvPicPr>
           <p:nvPr/>
         </p:nvPicPr>
@@ -13716,158 +14105,24 @@
               </a:ext>
             </a:extLst>
           </a:blip>
-          <a:srcRect/>
           <a:stretch>
             <a:fillRect/>
           </a:stretch>
         </p:blipFill>
-        <p:spPr bwMode="auto">
-          <a:xfrm>
-            <a:off x="457200" y="1143000"/>
-            <a:ext cx="4714875" cy="2905125"/>
+        <p:spPr>
+          <a:xfrm>
+            <a:off x="564214" y="762000"/>
+            <a:ext cx="8198786" cy="5455919"/>
           </a:xfrm>
           <a:prstGeom prst="rect">
             <a:avLst/>
           </a:prstGeom>
-          <a:noFill/>
-          <a:ln>
-            <a:noFill/>
-          </a:ln>
-          <a:effectLst/>
-          <a:extLst>
-            <a:ext uri="{909E8E84-426E-40DD-AFC4-6F175D3DCCD1}">
-              <a14:hiddenFill xmlns:a14="http://schemas.microsoft.com/office/drawing/2010/main">
-                <a:solidFill>
-                  <a:schemeClr val="accent1"/>
-                </a:solidFill>
-              </a14:hiddenFill>
-            </a:ext>
-            <a:ext uri="{91240B29-F687-4F45-9708-019B960494DF}">
-              <a14:hiddenLine xmlns:a14="http://schemas.microsoft.com/office/drawing/2010/main" w="9525">
-                <a:solidFill>
-                  <a:schemeClr val="tx1"/>
-                </a:solidFill>
-                <a:miter lim="800000"/>
-                <a:headEnd/>
-                <a:tailEnd/>
-              </a14:hiddenLine>
-            </a:ext>
-            <a:ext uri="{AF507438-7753-43E0-B8FC-AC1667EBCBE1}">
-              <a14:hiddenEffects xmlns:a14="http://schemas.microsoft.com/office/drawing/2010/main">
-                <a:effectLst>
-                  <a:outerShdw dist="35921" dir="2700000" algn="ctr" rotWithShape="0">
-                    <a:schemeClr val="bg2"/>
-                  </a:outerShdw>
-                </a:effectLst>
-              </a14:hiddenEffects>
-            </a:ext>
-          </a:extLst>
-        </p:spPr>
-      </p:pic>
-      <p:sp>
-        <p:nvSpPr>
-          <p:cNvPr id="5" name="TextBox 4"/>
-          <p:cNvSpPr txBox="1"/>
-          <p:nvPr/>
-        </p:nvSpPr>
-        <p:spPr>
-          <a:xfrm>
-            <a:off x="457200" y="4172634"/>
-            <a:ext cx="8300670" cy="646331"/>
-          </a:xfrm>
-          <a:prstGeom prst="rect">
-            <a:avLst/>
-          </a:prstGeom>
-          <a:noFill/>
-        </p:spPr>
-        <p:txBody>
-          <a:bodyPr wrap="none" rtlCol="0">
-            <a:spAutoFit/>
-          </a:bodyPr>
-          <a:lstStyle/>
-          <a:p>
-            <a:r>
-              <a:rPr lang="en-US" dirty="0" smtClean="0"/>
-              <a:t>Now we are having Counter from state. And I can define default state in </a:t>
-            </a:r>
-          </a:p>
-          <a:p>
-            <a:r>
-              <a:rPr lang="en-US" dirty="0" smtClean="0"/>
-              <a:t>constructor as initial method of component</a:t>
-            </a:r>
-            <a:endParaRPr lang="en-US" dirty="0"/>
-          </a:p>
-        </p:txBody>
-      </p:sp>
-      <p:pic>
-        <p:nvPicPr>
-          <p:cNvPr id="8196" name="Picture 4"/>
-          <p:cNvPicPr>
-            <a:picLocks noChangeAspect="1" noChangeArrowheads="1"/>
-          </p:cNvPicPr>
-          <p:nvPr/>
-        </p:nvPicPr>
-        <p:blipFill>
-          <a:blip r:embed="rId3">
-            <a:extLst>
-              <a:ext uri="{28A0092B-C50C-407E-A947-70E740481C1C}">
-                <a14:useLocalDpi xmlns:a14="http://schemas.microsoft.com/office/drawing/2010/main" val="0"/>
-              </a:ext>
-            </a:extLst>
-          </a:blip>
-          <a:srcRect/>
-          <a:stretch>
-            <a:fillRect/>
-          </a:stretch>
-        </p:blipFill>
-        <p:spPr bwMode="auto">
-          <a:xfrm>
-            <a:off x="551345" y="4800600"/>
-            <a:ext cx="2314575" cy="1771650"/>
-          </a:xfrm>
-          <a:prstGeom prst="rect">
-            <a:avLst/>
-          </a:prstGeom>
-          <a:noFill/>
-          <a:ln>
-            <a:noFill/>
-          </a:ln>
-          <a:effectLst/>
-          <a:extLst>
-            <a:ext uri="{909E8E84-426E-40DD-AFC4-6F175D3DCCD1}">
-              <a14:hiddenFill xmlns:a14="http://schemas.microsoft.com/office/drawing/2010/main">
-                <a:solidFill>
-                  <a:schemeClr val="accent1"/>
-                </a:solidFill>
-              </a14:hiddenFill>
-            </a:ext>
-            <a:ext uri="{91240B29-F687-4F45-9708-019B960494DF}">
-              <a14:hiddenLine xmlns:a14="http://schemas.microsoft.com/office/drawing/2010/main" w="9525">
-                <a:solidFill>
-                  <a:schemeClr val="tx1"/>
-                </a:solidFill>
-                <a:miter lim="800000"/>
-                <a:headEnd/>
-                <a:tailEnd/>
-              </a14:hiddenLine>
-            </a:ext>
-            <a:ext uri="{AF507438-7753-43E0-B8FC-AC1667EBCBE1}">
-              <a14:hiddenEffects xmlns:a14="http://schemas.microsoft.com/office/drawing/2010/main">
-                <a:effectLst>
-                  <a:outerShdw dist="35921" dir="2700000" algn="ctr" rotWithShape="0">
-                    <a:schemeClr val="bg2"/>
-                  </a:outerShdw>
-                </a:effectLst>
-              </a14:hiddenEffects>
-            </a:ext>
-          </a:extLst>
         </p:spPr>
       </p:pic>
     </p:spTree>
     <p:extLst>
       <p:ext uri="{BB962C8B-B14F-4D97-AF65-F5344CB8AC3E}">
-        <p14:creationId xmlns:p14="http://schemas.microsoft.com/office/powerpoint/2010/main" val="81862202"/>
+        <p14:creationId xmlns:p14="http://schemas.microsoft.com/office/powerpoint/2010/main" val="2313073300"/>
       </p:ext>
     </p:extLst>
   </p:cSld>
@@ -14044,8 +14299,8 @@
         </p:nvSpPr>
         <p:spPr>
           <a:xfrm>
-            <a:off x="228600" y="304800"/>
-            <a:ext cx="2762295" cy="461665"/>
+            <a:off x="990600" y="59063"/>
+            <a:ext cx="7794121" cy="646331"/>
           </a:xfrm>
           <a:prstGeom prst="rect">
             <a:avLst/>
@@ -14059,92 +14314,43 @@
           <a:lstStyle/>
           <a:p>
             <a:r>
-              <a:rPr lang="en-US" sz="2400" b="1" dirty="0" smtClean="0">
+              <a:rPr lang="en-US" sz="3600" dirty="0" smtClean="0">
                 <a:solidFill>
                   <a:schemeClr val="bg2">
                     <a:lumMod val="50000"/>
                   </a:schemeClr>
                 </a:solidFill>
+                <a:latin typeface="Comic Sans MS" pitchFamily="66" charset="0"/>
               </a:rPr>
-              <a:t>Component State</a:t>
-            </a:r>
-            <a:endParaRPr lang="en-US" sz="2400" b="1" dirty="0">
+              <a:t>Thanks to pay your </a:t>
+            </a:r>
+            <a:r>
+              <a:rPr lang="en-US" sz="3600" smtClean="0">
+                <a:solidFill>
+                  <a:schemeClr val="bg2">
+                    <a:lumMod val="50000"/>
+                  </a:schemeClr>
+                </a:solidFill>
+                <a:latin typeface="Comic Sans MS" pitchFamily="66" charset="0"/>
+              </a:rPr>
+              <a:t>attention guys…</a:t>
+            </a:r>
+            <a:endParaRPr lang="en-US" sz="3600" dirty="0">
               <a:solidFill>
                 <a:schemeClr val="bg2">
                   <a:lumMod val="50000"/>
                 </a:schemeClr>
               </a:solidFill>
+              <a:latin typeface="Comic Sans MS" pitchFamily="66" charset="0"/>
             </a:endParaRPr>
-          </a:p>
-        </p:txBody>
-      </p:sp>
-      <p:sp>
-        <p:nvSpPr>
-          <p:cNvPr id="6" name="TextBox 5"/>
-          <p:cNvSpPr txBox="1"/>
-          <p:nvPr/>
-        </p:nvSpPr>
-        <p:spPr>
-          <a:xfrm>
-            <a:off x="551345" y="2266890"/>
-            <a:ext cx="184731" cy="369332"/>
-          </a:xfrm>
-          <a:prstGeom prst="rect">
-            <a:avLst/>
-          </a:prstGeom>
-          <a:noFill/>
-        </p:spPr>
-        <p:txBody>
-          <a:bodyPr wrap="none" rtlCol="0">
-            <a:spAutoFit/>
-          </a:bodyPr>
-          <a:lstStyle/>
-          <a:p>
-            <a:endParaRPr lang="en-US" b="1" dirty="0">
-              <a:solidFill>
-                <a:schemeClr val="bg2">
-                  <a:lumMod val="50000"/>
-                </a:schemeClr>
-              </a:solidFill>
-            </a:endParaRPr>
-          </a:p>
-        </p:txBody>
-      </p:sp>
-      <p:sp>
-        <p:nvSpPr>
-          <p:cNvPr id="4" name="TextBox 3"/>
-          <p:cNvSpPr txBox="1"/>
-          <p:nvPr/>
-        </p:nvSpPr>
-        <p:spPr>
-          <a:xfrm>
-            <a:off x="304800" y="766465"/>
-            <a:ext cx="4323620" cy="369332"/>
-          </a:xfrm>
-          <a:prstGeom prst="rect">
-            <a:avLst/>
-          </a:prstGeom>
-          <a:noFill/>
-        </p:spPr>
-        <p:txBody>
-          <a:bodyPr wrap="none" rtlCol="0">
-            <a:spAutoFit/>
-          </a:bodyPr>
-          <a:lstStyle/>
-          <a:p>
-            <a:r>
-              <a:rPr lang="en-US" dirty="0" smtClean="0"/>
-              <a:t>Now we are using counter from state</a:t>
-            </a:r>
-            <a:endParaRPr lang="en-US" dirty="0"/>
           </a:p>
         </p:txBody>
       </p:sp>
       <p:pic>
         <p:nvPicPr>
-          <p:cNvPr id="9218" name="Picture 2"/>
+          <p:cNvPr id="5" name="Picture 4"/>
           <p:cNvPicPr>
-            <a:picLocks noChangeAspect="1" noChangeArrowheads="1"/>
+            <a:picLocks noChangeAspect="1"/>
           </p:cNvPicPr>
           <p:nvPr/>
         </p:nvPicPr>
@@ -14156,122 +14362,24 @@
               </a:ext>
             </a:extLst>
           </a:blip>
-          <a:srcRect/>
           <a:stretch>
             <a:fillRect/>
           </a:stretch>
         </p:blipFill>
-        <p:spPr bwMode="auto">
-          <a:xfrm>
-            <a:off x="381000" y="1143000"/>
-            <a:ext cx="4333875" cy="2476500"/>
+        <p:spPr>
+          <a:xfrm>
+            <a:off x="0" y="838201"/>
+            <a:ext cx="9144000" cy="6019800"/>
           </a:xfrm>
           <a:prstGeom prst="rect">
             <a:avLst/>
           </a:prstGeom>
-          <a:noFill/>
-          <a:ln>
-            <a:noFill/>
-          </a:ln>
-          <a:effectLst/>
-          <a:extLst>
-            <a:ext uri="{909E8E84-426E-40DD-AFC4-6F175D3DCCD1}">
-              <a14:hiddenFill xmlns:a14="http://schemas.microsoft.com/office/drawing/2010/main">
-                <a:solidFill>
-                  <a:schemeClr val="accent1"/>
-                </a:solidFill>
-              </a14:hiddenFill>
-            </a:ext>
-            <a:ext uri="{91240B29-F687-4F45-9708-019B960494DF}">
-              <a14:hiddenLine xmlns:a14="http://schemas.microsoft.com/office/drawing/2010/main" w="9525">
-                <a:solidFill>
-                  <a:schemeClr val="tx1"/>
-                </a:solidFill>
-                <a:miter lim="800000"/>
-                <a:headEnd/>
-                <a:tailEnd/>
-              </a14:hiddenLine>
-            </a:ext>
-            <a:ext uri="{AF507438-7753-43E0-B8FC-AC1667EBCBE1}">
-              <a14:hiddenEffects xmlns:a14="http://schemas.microsoft.com/office/drawing/2010/main">
-                <a:effectLst>
-                  <a:outerShdw dist="35921" dir="2700000" algn="ctr" rotWithShape="0">
-                    <a:schemeClr val="bg2"/>
-                  </a:outerShdw>
-                </a:effectLst>
-              </a14:hiddenEffects>
-            </a:ext>
-          </a:extLst>
-        </p:spPr>
-      </p:pic>
-      <p:pic>
-        <p:nvPicPr>
-          <p:cNvPr id="9220" name="Picture 4"/>
-          <p:cNvPicPr>
-            <a:picLocks noChangeAspect="1" noChangeArrowheads="1"/>
-          </p:cNvPicPr>
-          <p:nvPr/>
-        </p:nvPicPr>
-        <p:blipFill>
-          <a:blip r:embed="rId3">
-            <a:extLst>
-              <a:ext uri="{28A0092B-C50C-407E-A947-70E740481C1C}">
-                <a14:useLocalDpi xmlns:a14="http://schemas.microsoft.com/office/drawing/2010/main" val="0"/>
-              </a:ext>
-            </a:extLst>
-          </a:blip>
-          <a:srcRect/>
-          <a:stretch>
-            <a:fillRect/>
-          </a:stretch>
-        </p:blipFill>
-        <p:spPr bwMode="auto">
-          <a:xfrm>
-            <a:off x="228600" y="3810000"/>
-            <a:ext cx="8763000" cy="2390775"/>
-          </a:xfrm>
-          <a:prstGeom prst="rect">
-            <a:avLst/>
-          </a:prstGeom>
-          <a:noFill/>
-          <a:ln>
-            <a:noFill/>
-          </a:ln>
-          <a:effectLst/>
-          <a:extLst>
-            <a:ext uri="{909E8E84-426E-40DD-AFC4-6F175D3DCCD1}">
-              <a14:hiddenFill xmlns:a14="http://schemas.microsoft.com/office/drawing/2010/main">
-                <a:solidFill>
-                  <a:schemeClr val="accent1"/>
-                </a:solidFill>
-              </a14:hiddenFill>
-            </a:ext>
-            <a:ext uri="{91240B29-F687-4F45-9708-019B960494DF}">
-              <a14:hiddenLine xmlns:a14="http://schemas.microsoft.com/office/drawing/2010/main" w="9525">
-                <a:solidFill>
-                  <a:schemeClr val="tx1"/>
-                </a:solidFill>
-                <a:miter lim="800000"/>
-                <a:headEnd/>
-                <a:tailEnd/>
-              </a14:hiddenLine>
-            </a:ext>
-            <a:ext uri="{AF507438-7753-43E0-B8FC-AC1667EBCBE1}">
-              <a14:hiddenEffects xmlns:a14="http://schemas.microsoft.com/office/drawing/2010/main">
-                <a:effectLst>
-                  <a:outerShdw dist="35921" dir="2700000" algn="ctr" rotWithShape="0">
-                    <a:schemeClr val="bg2"/>
-                  </a:outerShdw>
-                </a:effectLst>
-              </a14:hiddenEffects>
-            </a:ext>
-          </a:extLst>
         </p:spPr>
       </p:pic>
     </p:spTree>
     <p:extLst>
       <p:ext uri="{BB962C8B-B14F-4D97-AF65-F5344CB8AC3E}">
-        <p14:creationId xmlns:p14="http://schemas.microsoft.com/office/powerpoint/2010/main" val="1940245386"/>
+        <p14:creationId xmlns:p14="http://schemas.microsoft.com/office/powerpoint/2010/main" val="2025893658"/>
       </p:ext>
     </p:extLst>
   </p:cSld>
@@ -14305,161 +14413,11 @@
           <a:chExt cx="0" cy="0"/>
         </a:xfrm>
       </p:grpSpPr>
-      <p:sp>
-        <p:nvSpPr>
-          <p:cNvPr id="2" name="TextBox 1"/>
-          <p:cNvSpPr txBox="1"/>
-          <p:nvPr/>
-        </p:nvSpPr>
-        <p:spPr>
-          <a:xfrm>
-            <a:off x="228600" y="304800"/>
-            <a:ext cx="2762295" cy="461665"/>
-          </a:xfrm>
-          <a:prstGeom prst="rect">
-            <a:avLst/>
-          </a:prstGeom>
-          <a:noFill/>
-        </p:spPr>
-        <p:txBody>
-          <a:bodyPr wrap="none" rtlCol="0">
-            <a:spAutoFit/>
-          </a:bodyPr>
-          <a:lstStyle/>
-          <a:p>
-            <a:r>
-              <a:rPr lang="en-US" sz="2400" b="1" dirty="0" smtClean="0">
-                <a:solidFill>
-                  <a:schemeClr val="bg2">
-                    <a:lumMod val="50000"/>
-                  </a:schemeClr>
-                </a:solidFill>
-              </a:rPr>
-              <a:t>Component State</a:t>
-            </a:r>
-            <a:endParaRPr lang="en-US" sz="2400" b="1" dirty="0">
-              <a:solidFill>
-                <a:schemeClr val="bg2">
-                  <a:lumMod val="50000"/>
-                </a:schemeClr>
-              </a:solidFill>
-            </a:endParaRPr>
-          </a:p>
-        </p:txBody>
-      </p:sp>
-      <p:sp>
-        <p:nvSpPr>
-          <p:cNvPr id="6" name="TextBox 5"/>
-          <p:cNvSpPr txBox="1"/>
-          <p:nvPr/>
-        </p:nvSpPr>
-        <p:spPr>
-          <a:xfrm>
-            <a:off x="551345" y="2266890"/>
-            <a:ext cx="184731" cy="369332"/>
-          </a:xfrm>
-          <a:prstGeom prst="rect">
-            <a:avLst/>
-          </a:prstGeom>
-          <a:noFill/>
-        </p:spPr>
-        <p:txBody>
-          <a:bodyPr wrap="none" rtlCol="0">
-            <a:spAutoFit/>
-          </a:bodyPr>
-          <a:lstStyle/>
-          <a:p>
-            <a:endParaRPr lang="en-US" b="1" dirty="0">
-              <a:solidFill>
-                <a:schemeClr val="bg2">
-                  <a:lumMod val="50000"/>
-                </a:schemeClr>
-              </a:solidFill>
-            </a:endParaRPr>
-          </a:p>
-        </p:txBody>
-      </p:sp>
-      <p:sp>
-        <p:nvSpPr>
-          <p:cNvPr id="4" name="TextBox 3"/>
-          <p:cNvSpPr txBox="1"/>
-          <p:nvPr/>
-        </p:nvSpPr>
-        <p:spPr>
-          <a:xfrm>
-            <a:off x="304800" y="766465"/>
-            <a:ext cx="7826181" cy="3139321"/>
-          </a:xfrm>
-          <a:prstGeom prst="rect">
-            <a:avLst/>
-          </a:prstGeom>
-          <a:noFill/>
-        </p:spPr>
-        <p:txBody>
-          <a:bodyPr wrap="none" rtlCol="0">
-            <a:spAutoFit/>
-          </a:bodyPr>
-          <a:lstStyle/>
-          <a:p>
-            <a:r>
-              <a:rPr lang="en-US" dirty="0" err="1" smtClean="0"/>
-              <a:t>This.setState</a:t>
-            </a:r>
-            <a:endParaRPr lang="en-US" dirty="0" smtClean="0"/>
-          </a:p>
-          <a:p>
-            <a:endParaRPr lang="en-US" dirty="0"/>
-          </a:p>
-          <a:p>
-            <a:endParaRPr lang="en-US" dirty="0" smtClean="0"/>
-          </a:p>
-          <a:p>
-            <a:endParaRPr lang="en-US" dirty="0"/>
-          </a:p>
-          <a:p>
-            <a:endParaRPr lang="en-US" dirty="0" smtClean="0"/>
-          </a:p>
-          <a:p>
-            <a:endParaRPr lang="en-US" dirty="0"/>
-          </a:p>
-          <a:p>
-            <a:endParaRPr lang="en-US" dirty="0" smtClean="0"/>
-          </a:p>
-          <a:p>
-            <a:endParaRPr lang="en-US" dirty="0"/>
-          </a:p>
-          <a:p>
-            <a:endParaRPr lang="en-US" dirty="0" smtClean="0"/>
-          </a:p>
-          <a:p>
-            <a:endParaRPr lang="en-US" dirty="0"/>
-          </a:p>
-          <a:p>
-            <a:r>
-              <a:rPr lang="en-US" dirty="0" smtClean="0"/>
-              <a:t>And it will call render method </a:t>
-            </a:r>
-            <a:r>
-              <a:rPr lang="en-US" dirty="0" err="1" smtClean="0"/>
-              <a:t>everytime</a:t>
-            </a:r>
-            <a:r>
-              <a:rPr lang="en-US" dirty="0" smtClean="0"/>
-              <a:t> after setting the </a:t>
-            </a:r>
-            <a:r>
-              <a:rPr lang="en-US" smtClean="0"/>
-              <a:t>state value</a:t>
-            </a:r>
-            <a:endParaRPr lang="en-US" dirty="0"/>
-          </a:p>
-        </p:txBody>
-      </p:sp>
       <p:pic>
         <p:nvPicPr>
-          <p:cNvPr id="10242" name="Picture 2"/>
+          <p:cNvPr id="4" name="Picture 3"/>
           <p:cNvPicPr>
-            <a:picLocks noChangeAspect="1" noChangeArrowheads="1"/>
+            <a:picLocks noChangeAspect="1"/>
           </p:cNvPicPr>
           <p:nvPr/>
         </p:nvPicPr>
@@ -14471,58 +14429,24 @@
               </a:ext>
             </a:extLst>
           </a:blip>
-          <a:srcRect/>
           <a:stretch>
             <a:fillRect/>
           </a:stretch>
         </p:blipFill>
-        <p:spPr bwMode="auto">
-          <a:xfrm>
-            <a:off x="114300" y="1161955"/>
-            <a:ext cx="8724900" cy="2019300"/>
+        <p:spPr>
+          <a:xfrm>
+            <a:off x="1981200" y="1981200"/>
+            <a:ext cx="5962650" cy="2595506"/>
           </a:xfrm>
           <a:prstGeom prst="rect">
             <a:avLst/>
           </a:prstGeom>
-          <a:noFill/>
-          <a:ln>
-            <a:noFill/>
-          </a:ln>
-          <a:effectLst/>
-          <a:extLst>
-            <a:ext uri="{909E8E84-426E-40DD-AFC4-6F175D3DCCD1}">
-              <a14:hiddenFill xmlns:a14="http://schemas.microsoft.com/office/drawing/2010/main">
-                <a:solidFill>
-                  <a:schemeClr val="accent1"/>
-                </a:solidFill>
-              </a14:hiddenFill>
-            </a:ext>
-            <a:ext uri="{91240B29-F687-4F45-9708-019B960494DF}">
-              <a14:hiddenLine xmlns:a14="http://schemas.microsoft.com/office/drawing/2010/main" w="9525">
-                <a:solidFill>
-                  <a:schemeClr val="tx1"/>
-                </a:solidFill>
-                <a:miter lim="800000"/>
-                <a:headEnd/>
-                <a:tailEnd/>
-              </a14:hiddenLine>
-            </a:ext>
-            <a:ext uri="{AF507438-7753-43E0-B8FC-AC1667EBCBE1}">
-              <a14:hiddenEffects xmlns:a14="http://schemas.microsoft.com/office/drawing/2010/main">
-                <a:effectLst>
-                  <a:outerShdw dist="35921" dir="2700000" algn="ctr" rotWithShape="0">
-                    <a:schemeClr val="bg2"/>
-                  </a:outerShdw>
-                </a:effectLst>
-              </a14:hiddenEffects>
-            </a:ext>
-          </a:extLst>
         </p:spPr>
       </p:pic>
     </p:spTree>
     <p:extLst>
       <p:ext uri="{BB962C8B-B14F-4D97-AF65-F5344CB8AC3E}">
-        <p14:creationId xmlns:p14="http://schemas.microsoft.com/office/powerpoint/2010/main" val="2416857441"/>
+        <p14:creationId xmlns:p14="http://schemas.microsoft.com/office/powerpoint/2010/main" val="3435443172"/>
       </p:ext>
     </p:extLst>
   </p:cSld>
@@ -23289,9 +23213,85 @@
           <a:chExt cx="0" cy="0"/>
         </a:xfrm>
       </p:grpSpPr>
+      <p:sp>
+        <p:nvSpPr>
+          <p:cNvPr id="2" name="TextBox 1"/>
+          <p:cNvSpPr txBox="1"/>
+          <p:nvPr/>
+        </p:nvSpPr>
+        <p:spPr>
+          <a:xfrm>
+            <a:off x="228600" y="304800"/>
+            <a:ext cx="1023037" cy="461665"/>
+          </a:xfrm>
+          <a:prstGeom prst="rect">
+            <a:avLst/>
+          </a:prstGeom>
+          <a:noFill/>
+        </p:spPr>
+        <p:txBody>
+          <a:bodyPr wrap="none" rtlCol="0">
+            <a:spAutoFit/>
+          </a:bodyPr>
+          <a:lstStyle/>
+          <a:p>
+            <a:r>
+              <a:rPr lang="en-US" sz="2400" b="1" dirty="0" smtClean="0">
+                <a:solidFill>
+                  <a:schemeClr val="bg2">
+                    <a:lumMod val="50000"/>
+                  </a:schemeClr>
+                </a:solidFill>
+              </a:rPr>
+              <a:t>Setup</a:t>
+            </a:r>
+            <a:endParaRPr lang="en-US" b="1" dirty="0">
+              <a:solidFill>
+                <a:schemeClr val="bg2">
+                  <a:lumMod val="50000"/>
+                </a:schemeClr>
+              </a:solidFill>
+            </a:endParaRPr>
+          </a:p>
+        </p:txBody>
+      </p:sp>
+      <p:sp>
+        <p:nvSpPr>
+          <p:cNvPr id="4" name="TextBox 3"/>
+          <p:cNvSpPr txBox="1"/>
+          <p:nvPr/>
+        </p:nvSpPr>
+        <p:spPr>
+          <a:xfrm>
+            <a:off x="381000" y="990600"/>
+            <a:ext cx="1677062" cy="369332"/>
+          </a:xfrm>
+          <a:prstGeom prst="rect">
+            <a:avLst/>
+          </a:prstGeom>
+          <a:noFill/>
+        </p:spPr>
+        <p:txBody>
+          <a:bodyPr wrap="none" rtlCol="0">
+            <a:spAutoFit/>
+          </a:bodyPr>
+          <a:lstStyle/>
+          <a:p>
+            <a:r>
+              <a:rPr lang="en-US" dirty="0" smtClean="0"/>
+              <a:t>In </a:t>
+            </a:r>
+            <a:r>
+              <a:rPr lang="en-US" i="1" dirty="0" smtClean="0"/>
+              <a:t>Index.html</a:t>
+            </a:r>
+            <a:endParaRPr lang="en-US" i="1" dirty="0"/>
+          </a:p>
+        </p:txBody>
+      </p:sp>
       <p:pic>
         <p:nvPicPr>
-          <p:cNvPr id="7" name="Picture 6"/>
+          <p:cNvPr id="6" name="Picture 5"/>
           <p:cNvPicPr>
             <a:picLocks noChangeAspect="1"/>
           </p:cNvPicPr>
@@ -23311,8 +23311,8 @@
         </p:blipFill>
         <p:spPr>
           <a:xfrm>
-            <a:off x="564214" y="762000"/>
-            <a:ext cx="8198786" cy="5455919"/>
+            <a:off x="228600" y="1524000"/>
+            <a:ext cx="8915400" cy="5182002"/>
           </a:xfrm>
           <a:prstGeom prst="rect">
             <a:avLst/>
@@ -23322,7 +23322,7 @@
     </p:spTree>
     <p:extLst>
       <p:ext uri="{BB962C8B-B14F-4D97-AF65-F5344CB8AC3E}">
-        <p14:creationId xmlns:p14="http://schemas.microsoft.com/office/powerpoint/2010/main" val="1353019666"/>
+        <p14:creationId xmlns:p14="http://schemas.microsoft.com/office/powerpoint/2010/main" val="1563469630"/>
       </p:ext>
     </p:extLst>
   </p:cSld>

--- a/React-Tutorial.pptx
+++ b/React-Tutorial.pptx
@@ -59,8 +59,11 @@
     <p:sldId id="375" r:id="rId53"/>
     <p:sldId id="298" r:id="rId54"/>
     <p:sldId id="300" r:id="rId55"/>
-    <p:sldId id="328" r:id="rId56"/>
-    <p:sldId id="329" r:id="rId57"/>
+    <p:sldId id="376" r:id="rId56"/>
+    <p:sldId id="377" r:id="rId57"/>
+    <p:sldId id="378" r:id="rId58"/>
+    <p:sldId id="328" r:id="rId59"/>
+    <p:sldId id="329" r:id="rId60"/>
   </p:sldIdLst>
   <p:sldSz cx="9144000" cy="6858000" type="screen4x3"/>
   <p:notesSz cx="6858000" cy="9144000"/>
@@ -788,7 +791,7 @@
             <a:fld id="{1D8BD707-D9CF-40AE-B4C6-C98DA3205C09}" type="datetimeFigureOut">
               <a:rPr lang="en-US" smtClean="0"/>
               <a:pPr/>
-              <a:t>23/04/2018</a:t>
+              <a:t>25/04/2018</a:t>
             </a:fld>
             <a:endParaRPr lang="en-US"/>
           </a:p>
@@ -986,7 +989,7 @@
             <a:fld id="{1D8BD707-D9CF-40AE-B4C6-C98DA3205C09}" type="datetimeFigureOut">
               <a:rPr lang="en-US" smtClean="0"/>
               <a:pPr/>
-              <a:t>23/04/2018</a:t>
+              <a:t>25/04/2018</a:t>
             </a:fld>
             <a:endParaRPr lang="en-US"/>
           </a:p>
@@ -1173,7 +1176,7 @@
             <a:fld id="{1D8BD707-D9CF-40AE-B4C6-C98DA3205C09}" type="datetimeFigureOut">
               <a:rPr lang="en-US" smtClean="0"/>
               <a:pPr/>
-              <a:t>23/04/2018</a:t>
+              <a:t>25/04/2018</a:t>
             </a:fld>
             <a:endParaRPr lang="en-US"/>
           </a:p>
@@ -1325,7 +1328,7 @@
             <a:fld id="{1D8BD707-D9CF-40AE-B4C6-C98DA3205C09}" type="datetimeFigureOut">
               <a:rPr lang="en-US" smtClean="0"/>
               <a:pPr/>
-              <a:t>23/04/2018</a:t>
+              <a:t>25/04/2018</a:t>
             </a:fld>
             <a:endParaRPr lang="en-US"/>
           </a:p>
@@ -1582,7 +1585,7 @@
             <a:fld id="{1D8BD707-D9CF-40AE-B4C6-C98DA3205C09}" type="datetimeFigureOut">
               <a:rPr lang="en-US" smtClean="0"/>
               <a:pPr/>
-              <a:t>23/04/2018</a:t>
+              <a:t>25/04/2018</a:t>
             </a:fld>
             <a:endParaRPr lang="en-US"/>
           </a:p>
@@ -1993,7 +1996,7 @@
             <a:fld id="{1D8BD707-D9CF-40AE-B4C6-C98DA3205C09}" type="datetimeFigureOut">
               <a:rPr lang="en-US" smtClean="0"/>
               <a:pPr/>
-              <a:t>23/04/2018</a:t>
+              <a:t>25/04/2018</a:t>
             </a:fld>
             <a:endParaRPr lang="en-US"/>
           </a:p>
@@ -2441,7 +2444,7 @@
             <a:fld id="{1D8BD707-D9CF-40AE-B4C6-C98DA3205C09}" type="datetimeFigureOut">
               <a:rPr lang="en-US" smtClean="0"/>
               <a:pPr/>
-              <a:t>23/04/2018</a:t>
+              <a:t>25/04/2018</a:t>
             </a:fld>
             <a:endParaRPr lang="en-US"/>
           </a:p>
@@ -2544,7 +2547,7 @@
             <a:fld id="{1D8BD707-D9CF-40AE-B4C6-C98DA3205C09}" type="datetimeFigureOut">
               <a:rPr lang="en-US" smtClean="0"/>
               <a:pPr/>
-              <a:t>23/04/2018</a:t>
+              <a:t>25/04/2018</a:t>
             </a:fld>
             <a:endParaRPr lang="en-US"/>
           </a:p>
@@ -2667,7 +2670,7 @@
             <a:fld id="{1D8BD707-D9CF-40AE-B4C6-C98DA3205C09}" type="datetimeFigureOut">
               <a:rPr lang="en-US" smtClean="0"/>
               <a:pPr/>
-              <a:t>23/04/2018</a:t>
+              <a:t>25/04/2018</a:t>
             </a:fld>
             <a:endParaRPr lang="en-US"/>
           </a:p>
@@ -2943,7 +2946,7 @@
             <a:fld id="{1D8BD707-D9CF-40AE-B4C6-C98DA3205C09}" type="datetimeFigureOut">
               <a:rPr lang="en-US" smtClean="0"/>
               <a:pPr/>
-              <a:t>23/04/2018</a:t>
+              <a:t>25/04/2018</a:t>
             </a:fld>
             <a:endParaRPr lang="en-US"/>
           </a:p>
@@ -3150,7 +3153,7 @@
             <a:fld id="{1D8BD707-D9CF-40AE-B4C6-C98DA3205C09}" type="datetimeFigureOut">
               <a:rPr lang="en-US" smtClean="0"/>
               <a:pPr/>
-              <a:t>23/04/2018</a:t>
+              <a:t>25/04/2018</a:t>
             </a:fld>
             <a:endParaRPr lang="en-US"/>
           </a:p>
@@ -4261,7 +4264,7 @@
             <a:fld id="{1D8BD707-D9CF-40AE-B4C6-C98DA3205C09}" type="datetimeFigureOut">
               <a:rPr lang="en-US" smtClean="0"/>
               <a:pPr/>
-              <a:t>23/04/2018</a:t>
+              <a:t>25/04/2018</a:t>
             </a:fld>
             <a:endParaRPr lang="en-US"/>
           </a:p>
@@ -17841,6 +17844,619 @@
       </p:grpSpPr>
       <p:sp>
         <p:nvSpPr>
+          <p:cNvPr id="3" name="TextBox 2"/>
+          <p:cNvSpPr txBox="1"/>
+          <p:nvPr/>
+        </p:nvSpPr>
+        <p:spPr>
+          <a:xfrm>
+            <a:off x="228600" y="304800"/>
+            <a:ext cx="2808782" cy="369332"/>
+          </a:xfrm>
+          <a:prstGeom prst="rect">
+            <a:avLst/>
+          </a:prstGeom>
+          <a:noFill/>
+        </p:spPr>
+        <p:txBody>
+          <a:bodyPr wrap="none" rtlCol="0">
+            <a:spAutoFit/>
+          </a:bodyPr>
+          <a:lstStyle/>
+          <a:p>
+            <a:r>
+              <a:rPr lang="en-US" b="1" dirty="0" smtClean="0">
+                <a:solidFill>
+                  <a:schemeClr val="bg2">
+                    <a:lumMod val="50000"/>
+                  </a:schemeClr>
+                </a:solidFill>
+              </a:rPr>
+              <a:t>React HTTP Service Call</a:t>
+            </a:r>
+            <a:endParaRPr lang="en-US" b="1" dirty="0">
+              <a:solidFill>
+                <a:schemeClr val="bg2">
+                  <a:lumMod val="50000"/>
+                </a:schemeClr>
+              </a:solidFill>
+            </a:endParaRPr>
+          </a:p>
+        </p:txBody>
+      </p:sp>
+      <p:sp>
+        <p:nvSpPr>
+          <p:cNvPr id="5" name="TextBox 4"/>
+          <p:cNvSpPr txBox="1"/>
+          <p:nvPr/>
+        </p:nvSpPr>
+        <p:spPr>
+          <a:xfrm>
+            <a:off x="381000" y="4343400"/>
+            <a:ext cx="184731" cy="369332"/>
+          </a:xfrm>
+          <a:prstGeom prst="rect">
+            <a:avLst/>
+          </a:prstGeom>
+          <a:noFill/>
+        </p:spPr>
+        <p:txBody>
+          <a:bodyPr wrap="none" rtlCol="0">
+            <a:spAutoFit/>
+          </a:bodyPr>
+          <a:lstStyle/>
+          <a:p>
+            <a:endParaRPr lang="en-US" dirty="0"/>
+          </a:p>
+        </p:txBody>
+      </p:sp>
+      <p:sp>
+        <p:nvSpPr>
+          <p:cNvPr id="4" name="TextBox 3"/>
+          <p:cNvSpPr txBox="1"/>
+          <p:nvPr/>
+        </p:nvSpPr>
+        <p:spPr>
+          <a:xfrm>
+            <a:off x="381000" y="914400"/>
+            <a:ext cx="5227713" cy="2308324"/>
+          </a:xfrm>
+          <a:prstGeom prst="rect">
+            <a:avLst/>
+          </a:prstGeom>
+          <a:noFill/>
+        </p:spPr>
+        <p:txBody>
+          <a:bodyPr wrap="none" rtlCol="0">
+            <a:spAutoFit/>
+          </a:bodyPr>
+          <a:lstStyle/>
+          <a:p>
+            <a:r>
+              <a:rPr lang="en-US" dirty="0" err="1" smtClean="0"/>
+              <a:t>axios</a:t>
+            </a:r>
+            <a:endParaRPr lang="en-US" dirty="0" smtClean="0"/>
+          </a:p>
+          <a:p>
+            <a:endParaRPr lang="en-US" dirty="0"/>
+          </a:p>
+          <a:p>
+            <a:endParaRPr lang="en-US" dirty="0" smtClean="0"/>
+          </a:p>
+          <a:p>
+            <a:r>
+              <a:rPr lang="en-US" dirty="0" smtClean="0"/>
+              <a:t>Let’s import first</a:t>
+            </a:r>
+          </a:p>
+          <a:p>
+            <a:endParaRPr lang="en-US" dirty="0"/>
+          </a:p>
+          <a:p>
+            <a:endParaRPr lang="en-US" dirty="0" smtClean="0"/>
+          </a:p>
+          <a:p>
+            <a:endParaRPr lang="en-US" dirty="0"/>
+          </a:p>
+          <a:p>
+            <a:r>
+              <a:rPr lang="en-US" dirty="0" smtClean="0"/>
+              <a:t>In </a:t>
+            </a:r>
+            <a:r>
+              <a:rPr lang="en-US" dirty="0" err="1" smtClean="0"/>
+              <a:t>componentWillMount</a:t>
+            </a:r>
+            <a:r>
+              <a:rPr lang="en-US" dirty="0" smtClean="0"/>
+              <a:t> I can call my service </a:t>
+            </a:r>
+          </a:p>
+        </p:txBody>
+      </p:sp>
+      <p:sp>
+        <p:nvSpPr>
+          <p:cNvPr id="7" name="Rectangle 6"/>
+          <p:cNvSpPr/>
+          <p:nvPr/>
+        </p:nvSpPr>
+        <p:spPr>
+          <a:xfrm>
+            <a:off x="381000" y="1283732"/>
+            <a:ext cx="5867400" cy="316468"/>
+          </a:xfrm>
+          <a:prstGeom prst="rect">
+            <a:avLst/>
+          </a:prstGeom>
+          <a:solidFill>
+            <a:schemeClr val="tx1">
+              <a:lumMod val="85000"/>
+              <a:lumOff val="15000"/>
+            </a:schemeClr>
+          </a:solidFill>
+          <a:ln>
+            <a:solidFill>
+              <a:schemeClr val="bg1"/>
+            </a:solidFill>
+          </a:ln>
+        </p:spPr>
+        <p:style>
+          <a:lnRef idx="2">
+            <a:schemeClr val="accent1">
+              <a:shade val="50000"/>
+            </a:schemeClr>
+          </a:lnRef>
+          <a:fillRef idx="1">
+            <a:schemeClr val="accent1"/>
+          </a:fillRef>
+          <a:effectRef idx="0">
+            <a:schemeClr val="accent1"/>
+          </a:effectRef>
+          <a:fontRef idx="minor">
+            <a:schemeClr val="lt1"/>
+          </a:fontRef>
+        </p:style>
+        <p:txBody>
+          <a:bodyPr rtlCol="0" anchor="ctr"/>
+          <a:lstStyle/>
+          <a:p>
+            <a:r>
+              <a:rPr lang="en-US" dirty="0" err="1" smtClean="0"/>
+              <a:t>npm</a:t>
+            </a:r>
+            <a:r>
+              <a:rPr lang="en-US" dirty="0" smtClean="0"/>
+              <a:t> install --save </a:t>
+            </a:r>
+            <a:r>
+              <a:rPr lang="en-US" dirty="0" err="1" smtClean="0"/>
+              <a:t>axios</a:t>
+            </a:r>
+            <a:endParaRPr lang="en-US" dirty="0"/>
+          </a:p>
+        </p:txBody>
+      </p:sp>
+      <p:pic>
+        <p:nvPicPr>
+          <p:cNvPr id="1026" name="Picture 2"/>
+          <p:cNvPicPr>
+            <a:picLocks noChangeAspect="1" noChangeArrowheads="1"/>
+          </p:cNvPicPr>
+          <p:nvPr/>
+        </p:nvPicPr>
+        <p:blipFill>
+          <a:blip r:embed="rId2">
+            <a:extLst>
+              <a:ext uri="{28A0092B-C50C-407E-A947-70E740481C1C}">
+                <a14:useLocalDpi xmlns:a14="http://schemas.microsoft.com/office/drawing/2010/main" val="0"/>
+              </a:ext>
+            </a:extLst>
+          </a:blip>
+          <a:srcRect/>
+          <a:stretch>
+            <a:fillRect/>
+          </a:stretch>
+        </p:blipFill>
+        <p:spPr bwMode="auto">
+          <a:xfrm>
+            <a:off x="371475" y="3276600"/>
+            <a:ext cx="8772525" cy="2152650"/>
+          </a:xfrm>
+          <a:prstGeom prst="rect">
+            <a:avLst/>
+          </a:prstGeom>
+          <a:noFill/>
+          <a:ln>
+            <a:noFill/>
+          </a:ln>
+          <a:effectLst/>
+          <a:extLst>
+            <a:ext uri="{909E8E84-426E-40DD-AFC4-6F175D3DCCD1}">
+              <a14:hiddenFill xmlns:a14="http://schemas.microsoft.com/office/drawing/2010/main">
+                <a:solidFill>
+                  <a:schemeClr val="accent1"/>
+                </a:solidFill>
+              </a14:hiddenFill>
+            </a:ext>
+            <a:ext uri="{91240B29-F687-4F45-9708-019B960494DF}">
+              <a14:hiddenLine xmlns:a14="http://schemas.microsoft.com/office/drawing/2010/main" w="9525">
+                <a:solidFill>
+                  <a:schemeClr val="tx1"/>
+                </a:solidFill>
+                <a:miter lim="800000"/>
+                <a:headEnd/>
+                <a:tailEnd/>
+              </a14:hiddenLine>
+            </a:ext>
+            <a:ext uri="{AF507438-7753-43E0-B8FC-AC1667EBCBE1}">
+              <a14:hiddenEffects xmlns:a14="http://schemas.microsoft.com/office/drawing/2010/main">
+                <a:effectLst>
+                  <a:outerShdw dist="35921" dir="2700000" algn="ctr" rotWithShape="0">
+                    <a:schemeClr val="bg2"/>
+                  </a:outerShdw>
+                </a:effectLst>
+              </a14:hiddenEffects>
+            </a:ext>
+          </a:extLst>
+        </p:spPr>
+      </p:pic>
+      <p:pic>
+        <p:nvPicPr>
+          <p:cNvPr id="1027" name="Picture 3"/>
+          <p:cNvPicPr>
+            <a:picLocks noChangeAspect="1" noChangeArrowheads="1"/>
+          </p:cNvPicPr>
+          <p:nvPr/>
+        </p:nvPicPr>
+        <p:blipFill>
+          <a:blip r:embed="rId3">
+            <a:extLst>
+              <a:ext uri="{28A0092B-C50C-407E-A947-70E740481C1C}">
+                <a14:useLocalDpi xmlns:a14="http://schemas.microsoft.com/office/drawing/2010/main" val="0"/>
+              </a:ext>
+            </a:extLst>
+          </a:blip>
+          <a:srcRect/>
+          <a:stretch>
+            <a:fillRect/>
+          </a:stretch>
+        </p:blipFill>
+        <p:spPr bwMode="auto">
+          <a:xfrm>
+            <a:off x="381000" y="2286000"/>
+            <a:ext cx="3114675" cy="390525"/>
+          </a:xfrm>
+          <a:prstGeom prst="rect">
+            <a:avLst/>
+          </a:prstGeom>
+          <a:noFill/>
+          <a:ln>
+            <a:noFill/>
+          </a:ln>
+          <a:effectLst/>
+          <a:extLst>
+            <a:ext uri="{909E8E84-426E-40DD-AFC4-6F175D3DCCD1}">
+              <a14:hiddenFill xmlns:a14="http://schemas.microsoft.com/office/drawing/2010/main">
+                <a:solidFill>
+                  <a:schemeClr val="accent1"/>
+                </a:solidFill>
+              </a14:hiddenFill>
+            </a:ext>
+            <a:ext uri="{91240B29-F687-4F45-9708-019B960494DF}">
+              <a14:hiddenLine xmlns:a14="http://schemas.microsoft.com/office/drawing/2010/main" w="9525">
+                <a:solidFill>
+                  <a:schemeClr val="tx1"/>
+                </a:solidFill>
+                <a:miter lim="800000"/>
+                <a:headEnd/>
+                <a:tailEnd/>
+              </a14:hiddenLine>
+            </a:ext>
+            <a:ext uri="{AF507438-7753-43E0-B8FC-AC1667EBCBE1}">
+              <a14:hiddenEffects xmlns:a14="http://schemas.microsoft.com/office/drawing/2010/main">
+                <a:effectLst>
+                  <a:outerShdw dist="35921" dir="2700000" algn="ctr" rotWithShape="0">
+                    <a:schemeClr val="bg2"/>
+                  </a:outerShdw>
+                </a:effectLst>
+              </a14:hiddenEffects>
+            </a:ext>
+          </a:extLst>
+        </p:spPr>
+      </p:pic>
+    </p:spTree>
+    <p:extLst>
+      <p:ext uri="{BB962C8B-B14F-4D97-AF65-F5344CB8AC3E}">
+        <p14:creationId xmlns:p14="http://schemas.microsoft.com/office/powerpoint/2010/main" val="2074589789"/>
+      </p:ext>
+    </p:extLst>
+  </p:cSld>
+  <p:clrMapOvr>
+    <a:masterClrMapping/>
+  </p:clrMapOvr>
+</p:sld>
+</file>
+
+<file path=ppt/slides/slide56.xml><?xml version="1.0" encoding="utf-8"?>
+<p:sld xmlns:a="http://schemas.openxmlformats.org/drawingml/2006/main" xmlns:r="http://schemas.openxmlformats.org/officeDocument/2006/relationships" xmlns:p="http://schemas.openxmlformats.org/presentationml/2006/main">
+  <p:cSld>
+    <p:spTree>
+      <p:nvGrpSpPr>
+        <p:cNvPr id="1" name=""/>
+        <p:cNvGrpSpPr/>
+        <p:nvPr/>
+      </p:nvGrpSpPr>
+      <p:grpSpPr>
+        <a:xfrm>
+          <a:off x="0" y="0"/>
+          <a:ext cx="0" cy="0"/>
+          <a:chOff x="0" y="0"/>
+          <a:chExt cx="0" cy="0"/>
+        </a:xfrm>
+      </p:grpSpPr>
+      <p:sp>
+        <p:nvSpPr>
+          <p:cNvPr id="3" name="TextBox 2"/>
+          <p:cNvSpPr txBox="1"/>
+          <p:nvPr/>
+        </p:nvSpPr>
+        <p:spPr>
+          <a:xfrm>
+            <a:off x="228600" y="304800"/>
+            <a:ext cx="2808782" cy="369332"/>
+          </a:xfrm>
+          <a:prstGeom prst="rect">
+            <a:avLst/>
+          </a:prstGeom>
+          <a:noFill/>
+        </p:spPr>
+        <p:txBody>
+          <a:bodyPr wrap="none" rtlCol="0">
+            <a:spAutoFit/>
+          </a:bodyPr>
+          <a:lstStyle/>
+          <a:p>
+            <a:r>
+              <a:rPr lang="en-US" b="1" dirty="0" smtClean="0">
+                <a:solidFill>
+                  <a:schemeClr val="bg2">
+                    <a:lumMod val="50000"/>
+                  </a:schemeClr>
+                </a:solidFill>
+              </a:rPr>
+              <a:t>React HTTP Service Call</a:t>
+            </a:r>
+            <a:endParaRPr lang="en-US" b="1" dirty="0">
+              <a:solidFill>
+                <a:schemeClr val="bg2">
+                  <a:lumMod val="50000"/>
+                </a:schemeClr>
+              </a:solidFill>
+            </a:endParaRPr>
+          </a:p>
+        </p:txBody>
+      </p:sp>
+      <p:sp>
+        <p:nvSpPr>
+          <p:cNvPr id="5" name="TextBox 4"/>
+          <p:cNvSpPr txBox="1"/>
+          <p:nvPr/>
+        </p:nvSpPr>
+        <p:spPr>
+          <a:xfrm>
+            <a:off x="381000" y="4343400"/>
+            <a:ext cx="184731" cy="369332"/>
+          </a:xfrm>
+          <a:prstGeom prst="rect">
+            <a:avLst/>
+          </a:prstGeom>
+          <a:noFill/>
+        </p:spPr>
+        <p:txBody>
+          <a:bodyPr wrap="none" rtlCol="0">
+            <a:spAutoFit/>
+          </a:bodyPr>
+          <a:lstStyle/>
+          <a:p>
+            <a:endParaRPr lang="en-US" dirty="0"/>
+          </a:p>
+        </p:txBody>
+      </p:sp>
+      <p:pic>
+        <p:nvPicPr>
+          <p:cNvPr id="2050" name="Picture 2"/>
+          <p:cNvPicPr>
+            <a:picLocks noChangeAspect="1" noChangeArrowheads="1"/>
+          </p:cNvPicPr>
+          <p:nvPr/>
+        </p:nvPicPr>
+        <p:blipFill>
+          <a:blip r:embed="rId2">
+            <a:extLst>
+              <a:ext uri="{28A0092B-C50C-407E-A947-70E740481C1C}">
+                <a14:useLocalDpi xmlns:a14="http://schemas.microsoft.com/office/drawing/2010/main" val="0"/>
+              </a:ext>
+            </a:extLst>
+          </a:blip>
+          <a:srcRect/>
+          <a:stretch>
+            <a:fillRect/>
+          </a:stretch>
+        </p:blipFill>
+        <p:spPr bwMode="auto">
+          <a:xfrm>
+            <a:off x="381000" y="1066800"/>
+            <a:ext cx="7848600" cy="2124075"/>
+          </a:xfrm>
+          <a:prstGeom prst="rect">
+            <a:avLst/>
+          </a:prstGeom>
+          <a:noFill/>
+          <a:ln>
+            <a:noFill/>
+          </a:ln>
+          <a:effectLst/>
+          <a:extLst>
+            <a:ext uri="{909E8E84-426E-40DD-AFC4-6F175D3DCCD1}">
+              <a14:hiddenFill xmlns:a14="http://schemas.microsoft.com/office/drawing/2010/main">
+                <a:solidFill>
+                  <a:schemeClr val="accent1"/>
+                </a:solidFill>
+              </a14:hiddenFill>
+            </a:ext>
+            <a:ext uri="{91240B29-F687-4F45-9708-019B960494DF}">
+              <a14:hiddenLine xmlns:a14="http://schemas.microsoft.com/office/drawing/2010/main" w="9525">
+                <a:solidFill>
+                  <a:schemeClr val="tx1"/>
+                </a:solidFill>
+                <a:miter lim="800000"/>
+                <a:headEnd/>
+                <a:tailEnd/>
+              </a14:hiddenLine>
+            </a:ext>
+            <a:ext uri="{AF507438-7753-43E0-B8FC-AC1667EBCBE1}">
+              <a14:hiddenEffects xmlns:a14="http://schemas.microsoft.com/office/drawing/2010/main">
+                <a:effectLst>
+                  <a:outerShdw dist="35921" dir="2700000" algn="ctr" rotWithShape="0">
+                    <a:schemeClr val="bg2"/>
+                  </a:outerShdw>
+                </a:effectLst>
+              </a14:hiddenEffects>
+            </a:ext>
+          </a:extLst>
+        </p:spPr>
+      </p:pic>
+    </p:spTree>
+    <p:extLst>
+      <p:ext uri="{BB962C8B-B14F-4D97-AF65-F5344CB8AC3E}">
+        <p14:creationId xmlns:p14="http://schemas.microsoft.com/office/powerpoint/2010/main" val="50635747"/>
+      </p:ext>
+    </p:extLst>
+  </p:cSld>
+  <p:clrMapOvr>
+    <a:masterClrMapping/>
+  </p:clrMapOvr>
+</p:sld>
+</file>
+
+<file path=ppt/slides/slide57.xml><?xml version="1.0" encoding="utf-8"?>
+<p:sld xmlns:a="http://schemas.openxmlformats.org/drawingml/2006/main" xmlns:r="http://schemas.openxmlformats.org/officeDocument/2006/relationships" xmlns:p="http://schemas.openxmlformats.org/presentationml/2006/main">
+  <p:cSld>
+    <p:spTree>
+      <p:nvGrpSpPr>
+        <p:cNvPr id="1" name=""/>
+        <p:cNvGrpSpPr/>
+        <p:nvPr/>
+      </p:nvGrpSpPr>
+      <p:grpSpPr>
+        <a:xfrm>
+          <a:off x="0" y="0"/>
+          <a:ext cx="0" cy="0"/>
+          <a:chOff x="0" y="0"/>
+          <a:chExt cx="0" cy="0"/>
+        </a:xfrm>
+      </p:grpSpPr>
+      <p:sp>
+        <p:nvSpPr>
+          <p:cNvPr id="3" name="TextBox 2"/>
+          <p:cNvSpPr txBox="1"/>
+          <p:nvPr/>
+        </p:nvSpPr>
+        <p:spPr>
+          <a:xfrm>
+            <a:off x="228600" y="304800"/>
+            <a:ext cx="4259499" cy="523220"/>
+          </a:xfrm>
+          <a:prstGeom prst="rect">
+            <a:avLst/>
+          </a:prstGeom>
+          <a:noFill/>
+        </p:spPr>
+        <p:txBody>
+          <a:bodyPr wrap="none" rtlCol="0">
+            <a:spAutoFit/>
+          </a:bodyPr>
+          <a:lstStyle/>
+          <a:p>
+            <a:r>
+              <a:rPr lang="en-US" sz="2800" b="1" dirty="0" smtClean="0">
+                <a:solidFill>
+                  <a:schemeClr val="bg2">
+                    <a:lumMod val="50000"/>
+                  </a:schemeClr>
+                </a:solidFill>
+              </a:rPr>
+              <a:t>Single Page Application</a:t>
+            </a:r>
+            <a:endParaRPr lang="en-US" sz="2800" b="1" dirty="0">
+              <a:solidFill>
+                <a:schemeClr val="bg2">
+                  <a:lumMod val="50000"/>
+                </a:schemeClr>
+              </a:solidFill>
+            </a:endParaRPr>
+          </a:p>
+        </p:txBody>
+      </p:sp>
+      <p:sp>
+        <p:nvSpPr>
+          <p:cNvPr id="5" name="TextBox 4"/>
+          <p:cNvSpPr txBox="1"/>
+          <p:nvPr/>
+        </p:nvSpPr>
+        <p:spPr>
+          <a:xfrm>
+            <a:off x="381000" y="4343400"/>
+            <a:ext cx="184731" cy="369332"/>
+          </a:xfrm>
+          <a:prstGeom prst="rect">
+            <a:avLst/>
+          </a:prstGeom>
+          <a:noFill/>
+        </p:spPr>
+        <p:txBody>
+          <a:bodyPr wrap="none" rtlCol="0">
+            <a:spAutoFit/>
+          </a:bodyPr>
+          <a:lstStyle/>
+          <a:p>
+            <a:endParaRPr lang="en-US" dirty="0"/>
+          </a:p>
+        </p:txBody>
+      </p:sp>
+    </p:spTree>
+    <p:extLst>
+      <p:ext uri="{BB962C8B-B14F-4D97-AF65-F5344CB8AC3E}">
+        <p14:creationId xmlns:p14="http://schemas.microsoft.com/office/powerpoint/2010/main" val="3312354408"/>
+      </p:ext>
+    </p:extLst>
+  </p:cSld>
+  <p:clrMapOvr>
+    <a:masterClrMapping/>
+  </p:clrMapOvr>
+</p:sld>
+</file>
+
+<file path=ppt/slides/slide58.xml><?xml version="1.0" encoding="utf-8"?>
+<p:sld xmlns:a="http://schemas.openxmlformats.org/drawingml/2006/main" xmlns:r="http://schemas.openxmlformats.org/officeDocument/2006/relationships" xmlns:p="http://schemas.openxmlformats.org/presentationml/2006/main">
+  <p:cSld>
+    <p:spTree>
+      <p:nvGrpSpPr>
+        <p:cNvPr id="1" name=""/>
+        <p:cNvGrpSpPr/>
+        <p:nvPr/>
+      </p:nvGrpSpPr>
+      <p:grpSpPr>
+        <a:xfrm>
+          <a:off x="0" y="0"/>
+          <a:ext cx="0" cy="0"/>
+          <a:chOff x="0" y="0"/>
+          <a:chExt cx="0" cy="0"/>
+        </a:xfrm>
+      </p:grpSpPr>
+      <p:sp>
+        <p:nvSpPr>
           <p:cNvPr id="4" name="TextBox 3"/>
           <p:cNvSpPr txBox="1"/>
           <p:nvPr/>
@@ -18107,7 +18723,7 @@
 </p:sld>
 </file>
 
-<file path=ppt/slides/slide56.xml><?xml version="1.0" encoding="utf-8"?>
+<file path=ppt/slides/slide59.xml><?xml version="1.0" encoding="utf-8"?>
 <p:sld xmlns:a="http://schemas.openxmlformats.org/drawingml/2006/main" xmlns:r="http://schemas.openxmlformats.org/officeDocument/2006/relationships" xmlns:p="http://schemas.openxmlformats.org/presentationml/2006/main">
   <p:cSld>
     <p:spTree>
